--- a/thesis/ukapp2/wqu_isc/sofware_design/Lesson 2 - Java.pptx
+++ b/thesis/ukapp2/wqu_isc/sofware_design/Lesson 2 - Java.pptx
@@ -8,18 +8,27 @@
     <p:sldId id="256" r:id="rId5"/>
     <p:sldId id="272" r:id="rId6"/>
     <p:sldId id="267" r:id="rId7"/>
-    <p:sldId id="268" r:id="rId8"/>
-    <p:sldId id="258" r:id="rId9"/>
-    <p:sldId id="259" r:id="rId10"/>
-    <p:sldId id="260" r:id="rId11"/>
-    <p:sldId id="262" r:id="rId12"/>
-    <p:sldId id="264" r:id="rId13"/>
-    <p:sldId id="265" r:id="rId14"/>
-    <p:sldId id="263" r:id="rId15"/>
-    <p:sldId id="269" r:id="rId16"/>
-    <p:sldId id="270" r:id="rId17"/>
-    <p:sldId id="271" r:id="rId18"/>
-    <p:sldId id="266" r:id="rId19"/>
+    <p:sldId id="273" r:id="rId8"/>
+    <p:sldId id="266" r:id="rId9"/>
+    <p:sldId id="258" r:id="rId10"/>
+    <p:sldId id="259" r:id="rId11"/>
+    <p:sldId id="274" r:id="rId12"/>
+    <p:sldId id="275" r:id="rId13"/>
+    <p:sldId id="276" r:id="rId14"/>
+    <p:sldId id="277" r:id="rId15"/>
+    <p:sldId id="278" r:id="rId16"/>
+    <p:sldId id="279" r:id="rId17"/>
+    <p:sldId id="280" r:id="rId18"/>
+    <p:sldId id="281" r:id="rId19"/>
+    <p:sldId id="282" r:id="rId20"/>
+    <p:sldId id="260" r:id="rId21"/>
+    <p:sldId id="262" r:id="rId22"/>
+    <p:sldId id="264" r:id="rId23"/>
+    <p:sldId id="265" r:id="rId24"/>
+    <p:sldId id="263" r:id="rId25"/>
+    <p:sldId id="269" r:id="rId26"/>
+    <p:sldId id="270" r:id="rId27"/>
+    <p:sldId id="271" r:id="rId28"/>
   </p:sldIdLst>
   <p:sldSz cx="9144000" cy="6858000" type="screen4x3"/>
   <p:notesSz cx="6858000" cy="9144000"/>
@@ -3875,18 +3884,22 @@
           </a:xfrm>
         </p:spPr>
         <p:txBody>
-          <a:bodyPr/>
+          <a:bodyPr>
+            <a:normAutofit fontScale="92500" lnSpcReduction="10000"/>
+          </a:bodyPr>
           <a:lstStyle/>
           <a:p>
             <a:r>
-              <a:rPr lang="en-GB" dirty="0"/>
-              <a:t>An Introduction to object-orientation and </a:t>
-            </a:r>
-            <a:r>
               <a:rPr lang="en-GB" dirty="0" smtClean="0"/>
-              <a:t>the java programming language</a:t>
-            </a:r>
-            <a:endParaRPr lang="en-GB" dirty="0"/>
+              <a:t>An Introduction to object-orientation and the java programming language:</a:t>
+            </a:r>
+          </a:p>
+          <a:p>
+            <a:r>
+              <a:rPr lang="en-US" b="1" dirty="0" smtClean="0"/>
+              <a:t>Control Structures</a:t>
+            </a:r>
+            <a:endParaRPr lang="en-GB" b="1" dirty="0"/>
           </a:p>
         </p:txBody>
       </p:sp>
@@ -3982,7 +3995,7 @@
           <p:cNvPr id="2" name="Title 1">
             <a:extLst>
               <a:ext uri="{FF2B5EF4-FFF2-40B4-BE49-F238E27FC236}">
-                <a16:creationId xmlns:a16="http://schemas.microsoft.com/office/drawing/2014/main" id="{039A1D65-6877-4E0D-AAED-136EB4DA660C}"/>
+                <a16:creationId xmlns:a16="http://schemas.microsoft.com/office/drawing/2014/main" id="{D0F371AF-0F3D-4C75-BDB9-A4F068365D54}"/>
               </a:ext>
             </a:extLst>
           </p:cNvPr>
@@ -3999,83 +4012,113 @@
           <a:lstStyle/>
           <a:p>
             <a:r>
-              <a:rPr lang="en-GB" dirty="0"/>
-              <a:t>Class Diagram – Example.</a:t>
-            </a:r>
-          </a:p>
-        </p:txBody>
-      </p:sp>
-      <p:pic>
-        <p:nvPicPr>
-          <p:cNvPr id="4" name="Content Placeholder 3">
+              <a:rPr lang="en-GB" dirty="0" smtClean="0"/>
+              <a:t>Bi-Conditional-if</a:t>
+            </a:r>
+            <a:endParaRPr lang="en-GB" dirty="0"/>
+          </a:p>
+        </p:txBody>
+      </p:sp>
+      <p:sp>
+        <p:nvSpPr>
+          <p:cNvPr id="3" name="Content Placeholder 2">
             <a:extLst>
               <a:ext uri="{FF2B5EF4-FFF2-40B4-BE49-F238E27FC236}">
-                <a16:creationId xmlns:a16="http://schemas.microsoft.com/office/drawing/2014/main" id="{BE171412-B5F4-461C-AFB9-44BF743CA717}"/>
+                <a16:creationId xmlns:a16="http://schemas.microsoft.com/office/drawing/2014/main" id="{3C8BCD7E-B0F0-4A9E-A998-990193C58C1F}"/>
               </a:ext>
             </a:extLst>
           </p:cNvPr>
-          <p:cNvPicPr>
-            <a:picLocks noGrp="1" noChangeAspect="1"/>
-          </p:cNvPicPr>
+          <p:cNvSpPr>
+            <a:spLocks noGrp="1"/>
+          </p:cNvSpPr>
           <p:nvPr>
             <p:ph idx="1"/>
           </p:nvPr>
-        </p:nvPicPr>
-        <p:blipFill>
-          <a:blip r:embed="rId2"/>
-          <a:stretch>
-            <a:fillRect/>
-          </a:stretch>
-        </p:blipFill>
-        <p:spPr>
-          <a:xfrm>
-            <a:off x="1274618" y="1828937"/>
-            <a:ext cx="5874328" cy="2996415"/>
-          </a:xfrm>
-          <a:prstGeom prst="rect">
-            <a:avLst/>
-          </a:prstGeom>
-        </p:spPr>
-      </p:pic>
-      <p:sp>
-        <p:nvSpPr>
-          <p:cNvPr id="5" name="TextBox 4">
-            <a:extLst>
-              <a:ext uri="{FF2B5EF4-FFF2-40B4-BE49-F238E27FC236}">
-                <a16:creationId xmlns:a16="http://schemas.microsoft.com/office/drawing/2014/main" id="{0313F0B1-4FAD-4465-95FB-8B718016DA91}"/>
-              </a:ext>
-            </a:extLst>
-          </p:cNvPr>
-          <p:cNvSpPr txBox="1"/>
-          <p:nvPr/>
-        </p:nvSpPr>
-        <p:spPr>
-          <a:xfrm>
-            <a:off x="1095087" y="5070764"/>
-            <a:ext cx="7543800" cy="923330"/>
-          </a:xfrm>
-          <a:prstGeom prst="rect">
-            <a:avLst/>
-          </a:prstGeom>
-          <a:noFill/>
-        </p:spPr>
-        <p:txBody>
-          <a:bodyPr wrap="square" rtlCol="0">
-            <a:spAutoFit/>
-          </a:bodyPr>
+        </p:nvSpPr>
+        <p:spPr/>
+        <p:txBody>
+          <a:bodyPr/>
           <a:lstStyle/>
           <a:p>
-            <a:r>
-              <a:rPr lang="en-GB" dirty="0"/>
-              <a:t>Animal is the super class. Duck, Fish, and Zebra are subclasses and they inherit all the members from the superclass.  The subclasses also have their own attributes and methods. </a:t>
-            </a:r>
+            <a:pPr marL="457200" indent="-457200">
+              <a:buFont typeface="+mj-lt"/>
+              <a:buAutoNum type="arabicPeriod"/>
+            </a:pPr>
+            <a:r>
+              <a:rPr lang="en-US" b="1" dirty="0" smtClean="0"/>
+              <a:t>Unconditional if</a:t>
+            </a:r>
+          </a:p>
+          <a:p>
+            <a:pPr marL="457200" indent="-457200">
+              <a:buFont typeface="+mj-lt"/>
+              <a:buAutoNum type="arabicPeriod"/>
+            </a:pPr>
+            <a:r>
+              <a:rPr lang="en-US" b="1" dirty="0" smtClean="0"/>
+              <a:t>Conditional-if</a:t>
+            </a:r>
+          </a:p>
+          <a:p>
+            <a:pPr marL="457200" indent="-457200">
+              <a:buFont typeface="+mj-lt"/>
+              <a:buAutoNum type="arabicPeriod"/>
+            </a:pPr>
+            <a:r>
+              <a:rPr lang="en-US" b="1" dirty="0" smtClean="0"/>
+              <a:t>Bi-conditional if</a:t>
+            </a:r>
+          </a:p>
+          <a:p>
+            <a:pPr marL="457200" indent="-457200">
+              <a:buFont typeface="+mj-lt"/>
+              <a:buAutoNum type="arabicPeriod"/>
+            </a:pPr>
+            <a:r>
+              <a:rPr lang="en-US" b="1" dirty="0" smtClean="0"/>
+              <a:t>Cascaded-if</a:t>
+            </a:r>
+          </a:p>
+          <a:p>
+            <a:pPr marL="457200" indent="-457200">
+              <a:buFont typeface="+mj-lt"/>
+              <a:buAutoNum type="arabicPeriod"/>
+            </a:pPr>
+            <a:r>
+              <a:rPr lang="en-US" b="1" dirty="0" smtClean="0"/>
+              <a:t>Nested-if</a:t>
+            </a:r>
+          </a:p>
+          <a:p>
+            <a:pPr marL="457200" indent="-457200">
+              <a:buFont typeface="+mj-lt"/>
+              <a:buAutoNum type="arabicPeriod"/>
+            </a:pPr>
+            <a:r>
+              <a:rPr lang="en-US" b="1" dirty="0" smtClean="0"/>
+              <a:t>Switch statement</a:t>
+            </a:r>
+            <a:endParaRPr lang="en-GB" dirty="0"/>
+          </a:p>
+          <a:p>
+            <a:pPr marL="0" indent="0">
+              <a:buNone/>
+            </a:pPr>
+            <a:endParaRPr lang="en-GB" dirty="0"/>
+          </a:p>
+          <a:p>
+            <a:pPr>
+              <a:buFont typeface="Wingdings" panose="05000000000000000000" pitchFamily="2" charset="2"/>
+              <a:buChar char="v"/>
+            </a:pPr>
+            <a:endParaRPr lang="en-GB" dirty="0"/>
           </a:p>
         </p:txBody>
       </p:sp>
     </p:spTree>
     <p:extLst>
       <p:ext uri="{BB962C8B-B14F-4D97-AF65-F5344CB8AC3E}">
-        <p14:creationId xmlns:p14="http://schemas.microsoft.com/office/powerpoint/2010/main" val="383230086"/>
+        <p14:creationId xmlns:p14="http://schemas.microsoft.com/office/powerpoint/2010/main" val="595059025"/>
       </p:ext>
     </p:extLst>
   </p:cSld>
@@ -4107,7 +4150,7 @@
           <p:cNvPr id="2" name="Title 1">
             <a:extLst>
               <a:ext uri="{FF2B5EF4-FFF2-40B4-BE49-F238E27FC236}">
-                <a16:creationId xmlns:a16="http://schemas.microsoft.com/office/drawing/2014/main" id="{7EBF46A5-ACAD-42D2-A1A6-ADC1140D4C5E}"/>
+                <a16:creationId xmlns:a16="http://schemas.microsoft.com/office/drawing/2014/main" id="{D0F371AF-0F3D-4C75-BDB9-A4F068365D54}"/>
               </a:ext>
             </a:extLst>
           </p:cNvPr>
@@ -4124,9 +4167,10 @@
           <a:lstStyle/>
           <a:p>
             <a:r>
-              <a:rPr lang="en-GB" dirty="0"/>
-              <a:t>Drawing of Basic Class Diagram - Exercise</a:t>
-            </a:r>
+              <a:rPr lang="en-GB" dirty="0" smtClean="0"/>
+              <a:t>Cascaded-if</a:t>
+            </a:r>
+            <a:endParaRPr lang="en-GB" dirty="0"/>
           </a:p>
         </p:txBody>
       </p:sp>
@@ -4135,7 +4179,7 @@
           <p:cNvPr id="3" name="Content Placeholder 2">
             <a:extLst>
               <a:ext uri="{FF2B5EF4-FFF2-40B4-BE49-F238E27FC236}">
-                <a16:creationId xmlns:a16="http://schemas.microsoft.com/office/drawing/2014/main" id="{6F758064-4DD8-4663-BB30-51A3BFEDCA46}"/>
+                <a16:creationId xmlns:a16="http://schemas.microsoft.com/office/drawing/2014/main" id="{3C8BCD7E-B0F0-4A9E-A998-990193C58C1F}"/>
               </a:ext>
             </a:extLst>
           </p:cNvPr>
@@ -4151,54 +4195,71 @@
           <a:bodyPr/>
           <a:lstStyle/>
           <a:p>
-            <a:pPr>
-              <a:buFont typeface="Wingdings" panose="05000000000000000000" pitchFamily="2" charset="2"/>
-              <a:buChar char="v"/>
-            </a:pPr>
-            <a:r>
-              <a:rPr lang="en-GB" dirty="0"/>
-              <a:t> Create a class diagram representing the transport options available for moving from Manchester to London using draw draw.io.</a:t>
-            </a:r>
-          </a:p>
-          <a:p>
-            <a:pPr>
-              <a:buFont typeface="Wingdings" panose="05000000000000000000" pitchFamily="2" charset="2"/>
-              <a:buChar char="v"/>
-            </a:pPr>
-            <a:r>
-              <a:rPr lang="en-GB" dirty="0"/>
-              <a:t> It should include a superclass whose fields can be inherited by other classes.</a:t>
-            </a:r>
-          </a:p>
-          <a:p>
-            <a:pPr>
-              <a:buFont typeface="Wingdings" panose="05000000000000000000" pitchFamily="2" charset="2"/>
-              <a:buChar char="v"/>
-            </a:pPr>
-            <a:r>
-              <a:rPr lang="en-GB" dirty="0"/>
-              <a:t> Create three subclasses representing the means of transportation with their own unique fields in addition to those inherited from the superclass.</a:t>
-            </a:r>
-          </a:p>
-          <a:p>
-            <a:pPr>
-              <a:buFont typeface="Wingdings" panose="05000000000000000000" pitchFamily="2" charset="2"/>
-              <a:buChar char="v"/>
-            </a:pPr>
-            <a:r>
-              <a:rPr lang="en-GB" dirty="0"/>
-              <a:t> Ensure that class name, attributes, methods, visibility and relationship are covered in your diagram.</a:t>
-            </a:r>
-          </a:p>
-          <a:p>
-            <a:pPr>
-              <a:buFont typeface="Wingdings" panose="05000000000000000000" pitchFamily="2" charset="2"/>
-              <a:buChar char="v"/>
-            </a:pPr>
-            <a:r>
-              <a:rPr lang="en-GB" dirty="0"/>
-              <a:t> Final model should be submitted on Brightspace. </a:t>
-            </a:r>
+            <a:pPr marL="457200" indent="-457200">
+              <a:buFont typeface="+mj-lt"/>
+              <a:buAutoNum type="arabicPeriod"/>
+            </a:pPr>
+            <a:r>
+              <a:rPr lang="en-US" b="1" dirty="0" smtClean="0"/>
+              <a:t>Unconditional if</a:t>
+            </a:r>
+          </a:p>
+          <a:p>
+            <a:pPr marL="457200" indent="-457200">
+              <a:buFont typeface="+mj-lt"/>
+              <a:buAutoNum type="arabicPeriod"/>
+            </a:pPr>
+            <a:r>
+              <a:rPr lang="en-US" b="1" dirty="0" smtClean="0"/>
+              <a:t>Conditional-if</a:t>
+            </a:r>
+          </a:p>
+          <a:p>
+            <a:pPr marL="457200" indent="-457200">
+              <a:buFont typeface="+mj-lt"/>
+              <a:buAutoNum type="arabicPeriod"/>
+            </a:pPr>
+            <a:r>
+              <a:rPr lang="en-US" b="1" dirty="0" smtClean="0"/>
+              <a:t>Bi-conditional if</a:t>
+            </a:r>
+          </a:p>
+          <a:p>
+            <a:pPr marL="457200" indent="-457200">
+              <a:buFont typeface="+mj-lt"/>
+              <a:buAutoNum type="arabicPeriod"/>
+            </a:pPr>
+            <a:r>
+              <a:rPr lang="en-US" b="1" dirty="0" smtClean="0"/>
+              <a:t>Cascaded-if</a:t>
+            </a:r>
+          </a:p>
+          <a:p>
+            <a:pPr marL="457200" indent="-457200">
+              <a:buFont typeface="+mj-lt"/>
+              <a:buAutoNum type="arabicPeriod"/>
+            </a:pPr>
+            <a:r>
+              <a:rPr lang="en-US" b="1" dirty="0" smtClean="0"/>
+              <a:t>Nested-if</a:t>
+            </a:r>
+          </a:p>
+          <a:p>
+            <a:pPr marL="457200" indent="-457200">
+              <a:buFont typeface="+mj-lt"/>
+              <a:buAutoNum type="arabicPeriod"/>
+            </a:pPr>
+            <a:r>
+              <a:rPr lang="en-US" b="1" dirty="0" smtClean="0"/>
+              <a:t>Switch statement</a:t>
+            </a:r>
+            <a:endParaRPr lang="en-GB" dirty="0"/>
+          </a:p>
+          <a:p>
+            <a:pPr marL="0" indent="0">
+              <a:buNone/>
+            </a:pPr>
+            <a:endParaRPr lang="en-GB" dirty="0"/>
           </a:p>
           <a:p>
             <a:pPr>
@@ -4212,7 +4273,7 @@
     </p:spTree>
     <p:extLst>
       <p:ext uri="{BB962C8B-B14F-4D97-AF65-F5344CB8AC3E}">
-        <p14:creationId xmlns:p14="http://schemas.microsoft.com/office/powerpoint/2010/main" val="3444286743"/>
+        <p14:creationId xmlns:p14="http://schemas.microsoft.com/office/powerpoint/2010/main" val="3927552175"/>
       </p:ext>
     </p:extLst>
   </p:cSld>
@@ -4244,7 +4305,7 @@
           <p:cNvPr id="2" name="Title 1">
             <a:extLst>
               <a:ext uri="{FF2B5EF4-FFF2-40B4-BE49-F238E27FC236}">
-                <a16:creationId xmlns:a16="http://schemas.microsoft.com/office/drawing/2014/main" id="{FA9B9E85-705F-41AD-8CDF-369FC49B7A65}"/>
+                <a16:creationId xmlns:a16="http://schemas.microsoft.com/office/drawing/2014/main" id="{D0F371AF-0F3D-4C75-BDB9-A4F068365D54}"/>
               </a:ext>
             </a:extLst>
           </p:cNvPr>
@@ -4261,9 +4322,10 @@
           <a:lstStyle/>
           <a:p>
             <a:r>
-              <a:rPr lang="en-GB" dirty="0"/>
-              <a:t>Use Case Diagrams</a:t>
-            </a:r>
+              <a:rPr lang="en-GB" dirty="0" smtClean="0"/>
+              <a:t>Nested-if</a:t>
+            </a:r>
+            <a:endParaRPr lang="en-GB" dirty="0"/>
           </a:p>
         </p:txBody>
       </p:sp>
@@ -4272,7 +4334,7 @@
           <p:cNvPr id="3" name="Content Placeholder 2">
             <a:extLst>
               <a:ext uri="{FF2B5EF4-FFF2-40B4-BE49-F238E27FC236}">
-                <a16:creationId xmlns:a16="http://schemas.microsoft.com/office/drawing/2014/main" id="{9640A5AE-3E75-4FC4-AD1B-8E9CD93F0CC3}"/>
+                <a16:creationId xmlns:a16="http://schemas.microsoft.com/office/drawing/2014/main" id="{3C8BCD7E-B0F0-4A9E-A998-990193C58C1F}"/>
               </a:ext>
             </a:extLst>
           </p:cNvPr>
@@ -4283,105 +4345,90 @@
             <p:ph idx="1"/>
           </p:nvPr>
         </p:nvSpPr>
-        <p:spPr>
-          <a:xfrm>
-            <a:off x="822959" y="1845733"/>
-            <a:ext cx="7543801" cy="1848812"/>
-          </a:xfrm>
-        </p:spPr>
-        <p:txBody>
-          <a:bodyPr>
-            <a:normAutofit fontScale="85000" lnSpcReduction="20000"/>
-          </a:bodyPr>
+        <p:spPr/>
+        <p:txBody>
+          <a:bodyPr/>
           <a:lstStyle/>
           <a:p>
-            <a:pPr>
-              <a:buFont typeface="Wingdings" panose="05000000000000000000" pitchFamily="2" charset="2"/>
-              <a:buChar char="v"/>
-            </a:pPr>
-            <a:r>
-              <a:rPr lang="en-GB" dirty="0"/>
-              <a:t> A UML use-case diagram is used to provide an overview of all or part of the usage requirements in the form of a model.</a:t>
-            </a:r>
-          </a:p>
-          <a:p>
-            <a:pPr>
-              <a:buFont typeface="Wingdings" panose="05000000000000000000" pitchFamily="2" charset="2"/>
-              <a:buChar char="v"/>
-            </a:pPr>
-            <a:r>
-              <a:rPr lang="en-GB" dirty="0"/>
-              <a:t> It shows the relationship among actors and use cases within a system.</a:t>
-            </a:r>
-          </a:p>
-          <a:p>
-            <a:pPr>
-              <a:buFont typeface="Wingdings" panose="05000000000000000000" pitchFamily="2" charset="2"/>
-              <a:buChar char="v"/>
-            </a:pPr>
-            <a:r>
-              <a:rPr lang="en-GB" dirty="0"/>
-              <a:t> An actor is a person, organization, local processes ( e.g. system clock), or external system that plays a role in one or more interactions with your system.</a:t>
-            </a:r>
-          </a:p>
-          <a:p>
-            <a:pPr>
-              <a:buFont typeface="Wingdings" panose="05000000000000000000" pitchFamily="2" charset="2"/>
-              <a:buChar char="v"/>
-            </a:pPr>
-            <a:r>
-              <a:rPr lang="en-GB" dirty="0"/>
-              <a:t>Actors are drawn as stick figures</a:t>
-            </a:r>
-          </a:p>
-          <a:p>
+            <a:pPr marL="457200" indent="-457200">
+              <a:buFont typeface="+mj-lt"/>
+              <a:buAutoNum type="arabicPeriod"/>
+            </a:pPr>
+            <a:r>
+              <a:rPr lang="en-US" b="1" dirty="0" smtClean="0"/>
+              <a:t>Unconditional if</a:t>
+            </a:r>
+          </a:p>
+          <a:p>
+            <a:pPr marL="457200" indent="-457200">
+              <a:buFont typeface="+mj-lt"/>
+              <a:buAutoNum type="arabicPeriod"/>
+            </a:pPr>
+            <a:r>
+              <a:rPr lang="en-US" b="1" dirty="0" smtClean="0"/>
+              <a:t>Conditional-if</a:t>
+            </a:r>
+          </a:p>
+          <a:p>
+            <a:pPr marL="457200" indent="-457200">
+              <a:buFont typeface="+mj-lt"/>
+              <a:buAutoNum type="arabicPeriod"/>
+            </a:pPr>
+            <a:r>
+              <a:rPr lang="en-US" b="1" dirty="0" smtClean="0"/>
+              <a:t>Bi-conditional if</a:t>
+            </a:r>
+          </a:p>
+          <a:p>
+            <a:pPr marL="457200" indent="-457200">
+              <a:buFont typeface="+mj-lt"/>
+              <a:buAutoNum type="arabicPeriod"/>
+            </a:pPr>
+            <a:r>
+              <a:rPr lang="en-US" b="1" dirty="0" smtClean="0"/>
+              <a:t>Cascaded-if</a:t>
+            </a:r>
+          </a:p>
+          <a:p>
+            <a:pPr marL="457200" indent="-457200">
+              <a:buFont typeface="+mj-lt"/>
+              <a:buAutoNum type="arabicPeriod"/>
+            </a:pPr>
+            <a:r>
+              <a:rPr lang="en-US" b="1" dirty="0" smtClean="0"/>
+              <a:t>Nested-if</a:t>
+            </a:r>
+          </a:p>
+          <a:p>
+            <a:pPr marL="457200" indent="-457200">
+              <a:buFont typeface="+mj-lt"/>
+              <a:buAutoNum type="arabicPeriod"/>
+            </a:pPr>
+            <a:r>
+              <a:rPr lang="en-US" b="1" dirty="0" smtClean="0"/>
+              <a:t>Switch statement</a:t>
+            </a:r>
             <a:endParaRPr lang="en-GB" dirty="0"/>
           </a:p>
           <a:p>
+            <a:pPr marL="0" indent="0">
+              <a:buNone/>
+            </a:pPr>
             <a:endParaRPr lang="en-GB" dirty="0"/>
           </a:p>
-        </p:txBody>
-      </p:sp>
-      <p:pic>
-        <p:nvPicPr>
-          <p:cNvPr id="5" name="Picture 4">
-            <a:extLst>
-              <a:ext uri="{FF2B5EF4-FFF2-40B4-BE49-F238E27FC236}">
-                <a16:creationId xmlns:a16="http://schemas.microsoft.com/office/drawing/2014/main" id="{407822FF-B483-4F6F-ABA6-9FBE37857A54}"/>
-              </a:ext>
-            </a:extLst>
-          </p:cNvPr>
-          <p:cNvPicPr>
-            <a:picLocks noChangeAspect="1"/>
-          </p:cNvPicPr>
-          <p:nvPr/>
-        </p:nvPicPr>
-        <p:blipFill>
-          <a:blip r:embed="rId2">
-            <a:extLst>
-              <a:ext uri="{28A0092B-C50C-407E-A947-70E740481C1C}">
-                <a14:useLocalDpi xmlns:a14="http://schemas.microsoft.com/office/drawing/2010/main" val="0"/>
-              </a:ext>
-            </a:extLst>
-          </a:blip>
-          <a:stretch>
-            <a:fillRect/>
-          </a:stretch>
-        </p:blipFill>
-        <p:spPr>
-          <a:xfrm>
-            <a:off x="2045854" y="3611419"/>
-            <a:ext cx="4727257" cy="2531052"/>
-          </a:xfrm>
-          <a:prstGeom prst="rect">
-            <a:avLst/>
-          </a:prstGeom>
-        </p:spPr>
-      </p:pic>
+          <a:p>
+            <a:pPr>
+              <a:buFont typeface="Wingdings" panose="05000000000000000000" pitchFamily="2" charset="2"/>
+              <a:buChar char="v"/>
+            </a:pPr>
+            <a:endParaRPr lang="en-GB" dirty="0"/>
+          </a:p>
+        </p:txBody>
+      </p:sp>
     </p:spTree>
     <p:extLst>
       <p:ext uri="{BB962C8B-B14F-4D97-AF65-F5344CB8AC3E}">
-        <p14:creationId xmlns:p14="http://schemas.microsoft.com/office/powerpoint/2010/main" val="3969889544"/>
+        <p14:creationId xmlns:p14="http://schemas.microsoft.com/office/powerpoint/2010/main" val="627110039"/>
       </p:ext>
     </p:extLst>
   </p:cSld>
@@ -4413,7 +4460,7 @@
           <p:cNvPr id="2" name="Title 1">
             <a:extLst>
               <a:ext uri="{FF2B5EF4-FFF2-40B4-BE49-F238E27FC236}">
-                <a16:creationId xmlns:a16="http://schemas.microsoft.com/office/drawing/2014/main" id="{93A9E1EF-E3F0-4AA8-9EAF-C9FB1371ECAB}"/>
+                <a16:creationId xmlns:a16="http://schemas.microsoft.com/office/drawing/2014/main" id="{7304BBA7-9D5E-4B9A-95AF-2E54F4B41C0E}"/>
               </a:ext>
             </a:extLst>
           </p:cNvPr>
@@ -4430,9 +4477,10 @@
           <a:lstStyle/>
           <a:p>
             <a:r>
-              <a:rPr lang="en-GB" dirty="0"/>
-              <a:t>Use Case Diagrams – Relationship Guidelines</a:t>
-            </a:r>
+              <a:rPr lang="en-GB" dirty="0" smtClean="0"/>
+              <a:t>Switch-statements</a:t>
+            </a:r>
+            <a:endParaRPr lang="en-GB" dirty="0"/>
           </a:p>
         </p:txBody>
       </p:sp>
@@ -4441,7 +4489,7 @@
           <p:cNvPr id="3" name="Content Placeholder 2">
             <a:extLst>
               <a:ext uri="{FF2B5EF4-FFF2-40B4-BE49-F238E27FC236}">
-                <a16:creationId xmlns:a16="http://schemas.microsoft.com/office/drawing/2014/main" id="{AC09147C-8B4C-48B6-810A-685E35B43689}"/>
+                <a16:creationId xmlns:a16="http://schemas.microsoft.com/office/drawing/2014/main" id="{3AB586B9-467B-4F63-B336-2E9D19321584}"/>
               </a:ext>
             </a:extLst>
           </p:cNvPr>
@@ -4454,35 +4502,13 @@
         </p:nvSpPr>
         <p:spPr>
           <a:xfrm>
-            <a:off x="4064001" y="1874982"/>
-            <a:ext cx="4302760" cy="3994112"/>
+            <a:off x="822960" y="1845734"/>
+            <a:ext cx="3444240" cy="4023360"/>
           </a:xfrm>
         </p:spPr>
         <p:txBody>
-          <a:bodyPr>
-            <a:normAutofit lnSpcReduction="10000"/>
-          </a:bodyPr>
+          <a:bodyPr/>
           <a:lstStyle/>
-          <a:p>
-            <a:pPr>
-              <a:buFont typeface="Wingdings" panose="05000000000000000000" pitchFamily="2" charset="2"/>
-              <a:buChar char="v"/>
-            </a:pPr>
-            <a:r>
-              <a:rPr lang="en-GB" dirty="0"/>
-              <a:t>  Solid lines are used when an actor supplies or receives information or initiates the use case</a:t>
-            </a:r>
-          </a:p>
-          <a:p>
-            <a:pPr>
-              <a:buFont typeface="Wingdings" panose="05000000000000000000" pitchFamily="2" charset="2"/>
-              <a:buChar char="v"/>
-            </a:pPr>
-            <a:r>
-              <a:rPr lang="en-GB" dirty="0"/>
-              <a:t>Used case description is represented in an oval.</a:t>
-            </a:r>
-          </a:p>
           <a:p>
             <a:pPr>
               <a:buFont typeface="Wingdings" panose="05000000000000000000" pitchFamily="2" charset="2"/>
@@ -4493,102 +4519,537 @@
               <a:t> </a:t>
             </a:r>
             <a:r>
-              <a:rPr lang="en-GB" i="1" dirty="0"/>
-              <a:t>Include</a:t>
-            </a:r>
-            <a:r>
-              <a:rPr lang="en-GB" dirty="0"/>
-              <a:t> is used to attach a smaller use case to a base use case, this makes them more manageable.</a:t>
-            </a:r>
-          </a:p>
-          <a:p>
-            <a:pPr>
-              <a:buFont typeface="Wingdings" panose="05000000000000000000" pitchFamily="2" charset="2"/>
-              <a:buChar char="v"/>
-            </a:pPr>
-            <a:r>
-              <a:rPr lang="en-GB" dirty="0"/>
+              <a:rPr lang="en-US" dirty="0" smtClean="0"/>
+              <a:t>Types of Control Structure</a:t>
+            </a:r>
+          </a:p>
+          <a:p>
+            <a:pPr>
+              <a:buFont typeface="Wingdings" panose="05000000000000000000" pitchFamily="2" charset="2"/>
+              <a:buChar char="v"/>
+            </a:pPr>
+            <a:r>
+              <a:rPr lang="en-US" dirty="0"/>
               <a:t> </a:t>
             </a:r>
             <a:r>
-              <a:rPr lang="en-GB" i="1" dirty="0"/>
-              <a:t>Extend </a:t>
-            </a:r>
-            <a:r>
-              <a:rPr lang="en-GB" dirty="0"/>
-              <a:t>is used when an optional use case is needed under certain conditions.</a:t>
-            </a:r>
-          </a:p>
-          <a:p>
-            <a:pPr>
-              <a:buFont typeface="Wingdings" panose="05000000000000000000" pitchFamily="2" charset="2"/>
-              <a:buChar char="v"/>
-            </a:pPr>
-            <a:r>
-              <a:rPr lang="en-GB" i="1" dirty="0"/>
-              <a:t>Include </a:t>
-            </a:r>
-            <a:r>
-              <a:rPr lang="en-GB" dirty="0"/>
-              <a:t>and </a:t>
-            </a:r>
-            <a:r>
-              <a:rPr lang="en-GB" i="1" dirty="0"/>
-              <a:t>extend </a:t>
-            </a:r>
-            <a:r>
-              <a:rPr lang="en-GB" dirty="0"/>
-              <a:t> are represented with dashed arrows.</a:t>
-            </a:r>
-            <a:endParaRPr lang="en-GB" i="1" dirty="0"/>
-          </a:p>
-        </p:txBody>
-      </p:sp>
-      <p:pic>
-        <p:nvPicPr>
-          <p:cNvPr id="5" name="Picture 4">
+              <a:rPr lang="en-US" dirty="0" smtClean="0"/>
+              <a:t>Sequential Control</a:t>
+            </a:r>
+          </a:p>
+          <a:p>
+            <a:pPr>
+              <a:buFont typeface="Wingdings" panose="05000000000000000000" pitchFamily="2" charset="2"/>
+              <a:buChar char="v"/>
+            </a:pPr>
+            <a:r>
+              <a:rPr lang="en-US" dirty="0"/>
+              <a:t> </a:t>
+            </a:r>
+            <a:r>
+              <a:rPr lang="en-US" dirty="0" smtClean="0"/>
+              <a:t>Expression types</a:t>
+            </a:r>
+          </a:p>
+          <a:p>
+            <a:pPr>
+              <a:buFont typeface="Wingdings" panose="05000000000000000000" pitchFamily="2" charset="2"/>
+              <a:buChar char="v"/>
+            </a:pPr>
+            <a:r>
+              <a:rPr lang="en-US" dirty="0"/>
+              <a:t> </a:t>
+            </a:r>
+            <a:r>
+              <a:rPr lang="en-US" dirty="0" smtClean="0"/>
+              <a:t>Selection Control</a:t>
+            </a:r>
+          </a:p>
+          <a:p>
+            <a:pPr>
+              <a:buFont typeface="Wingdings" panose="05000000000000000000" pitchFamily="2" charset="2"/>
+              <a:buChar char="v"/>
+            </a:pPr>
+            <a:r>
+              <a:rPr lang="en-US" dirty="0"/>
+              <a:t> </a:t>
+            </a:r>
+            <a:r>
+              <a:rPr lang="en-US" dirty="0" smtClean="0"/>
+              <a:t>Unconditional-if</a:t>
+            </a:r>
+          </a:p>
+          <a:p>
+            <a:pPr>
+              <a:buFont typeface="Wingdings" panose="05000000000000000000" pitchFamily="2" charset="2"/>
+              <a:buChar char="v"/>
+            </a:pPr>
+            <a:r>
+              <a:rPr lang="en-US" dirty="0"/>
+              <a:t> </a:t>
+            </a:r>
+            <a:r>
+              <a:rPr lang="en-US" dirty="0" smtClean="0"/>
+              <a:t>Conditional-if</a:t>
+            </a:r>
+          </a:p>
+          <a:p>
+            <a:pPr>
+              <a:buFont typeface="Wingdings" panose="05000000000000000000" pitchFamily="2" charset="2"/>
+              <a:buChar char="v"/>
+            </a:pPr>
+            <a:r>
+              <a:rPr lang="en-US" dirty="0"/>
+              <a:t> </a:t>
+            </a:r>
+            <a:r>
+              <a:rPr lang="en-US" dirty="0" smtClean="0"/>
+              <a:t>Bi-conditional if</a:t>
+            </a:r>
+          </a:p>
+          <a:p>
+            <a:pPr>
+              <a:buFont typeface="Wingdings" panose="05000000000000000000" pitchFamily="2" charset="2"/>
+              <a:buChar char="v"/>
+            </a:pPr>
+            <a:r>
+              <a:rPr lang="en-US" dirty="0"/>
+              <a:t> </a:t>
+            </a:r>
+            <a:r>
+              <a:rPr lang="en-US" dirty="0" smtClean="0"/>
+              <a:t>Cascaded-if</a:t>
+            </a:r>
+          </a:p>
+          <a:p>
+            <a:pPr>
+              <a:buFont typeface="Wingdings" panose="05000000000000000000" pitchFamily="2" charset="2"/>
+              <a:buChar char="v"/>
+            </a:pPr>
+            <a:r>
+              <a:rPr lang="en-US" dirty="0"/>
+              <a:t> </a:t>
+            </a:r>
+            <a:r>
+              <a:rPr lang="en-US" dirty="0" smtClean="0"/>
+              <a:t>Nested-if</a:t>
+            </a:r>
+            <a:endParaRPr lang="en-GB" dirty="0"/>
+          </a:p>
+          <a:p>
+            <a:endParaRPr lang="en-GB" dirty="0"/>
+          </a:p>
+        </p:txBody>
+      </p:sp>
+      <p:sp>
+        <p:nvSpPr>
+          <p:cNvPr id="4" name="Content Placeholder 2">
             <a:extLst>
               <a:ext uri="{FF2B5EF4-FFF2-40B4-BE49-F238E27FC236}">
-                <a16:creationId xmlns:a16="http://schemas.microsoft.com/office/drawing/2014/main" id="{13E04619-F647-4700-A476-8E3EAE1A2063}"/>
+                <a16:creationId xmlns:a16="http://schemas.microsoft.com/office/drawing/2014/main" id="{3AB586B9-467B-4F63-B336-2E9D19321584}"/>
               </a:ext>
             </a:extLst>
           </p:cNvPr>
-          <p:cNvPicPr>
-            <a:picLocks noChangeAspect="1"/>
-          </p:cNvPicPr>
+          <p:cNvSpPr txBox="1">
+            <a:spLocks/>
+          </p:cNvSpPr>
           <p:nvPr/>
-        </p:nvPicPr>
-        <p:blipFill>
-          <a:blip r:embed="rId2">
-            <a:extLst>
-              <a:ext uri="{28A0092B-C50C-407E-A947-70E740481C1C}">
-                <a14:useLocalDpi xmlns:a14="http://schemas.microsoft.com/office/drawing/2010/main" val="0"/>
-              </a:ext>
-            </a:extLst>
-          </a:blip>
-          <a:stretch>
-            <a:fillRect/>
-          </a:stretch>
-        </p:blipFill>
+        </p:nvSpPr>
         <p:spPr>
           <a:xfrm>
-            <a:off x="483634" y="2224132"/>
-            <a:ext cx="3399651" cy="2409736"/>
+            <a:off x="4922520" y="1845734"/>
+            <a:ext cx="3444240" cy="4023360"/>
           </a:xfrm>
           <a:prstGeom prst="rect">
             <a:avLst/>
           </a:prstGeom>
-          <a:ln>
-            <a:solidFill>
-              <a:schemeClr val="tx1"/>
-            </a:solidFill>
-          </a:ln>
         </p:spPr>
-      </p:pic>
+        <p:txBody>
+          <a:bodyPr vert="horz" lIns="0" tIns="45720" rIns="0" bIns="45720" rtlCol="0">
+            <a:normAutofit/>
+          </a:bodyPr>
+          <a:lstStyle>
+            <a:lvl1pPr marL="91440" indent="-91440" algn="l" defTabSz="914400" rtl="0" eaLnBrk="1" latinLnBrk="0" hangingPunct="1">
+              <a:lnSpc>
+                <a:spcPct val="90000"/>
+              </a:lnSpc>
+              <a:spcBef>
+                <a:spcPts val="1200"/>
+              </a:spcBef>
+              <a:spcAft>
+                <a:spcPts val="200"/>
+              </a:spcAft>
+              <a:buClr>
+                <a:schemeClr val="accent1"/>
+              </a:buClr>
+              <a:buSzPct val="100000"/>
+              <a:buFont typeface="Calibri" panose="020F0502020204030204" pitchFamily="34" charset="0"/>
+              <a:buChar char=" "/>
+              <a:defRPr sz="2000" kern="1200">
+                <a:solidFill>
+                  <a:schemeClr val="tx1">
+                    <a:lumMod val="75000"/>
+                    <a:lumOff val="25000"/>
+                  </a:schemeClr>
+                </a:solidFill>
+                <a:latin typeface="+mn-lt"/>
+                <a:ea typeface="+mn-ea"/>
+                <a:cs typeface="+mn-cs"/>
+              </a:defRPr>
+            </a:lvl1pPr>
+            <a:lvl2pPr marL="384048" indent="-182880" algn="l" defTabSz="914400" rtl="0" eaLnBrk="1" latinLnBrk="0" hangingPunct="1">
+              <a:lnSpc>
+                <a:spcPct val="90000"/>
+              </a:lnSpc>
+              <a:spcBef>
+                <a:spcPts val="200"/>
+              </a:spcBef>
+              <a:spcAft>
+                <a:spcPts val="400"/>
+              </a:spcAft>
+              <a:buClr>
+                <a:schemeClr val="accent1"/>
+              </a:buClr>
+              <a:buFont typeface="Calibri" pitchFamily="34" charset="0"/>
+              <a:buChar char="◦"/>
+              <a:defRPr sz="1800" kern="1200">
+                <a:solidFill>
+                  <a:schemeClr val="tx1">
+                    <a:lumMod val="75000"/>
+                    <a:lumOff val="25000"/>
+                  </a:schemeClr>
+                </a:solidFill>
+                <a:latin typeface="+mn-lt"/>
+                <a:ea typeface="+mn-ea"/>
+                <a:cs typeface="+mn-cs"/>
+              </a:defRPr>
+            </a:lvl2pPr>
+            <a:lvl3pPr marL="566928" indent="-182880" algn="l" defTabSz="914400" rtl="0" eaLnBrk="1" latinLnBrk="0" hangingPunct="1">
+              <a:lnSpc>
+                <a:spcPct val="90000"/>
+              </a:lnSpc>
+              <a:spcBef>
+                <a:spcPts val="200"/>
+              </a:spcBef>
+              <a:spcAft>
+                <a:spcPts val="400"/>
+              </a:spcAft>
+              <a:buClr>
+                <a:schemeClr val="accent1"/>
+              </a:buClr>
+              <a:buFont typeface="Calibri" pitchFamily="34" charset="0"/>
+              <a:buChar char="◦"/>
+              <a:defRPr sz="1400" kern="1200">
+                <a:solidFill>
+                  <a:schemeClr val="tx1">
+                    <a:lumMod val="75000"/>
+                    <a:lumOff val="25000"/>
+                  </a:schemeClr>
+                </a:solidFill>
+                <a:latin typeface="+mn-lt"/>
+                <a:ea typeface="+mn-ea"/>
+                <a:cs typeface="+mn-cs"/>
+              </a:defRPr>
+            </a:lvl3pPr>
+            <a:lvl4pPr marL="749808" indent="-182880" algn="l" defTabSz="914400" rtl="0" eaLnBrk="1" latinLnBrk="0" hangingPunct="1">
+              <a:lnSpc>
+                <a:spcPct val="90000"/>
+              </a:lnSpc>
+              <a:spcBef>
+                <a:spcPts val="200"/>
+              </a:spcBef>
+              <a:spcAft>
+                <a:spcPts val="400"/>
+              </a:spcAft>
+              <a:buClr>
+                <a:schemeClr val="accent1"/>
+              </a:buClr>
+              <a:buFont typeface="Calibri" pitchFamily="34" charset="0"/>
+              <a:buChar char="◦"/>
+              <a:defRPr sz="1400" kern="1200">
+                <a:solidFill>
+                  <a:schemeClr val="tx1">
+                    <a:lumMod val="75000"/>
+                    <a:lumOff val="25000"/>
+                  </a:schemeClr>
+                </a:solidFill>
+                <a:latin typeface="+mn-lt"/>
+                <a:ea typeface="+mn-ea"/>
+                <a:cs typeface="+mn-cs"/>
+              </a:defRPr>
+            </a:lvl4pPr>
+            <a:lvl5pPr marL="932688" indent="-182880" algn="l" defTabSz="914400" rtl="0" eaLnBrk="1" latinLnBrk="0" hangingPunct="1">
+              <a:lnSpc>
+                <a:spcPct val="90000"/>
+              </a:lnSpc>
+              <a:spcBef>
+                <a:spcPts val="200"/>
+              </a:spcBef>
+              <a:spcAft>
+                <a:spcPts val="400"/>
+              </a:spcAft>
+              <a:buClr>
+                <a:schemeClr val="accent1"/>
+              </a:buClr>
+              <a:buFont typeface="Calibri" pitchFamily="34" charset="0"/>
+              <a:buChar char="◦"/>
+              <a:defRPr sz="1400" kern="1200">
+                <a:solidFill>
+                  <a:schemeClr val="tx1">
+                    <a:lumMod val="75000"/>
+                    <a:lumOff val="25000"/>
+                  </a:schemeClr>
+                </a:solidFill>
+                <a:latin typeface="+mn-lt"/>
+                <a:ea typeface="+mn-ea"/>
+                <a:cs typeface="+mn-cs"/>
+              </a:defRPr>
+            </a:lvl5pPr>
+            <a:lvl6pPr marL="1100000" indent="-228600" algn="l" defTabSz="914400" rtl="0" eaLnBrk="1" latinLnBrk="0" hangingPunct="1">
+              <a:lnSpc>
+                <a:spcPct val="90000"/>
+              </a:lnSpc>
+              <a:spcBef>
+                <a:spcPts val="200"/>
+              </a:spcBef>
+              <a:spcAft>
+                <a:spcPts val="400"/>
+              </a:spcAft>
+              <a:buClr>
+                <a:schemeClr val="accent1"/>
+              </a:buClr>
+              <a:buFont typeface="Calibri" pitchFamily="34" charset="0"/>
+              <a:buChar char="◦"/>
+              <a:defRPr sz="1400" kern="1200">
+                <a:solidFill>
+                  <a:schemeClr val="tx1">
+                    <a:lumMod val="75000"/>
+                    <a:lumOff val="25000"/>
+                  </a:schemeClr>
+                </a:solidFill>
+                <a:latin typeface="+mn-lt"/>
+                <a:ea typeface="+mn-ea"/>
+                <a:cs typeface="+mn-cs"/>
+              </a:defRPr>
+            </a:lvl6pPr>
+            <a:lvl7pPr marL="1300000" indent="-228600" algn="l" defTabSz="914400" rtl="0" eaLnBrk="1" latinLnBrk="0" hangingPunct="1">
+              <a:lnSpc>
+                <a:spcPct val="90000"/>
+              </a:lnSpc>
+              <a:spcBef>
+                <a:spcPts val="200"/>
+              </a:spcBef>
+              <a:spcAft>
+                <a:spcPts val="400"/>
+              </a:spcAft>
+              <a:buClr>
+                <a:schemeClr val="accent1"/>
+              </a:buClr>
+              <a:buFont typeface="Calibri" pitchFamily="34" charset="0"/>
+              <a:buChar char="◦"/>
+              <a:defRPr sz="1400" kern="1200">
+                <a:solidFill>
+                  <a:schemeClr val="tx1">
+                    <a:lumMod val="75000"/>
+                    <a:lumOff val="25000"/>
+                  </a:schemeClr>
+                </a:solidFill>
+                <a:latin typeface="+mn-lt"/>
+                <a:ea typeface="+mn-ea"/>
+                <a:cs typeface="+mn-cs"/>
+              </a:defRPr>
+            </a:lvl7pPr>
+            <a:lvl8pPr marL="1500000" indent="-228600" algn="l" defTabSz="914400" rtl="0" eaLnBrk="1" latinLnBrk="0" hangingPunct="1">
+              <a:lnSpc>
+                <a:spcPct val="90000"/>
+              </a:lnSpc>
+              <a:spcBef>
+                <a:spcPts val="200"/>
+              </a:spcBef>
+              <a:spcAft>
+                <a:spcPts val="400"/>
+              </a:spcAft>
+              <a:buClr>
+                <a:schemeClr val="accent1"/>
+              </a:buClr>
+              <a:buFont typeface="Calibri" pitchFamily="34" charset="0"/>
+              <a:buChar char="◦"/>
+              <a:defRPr sz="1400" kern="1200">
+                <a:solidFill>
+                  <a:schemeClr val="tx1">
+                    <a:lumMod val="75000"/>
+                    <a:lumOff val="25000"/>
+                  </a:schemeClr>
+                </a:solidFill>
+                <a:latin typeface="+mn-lt"/>
+                <a:ea typeface="+mn-ea"/>
+                <a:cs typeface="+mn-cs"/>
+              </a:defRPr>
+            </a:lvl8pPr>
+            <a:lvl9pPr marL="1700000" indent="-228600" algn="l" defTabSz="914400" rtl="0" eaLnBrk="1" latinLnBrk="0" hangingPunct="1">
+              <a:lnSpc>
+                <a:spcPct val="90000"/>
+              </a:lnSpc>
+              <a:spcBef>
+                <a:spcPts val="200"/>
+              </a:spcBef>
+              <a:spcAft>
+                <a:spcPts val="400"/>
+              </a:spcAft>
+              <a:buClr>
+                <a:schemeClr val="accent1"/>
+              </a:buClr>
+              <a:buFont typeface="Calibri" pitchFamily="34" charset="0"/>
+              <a:buChar char="◦"/>
+              <a:defRPr sz="1400" kern="1200">
+                <a:solidFill>
+                  <a:schemeClr val="tx1">
+                    <a:lumMod val="75000"/>
+                    <a:lumOff val="25000"/>
+                  </a:schemeClr>
+                </a:solidFill>
+                <a:latin typeface="+mn-lt"/>
+                <a:ea typeface="+mn-ea"/>
+                <a:cs typeface="+mn-cs"/>
+              </a:defRPr>
+            </a:lvl9pPr>
+          </a:lstStyle>
+          <a:p>
+            <a:pPr>
+              <a:buFont typeface="Wingdings" panose="05000000000000000000" pitchFamily="2" charset="2"/>
+              <a:buChar char="v"/>
+            </a:pPr>
+            <a:r>
+              <a:rPr lang="en-GB" dirty="0" smtClean="0"/>
+              <a:t> </a:t>
+            </a:r>
+            <a:r>
+              <a:rPr lang="en-US" dirty="0" smtClean="0"/>
+              <a:t>Switch-statements</a:t>
+            </a:r>
+          </a:p>
+          <a:p>
+            <a:pPr>
+              <a:buFont typeface="Wingdings" panose="05000000000000000000" pitchFamily="2" charset="2"/>
+              <a:buChar char="v"/>
+            </a:pPr>
+            <a:r>
+              <a:rPr lang="en-US" dirty="0"/>
+              <a:t> </a:t>
+            </a:r>
+            <a:r>
+              <a:rPr lang="en-US" dirty="0" smtClean="0"/>
+              <a:t>Iteration Control</a:t>
+            </a:r>
+          </a:p>
+          <a:p>
+            <a:pPr>
+              <a:buFont typeface="Wingdings" panose="05000000000000000000" pitchFamily="2" charset="2"/>
+              <a:buChar char="v"/>
+            </a:pPr>
+            <a:r>
+              <a:rPr lang="en-US" dirty="0"/>
+              <a:t> </a:t>
+            </a:r>
+            <a:r>
+              <a:rPr lang="en-US" dirty="0" smtClean="0"/>
+              <a:t>Types of loops</a:t>
+            </a:r>
+          </a:p>
+          <a:p>
+            <a:pPr>
+              <a:buFont typeface="Wingdings" panose="05000000000000000000" pitchFamily="2" charset="2"/>
+              <a:buChar char="v"/>
+            </a:pPr>
+            <a:r>
+              <a:rPr lang="en-US" dirty="0"/>
+              <a:t> </a:t>
+            </a:r>
+            <a:r>
+              <a:rPr lang="en-US" dirty="0" smtClean="0"/>
+              <a:t>While</a:t>
+            </a:r>
+          </a:p>
+          <a:p>
+            <a:pPr>
+              <a:buFont typeface="Wingdings" panose="05000000000000000000" pitchFamily="2" charset="2"/>
+              <a:buChar char="v"/>
+            </a:pPr>
+            <a:r>
+              <a:rPr lang="en-US" dirty="0"/>
+              <a:t> </a:t>
+            </a:r>
+            <a:r>
+              <a:rPr lang="en-US" dirty="0" smtClean="0"/>
+              <a:t>do-while</a:t>
+            </a:r>
+          </a:p>
+          <a:p>
+            <a:pPr>
+              <a:buFont typeface="Wingdings" panose="05000000000000000000" pitchFamily="2" charset="2"/>
+              <a:buChar char="v"/>
+            </a:pPr>
+            <a:r>
+              <a:rPr lang="en-US" dirty="0"/>
+              <a:t> </a:t>
+            </a:r>
+            <a:r>
+              <a:rPr lang="en-US" dirty="0" smtClean="0"/>
+              <a:t>for-loop</a:t>
+            </a:r>
+          </a:p>
+          <a:p>
+            <a:pPr>
+              <a:buFont typeface="Wingdings" panose="05000000000000000000" pitchFamily="2" charset="2"/>
+              <a:buChar char="v"/>
+            </a:pPr>
+            <a:r>
+              <a:rPr lang="en-US" dirty="0"/>
+              <a:t> </a:t>
+            </a:r>
+            <a:r>
+              <a:rPr lang="en-US" dirty="0" smtClean="0"/>
+              <a:t>Nested-Loops</a:t>
+            </a:r>
+          </a:p>
+          <a:p>
+            <a:pPr>
+              <a:buFont typeface="Wingdings" panose="05000000000000000000" pitchFamily="2" charset="2"/>
+              <a:buChar char="v"/>
+            </a:pPr>
+            <a:r>
+              <a:rPr lang="en-US" dirty="0"/>
+              <a:t> </a:t>
+            </a:r>
+            <a:r>
+              <a:rPr lang="en-US" dirty="0" smtClean="0"/>
+              <a:t>Arrays</a:t>
+            </a:r>
+          </a:p>
+          <a:p>
+            <a:pPr>
+              <a:buFont typeface="Wingdings" panose="05000000000000000000" pitchFamily="2" charset="2"/>
+              <a:buChar char="v"/>
+            </a:pPr>
+            <a:r>
+              <a:rPr lang="en-US"/>
+              <a:t> </a:t>
+            </a:r>
+            <a:r>
+              <a:rPr lang="en-US" smtClean="0"/>
+              <a:t>Exercises</a:t>
+            </a:r>
+            <a:endParaRPr lang="en-GB" dirty="0" smtClean="0"/>
+          </a:p>
+          <a:p>
+            <a:endParaRPr lang="en-GB" dirty="0"/>
+          </a:p>
+        </p:txBody>
+      </p:sp>
     </p:spTree>
     <p:extLst>
       <p:ext uri="{BB962C8B-B14F-4D97-AF65-F5344CB8AC3E}">
-        <p14:creationId xmlns:p14="http://schemas.microsoft.com/office/powerpoint/2010/main" val="2228244434"/>
+        <p14:creationId xmlns:p14="http://schemas.microsoft.com/office/powerpoint/2010/main" val="1028103395"/>
       </p:ext>
     </p:extLst>
   </p:cSld>
@@ -4620,7 +5081,7 @@
           <p:cNvPr id="2" name="Title 1">
             <a:extLst>
               <a:ext uri="{FF2B5EF4-FFF2-40B4-BE49-F238E27FC236}">
-                <a16:creationId xmlns:a16="http://schemas.microsoft.com/office/drawing/2014/main" id="{4DD0466D-37E0-4EE2-AE8B-91DBCDEE171A}"/>
+                <a16:creationId xmlns:a16="http://schemas.microsoft.com/office/drawing/2014/main" id="{7304BBA7-9D5E-4B9A-95AF-2E54F4B41C0E}"/>
               </a:ext>
             </a:extLst>
           </p:cNvPr>
@@ -4637,9 +5098,10 @@
           <a:lstStyle/>
           <a:p>
             <a:r>
-              <a:rPr lang="en-GB" dirty="0"/>
-              <a:t>Use Case Diagram – Exercise </a:t>
-            </a:r>
+              <a:rPr lang="en-GB" dirty="0" smtClean="0"/>
+              <a:t>Iteration (Loop) control</a:t>
+            </a:r>
+            <a:endParaRPr lang="en-GB" dirty="0"/>
           </a:p>
         </p:txBody>
       </p:sp>
@@ -4648,7 +5110,7 @@
           <p:cNvPr id="3" name="Content Placeholder 2">
             <a:extLst>
               <a:ext uri="{FF2B5EF4-FFF2-40B4-BE49-F238E27FC236}">
-                <a16:creationId xmlns:a16="http://schemas.microsoft.com/office/drawing/2014/main" id="{27BF4531-EE01-4075-9661-FC2CD1C514C3}"/>
+                <a16:creationId xmlns:a16="http://schemas.microsoft.com/office/drawing/2014/main" id="{3AB586B9-467B-4F63-B336-2E9D19321584}"/>
               </a:ext>
             </a:extLst>
           </p:cNvPr>
@@ -4661,8 +5123,8 @@
         </p:nvSpPr>
         <p:spPr>
           <a:xfrm>
-            <a:off x="800099" y="2279843"/>
-            <a:ext cx="7543801" cy="3095721"/>
+            <a:off x="822960" y="1845734"/>
+            <a:ext cx="3444240" cy="4023360"/>
           </a:xfrm>
         </p:spPr>
         <p:txBody>
@@ -4675,55 +5137,540 @@
             </a:pPr>
             <a:r>
               <a:rPr lang="en-GB" dirty="0"/>
-              <a:t> Create a use case diagram on </a:t>
-            </a:r>
-            <a:r>
-              <a:rPr lang="en-GB" dirty="0">
-                <a:hlinkClick r:id="rId2"/>
-              </a:rPr>
-              <a:t>www.draw.io</a:t>
-            </a:r>
-            <a:r>
-              <a:rPr lang="en-GB" dirty="0"/>
-              <a:t> that represents students and teacher’s interaction with the Software Design Module Brightspace Page.</a:t>
-            </a:r>
-          </a:p>
-          <a:p>
-            <a:pPr>
-              <a:buFont typeface="Wingdings" panose="05000000000000000000" pitchFamily="2" charset="2"/>
-              <a:buChar char="v"/>
-            </a:pPr>
-            <a:r>
-              <a:rPr lang="en-GB" dirty="0"/>
-              <a:t> It should show the actors.</a:t>
-            </a:r>
-          </a:p>
-          <a:p>
-            <a:pPr>
-              <a:buFont typeface="Wingdings" panose="05000000000000000000" pitchFamily="2" charset="2"/>
-              <a:buChar char="v"/>
-            </a:pPr>
-            <a:r>
-              <a:rPr lang="en-GB" dirty="0"/>
-              <a:t> Think of a minimum of four use cases that involves at least one of the actors and include these in your diagram.</a:t>
-            </a:r>
-          </a:p>
-          <a:p>
-            <a:pPr>
-              <a:buFont typeface="Wingdings" panose="05000000000000000000" pitchFamily="2" charset="2"/>
-              <a:buChar char="v"/>
-            </a:pPr>
-            <a:r>
-              <a:rPr lang="en-GB" dirty="0"/>
-              <a:t> Think of one use case that involves two of the actors and represent this as well.</a:t>
-            </a:r>
+              <a:t> </a:t>
+            </a:r>
+            <a:r>
+              <a:rPr lang="en-US" dirty="0" smtClean="0"/>
+              <a:t>Types of Control Structure</a:t>
+            </a:r>
+          </a:p>
+          <a:p>
+            <a:pPr>
+              <a:buFont typeface="Wingdings" panose="05000000000000000000" pitchFamily="2" charset="2"/>
+              <a:buChar char="v"/>
+            </a:pPr>
+            <a:r>
+              <a:rPr lang="en-US" dirty="0"/>
+              <a:t> </a:t>
+            </a:r>
+            <a:r>
+              <a:rPr lang="en-US" dirty="0" smtClean="0"/>
+              <a:t>Sequential Control</a:t>
+            </a:r>
+          </a:p>
+          <a:p>
+            <a:pPr>
+              <a:buFont typeface="Wingdings" panose="05000000000000000000" pitchFamily="2" charset="2"/>
+              <a:buChar char="v"/>
+            </a:pPr>
+            <a:r>
+              <a:rPr lang="en-US" dirty="0"/>
+              <a:t> </a:t>
+            </a:r>
+            <a:r>
+              <a:rPr lang="en-US" dirty="0" smtClean="0"/>
+              <a:t>Expression types</a:t>
+            </a:r>
+          </a:p>
+          <a:p>
+            <a:pPr>
+              <a:buFont typeface="Wingdings" panose="05000000000000000000" pitchFamily="2" charset="2"/>
+              <a:buChar char="v"/>
+            </a:pPr>
+            <a:r>
+              <a:rPr lang="en-US" dirty="0"/>
+              <a:t> </a:t>
+            </a:r>
+            <a:r>
+              <a:rPr lang="en-US" dirty="0" smtClean="0"/>
+              <a:t>Selection Control</a:t>
+            </a:r>
+          </a:p>
+          <a:p>
+            <a:pPr>
+              <a:buFont typeface="Wingdings" panose="05000000000000000000" pitchFamily="2" charset="2"/>
+              <a:buChar char="v"/>
+            </a:pPr>
+            <a:r>
+              <a:rPr lang="en-US" dirty="0"/>
+              <a:t> </a:t>
+            </a:r>
+            <a:r>
+              <a:rPr lang="en-US" dirty="0" smtClean="0"/>
+              <a:t>Unconditional-if</a:t>
+            </a:r>
+          </a:p>
+          <a:p>
+            <a:pPr>
+              <a:buFont typeface="Wingdings" panose="05000000000000000000" pitchFamily="2" charset="2"/>
+              <a:buChar char="v"/>
+            </a:pPr>
+            <a:r>
+              <a:rPr lang="en-US" dirty="0"/>
+              <a:t> </a:t>
+            </a:r>
+            <a:r>
+              <a:rPr lang="en-US" dirty="0" smtClean="0"/>
+              <a:t>Conditional-if</a:t>
+            </a:r>
+          </a:p>
+          <a:p>
+            <a:pPr>
+              <a:buFont typeface="Wingdings" panose="05000000000000000000" pitchFamily="2" charset="2"/>
+              <a:buChar char="v"/>
+            </a:pPr>
+            <a:r>
+              <a:rPr lang="en-US" dirty="0"/>
+              <a:t> </a:t>
+            </a:r>
+            <a:r>
+              <a:rPr lang="en-US" dirty="0" smtClean="0"/>
+              <a:t>Bi-conditional if</a:t>
+            </a:r>
+          </a:p>
+          <a:p>
+            <a:pPr>
+              <a:buFont typeface="Wingdings" panose="05000000000000000000" pitchFamily="2" charset="2"/>
+              <a:buChar char="v"/>
+            </a:pPr>
+            <a:r>
+              <a:rPr lang="en-US" dirty="0"/>
+              <a:t> </a:t>
+            </a:r>
+            <a:r>
+              <a:rPr lang="en-US" dirty="0" smtClean="0"/>
+              <a:t>Cascaded-if</a:t>
+            </a:r>
+          </a:p>
+          <a:p>
+            <a:pPr>
+              <a:buFont typeface="Wingdings" panose="05000000000000000000" pitchFamily="2" charset="2"/>
+              <a:buChar char="v"/>
+            </a:pPr>
+            <a:r>
+              <a:rPr lang="en-US" dirty="0"/>
+              <a:t> </a:t>
+            </a:r>
+            <a:r>
+              <a:rPr lang="en-US" dirty="0" smtClean="0"/>
+              <a:t>Nested-if</a:t>
+            </a:r>
+            <a:endParaRPr lang="en-GB" dirty="0"/>
+          </a:p>
+          <a:p>
+            <a:endParaRPr lang="en-GB" dirty="0"/>
+          </a:p>
+        </p:txBody>
+      </p:sp>
+      <p:sp>
+        <p:nvSpPr>
+          <p:cNvPr id="4" name="Content Placeholder 2">
+            <a:extLst>
+              <a:ext uri="{FF2B5EF4-FFF2-40B4-BE49-F238E27FC236}">
+                <a16:creationId xmlns:a16="http://schemas.microsoft.com/office/drawing/2014/main" id="{3AB586B9-467B-4F63-B336-2E9D19321584}"/>
+              </a:ext>
+            </a:extLst>
+          </p:cNvPr>
+          <p:cNvSpPr txBox="1">
+            <a:spLocks/>
+          </p:cNvSpPr>
+          <p:nvPr/>
+        </p:nvSpPr>
+        <p:spPr>
+          <a:xfrm>
+            <a:off x="4922520" y="1845734"/>
+            <a:ext cx="3444240" cy="4023360"/>
+          </a:xfrm>
+          <a:prstGeom prst="rect">
+            <a:avLst/>
+          </a:prstGeom>
+        </p:spPr>
+        <p:txBody>
+          <a:bodyPr vert="horz" lIns="0" tIns="45720" rIns="0" bIns="45720" rtlCol="0">
+            <a:normAutofit/>
+          </a:bodyPr>
+          <a:lstStyle>
+            <a:lvl1pPr marL="91440" indent="-91440" algn="l" defTabSz="914400" rtl="0" eaLnBrk="1" latinLnBrk="0" hangingPunct="1">
+              <a:lnSpc>
+                <a:spcPct val="90000"/>
+              </a:lnSpc>
+              <a:spcBef>
+                <a:spcPts val="1200"/>
+              </a:spcBef>
+              <a:spcAft>
+                <a:spcPts val="200"/>
+              </a:spcAft>
+              <a:buClr>
+                <a:schemeClr val="accent1"/>
+              </a:buClr>
+              <a:buSzPct val="100000"/>
+              <a:buFont typeface="Calibri" panose="020F0502020204030204" pitchFamily="34" charset="0"/>
+              <a:buChar char=" "/>
+              <a:defRPr sz="2000" kern="1200">
+                <a:solidFill>
+                  <a:schemeClr val="tx1">
+                    <a:lumMod val="75000"/>
+                    <a:lumOff val="25000"/>
+                  </a:schemeClr>
+                </a:solidFill>
+                <a:latin typeface="+mn-lt"/>
+                <a:ea typeface="+mn-ea"/>
+                <a:cs typeface="+mn-cs"/>
+              </a:defRPr>
+            </a:lvl1pPr>
+            <a:lvl2pPr marL="384048" indent="-182880" algn="l" defTabSz="914400" rtl="0" eaLnBrk="1" latinLnBrk="0" hangingPunct="1">
+              <a:lnSpc>
+                <a:spcPct val="90000"/>
+              </a:lnSpc>
+              <a:spcBef>
+                <a:spcPts val="200"/>
+              </a:spcBef>
+              <a:spcAft>
+                <a:spcPts val="400"/>
+              </a:spcAft>
+              <a:buClr>
+                <a:schemeClr val="accent1"/>
+              </a:buClr>
+              <a:buFont typeface="Calibri" pitchFamily="34" charset="0"/>
+              <a:buChar char="◦"/>
+              <a:defRPr sz="1800" kern="1200">
+                <a:solidFill>
+                  <a:schemeClr val="tx1">
+                    <a:lumMod val="75000"/>
+                    <a:lumOff val="25000"/>
+                  </a:schemeClr>
+                </a:solidFill>
+                <a:latin typeface="+mn-lt"/>
+                <a:ea typeface="+mn-ea"/>
+                <a:cs typeface="+mn-cs"/>
+              </a:defRPr>
+            </a:lvl2pPr>
+            <a:lvl3pPr marL="566928" indent="-182880" algn="l" defTabSz="914400" rtl="0" eaLnBrk="1" latinLnBrk="0" hangingPunct="1">
+              <a:lnSpc>
+                <a:spcPct val="90000"/>
+              </a:lnSpc>
+              <a:spcBef>
+                <a:spcPts val="200"/>
+              </a:spcBef>
+              <a:spcAft>
+                <a:spcPts val="400"/>
+              </a:spcAft>
+              <a:buClr>
+                <a:schemeClr val="accent1"/>
+              </a:buClr>
+              <a:buFont typeface="Calibri" pitchFamily="34" charset="0"/>
+              <a:buChar char="◦"/>
+              <a:defRPr sz="1400" kern="1200">
+                <a:solidFill>
+                  <a:schemeClr val="tx1">
+                    <a:lumMod val="75000"/>
+                    <a:lumOff val="25000"/>
+                  </a:schemeClr>
+                </a:solidFill>
+                <a:latin typeface="+mn-lt"/>
+                <a:ea typeface="+mn-ea"/>
+                <a:cs typeface="+mn-cs"/>
+              </a:defRPr>
+            </a:lvl3pPr>
+            <a:lvl4pPr marL="749808" indent="-182880" algn="l" defTabSz="914400" rtl="0" eaLnBrk="1" latinLnBrk="0" hangingPunct="1">
+              <a:lnSpc>
+                <a:spcPct val="90000"/>
+              </a:lnSpc>
+              <a:spcBef>
+                <a:spcPts val="200"/>
+              </a:spcBef>
+              <a:spcAft>
+                <a:spcPts val="400"/>
+              </a:spcAft>
+              <a:buClr>
+                <a:schemeClr val="accent1"/>
+              </a:buClr>
+              <a:buFont typeface="Calibri" pitchFamily="34" charset="0"/>
+              <a:buChar char="◦"/>
+              <a:defRPr sz="1400" kern="1200">
+                <a:solidFill>
+                  <a:schemeClr val="tx1">
+                    <a:lumMod val="75000"/>
+                    <a:lumOff val="25000"/>
+                  </a:schemeClr>
+                </a:solidFill>
+                <a:latin typeface="+mn-lt"/>
+                <a:ea typeface="+mn-ea"/>
+                <a:cs typeface="+mn-cs"/>
+              </a:defRPr>
+            </a:lvl4pPr>
+            <a:lvl5pPr marL="932688" indent="-182880" algn="l" defTabSz="914400" rtl="0" eaLnBrk="1" latinLnBrk="0" hangingPunct="1">
+              <a:lnSpc>
+                <a:spcPct val="90000"/>
+              </a:lnSpc>
+              <a:spcBef>
+                <a:spcPts val="200"/>
+              </a:spcBef>
+              <a:spcAft>
+                <a:spcPts val="400"/>
+              </a:spcAft>
+              <a:buClr>
+                <a:schemeClr val="accent1"/>
+              </a:buClr>
+              <a:buFont typeface="Calibri" pitchFamily="34" charset="0"/>
+              <a:buChar char="◦"/>
+              <a:defRPr sz="1400" kern="1200">
+                <a:solidFill>
+                  <a:schemeClr val="tx1">
+                    <a:lumMod val="75000"/>
+                    <a:lumOff val="25000"/>
+                  </a:schemeClr>
+                </a:solidFill>
+                <a:latin typeface="+mn-lt"/>
+                <a:ea typeface="+mn-ea"/>
+                <a:cs typeface="+mn-cs"/>
+              </a:defRPr>
+            </a:lvl5pPr>
+            <a:lvl6pPr marL="1100000" indent="-228600" algn="l" defTabSz="914400" rtl="0" eaLnBrk="1" latinLnBrk="0" hangingPunct="1">
+              <a:lnSpc>
+                <a:spcPct val="90000"/>
+              </a:lnSpc>
+              <a:spcBef>
+                <a:spcPts val="200"/>
+              </a:spcBef>
+              <a:spcAft>
+                <a:spcPts val="400"/>
+              </a:spcAft>
+              <a:buClr>
+                <a:schemeClr val="accent1"/>
+              </a:buClr>
+              <a:buFont typeface="Calibri" pitchFamily="34" charset="0"/>
+              <a:buChar char="◦"/>
+              <a:defRPr sz="1400" kern="1200">
+                <a:solidFill>
+                  <a:schemeClr val="tx1">
+                    <a:lumMod val="75000"/>
+                    <a:lumOff val="25000"/>
+                  </a:schemeClr>
+                </a:solidFill>
+                <a:latin typeface="+mn-lt"/>
+                <a:ea typeface="+mn-ea"/>
+                <a:cs typeface="+mn-cs"/>
+              </a:defRPr>
+            </a:lvl6pPr>
+            <a:lvl7pPr marL="1300000" indent="-228600" algn="l" defTabSz="914400" rtl="0" eaLnBrk="1" latinLnBrk="0" hangingPunct="1">
+              <a:lnSpc>
+                <a:spcPct val="90000"/>
+              </a:lnSpc>
+              <a:spcBef>
+                <a:spcPts val="200"/>
+              </a:spcBef>
+              <a:spcAft>
+                <a:spcPts val="400"/>
+              </a:spcAft>
+              <a:buClr>
+                <a:schemeClr val="accent1"/>
+              </a:buClr>
+              <a:buFont typeface="Calibri" pitchFamily="34" charset="0"/>
+              <a:buChar char="◦"/>
+              <a:defRPr sz="1400" kern="1200">
+                <a:solidFill>
+                  <a:schemeClr val="tx1">
+                    <a:lumMod val="75000"/>
+                    <a:lumOff val="25000"/>
+                  </a:schemeClr>
+                </a:solidFill>
+                <a:latin typeface="+mn-lt"/>
+                <a:ea typeface="+mn-ea"/>
+                <a:cs typeface="+mn-cs"/>
+              </a:defRPr>
+            </a:lvl7pPr>
+            <a:lvl8pPr marL="1500000" indent="-228600" algn="l" defTabSz="914400" rtl="0" eaLnBrk="1" latinLnBrk="0" hangingPunct="1">
+              <a:lnSpc>
+                <a:spcPct val="90000"/>
+              </a:lnSpc>
+              <a:spcBef>
+                <a:spcPts val="200"/>
+              </a:spcBef>
+              <a:spcAft>
+                <a:spcPts val="400"/>
+              </a:spcAft>
+              <a:buClr>
+                <a:schemeClr val="accent1"/>
+              </a:buClr>
+              <a:buFont typeface="Calibri" pitchFamily="34" charset="0"/>
+              <a:buChar char="◦"/>
+              <a:defRPr sz="1400" kern="1200">
+                <a:solidFill>
+                  <a:schemeClr val="tx1">
+                    <a:lumMod val="75000"/>
+                    <a:lumOff val="25000"/>
+                  </a:schemeClr>
+                </a:solidFill>
+                <a:latin typeface="+mn-lt"/>
+                <a:ea typeface="+mn-ea"/>
+                <a:cs typeface="+mn-cs"/>
+              </a:defRPr>
+            </a:lvl8pPr>
+            <a:lvl9pPr marL="1700000" indent="-228600" algn="l" defTabSz="914400" rtl="0" eaLnBrk="1" latinLnBrk="0" hangingPunct="1">
+              <a:lnSpc>
+                <a:spcPct val="90000"/>
+              </a:lnSpc>
+              <a:spcBef>
+                <a:spcPts val="200"/>
+              </a:spcBef>
+              <a:spcAft>
+                <a:spcPts val="400"/>
+              </a:spcAft>
+              <a:buClr>
+                <a:schemeClr val="accent1"/>
+              </a:buClr>
+              <a:buFont typeface="Calibri" pitchFamily="34" charset="0"/>
+              <a:buChar char="◦"/>
+              <a:defRPr sz="1400" kern="1200">
+                <a:solidFill>
+                  <a:schemeClr val="tx1">
+                    <a:lumMod val="75000"/>
+                    <a:lumOff val="25000"/>
+                  </a:schemeClr>
+                </a:solidFill>
+                <a:latin typeface="+mn-lt"/>
+                <a:ea typeface="+mn-ea"/>
+                <a:cs typeface="+mn-cs"/>
+              </a:defRPr>
+            </a:lvl9pPr>
+          </a:lstStyle>
+          <a:p>
+            <a:pPr>
+              <a:buFont typeface="Wingdings" panose="05000000000000000000" pitchFamily="2" charset="2"/>
+              <a:buChar char="v"/>
+            </a:pPr>
+            <a:r>
+              <a:rPr lang="en-GB" dirty="0" smtClean="0"/>
+              <a:t> </a:t>
+            </a:r>
+            <a:r>
+              <a:rPr lang="en-US" dirty="0" smtClean="0"/>
+              <a:t>Switch-statements</a:t>
+            </a:r>
+          </a:p>
+          <a:p>
+            <a:pPr>
+              <a:buFont typeface="Wingdings" panose="05000000000000000000" pitchFamily="2" charset="2"/>
+              <a:buChar char="v"/>
+            </a:pPr>
+            <a:r>
+              <a:rPr lang="en-US" dirty="0"/>
+              <a:t> </a:t>
+            </a:r>
+            <a:r>
+              <a:rPr lang="en-US" dirty="0" smtClean="0"/>
+              <a:t>Iteration Control</a:t>
+            </a:r>
+          </a:p>
+          <a:p>
+            <a:pPr>
+              <a:buFont typeface="Wingdings" panose="05000000000000000000" pitchFamily="2" charset="2"/>
+              <a:buChar char="v"/>
+            </a:pPr>
+            <a:r>
+              <a:rPr lang="en-US" dirty="0"/>
+              <a:t> </a:t>
+            </a:r>
+            <a:r>
+              <a:rPr lang="en-US" dirty="0" smtClean="0"/>
+              <a:t>Types of loops</a:t>
+            </a:r>
+          </a:p>
+          <a:p>
+            <a:pPr>
+              <a:buFont typeface="Wingdings" panose="05000000000000000000" pitchFamily="2" charset="2"/>
+              <a:buChar char="v"/>
+            </a:pPr>
+            <a:r>
+              <a:rPr lang="en-US" dirty="0"/>
+              <a:t> </a:t>
+            </a:r>
+            <a:r>
+              <a:rPr lang="en-US" dirty="0" smtClean="0"/>
+              <a:t>While</a:t>
+            </a:r>
+          </a:p>
+          <a:p>
+            <a:pPr>
+              <a:buFont typeface="Wingdings" panose="05000000000000000000" pitchFamily="2" charset="2"/>
+              <a:buChar char="v"/>
+            </a:pPr>
+            <a:r>
+              <a:rPr lang="en-US" dirty="0"/>
+              <a:t> </a:t>
+            </a:r>
+            <a:r>
+              <a:rPr lang="en-US" dirty="0" smtClean="0"/>
+              <a:t>do-while</a:t>
+            </a:r>
+          </a:p>
+          <a:p>
+            <a:pPr>
+              <a:buFont typeface="Wingdings" panose="05000000000000000000" pitchFamily="2" charset="2"/>
+              <a:buChar char="v"/>
+            </a:pPr>
+            <a:r>
+              <a:rPr lang="en-US" dirty="0"/>
+              <a:t> </a:t>
+            </a:r>
+            <a:r>
+              <a:rPr lang="en-US" dirty="0" smtClean="0"/>
+              <a:t>for-loop</a:t>
+            </a:r>
+          </a:p>
+          <a:p>
+            <a:pPr>
+              <a:buFont typeface="Wingdings" panose="05000000000000000000" pitchFamily="2" charset="2"/>
+              <a:buChar char="v"/>
+            </a:pPr>
+            <a:r>
+              <a:rPr lang="en-US" dirty="0"/>
+              <a:t> </a:t>
+            </a:r>
+            <a:r>
+              <a:rPr lang="en-US" dirty="0" smtClean="0"/>
+              <a:t>Nested-Loops</a:t>
+            </a:r>
+          </a:p>
+          <a:p>
+            <a:pPr>
+              <a:buFont typeface="Wingdings" panose="05000000000000000000" pitchFamily="2" charset="2"/>
+              <a:buChar char="v"/>
+            </a:pPr>
+            <a:r>
+              <a:rPr lang="en-US" dirty="0"/>
+              <a:t> </a:t>
+            </a:r>
+            <a:r>
+              <a:rPr lang="en-US" dirty="0" smtClean="0"/>
+              <a:t>Arrays</a:t>
+            </a:r>
+          </a:p>
+          <a:p>
+            <a:pPr>
+              <a:buFont typeface="Wingdings" panose="05000000000000000000" pitchFamily="2" charset="2"/>
+              <a:buChar char="v"/>
+            </a:pPr>
+            <a:r>
+              <a:rPr lang="en-US"/>
+              <a:t> </a:t>
+            </a:r>
+            <a:r>
+              <a:rPr lang="en-US" smtClean="0"/>
+              <a:t>Exercises</a:t>
+            </a:r>
+            <a:endParaRPr lang="en-GB" dirty="0" smtClean="0"/>
+          </a:p>
+          <a:p>
+            <a:endParaRPr lang="en-GB" dirty="0"/>
           </a:p>
         </p:txBody>
       </p:sp>
     </p:spTree>
     <p:extLst>
       <p:ext uri="{BB962C8B-B14F-4D97-AF65-F5344CB8AC3E}">
-        <p14:creationId xmlns:p14="http://schemas.microsoft.com/office/powerpoint/2010/main" val="4259390979"/>
+        <p14:creationId xmlns:p14="http://schemas.microsoft.com/office/powerpoint/2010/main" val="2694975838"/>
       </p:ext>
     </p:extLst>
   </p:cSld>
@@ -4752,10 +5699,10 @@
       </p:grpSpPr>
       <p:sp>
         <p:nvSpPr>
-          <p:cNvPr id="3" name="Content Placeholder 2">
+          <p:cNvPr id="2" name="Title 1">
             <a:extLst>
               <a:ext uri="{FF2B5EF4-FFF2-40B4-BE49-F238E27FC236}">
-                <a16:creationId xmlns:a16="http://schemas.microsoft.com/office/drawing/2014/main" id="{6C7F13ED-B066-4225-805E-0889FD78E024}"/>
+                <a16:creationId xmlns:a16="http://schemas.microsoft.com/office/drawing/2014/main" id="{7304BBA7-9D5E-4B9A-95AF-2E54F4B41C0E}"/>
               </a:ext>
             </a:extLst>
           </p:cNvPr>
@@ -4763,40 +5710,588 @@
             <a:spLocks noGrp="1"/>
           </p:cNvSpPr>
           <p:nvPr>
+            <p:ph type="title"/>
+          </p:nvPr>
+        </p:nvSpPr>
+        <p:spPr/>
+        <p:txBody>
+          <a:bodyPr/>
+          <a:lstStyle/>
+          <a:p>
+            <a:r>
+              <a:rPr lang="en-GB" dirty="0" smtClean="0"/>
+              <a:t>Iteration (Loop) control</a:t>
+            </a:r>
+            <a:endParaRPr lang="en-GB" dirty="0"/>
+          </a:p>
+        </p:txBody>
+      </p:sp>
+      <p:sp>
+        <p:nvSpPr>
+          <p:cNvPr id="3" name="Content Placeholder 2">
+            <a:extLst>
+              <a:ext uri="{FF2B5EF4-FFF2-40B4-BE49-F238E27FC236}">
+                <a16:creationId xmlns:a16="http://schemas.microsoft.com/office/drawing/2014/main" id="{3AB586B9-467B-4F63-B336-2E9D19321584}"/>
+              </a:ext>
+            </a:extLst>
+          </p:cNvPr>
+          <p:cNvSpPr>
+            <a:spLocks noGrp="1"/>
+          </p:cNvSpPr>
+          <p:nvPr>
             <p:ph idx="1"/>
           </p:nvPr>
         </p:nvSpPr>
-        <p:spPr/>
-        <p:txBody>
-          <a:bodyPr>
+        <p:spPr>
+          <a:xfrm>
+            <a:off x="822960" y="1845734"/>
+            <a:ext cx="3444240" cy="4023360"/>
+          </a:xfrm>
+        </p:spPr>
+        <p:txBody>
+          <a:bodyPr/>
+          <a:lstStyle/>
+          <a:p>
+            <a:pPr>
+              <a:buFont typeface="Wingdings" panose="05000000000000000000" pitchFamily="2" charset="2"/>
+              <a:buChar char="v"/>
+            </a:pPr>
+            <a:r>
+              <a:rPr lang="en-GB" dirty="0"/>
+              <a:t> </a:t>
+            </a:r>
+            <a:r>
+              <a:rPr lang="en-US" dirty="0" smtClean="0"/>
+              <a:t>Types of Control Structure</a:t>
+            </a:r>
+          </a:p>
+          <a:p>
+            <a:pPr>
+              <a:buFont typeface="Wingdings" panose="05000000000000000000" pitchFamily="2" charset="2"/>
+              <a:buChar char="v"/>
+            </a:pPr>
+            <a:r>
+              <a:rPr lang="en-US" dirty="0"/>
+              <a:t> </a:t>
+            </a:r>
+            <a:r>
+              <a:rPr lang="en-US" dirty="0" smtClean="0"/>
+              <a:t>Sequential Control</a:t>
+            </a:r>
+          </a:p>
+          <a:p>
+            <a:pPr>
+              <a:buFont typeface="Wingdings" panose="05000000000000000000" pitchFamily="2" charset="2"/>
+              <a:buChar char="v"/>
+            </a:pPr>
+            <a:r>
+              <a:rPr lang="en-US" dirty="0"/>
+              <a:t> </a:t>
+            </a:r>
+            <a:r>
+              <a:rPr lang="en-US" dirty="0" smtClean="0"/>
+              <a:t>Expression types</a:t>
+            </a:r>
+          </a:p>
+          <a:p>
+            <a:pPr>
+              <a:buFont typeface="Wingdings" panose="05000000000000000000" pitchFamily="2" charset="2"/>
+              <a:buChar char="v"/>
+            </a:pPr>
+            <a:r>
+              <a:rPr lang="en-US" dirty="0"/>
+              <a:t> </a:t>
+            </a:r>
+            <a:r>
+              <a:rPr lang="en-US" dirty="0" smtClean="0"/>
+              <a:t>Selection Control</a:t>
+            </a:r>
+          </a:p>
+          <a:p>
+            <a:pPr>
+              <a:buFont typeface="Wingdings" panose="05000000000000000000" pitchFamily="2" charset="2"/>
+              <a:buChar char="v"/>
+            </a:pPr>
+            <a:r>
+              <a:rPr lang="en-US" dirty="0"/>
+              <a:t> </a:t>
+            </a:r>
+            <a:r>
+              <a:rPr lang="en-US" dirty="0" smtClean="0"/>
+              <a:t>Unconditional-if</a:t>
+            </a:r>
+          </a:p>
+          <a:p>
+            <a:pPr>
+              <a:buFont typeface="Wingdings" panose="05000000000000000000" pitchFamily="2" charset="2"/>
+              <a:buChar char="v"/>
+            </a:pPr>
+            <a:r>
+              <a:rPr lang="en-US" dirty="0"/>
+              <a:t> </a:t>
+            </a:r>
+            <a:r>
+              <a:rPr lang="en-US" dirty="0" smtClean="0"/>
+              <a:t>Conditional-if</a:t>
+            </a:r>
+          </a:p>
+          <a:p>
+            <a:pPr>
+              <a:buFont typeface="Wingdings" panose="05000000000000000000" pitchFamily="2" charset="2"/>
+              <a:buChar char="v"/>
+            </a:pPr>
+            <a:r>
+              <a:rPr lang="en-US" dirty="0"/>
+              <a:t> </a:t>
+            </a:r>
+            <a:r>
+              <a:rPr lang="en-US" dirty="0" smtClean="0"/>
+              <a:t>Bi-conditional if</a:t>
+            </a:r>
+          </a:p>
+          <a:p>
+            <a:pPr>
+              <a:buFont typeface="Wingdings" panose="05000000000000000000" pitchFamily="2" charset="2"/>
+              <a:buChar char="v"/>
+            </a:pPr>
+            <a:r>
+              <a:rPr lang="en-US" dirty="0"/>
+              <a:t> </a:t>
+            </a:r>
+            <a:r>
+              <a:rPr lang="en-US" dirty="0" smtClean="0"/>
+              <a:t>Cascaded-if</a:t>
+            </a:r>
+          </a:p>
+          <a:p>
+            <a:pPr>
+              <a:buFont typeface="Wingdings" panose="05000000000000000000" pitchFamily="2" charset="2"/>
+              <a:buChar char="v"/>
+            </a:pPr>
+            <a:r>
+              <a:rPr lang="en-US" dirty="0"/>
+              <a:t> </a:t>
+            </a:r>
+            <a:r>
+              <a:rPr lang="en-US" dirty="0" smtClean="0"/>
+              <a:t>Nested-if</a:t>
+            </a:r>
+            <a:endParaRPr lang="en-GB" dirty="0"/>
+          </a:p>
+          <a:p>
+            <a:endParaRPr lang="en-GB" dirty="0"/>
+          </a:p>
+        </p:txBody>
+      </p:sp>
+      <p:sp>
+        <p:nvSpPr>
+          <p:cNvPr id="4" name="Content Placeholder 2">
+            <a:extLst>
+              <a:ext uri="{FF2B5EF4-FFF2-40B4-BE49-F238E27FC236}">
+                <a16:creationId xmlns:a16="http://schemas.microsoft.com/office/drawing/2014/main" id="{3AB586B9-467B-4F63-B336-2E9D19321584}"/>
+              </a:ext>
+            </a:extLst>
+          </p:cNvPr>
+          <p:cNvSpPr txBox="1">
+            <a:spLocks/>
+          </p:cNvSpPr>
+          <p:nvPr/>
+        </p:nvSpPr>
+        <p:spPr>
+          <a:xfrm>
+            <a:off x="4922520" y="1845734"/>
+            <a:ext cx="3444240" cy="4023360"/>
+          </a:xfrm>
+          <a:prstGeom prst="rect">
+            <a:avLst/>
+          </a:prstGeom>
+        </p:spPr>
+        <p:txBody>
+          <a:bodyPr vert="horz" lIns="0" tIns="45720" rIns="0" bIns="45720" rtlCol="0">
             <a:normAutofit/>
           </a:bodyPr>
-          <a:lstStyle/>
-          <a:p>
-            <a:pPr algn="ctr"/>
-            <a:endParaRPr lang="en-GB" sz="4800" dirty="0"/>
-          </a:p>
-          <a:p>
-            <a:pPr marL="0" indent="0" algn="ctr">
-              <a:buNone/>
-            </a:pPr>
-            <a:endParaRPr lang="en-GB" sz="4800" dirty="0"/>
-          </a:p>
-          <a:p>
-            <a:pPr marL="0" indent="0" algn="ctr">
-              <a:buNone/>
-            </a:pPr>
-            <a:r>
-              <a:rPr lang="en-GB" sz="4800" dirty="0"/>
-              <a:t>Any Questions?</a:t>
-            </a:r>
+          <a:lstStyle>
+            <a:lvl1pPr marL="91440" indent="-91440" algn="l" defTabSz="914400" rtl="0" eaLnBrk="1" latinLnBrk="0" hangingPunct="1">
+              <a:lnSpc>
+                <a:spcPct val="90000"/>
+              </a:lnSpc>
+              <a:spcBef>
+                <a:spcPts val="1200"/>
+              </a:spcBef>
+              <a:spcAft>
+                <a:spcPts val="200"/>
+              </a:spcAft>
+              <a:buClr>
+                <a:schemeClr val="accent1"/>
+              </a:buClr>
+              <a:buSzPct val="100000"/>
+              <a:buFont typeface="Calibri" panose="020F0502020204030204" pitchFamily="34" charset="0"/>
+              <a:buChar char=" "/>
+              <a:defRPr sz="2000" kern="1200">
+                <a:solidFill>
+                  <a:schemeClr val="tx1">
+                    <a:lumMod val="75000"/>
+                    <a:lumOff val="25000"/>
+                  </a:schemeClr>
+                </a:solidFill>
+                <a:latin typeface="+mn-lt"/>
+                <a:ea typeface="+mn-ea"/>
+                <a:cs typeface="+mn-cs"/>
+              </a:defRPr>
+            </a:lvl1pPr>
+            <a:lvl2pPr marL="384048" indent="-182880" algn="l" defTabSz="914400" rtl="0" eaLnBrk="1" latinLnBrk="0" hangingPunct="1">
+              <a:lnSpc>
+                <a:spcPct val="90000"/>
+              </a:lnSpc>
+              <a:spcBef>
+                <a:spcPts val="200"/>
+              </a:spcBef>
+              <a:spcAft>
+                <a:spcPts val="400"/>
+              </a:spcAft>
+              <a:buClr>
+                <a:schemeClr val="accent1"/>
+              </a:buClr>
+              <a:buFont typeface="Calibri" pitchFamily="34" charset="0"/>
+              <a:buChar char="◦"/>
+              <a:defRPr sz="1800" kern="1200">
+                <a:solidFill>
+                  <a:schemeClr val="tx1">
+                    <a:lumMod val="75000"/>
+                    <a:lumOff val="25000"/>
+                  </a:schemeClr>
+                </a:solidFill>
+                <a:latin typeface="+mn-lt"/>
+                <a:ea typeface="+mn-ea"/>
+                <a:cs typeface="+mn-cs"/>
+              </a:defRPr>
+            </a:lvl2pPr>
+            <a:lvl3pPr marL="566928" indent="-182880" algn="l" defTabSz="914400" rtl="0" eaLnBrk="1" latinLnBrk="0" hangingPunct="1">
+              <a:lnSpc>
+                <a:spcPct val="90000"/>
+              </a:lnSpc>
+              <a:spcBef>
+                <a:spcPts val="200"/>
+              </a:spcBef>
+              <a:spcAft>
+                <a:spcPts val="400"/>
+              </a:spcAft>
+              <a:buClr>
+                <a:schemeClr val="accent1"/>
+              </a:buClr>
+              <a:buFont typeface="Calibri" pitchFamily="34" charset="0"/>
+              <a:buChar char="◦"/>
+              <a:defRPr sz="1400" kern="1200">
+                <a:solidFill>
+                  <a:schemeClr val="tx1">
+                    <a:lumMod val="75000"/>
+                    <a:lumOff val="25000"/>
+                  </a:schemeClr>
+                </a:solidFill>
+                <a:latin typeface="+mn-lt"/>
+                <a:ea typeface="+mn-ea"/>
+                <a:cs typeface="+mn-cs"/>
+              </a:defRPr>
+            </a:lvl3pPr>
+            <a:lvl4pPr marL="749808" indent="-182880" algn="l" defTabSz="914400" rtl="0" eaLnBrk="1" latinLnBrk="0" hangingPunct="1">
+              <a:lnSpc>
+                <a:spcPct val="90000"/>
+              </a:lnSpc>
+              <a:spcBef>
+                <a:spcPts val="200"/>
+              </a:spcBef>
+              <a:spcAft>
+                <a:spcPts val="400"/>
+              </a:spcAft>
+              <a:buClr>
+                <a:schemeClr val="accent1"/>
+              </a:buClr>
+              <a:buFont typeface="Calibri" pitchFamily="34" charset="0"/>
+              <a:buChar char="◦"/>
+              <a:defRPr sz="1400" kern="1200">
+                <a:solidFill>
+                  <a:schemeClr val="tx1">
+                    <a:lumMod val="75000"/>
+                    <a:lumOff val="25000"/>
+                  </a:schemeClr>
+                </a:solidFill>
+                <a:latin typeface="+mn-lt"/>
+                <a:ea typeface="+mn-ea"/>
+                <a:cs typeface="+mn-cs"/>
+              </a:defRPr>
+            </a:lvl4pPr>
+            <a:lvl5pPr marL="932688" indent="-182880" algn="l" defTabSz="914400" rtl="0" eaLnBrk="1" latinLnBrk="0" hangingPunct="1">
+              <a:lnSpc>
+                <a:spcPct val="90000"/>
+              </a:lnSpc>
+              <a:spcBef>
+                <a:spcPts val="200"/>
+              </a:spcBef>
+              <a:spcAft>
+                <a:spcPts val="400"/>
+              </a:spcAft>
+              <a:buClr>
+                <a:schemeClr val="accent1"/>
+              </a:buClr>
+              <a:buFont typeface="Calibri" pitchFamily="34" charset="0"/>
+              <a:buChar char="◦"/>
+              <a:defRPr sz="1400" kern="1200">
+                <a:solidFill>
+                  <a:schemeClr val="tx1">
+                    <a:lumMod val="75000"/>
+                    <a:lumOff val="25000"/>
+                  </a:schemeClr>
+                </a:solidFill>
+                <a:latin typeface="+mn-lt"/>
+                <a:ea typeface="+mn-ea"/>
+                <a:cs typeface="+mn-cs"/>
+              </a:defRPr>
+            </a:lvl5pPr>
+            <a:lvl6pPr marL="1100000" indent="-228600" algn="l" defTabSz="914400" rtl="0" eaLnBrk="1" latinLnBrk="0" hangingPunct="1">
+              <a:lnSpc>
+                <a:spcPct val="90000"/>
+              </a:lnSpc>
+              <a:spcBef>
+                <a:spcPts val="200"/>
+              </a:spcBef>
+              <a:spcAft>
+                <a:spcPts val="400"/>
+              </a:spcAft>
+              <a:buClr>
+                <a:schemeClr val="accent1"/>
+              </a:buClr>
+              <a:buFont typeface="Calibri" pitchFamily="34" charset="0"/>
+              <a:buChar char="◦"/>
+              <a:defRPr sz="1400" kern="1200">
+                <a:solidFill>
+                  <a:schemeClr val="tx1">
+                    <a:lumMod val="75000"/>
+                    <a:lumOff val="25000"/>
+                  </a:schemeClr>
+                </a:solidFill>
+                <a:latin typeface="+mn-lt"/>
+                <a:ea typeface="+mn-ea"/>
+                <a:cs typeface="+mn-cs"/>
+              </a:defRPr>
+            </a:lvl6pPr>
+            <a:lvl7pPr marL="1300000" indent="-228600" algn="l" defTabSz="914400" rtl="0" eaLnBrk="1" latinLnBrk="0" hangingPunct="1">
+              <a:lnSpc>
+                <a:spcPct val="90000"/>
+              </a:lnSpc>
+              <a:spcBef>
+                <a:spcPts val="200"/>
+              </a:spcBef>
+              <a:spcAft>
+                <a:spcPts val="400"/>
+              </a:spcAft>
+              <a:buClr>
+                <a:schemeClr val="accent1"/>
+              </a:buClr>
+              <a:buFont typeface="Calibri" pitchFamily="34" charset="0"/>
+              <a:buChar char="◦"/>
+              <a:defRPr sz="1400" kern="1200">
+                <a:solidFill>
+                  <a:schemeClr val="tx1">
+                    <a:lumMod val="75000"/>
+                    <a:lumOff val="25000"/>
+                  </a:schemeClr>
+                </a:solidFill>
+                <a:latin typeface="+mn-lt"/>
+                <a:ea typeface="+mn-ea"/>
+                <a:cs typeface="+mn-cs"/>
+              </a:defRPr>
+            </a:lvl7pPr>
+            <a:lvl8pPr marL="1500000" indent="-228600" algn="l" defTabSz="914400" rtl="0" eaLnBrk="1" latinLnBrk="0" hangingPunct="1">
+              <a:lnSpc>
+                <a:spcPct val="90000"/>
+              </a:lnSpc>
+              <a:spcBef>
+                <a:spcPts val="200"/>
+              </a:spcBef>
+              <a:spcAft>
+                <a:spcPts val="400"/>
+              </a:spcAft>
+              <a:buClr>
+                <a:schemeClr val="accent1"/>
+              </a:buClr>
+              <a:buFont typeface="Calibri" pitchFamily="34" charset="0"/>
+              <a:buChar char="◦"/>
+              <a:defRPr sz="1400" kern="1200">
+                <a:solidFill>
+                  <a:schemeClr val="tx1">
+                    <a:lumMod val="75000"/>
+                    <a:lumOff val="25000"/>
+                  </a:schemeClr>
+                </a:solidFill>
+                <a:latin typeface="+mn-lt"/>
+                <a:ea typeface="+mn-ea"/>
+                <a:cs typeface="+mn-cs"/>
+              </a:defRPr>
+            </a:lvl8pPr>
+            <a:lvl9pPr marL="1700000" indent="-228600" algn="l" defTabSz="914400" rtl="0" eaLnBrk="1" latinLnBrk="0" hangingPunct="1">
+              <a:lnSpc>
+                <a:spcPct val="90000"/>
+              </a:lnSpc>
+              <a:spcBef>
+                <a:spcPts val="200"/>
+              </a:spcBef>
+              <a:spcAft>
+                <a:spcPts val="400"/>
+              </a:spcAft>
+              <a:buClr>
+                <a:schemeClr val="accent1"/>
+              </a:buClr>
+              <a:buFont typeface="Calibri" pitchFamily="34" charset="0"/>
+              <a:buChar char="◦"/>
+              <a:defRPr sz="1400" kern="1200">
+                <a:solidFill>
+                  <a:schemeClr val="tx1">
+                    <a:lumMod val="75000"/>
+                    <a:lumOff val="25000"/>
+                  </a:schemeClr>
+                </a:solidFill>
+                <a:latin typeface="+mn-lt"/>
+                <a:ea typeface="+mn-ea"/>
+                <a:cs typeface="+mn-cs"/>
+              </a:defRPr>
+            </a:lvl9pPr>
+          </a:lstStyle>
+          <a:p>
+            <a:pPr>
+              <a:buFont typeface="Wingdings" panose="05000000000000000000" pitchFamily="2" charset="2"/>
+              <a:buChar char="v"/>
+            </a:pPr>
+            <a:r>
+              <a:rPr lang="en-GB" dirty="0" smtClean="0"/>
+              <a:t> </a:t>
+            </a:r>
+            <a:r>
+              <a:rPr lang="en-US" dirty="0" smtClean="0"/>
+              <a:t>Switch-statements</a:t>
+            </a:r>
+          </a:p>
+          <a:p>
+            <a:pPr>
+              <a:buFont typeface="Wingdings" panose="05000000000000000000" pitchFamily="2" charset="2"/>
+              <a:buChar char="v"/>
+            </a:pPr>
+            <a:r>
+              <a:rPr lang="en-US" dirty="0"/>
+              <a:t> </a:t>
+            </a:r>
+            <a:r>
+              <a:rPr lang="en-US" dirty="0" smtClean="0"/>
+              <a:t>Iteration Control</a:t>
+            </a:r>
+          </a:p>
+          <a:p>
+            <a:pPr>
+              <a:buFont typeface="Wingdings" panose="05000000000000000000" pitchFamily="2" charset="2"/>
+              <a:buChar char="v"/>
+            </a:pPr>
+            <a:r>
+              <a:rPr lang="en-US" dirty="0"/>
+              <a:t> </a:t>
+            </a:r>
+            <a:r>
+              <a:rPr lang="en-US" dirty="0" smtClean="0"/>
+              <a:t>Types of loops</a:t>
+            </a:r>
+          </a:p>
+          <a:p>
+            <a:pPr>
+              <a:buFont typeface="Wingdings" panose="05000000000000000000" pitchFamily="2" charset="2"/>
+              <a:buChar char="v"/>
+            </a:pPr>
+            <a:r>
+              <a:rPr lang="en-US" dirty="0"/>
+              <a:t> </a:t>
+            </a:r>
+            <a:r>
+              <a:rPr lang="en-US" dirty="0" smtClean="0"/>
+              <a:t>While</a:t>
+            </a:r>
+          </a:p>
+          <a:p>
+            <a:pPr>
+              <a:buFont typeface="Wingdings" panose="05000000000000000000" pitchFamily="2" charset="2"/>
+              <a:buChar char="v"/>
+            </a:pPr>
+            <a:r>
+              <a:rPr lang="en-US" dirty="0"/>
+              <a:t> </a:t>
+            </a:r>
+            <a:r>
+              <a:rPr lang="en-US" dirty="0" smtClean="0"/>
+              <a:t>do-while</a:t>
+            </a:r>
+          </a:p>
+          <a:p>
+            <a:pPr>
+              <a:buFont typeface="Wingdings" panose="05000000000000000000" pitchFamily="2" charset="2"/>
+              <a:buChar char="v"/>
+            </a:pPr>
+            <a:r>
+              <a:rPr lang="en-US" dirty="0"/>
+              <a:t> </a:t>
+            </a:r>
+            <a:r>
+              <a:rPr lang="en-US" dirty="0" smtClean="0"/>
+              <a:t>for-loop</a:t>
+            </a:r>
+          </a:p>
+          <a:p>
+            <a:pPr>
+              <a:buFont typeface="Wingdings" panose="05000000000000000000" pitchFamily="2" charset="2"/>
+              <a:buChar char="v"/>
+            </a:pPr>
+            <a:r>
+              <a:rPr lang="en-US" dirty="0"/>
+              <a:t> </a:t>
+            </a:r>
+            <a:r>
+              <a:rPr lang="en-US" dirty="0" smtClean="0"/>
+              <a:t>Nested-Loops</a:t>
+            </a:r>
+          </a:p>
+          <a:p>
+            <a:pPr>
+              <a:buFont typeface="Wingdings" panose="05000000000000000000" pitchFamily="2" charset="2"/>
+              <a:buChar char="v"/>
+            </a:pPr>
+            <a:r>
+              <a:rPr lang="en-US" dirty="0"/>
+              <a:t> </a:t>
+            </a:r>
+            <a:r>
+              <a:rPr lang="en-US" dirty="0" smtClean="0"/>
+              <a:t>Arrays</a:t>
+            </a:r>
+          </a:p>
+          <a:p>
+            <a:pPr>
+              <a:buFont typeface="Wingdings" panose="05000000000000000000" pitchFamily="2" charset="2"/>
+              <a:buChar char="v"/>
+            </a:pPr>
+            <a:r>
+              <a:rPr lang="en-US"/>
+              <a:t> </a:t>
+            </a:r>
+            <a:r>
+              <a:rPr lang="en-US" smtClean="0"/>
+              <a:t>Exercises</a:t>
+            </a:r>
+            <a:endParaRPr lang="en-GB" dirty="0" smtClean="0"/>
+          </a:p>
+          <a:p>
+            <a:endParaRPr lang="en-GB" dirty="0"/>
           </a:p>
         </p:txBody>
       </p:sp>
     </p:spTree>
     <p:extLst>
       <p:ext uri="{BB962C8B-B14F-4D97-AF65-F5344CB8AC3E}">
-        <p14:creationId xmlns:p14="http://schemas.microsoft.com/office/powerpoint/2010/main" val="1021398088"/>
+        <p14:creationId xmlns:p14="http://schemas.microsoft.com/office/powerpoint/2010/main" val="3169508725"/>
       </p:ext>
     </p:extLst>
   </p:cSld>
@@ -4806,7 +6301,7 @@
 </p:sld>
 </file>
 
-<file path=ppt/slides/slide2.xml><?xml version="1.0" encoding="utf-8"?>
+<file path=ppt/slides/slide16.xml><?xml version="1.0" encoding="utf-8"?>
 <p:sld xmlns:a="http://schemas.openxmlformats.org/drawingml/2006/main" xmlns:r="http://schemas.openxmlformats.org/officeDocument/2006/relationships" xmlns:p="http://schemas.openxmlformats.org/presentationml/2006/main">
   <p:cSld>
     <p:spTree>
@@ -4846,7 +6341,7 @@
           <a:p>
             <a:r>
               <a:rPr lang="en-GB" dirty="0" smtClean="0"/>
-              <a:t>Outline</a:t>
+              <a:t>Iteration (Loop) control</a:t>
             </a:r>
             <a:endParaRPr lang="en-GB" dirty="0"/>
           </a:p>
@@ -4871,7 +6366,7 @@
         <p:spPr>
           <a:xfrm>
             <a:off x="822960" y="1845734"/>
-            <a:ext cx="7086600" cy="4023360"/>
+            <a:ext cx="3444240" cy="4023360"/>
           </a:xfrm>
         </p:spPr>
         <p:txBody>
@@ -4887,44 +6382,8 @@
               <a:t> </a:t>
             </a:r>
             <a:r>
-              <a:rPr lang="en-GB" dirty="0" smtClean="0"/>
-              <a:t>Java Variables and Datatypes</a:t>
-            </a:r>
-            <a:r>
-              <a:rPr lang="en-GB" dirty="0" smtClean="0"/>
-              <a:t>.</a:t>
-            </a:r>
-            <a:endParaRPr lang="en-GB" dirty="0"/>
-          </a:p>
-          <a:p>
-            <a:pPr>
-              <a:buFont typeface="Wingdings" panose="05000000000000000000" pitchFamily="2" charset="2"/>
-              <a:buChar char="v"/>
-            </a:pPr>
-            <a:r>
-              <a:rPr lang="en-GB" dirty="0" smtClean="0"/>
-              <a:t> Java programming revolves around  classes and objects</a:t>
-            </a:r>
-            <a:endParaRPr lang="en-GB" dirty="0"/>
-          </a:p>
-          <a:p>
-            <a:pPr>
-              <a:buFont typeface="Wingdings" panose="05000000000000000000" pitchFamily="2" charset="2"/>
-              <a:buChar char="v"/>
-            </a:pPr>
-            <a:r>
-              <a:rPr lang="en-GB" dirty="0" smtClean="0"/>
-              <a:t> The hello Java class.</a:t>
-            </a:r>
-          </a:p>
-          <a:p>
-            <a:pPr>
-              <a:buFont typeface="Wingdings" panose="05000000000000000000" pitchFamily="2" charset="2"/>
-              <a:buChar char="v"/>
-            </a:pPr>
-            <a:r>
               <a:rPr lang="en-US" dirty="0" smtClean="0"/>
-              <a:t> Comparing Java to  C++</a:t>
+              <a:t>Types of Control Structure</a:t>
             </a:r>
           </a:p>
           <a:p>
@@ -4938,7 +6397,7 @@
             </a:r>
             <a:r>
               <a:rPr lang="en-US" dirty="0" smtClean="0"/>
-              <a:t>Operations in Java</a:t>
+              <a:t>Sequential Control</a:t>
             </a:r>
           </a:p>
           <a:p>
@@ -4952,13 +6411,498 @@
             </a:r>
             <a:r>
               <a:rPr lang="en-US" dirty="0" smtClean="0"/>
-              <a:t>Functions in Java (they ar</a:t>
+              <a:t>Expression types</a:t>
+            </a:r>
+          </a:p>
+          <a:p>
+            <a:pPr>
+              <a:buFont typeface="Wingdings" panose="05000000000000000000" pitchFamily="2" charset="2"/>
+              <a:buChar char="v"/>
+            </a:pPr>
+            <a:r>
+              <a:rPr lang="en-US" dirty="0"/>
+              <a:t> </a:t>
             </a:r>
             <a:r>
               <a:rPr lang="en-US" dirty="0" smtClean="0"/>
-              <a:t>e now called methods)</a:t>
+              <a:t>Selection Control</a:t>
+            </a:r>
+          </a:p>
+          <a:p>
+            <a:pPr>
+              <a:buFont typeface="Wingdings" panose="05000000000000000000" pitchFamily="2" charset="2"/>
+              <a:buChar char="v"/>
+            </a:pPr>
+            <a:r>
+              <a:rPr lang="en-US" dirty="0"/>
+              <a:t> </a:t>
+            </a:r>
+            <a:r>
+              <a:rPr lang="en-US" dirty="0" smtClean="0"/>
+              <a:t>Unconditional-if</a:t>
+            </a:r>
+          </a:p>
+          <a:p>
+            <a:pPr>
+              <a:buFont typeface="Wingdings" panose="05000000000000000000" pitchFamily="2" charset="2"/>
+              <a:buChar char="v"/>
+            </a:pPr>
+            <a:r>
+              <a:rPr lang="en-US" dirty="0"/>
+              <a:t> </a:t>
+            </a:r>
+            <a:r>
+              <a:rPr lang="en-US" dirty="0" smtClean="0"/>
+              <a:t>Conditional-if</a:t>
+            </a:r>
+          </a:p>
+          <a:p>
+            <a:pPr>
+              <a:buFont typeface="Wingdings" panose="05000000000000000000" pitchFamily="2" charset="2"/>
+              <a:buChar char="v"/>
+            </a:pPr>
+            <a:r>
+              <a:rPr lang="en-US" dirty="0"/>
+              <a:t> </a:t>
+            </a:r>
+            <a:r>
+              <a:rPr lang="en-US" dirty="0" smtClean="0"/>
+              <a:t>Bi-conditional if</a:t>
+            </a:r>
+          </a:p>
+          <a:p>
+            <a:pPr>
+              <a:buFont typeface="Wingdings" panose="05000000000000000000" pitchFamily="2" charset="2"/>
+              <a:buChar char="v"/>
+            </a:pPr>
+            <a:r>
+              <a:rPr lang="en-US" dirty="0"/>
+              <a:t> </a:t>
+            </a:r>
+            <a:r>
+              <a:rPr lang="en-US" dirty="0" smtClean="0"/>
+              <a:t>Cascaded-if</a:t>
+            </a:r>
+          </a:p>
+          <a:p>
+            <a:pPr>
+              <a:buFont typeface="Wingdings" panose="05000000000000000000" pitchFamily="2" charset="2"/>
+              <a:buChar char="v"/>
+            </a:pPr>
+            <a:r>
+              <a:rPr lang="en-US" dirty="0"/>
+              <a:t> </a:t>
+            </a:r>
+            <a:r>
+              <a:rPr lang="en-US" dirty="0" smtClean="0"/>
+              <a:t>Nested-if</a:t>
             </a:r>
             <a:endParaRPr lang="en-GB" dirty="0"/>
+          </a:p>
+          <a:p>
+            <a:endParaRPr lang="en-GB" dirty="0"/>
+          </a:p>
+        </p:txBody>
+      </p:sp>
+      <p:sp>
+        <p:nvSpPr>
+          <p:cNvPr id="4" name="Content Placeholder 2">
+            <a:extLst>
+              <a:ext uri="{FF2B5EF4-FFF2-40B4-BE49-F238E27FC236}">
+                <a16:creationId xmlns:a16="http://schemas.microsoft.com/office/drawing/2014/main" id="{3AB586B9-467B-4F63-B336-2E9D19321584}"/>
+              </a:ext>
+            </a:extLst>
+          </p:cNvPr>
+          <p:cNvSpPr txBox="1">
+            <a:spLocks/>
+          </p:cNvSpPr>
+          <p:nvPr/>
+        </p:nvSpPr>
+        <p:spPr>
+          <a:xfrm>
+            <a:off x="4922520" y="1845734"/>
+            <a:ext cx="3444240" cy="4023360"/>
+          </a:xfrm>
+          <a:prstGeom prst="rect">
+            <a:avLst/>
+          </a:prstGeom>
+        </p:spPr>
+        <p:txBody>
+          <a:bodyPr vert="horz" lIns="0" tIns="45720" rIns="0" bIns="45720" rtlCol="0">
+            <a:normAutofit/>
+          </a:bodyPr>
+          <a:lstStyle>
+            <a:lvl1pPr marL="91440" indent="-91440" algn="l" defTabSz="914400" rtl="0" eaLnBrk="1" latinLnBrk="0" hangingPunct="1">
+              <a:lnSpc>
+                <a:spcPct val="90000"/>
+              </a:lnSpc>
+              <a:spcBef>
+                <a:spcPts val="1200"/>
+              </a:spcBef>
+              <a:spcAft>
+                <a:spcPts val="200"/>
+              </a:spcAft>
+              <a:buClr>
+                <a:schemeClr val="accent1"/>
+              </a:buClr>
+              <a:buSzPct val="100000"/>
+              <a:buFont typeface="Calibri" panose="020F0502020204030204" pitchFamily="34" charset="0"/>
+              <a:buChar char=" "/>
+              <a:defRPr sz="2000" kern="1200">
+                <a:solidFill>
+                  <a:schemeClr val="tx1">
+                    <a:lumMod val="75000"/>
+                    <a:lumOff val="25000"/>
+                  </a:schemeClr>
+                </a:solidFill>
+                <a:latin typeface="+mn-lt"/>
+                <a:ea typeface="+mn-ea"/>
+                <a:cs typeface="+mn-cs"/>
+              </a:defRPr>
+            </a:lvl1pPr>
+            <a:lvl2pPr marL="384048" indent="-182880" algn="l" defTabSz="914400" rtl="0" eaLnBrk="1" latinLnBrk="0" hangingPunct="1">
+              <a:lnSpc>
+                <a:spcPct val="90000"/>
+              </a:lnSpc>
+              <a:spcBef>
+                <a:spcPts val="200"/>
+              </a:spcBef>
+              <a:spcAft>
+                <a:spcPts val="400"/>
+              </a:spcAft>
+              <a:buClr>
+                <a:schemeClr val="accent1"/>
+              </a:buClr>
+              <a:buFont typeface="Calibri" pitchFamily="34" charset="0"/>
+              <a:buChar char="◦"/>
+              <a:defRPr sz="1800" kern="1200">
+                <a:solidFill>
+                  <a:schemeClr val="tx1">
+                    <a:lumMod val="75000"/>
+                    <a:lumOff val="25000"/>
+                  </a:schemeClr>
+                </a:solidFill>
+                <a:latin typeface="+mn-lt"/>
+                <a:ea typeface="+mn-ea"/>
+                <a:cs typeface="+mn-cs"/>
+              </a:defRPr>
+            </a:lvl2pPr>
+            <a:lvl3pPr marL="566928" indent="-182880" algn="l" defTabSz="914400" rtl="0" eaLnBrk="1" latinLnBrk="0" hangingPunct="1">
+              <a:lnSpc>
+                <a:spcPct val="90000"/>
+              </a:lnSpc>
+              <a:spcBef>
+                <a:spcPts val="200"/>
+              </a:spcBef>
+              <a:spcAft>
+                <a:spcPts val="400"/>
+              </a:spcAft>
+              <a:buClr>
+                <a:schemeClr val="accent1"/>
+              </a:buClr>
+              <a:buFont typeface="Calibri" pitchFamily="34" charset="0"/>
+              <a:buChar char="◦"/>
+              <a:defRPr sz="1400" kern="1200">
+                <a:solidFill>
+                  <a:schemeClr val="tx1">
+                    <a:lumMod val="75000"/>
+                    <a:lumOff val="25000"/>
+                  </a:schemeClr>
+                </a:solidFill>
+                <a:latin typeface="+mn-lt"/>
+                <a:ea typeface="+mn-ea"/>
+                <a:cs typeface="+mn-cs"/>
+              </a:defRPr>
+            </a:lvl3pPr>
+            <a:lvl4pPr marL="749808" indent="-182880" algn="l" defTabSz="914400" rtl="0" eaLnBrk="1" latinLnBrk="0" hangingPunct="1">
+              <a:lnSpc>
+                <a:spcPct val="90000"/>
+              </a:lnSpc>
+              <a:spcBef>
+                <a:spcPts val="200"/>
+              </a:spcBef>
+              <a:spcAft>
+                <a:spcPts val="400"/>
+              </a:spcAft>
+              <a:buClr>
+                <a:schemeClr val="accent1"/>
+              </a:buClr>
+              <a:buFont typeface="Calibri" pitchFamily="34" charset="0"/>
+              <a:buChar char="◦"/>
+              <a:defRPr sz="1400" kern="1200">
+                <a:solidFill>
+                  <a:schemeClr val="tx1">
+                    <a:lumMod val="75000"/>
+                    <a:lumOff val="25000"/>
+                  </a:schemeClr>
+                </a:solidFill>
+                <a:latin typeface="+mn-lt"/>
+                <a:ea typeface="+mn-ea"/>
+                <a:cs typeface="+mn-cs"/>
+              </a:defRPr>
+            </a:lvl4pPr>
+            <a:lvl5pPr marL="932688" indent="-182880" algn="l" defTabSz="914400" rtl="0" eaLnBrk="1" latinLnBrk="0" hangingPunct="1">
+              <a:lnSpc>
+                <a:spcPct val="90000"/>
+              </a:lnSpc>
+              <a:spcBef>
+                <a:spcPts val="200"/>
+              </a:spcBef>
+              <a:spcAft>
+                <a:spcPts val="400"/>
+              </a:spcAft>
+              <a:buClr>
+                <a:schemeClr val="accent1"/>
+              </a:buClr>
+              <a:buFont typeface="Calibri" pitchFamily="34" charset="0"/>
+              <a:buChar char="◦"/>
+              <a:defRPr sz="1400" kern="1200">
+                <a:solidFill>
+                  <a:schemeClr val="tx1">
+                    <a:lumMod val="75000"/>
+                    <a:lumOff val="25000"/>
+                  </a:schemeClr>
+                </a:solidFill>
+                <a:latin typeface="+mn-lt"/>
+                <a:ea typeface="+mn-ea"/>
+                <a:cs typeface="+mn-cs"/>
+              </a:defRPr>
+            </a:lvl5pPr>
+            <a:lvl6pPr marL="1100000" indent="-228600" algn="l" defTabSz="914400" rtl="0" eaLnBrk="1" latinLnBrk="0" hangingPunct="1">
+              <a:lnSpc>
+                <a:spcPct val="90000"/>
+              </a:lnSpc>
+              <a:spcBef>
+                <a:spcPts val="200"/>
+              </a:spcBef>
+              <a:spcAft>
+                <a:spcPts val="400"/>
+              </a:spcAft>
+              <a:buClr>
+                <a:schemeClr val="accent1"/>
+              </a:buClr>
+              <a:buFont typeface="Calibri" pitchFamily="34" charset="0"/>
+              <a:buChar char="◦"/>
+              <a:defRPr sz="1400" kern="1200">
+                <a:solidFill>
+                  <a:schemeClr val="tx1">
+                    <a:lumMod val="75000"/>
+                    <a:lumOff val="25000"/>
+                  </a:schemeClr>
+                </a:solidFill>
+                <a:latin typeface="+mn-lt"/>
+                <a:ea typeface="+mn-ea"/>
+                <a:cs typeface="+mn-cs"/>
+              </a:defRPr>
+            </a:lvl6pPr>
+            <a:lvl7pPr marL="1300000" indent="-228600" algn="l" defTabSz="914400" rtl="0" eaLnBrk="1" latinLnBrk="0" hangingPunct="1">
+              <a:lnSpc>
+                <a:spcPct val="90000"/>
+              </a:lnSpc>
+              <a:spcBef>
+                <a:spcPts val="200"/>
+              </a:spcBef>
+              <a:spcAft>
+                <a:spcPts val="400"/>
+              </a:spcAft>
+              <a:buClr>
+                <a:schemeClr val="accent1"/>
+              </a:buClr>
+              <a:buFont typeface="Calibri" pitchFamily="34" charset="0"/>
+              <a:buChar char="◦"/>
+              <a:defRPr sz="1400" kern="1200">
+                <a:solidFill>
+                  <a:schemeClr val="tx1">
+                    <a:lumMod val="75000"/>
+                    <a:lumOff val="25000"/>
+                  </a:schemeClr>
+                </a:solidFill>
+                <a:latin typeface="+mn-lt"/>
+                <a:ea typeface="+mn-ea"/>
+                <a:cs typeface="+mn-cs"/>
+              </a:defRPr>
+            </a:lvl7pPr>
+            <a:lvl8pPr marL="1500000" indent="-228600" algn="l" defTabSz="914400" rtl="0" eaLnBrk="1" latinLnBrk="0" hangingPunct="1">
+              <a:lnSpc>
+                <a:spcPct val="90000"/>
+              </a:lnSpc>
+              <a:spcBef>
+                <a:spcPts val="200"/>
+              </a:spcBef>
+              <a:spcAft>
+                <a:spcPts val="400"/>
+              </a:spcAft>
+              <a:buClr>
+                <a:schemeClr val="accent1"/>
+              </a:buClr>
+              <a:buFont typeface="Calibri" pitchFamily="34" charset="0"/>
+              <a:buChar char="◦"/>
+              <a:defRPr sz="1400" kern="1200">
+                <a:solidFill>
+                  <a:schemeClr val="tx1">
+                    <a:lumMod val="75000"/>
+                    <a:lumOff val="25000"/>
+                  </a:schemeClr>
+                </a:solidFill>
+                <a:latin typeface="+mn-lt"/>
+                <a:ea typeface="+mn-ea"/>
+                <a:cs typeface="+mn-cs"/>
+              </a:defRPr>
+            </a:lvl8pPr>
+            <a:lvl9pPr marL="1700000" indent="-228600" algn="l" defTabSz="914400" rtl="0" eaLnBrk="1" latinLnBrk="0" hangingPunct="1">
+              <a:lnSpc>
+                <a:spcPct val="90000"/>
+              </a:lnSpc>
+              <a:spcBef>
+                <a:spcPts val="200"/>
+              </a:spcBef>
+              <a:spcAft>
+                <a:spcPts val="400"/>
+              </a:spcAft>
+              <a:buClr>
+                <a:schemeClr val="accent1"/>
+              </a:buClr>
+              <a:buFont typeface="Calibri" pitchFamily="34" charset="0"/>
+              <a:buChar char="◦"/>
+              <a:defRPr sz="1400" kern="1200">
+                <a:solidFill>
+                  <a:schemeClr val="tx1">
+                    <a:lumMod val="75000"/>
+                    <a:lumOff val="25000"/>
+                  </a:schemeClr>
+                </a:solidFill>
+                <a:latin typeface="+mn-lt"/>
+                <a:ea typeface="+mn-ea"/>
+                <a:cs typeface="+mn-cs"/>
+              </a:defRPr>
+            </a:lvl9pPr>
+          </a:lstStyle>
+          <a:p>
+            <a:pPr>
+              <a:buFont typeface="Wingdings" panose="05000000000000000000" pitchFamily="2" charset="2"/>
+              <a:buChar char="v"/>
+            </a:pPr>
+            <a:r>
+              <a:rPr lang="en-GB" dirty="0" smtClean="0"/>
+              <a:t> </a:t>
+            </a:r>
+            <a:r>
+              <a:rPr lang="en-US" dirty="0" smtClean="0"/>
+              <a:t>Switch-statements</a:t>
+            </a:r>
+          </a:p>
+          <a:p>
+            <a:pPr>
+              <a:buFont typeface="Wingdings" panose="05000000000000000000" pitchFamily="2" charset="2"/>
+              <a:buChar char="v"/>
+            </a:pPr>
+            <a:r>
+              <a:rPr lang="en-US" dirty="0"/>
+              <a:t> </a:t>
+            </a:r>
+            <a:r>
+              <a:rPr lang="en-US" dirty="0" smtClean="0"/>
+              <a:t>Iteration Control</a:t>
+            </a:r>
+          </a:p>
+          <a:p>
+            <a:pPr>
+              <a:buFont typeface="Wingdings" panose="05000000000000000000" pitchFamily="2" charset="2"/>
+              <a:buChar char="v"/>
+            </a:pPr>
+            <a:r>
+              <a:rPr lang="en-US" dirty="0"/>
+              <a:t> </a:t>
+            </a:r>
+            <a:r>
+              <a:rPr lang="en-US" dirty="0" smtClean="0"/>
+              <a:t>Types of loops</a:t>
+            </a:r>
+          </a:p>
+          <a:p>
+            <a:pPr>
+              <a:buFont typeface="Wingdings" panose="05000000000000000000" pitchFamily="2" charset="2"/>
+              <a:buChar char="v"/>
+            </a:pPr>
+            <a:r>
+              <a:rPr lang="en-US" dirty="0"/>
+              <a:t> </a:t>
+            </a:r>
+            <a:r>
+              <a:rPr lang="en-US" dirty="0" smtClean="0"/>
+              <a:t>While</a:t>
+            </a:r>
+          </a:p>
+          <a:p>
+            <a:pPr>
+              <a:buFont typeface="Wingdings" panose="05000000000000000000" pitchFamily="2" charset="2"/>
+              <a:buChar char="v"/>
+            </a:pPr>
+            <a:r>
+              <a:rPr lang="en-US" dirty="0"/>
+              <a:t> </a:t>
+            </a:r>
+            <a:r>
+              <a:rPr lang="en-US" dirty="0" smtClean="0"/>
+              <a:t>do-while</a:t>
+            </a:r>
+          </a:p>
+          <a:p>
+            <a:pPr>
+              <a:buFont typeface="Wingdings" panose="05000000000000000000" pitchFamily="2" charset="2"/>
+              <a:buChar char="v"/>
+            </a:pPr>
+            <a:r>
+              <a:rPr lang="en-US" dirty="0"/>
+              <a:t> </a:t>
+            </a:r>
+            <a:r>
+              <a:rPr lang="en-US" dirty="0" smtClean="0"/>
+              <a:t>for-loop</a:t>
+            </a:r>
+          </a:p>
+          <a:p>
+            <a:pPr>
+              <a:buFont typeface="Wingdings" panose="05000000000000000000" pitchFamily="2" charset="2"/>
+              <a:buChar char="v"/>
+            </a:pPr>
+            <a:r>
+              <a:rPr lang="en-US" dirty="0"/>
+              <a:t> </a:t>
+            </a:r>
+            <a:r>
+              <a:rPr lang="en-US" dirty="0" smtClean="0"/>
+              <a:t>Nested-Loops</a:t>
+            </a:r>
+          </a:p>
+          <a:p>
+            <a:pPr>
+              <a:buFont typeface="Wingdings" panose="05000000000000000000" pitchFamily="2" charset="2"/>
+              <a:buChar char="v"/>
+            </a:pPr>
+            <a:r>
+              <a:rPr lang="en-US" dirty="0"/>
+              <a:t> </a:t>
+            </a:r>
+            <a:r>
+              <a:rPr lang="en-US" dirty="0" smtClean="0"/>
+              <a:t>Arrays</a:t>
+            </a:r>
+          </a:p>
+          <a:p>
+            <a:pPr>
+              <a:buFont typeface="Wingdings" panose="05000000000000000000" pitchFamily="2" charset="2"/>
+              <a:buChar char="v"/>
+            </a:pPr>
+            <a:r>
+              <a:rPr lang="en-US"/>
+              <a:t> </a:t>
+            </a:r>
+            <a:r>
+              <a:rPr lang="en-US" smtClean="0"/>
+              <a:t>Exercises</a:t>
+            </a:r>
+            <a:endParaRPr lang="en-GB" dirty="0" smtClean="0"/>
           </a:p>
           <a:p>
             <a:endParaRPr lang="en-GB" dirty="0"/>
@@ -4968,7 +6912,7 @@
     </p:spTree>
     <p:extLst>
       <p:ext uri="{BB962C8B-B14F-4D97-AF65-F5344CB8AC3E}">
-        <p14:creationId xmlns:p14="http://schemas.microsoft.com/office/powerpoint/2010/main" val="129472628"/>
+        <p14:creationId xmlns:p14="http://schemas.microsoft.com/office/powerpoint/2010/main" val="2083310612"/>
       </p:ext>
     </p:extLst>
   </p:cSld>
@@ -4978,1120 +6922,7 @@
 </p:sld>
 </file>
 
-<file path=ppt/slides/slide3.xml><?xml version="1.0" encoding="utf-8"?>
-<p:sld xmlns:a="http://schemas.openxmlformats.org/drawingml/2006/main" xmlns:r="http://schemas.openxmlformats.org/officeDocument/2006/relationships" xmlns:p="http://schemas.openxmlformats.org/presentationml/2006/main">
-  <p:cSld>
-    <p:spTree>
-      <p:nvGrpSpPr>
-        <p:cNvPr id="1" name=""/>
-        <p:cNvGrpSpPr/>
-        <p:nvPr/>
-      </p:nvGrpSpPr>
-      <p:grpSpPr>
-        <a:xfrm>
-          <a:off x="0" y="0"/>
-          <a:ext cx="0" cy="0"/>
-          <a:chOff x="0" y="0"/>
-          <a:chExt cx="0" cy="0"/>
-        </a:xfrm>
-      </p:grpSpPr>
-      <p:sp>
-        <p:nvSpPr>
-          <p:cNvPr id="2" name="Title 1">
-            <a:extLst>
-              <a:ext uri="{FF2B5EF4-FFF2-40B4-BE49-F238E27FC236}">
-                <a16:creationId xmlns:a16="http://schemas.microsoft.com/office/drawing/2014/main" id="{27E44846-EE23-4B7D-B117-6BD3695FB65C}"/>
-              </a:ext>
-            </a:extLst>
-          </p:cNvPr>
-          <p:cNvSpPr>
-            <a:spLocks noGrp="1"/>
-          </p:cNvSpPr>
-          <p:nvPr>
-            <p:ph type="title"/>
-          </p:nvPr>
-        </p:nvSpPr>
-        <p:spPr/>
-        <p:txBody>
-          <a:bodyPr/>
-          <a:lstStyle/>
-          <a:p>
-            <a:r>
-              <a:rPr lang="en-GB" dirty="0"/>
-              <a:t>Data Types in Object Oriented Programming</a:t>
-            </a:r>
-          </a:p>
-        </p:txBody>
-      </p:sp>
-      <p:grpSp>
-        <p:nvGrpSpPr>
-          <p:cNvPr id="23" name="Group 22">
-            <a:extLst>
-              <a:ext uri="{FF2B5EF4-FFF2-40B4-BE49-F238E27FC236}">
-                <a16:creationId xmlns:a16="http://schemas.microsoft.com/office/drawing/2014/main" id="{71C6DC02-35AA-4746-B820-FB7F2469C0C3}"/>
-              </a:ext>
-            </a:extLst>
-          </p:cNvPr>
-          <p:cNvGrpSpPr/>
-          <p:nvPr/>
-        </p:nvGrpSpPr>
-        <p:grpSpPr>
-          <a:xfrm>
-            <a:off x="647007" y="1856509"/>
-            <a:ext cx="7849985" cy="4149436"/>
-            <a:chOff x="647007" y="1856509"/>
-            <a:chExt cx="7849985" cy="4149436"/>
-          </a:xfrm>
-        </p:grpSpPr>
-        <p:sp>
-          <p:nvSpPr>
-            <p:cNvPr id="4" name="Rectangle 3">
-              <a:extLst>
-                <a:ext uri="{FF2B5EF4-FFF2-40B4-BE49-F238E27FC236}">
-                  <a16:creationId xmlns:a16="http://schemas.microsoft.com/office/drawing/2014/main" id="{D0948296-EEB5-486C-8E6A-5BF0ADABC116}"/>
-                </a:ext>
-              </a:extLst>
-            </p:cNvPr>
-            <p:cNvSpPr/>
-            <p:nvPr/>
-          </p:nvSpPr>
-          <p:spPr>
-            <a:xfrm>
-              <a:off x="3329478" y="1856509"/>
-              <a:ext cx="2318327" cy="914400"/>
-            </a:xfrm>
-            <a:prstGeom prst="rect">
-              <a:avLst/>
-            </a:prstGeom>
-          </p:spPr>
-          <p:style>
-            <a:lnRef idx="1">
-              <a:schemeClr val="accent3"/>
-            </a:lnRef>
-            <a:fillRef idx="2">
-              <a:schemeClr val="accent3"/>
-            </a:fillRef>
-            <a:effectRef idx="1">
-              <a:schemeClr val="accent3"/>
-            </a:effectRef>
-            <a:fontRef idx="minor">
-              <a:schemeClr val="dk1"/>
-            </a:fontRef>
-          </p:style>
-          <p:txBody>
-            <a:bodyPr rtlCol="0" anchor="ctr"/>
-            <a:lstStyle/>
-            <a:p>
-              <a:pPr algn="ctr"/>
-              <a:r>
-                <a:rPr lang="en-GB" sz="3200" dirty="0"/>
-                <a:t>Data Types</a:t>
-              </a:r>
-            </a:p>
-          </p:txBody>
-        </p:sp>
-        <p:sp>
-          <p:nvSpPr>
-            <p:cNvPr id="5" name="Rectangle 4">
-              <a:extLst>
-                <a:ext uri="{FF2B5EF4-FFF2-40B4-BE49-F238E27FC236}">
-                  <a16:creationId xmlns:a16="http://schemas.microsoft.com/office/drawing/2014/main" id="{8E988071-9D4D-4197-99AE-F32D9F2BE458}"/>
-                </a:ext>
-              </a:extLst>
-            </p:cNvPr>
-            <p:cNvSpPr/>
-            <p:nvPr/>
-          </p:nvSpPr>
-          <p:spPr>
-            <a:xfrm>
-              <a:off x="647007" y="3352800"/>
-              <a:ext cx="2253211" cy="2576945"/>
-            </a:xfrm>
-            <a:prstGeom prst="rect">
-              <a:avLst/>
-            </a:prstGeom>
-            <a:effectLst>
-              <a:glow rad="139700">
-                <a:schemeClr val="accent4">
-                  <a:satMod val="175000"/>
-                  <a:alpha val="40000"/>
-                </a:schemeClr>
-              </a:glow>
-            </a:effectLst>
-          </p:spPr>
-          <p:style>
-            <a:lnRef idx="1">
-              <a:schemeClr val="accent6"/>
-            </a:lnRef>
-            <a:fillRef idx="2">
-              <a:schemeClr val="accent6"/>
-            </a:fillRef>
-            <a:effectRef idx="1">
-              <a:schemeClr val="accent6"/>
-            </a:effectRef>
-            <a:fontRef idx="minor">
-              <a:schemeClr val="dk1"/>
-            </a:fontRef>
-          </p:style>
-          <p:txBody>
-            <a:bodyPr rtlCol="0" anchor="t"/>
-            <a:lstStyle/>
-            <a:p>
-              <a:pPr algn="ctr"/>
-              <a:r>
-                <a:rPr lang="en-GB" u="sng" dirty="0"/>
-                <a:t>Primitive</a:t>
-              </a:r>
-            </a:p>
-            <a:p>
-              <a:r>
-                <a:rPr lang="en-GB" dirty="0"/>
-                <a:t>Integer</a:t>
-              </a:r>
-            </a:p>
-            <a:p>
-              <a:r>
-                <a:rPr lang="en-GB" dirty="0"/>
-                <a:t>Character</a:t>
-              </a:r>
-            </a:p>
-            <a:p>
-              <a:r>
-                <a:rPr lang="en-GB" dirty="0"/>
-                <a:t>Boolean</a:t>
-              </a:r>
-            </a:p>
-            <a:p>
-              <a:r>
-                <a:rPr lang="en-GB" dirty="0"/>
-                <a:t>Floating point</a:t>
-              </a:r>
-            </a:p>
-            <a:p>
-              <a:r>
-                <a:rPr lang="en-GB" dirty="0"/>
-                <a:t>Double floating point</a:t>
-              </a:r>
-            </a:p>
-            <a:p>
-              <a:r>
-                <a:rPr lang="en-GB" dirty="0"/>
-                <a:t>Void</a:t>
-              </a:r>
-            </a:p>
-            <a:p>
-              <a:r>
-                <a:rPr lang="en-GB" dirty="0"/>
-                <a:t>Wide Character</a:t>
-              </a:r>
-            </a:p>
-          </p:txBody>
-        </p:sp>
-        <p:sp>
-          <p:nvSpPr>
-            <p:cNvPr id="6" name="Rectangle 5">
-              <a:extLst>
-                <a:ext uri="{FF2B5EF4-FFF2-40B4-BE49-F238E27FC236}">
-                  <a16:creationId xmlns:a16="http://schemas.microsoft.com/office/drawing/2014/main" id="{F792EB32-8B62-4B22-9063-4BE5E2E5C032}"/>
-                </a:ext>
-              </a:extLst>
-            </p:cNvPr>
-            <p:cNvSpPr/>
-            <p:nvPr/>
-          </p:nvSpPr>
-          <p:spPr>
-            <a:xfrm>
-              <a:off x="3541914" y="3429000"/>
-              <a:ext cx="2105891" cy="2576945"/>
-            </a:xfrm>
-            <a:prstGeom prst="rect">
-              <a:avLst/>
-            </a:prstGeom>
-            <a:effectLst>
-              <a:glow rad="228600">
-                <a:schemeClr val="accent3">
-                  <a:satMod val="175000"/>
-                  <a:alpha val="40000"/>
-                </a:schemeClr>
-              </a:glow>
-            </a:effectLst>
-          </p:spPr>
-          <p:style>
-            <a:lnRef idx="1">
-              <a:schemeClr val="accent5"/>
-            </a:lnRef>
-            <a:fillRef idx="2">
-              <a:schemeClr val="accent5"/>
-            </a:fillRef>
-            <a:effectRef idx="1">
-              <a:schemeClr val="accent5"/>
-            </a:effectRef>
-            <a:fontRef idx="minor">
-              <a:schemeClr val="dk1"/>
-            </a:fontRef>
-          </p:style>
-          <p:txBody>
-            <a:bodyPr rtlCol="0" anchor="t"/>
-            <a:lstStyle/>
-            <a:p>
-              <a:pPr algn="ctr"/>
-              <a:r>
-                <a:rPr lang="en-GB" u="sng" dirty="0"/>
-                <a:t>Derived</a:t>
-              </a:r>
-            </a:p>
-            <a:p>
-              <a:r>
-                <a:rPr lang="en-GB" dirty="0" smtClean="0"/>
-                <a:t>Array</a:t>
-              </a:r>
-              <a:endParaRPr lang="en-GB" dirty="0"/>
-            </a:p>
-            <a:p>
-              <a:r>
-                <a:rPr lang="en-GB" dirty="0"/>
-                <a:t>Pointer</a:t>
-              </a:r>
-            </a:p>
-            <a:p>
-              <a:r>
-                <a:rPr lang="en-GB" dirty="0"/>
-                <a:t>Reference</a:t>
-              </a:r>
-            </a:p>
-          </p:txBody>
-        </p:sp>
-        <p:sp>
-          <p:nvSpPr>
-            <p:cNvPr id="7" name="Rectangle 6">
-              <a:extLst>
-                <a:ext uri="{FF2B5EF4-FFF2-40B4-BE49-F238E27FC236}">
-                  <a16:creationId xmlns:a16="http://schemas.microsoft.com/office/drawing/2014/main" id="{63E155E3-8592-4CDE-B55B-B627E700AC3A}"/>
-                </a:ext>
-              </a:extLst>
-            </p:cNvPr>
-            <p:cNvSpPr/>
-            <p:nvPr/>
-          </p:nvSpPr>
-          <p:spPr>
-            <a:xfrm>
-              <a:off x="6391101" y="3429000"/>
-              <a:ext cx="2105891" cy="2576945"/>
-            </a:xfrm>
-            <a:prstGeom prst="rect">
-              <a:avLst/>
-            </a:prstGeom>
-            <a:effectLst>
-              <a:glow rad="101600">
-                <a:schemeClr val="accent6">
-                  <a:satMod val="175000"/>
-                  <a:alpha val="40000"/>
-                </a:schemeClr>
-              </a:glow>
-            </a:effectLst>
-          </p:spPr>
-          <p:style>
-            <a:lnRef idx="1">
-              <a:schemeClr val="accent4"/>
-            </a:lnRef>
-            <a:fillRef idx="2">
-              <a:schemeClr val="accent4"/>
-            </a:fillRef>
-            <a:effectRef idx="1">
-              <a:schemeClr val="accent4"/>
-            </a:effectRef>
-            <a:fontRef idx="minor">
-              <a:schemeClr val="dk1"/>
-            </a:fontRef>
-          </p:style>
-          <p:txBody>
-            <a:bodyPr rtlCol="0" anchor="t"/>
-            <a:lstStyle/>
-            <a:p>
-              <a:pPr algn="ctr"/>
-              <a:r>
-                <a:rPr lang="en-GB" u="sng" dirty="0"/>
-                <a:t>User Defined</a:t>
-              </a:r>
-            </a:p>
-            <a:p>
-              <a:r>
-                <a:rPr lang="en-GB" dirty="0" smtClean="0"/>
-                <a:t>Class</a:t>
-              </a:r>
-            </a:p>
-            <a:p>
-              <a:r>
-                <a:rPr lang="en-US" dirty="0" smtClean="0"/>
-                <a:t>Object</a:t>
-              </a:r>
-              <a:endParaRPr lang="en-GB" dirty="0"/>
-            </a:p>
-            <a:p>
-              <a:r>
-                <a:rPr lang="en-GB" strike="sngStrike" dirty="0">
-                  <a:solidFill>
-                    <a:srgbClr val="FF0000"/>
-                  </a:solidFill>
-                </a:rPr>
-                <a:t>Structure</a:t>
-              </a:r>
-            </a:p>
-            <a:p>
-              <a:r>
-                <a:rPr lang="en-GB" strike="sngStrike" dirty="0">
-                  <a:solidFill>
-                    <a:srgbClr val="FF0000"/>
-                  </a:solidFill>
-                </a:rPr>
-                <a:t>Union</a:t>
-              </a:r>
-            </a:p>
-            <a:p>
-              <a:r>
-                <a:rPr lang="en-GB" strike="sngStrike" dirty="0" err="1">
-                  <a:solidFill>
-                    <a:srgbClr val="FF0000"/>
-                  </a:solidFill>
-                </a:rPr>
-                <a:t>Enum</a:t>
-              </a:r>
-              <a:endParaRPr lang="en-GB" strike="sngStrike" dirty="0">
-                <a:solidFill>
-                  <a:srgbClr val="FF0000"/>
-                </a:solidFill>
-              </a:endParaRPr>
-            </a:p>
-            <a:p>
-              <a:r>
-                <a:rPr lang="en-GB" strike="sngStrike" dirty="0" err="1" smtClean="0">
-                  <a:solidFill>
-                    <a:srgbClr val="FF0000"/>
-                  </a:solidFill>
-                </a:rPr>
-                <a:t>Typedef</a:t>
-              </a:r>
-              <a:endParaRPr lang="en-GB" strike="sngStrike" dirty="0" smtClean="0">
-                <a:solidFill>
-                  <a:srgbClr val="FF0000"/>
-                </a:solidFill>
-              </a:endParaRPr>
-            </a:p>
-            <a:p>
-              <a:r>
-                <a:rPr lang="en-GB" dirty="0"/>
-                <a:t>Function</a:t>
-              </a:r>
-            </a:p>
-          </p:txBody>
-        </p:sp>
-        <p:cxnSp>
-          <p:nvCxnSpPr>
-            <p:cNvPr id="9" name="Connector: Elbow 8">
-              <a:extLst>
-                <a:ext uri="{FF2B5EF4-FFF2-40B4-BE49-F238E27FC236}">
-                  <a16:creationId xmlns:a16="http://schemas.microsoft.com/office/drawing/2014/main" id="{148AE585-AAFE-41C4-BD05-5D87CEF76F7E}"/>
-                </a:ext>
-              </a:extLst>
-            </p:cNvPr>
-            <p:cNvCxnSpPr>
-              <a:cxnSpLocks/>
-              <a:stCxn id="4" idx="2"/>
-              <a:endCxn id="5" idx="0"/>
-            </p:cNvCxnSpPr>
-            <p:nvPr/>
-          </p:nvCxnSpPr>
-          <p:spPr>
-            <a:xfrm rot="5400000">
-              <a:off x="2840183" y="1704340"/>
-              <a:ext cx="581891" cy="2715029"/>
-            </a:xfrm>
-            <a:prstGeom prst="bentConnector3">
-              <a:avLst>
-                <a:gd name="adj1" fmla="val 50000"/>
-              </a:avLst>
-            </a:prstGeom>
-            <a:ln w="38100">
-              <a:tailEnd type="triangle"/>
-            </a:ln>
-          </p:spPr>
-          <p:style>
-            <a:lnRef idx="3">
-              <a:schemeClr val="accent3"/>
-            </a:lnRef>
-            <a:fillRef idx="0">
-              <a:schemeClr val="accent3"/>
-            </a:fillRef>
-            <a:effectRef idx="2">
-              <a:schemeClr val="accent3"/>
-            </a:effectRef>
-            <a:fontRef idx="minor">
-              <a:schemeClr val="tx1"/>
-            </a:fontRef>
-          </p:style>
-        </p:cxnSp>
-        <p:cxnSp>
-          <p:nvCxnSpPr>
-            <p:cNvPr id="14" name="Straight Arrow Connector 13">
-              <a:extLst>
-                <a:ext uri="{FF2B5EF4-FFF2-40B4-BE49-F238E27FC236}">
-                  <a16:creationId xmlns:a16="http://schemas.microsoft.com/office/drawing/2014/main" id="{C2C60354-B0B1-4D12-B648-B76CE015E0A1}"/>
-                </a:ext>
-              </a:extLst>
-            </p:cNvPr>
-            <p:cNvCxnSpPr>
-              <a:cxnSpLocks/>
-            </p:cNvCxnSpPr>
-            <p:nvPr/>
-          </p:nvCxnSpPr>
-          <p:spPr>
-            <a:xfrm flipH="1">
-              <a:off x="4479405" y="2770909"/>
-              <a:ext cx="1" cy="658091"/>
-            </a:xfrm>
-            <a:prstGeom prst="straightConnector1">
-              <a:avLst/>
-            </a:prstGeom>
-            <a:ln>
-              <a:tailEnd type="triangle"/>
-            </a:ln>
-          </p:spPr>
-          <p:style>
-            <a:lnRef idx="3">
-              <a:schemeClr val="accent3"/>
-            </a:lnRef>
-            <a:fillRef idx="0">
-              <a:schemeClr val="accent3"/>
-            </a:fillRef>
-            <a:effectRef idx="2">
-              <a:schemeClr val="accent3"/>
-            </a:effectRef>
-            <a:fontRef idx="minor">
-              <a:schemeClr val="tx1"/>
-            </a:fontRef>
-          </p:style>
-        </p:cxnSp>
-        <p:cxnSp>
-          <p:nvCxnSpPr>
-            <p:cNvPr id="16" name="Connector: Elbow 15">
-              <a:extLst>
-                <a:ext uri="{FF2B5EF4-FFF2-40B4-BE49-F238E27FC236}">
-                  <a16:creationId xmlns:a16="http://schemas.microsoft.com/office/drawing/2014/main" id="{8CAC068F-2642-4598-A18E-D2F15126F581}"/>
-                </a:ext>
-              </a:extLst>
-            </p:cNvPr>
-            <p:cNvCxnSpPr>
-              <a:cxnSpLocks/>
-            </p:cNvCxnSpPr>
-            <p:nvPr/>
-          </p:nvCxnSpPr>
-          <p:spPr>
-            <a:xfrm>
-              <a:off x="4479404" y="3061855"/>
-              <a:ext cx="2955407" cy="367145"/>
-            </a:xfrm>
-            <a:prstGeom prst="bentConnector2">
-              <a:avLst/>
-            </a:prstGeom>
-            <a:ln w="38100">
-              <a:tailEnd type="triangle"/>
-            </a:ln>
-          </p:spPr>
-          <p:style>
-            <a:lnRef idx="3">
-              <a:schemeClr val="accent3"/>
-            </a:lnRef>
-            <a:fillRef idx="0">
-              <a:schemeClr val="accent3"/>
-            </a:fillRef>
-            <a:effectRef idx="2">
-              <a:schemeClr val="accent3"/>
-            </a:effectRef>
-            <a:fontRef idx="minor">
-              <a:schemeClr val="tx1"/>
-            </a:fontRef>
-          </p:style>
-        </p:cxnSp>
-      </p:grpSp>
-    </p:spTree>
-    <p:extLst>
-      <p:ext uri="{BB962C8B-B14F-4D97-AF65-F5344CB8AC3E}">
-        <p14:creationId xmlns:p14="http://schemas.microsoft.com/office/powerpoint/2010/main" val="41702972"/>
-      </p:ext>
-    </p:extLst>
-  </p:cSld>
-  <p:clrMapOvr>
-    <a:masterClrMapping/>
-  </p:clrMapOvr>
-</p:sld>
-</file>
-
-<file path=ppt/slides/slide4.xml><?xml version="1.0" encoding="utf-8"?>
-<p:sld xmlns:a="http://schemas.openxmlformats.org/drawingml/2006/main" xmlns:r="http://schemas.openxmlformats.org/officeDocument/2006/relationships" xmlns:p="http://schemas.openxmlformats.org/presentationml/2006/main">
-  <p:cSld>
-    <p:spTree>
-      <p:nvGrpSpPr>
-        <p:cNvPr id="1" name=""/>
-        <p:cNvGrpSpPr/>
-        <p:nvPr/>
-      </p:nvGrpSpPr>
-      <p:grpSpPr>
-        <a:xfrm>
-          <a:off x="0" y="0"/>
-          <a:ext cx="0" cy="0"/>
-          <a:chOff x="0" y="0"/>
-          <a:chExt cx="0" cy="0"/>
-        </a:xfrm>
-      </p:grpSpPr>
-      <p:sp>
-        <p:nvSpPr>
-          <p:cNvPr id="2" name="Title 1">
-            <a:extLst>
-              <a:ext uri="{FF2B5EF4-FFF2-40B4-BE49-F238E27FC236}">
-                <a16:creationId xmlns:a16="http://schemas.microsoft.com/office/drawing/2014/main" id="{0944335C-8DE2-4926-A149-58F5D306F0D3}"/>
-              </a:ext>
-            </a:extLst>
-          </p:cNvPr>
-          <p:cNvSpPr>
-            <a:spLocks noGrp="1"/>
-          </p:cNvSpPr>
-          <p:nvPr>
-            <p:ph type="title"/>
-          </p:nvPr>
-        </p:nvSpPr>
-        <p:spPr/>
-        <p:txBody>
-          <a:bodyPr/>
-          <a:lstStyle/>
-          <a:p>
-            <a:r>
-              <a:rPr lang="en-GB" dirty="0"/>
-              <a:t>Flowcharts</a:t>
-            </a:r>
-          </a:p>
-        </p:txBody>
-      </p:sp>
-      <p:pic>
-        <p:nvPicPr>
-          <p:cNvPr id="5" name="Content Placeholder 4">
-            <a:extLst>
-              <a:ext uri="{FF2B5EF4-FFF2-40B4-BE49-F238E27FC236}">
-                <a16:creationId xmlns:a16="http://schemas.microsoft.com/office/drawing/2014/main" id="{C57304B5-FA89-4D67-B97B-6F2C61D1F3CC}"/>
-              </a:ext>
-            </a:extLst>
-          </p:cNvPr>
-          <p:cNvPicPr>
-            <a:picLocks noGrp="1" noChangeAspect="1"/>
-          </p:cNvPicPr>
-          <p:nvPr>
-            <p:ph idx="1"/>
-          </p:nvPr>
-        </p:nvPicPr>
-        <p:blipFill>
-          <a:blip r:embed="rId2" cstate="hqprint">
-            <a:extLst>
-              <a:ext uri="{28A0092B-C50C-407E-A947-70E740481C1C}">
-                <a14:useLocalDpi xmlns:a14="http://schemas.microsoft.com/office/drawing/2010/main" val="0"/>
-              </a:ext>
-              <a:ext uri="{96DAC541-7B7A-43D3-8B79-37D633B846F1}">
-                <asvg:svgBlip xmlns:asvg="http://schemas.microsoft.com/office/drawing/2016/SVG/main" xmlns="" r:embed="rId3"/>
-              </a:ext>
-            </a:extLst>
-          </a:blip>
-          <a:stretch>
-            <a:fillRect/>
-          </a:stretch>
-        </p:blipFill>
-        <p:spPr>
-          <a:xfrm>
-            <a:off x="822960" y="2199179"/>
-            <a:ext cx="3419316" cy="4022725"/>
-          </a:xfrm>
-        </p:spPr>
-      </p:pic>
-      <p:sp>
-        <p:nvSpPr>
-          <p:cNvPr id="6" name="TextBox 5">
-            <a:extLst>
-              <a:ext uri="{FF2B5EF4-FFF2-40B4-BE49-F238E27FC236}">
-                <a16:creationId xmlns:a16="http://schemas.microsoft.com/office/drawing/2014/main" id="{FCBD4C7D-40E4-4403-AF7F-929E5E144B68}"/>
-              </a:ext>
-            </a:extLst>
-          </p:cNvPr>
-          <p:cNvSpPr txBox="1"/>
-          <p:nvPr/>
-        </p:nvSpPr>
-        <p:spPr>
-          <a:xfrm>
-            <a:off x="1052946" y="1921687"/>
-            <a:ext cx="2004290" cy="369332"/>
-          </a:xfrm>
-          <a:prstGeom prst="rect">
-            <a:avLst/>
-          </a:prstGeom>
-          <a:noFill/>
-        </p:spPr>
-        <p:txBody>
-          <a:bodyPr wrap="square" rtlCol="0">
-            <a:spAutoFit/>
-          </a:bodyPr>
-          <a:lstStyle/>
-          <a:p>
-            <a:r>
-              <a:rPr lang="en-GB" dirty="0"/>
-              <a:t>Flowchart example</a:t>
-            </a:r>
-          </a:p>
-        </p:txBody>
-      </p:sp>
-      <p:sp>
-        <p:nvSpPr>
-          <p:cNvPr id="7" name="TextBox 6">
-            <a:extLst>
-              <a:ext uri="{FF2B5EF4-FFF2-40B4-BE49-F238E27FC236}">
-                <a16:creationId xmlns:a16="http://schemas.microsoft.com/office/drawing/2014/main" id="{A186598B-6D95-4E28-8459-424ACB02D53E}"/>
-              </a:ext>
-            </a:extLst>
-          </p:cNvPr>
-          <p:cNvSpPr txBox="1"/>
-          <p:nvPr/>
-        </p:nvSpPr>
-        <p:spPr>
-          <a:xfrm>
-            <a:off x="4901726" y="2106353"/>
-            <a:ext cx="3634509" cy="3908762"/>
-          </a:xfrm>
-          <a:prstGeom prst="rect">
-            <a:avLst/>
-          </a:prstGeom>
-          <a:noFill/>
-          <a:ln>
-            <a:solidFill>
-              <a:schemeClr val="tx1"/>
-            </a:solidFill>
-          </a:ln>
-        </p:spPr>
-        <p:txBody>
-          <a:bodyPr wrap="square" rtlCol="0">
-            <a:spAutoFit/>
-          </a:bodyPr>
-          <a:lstStyle/>
-          <a:p>
-            <a:r>
-              <a:rPr lang="en-GB" u="sng" dirty="0"/>
-              <a:t>Task:</a:t>
-            </a:r>
-          </a:p>
-          <a:p>
-            <a:endParaRPr lang="en-GB" u="sng" dirty="0"/>
-          </a:p>
-          <a:p>
-            <a:pPr marL="285750" indent="-285750">
-              <a:buFont typeface="Arial" panose="020B0604020202020204" pitchFamily="34" charset="0"/>
-              <a:buChar char="•"/>
-            </a:pPr>
-            <a:r>
-              <a:rPr lang="en-GB" sz="1600" dirty="0"/>
-              <a:t>Go to </a:t>
-            </a:r>
-            <a:r>
-              <a:rPr lang="en-GB" sz="1600" dirty="0">
-                <a:hlinkClick r:id="rId4"/>
-              </a:rPr>
-              <a:t>www.draw.io</a:t>
-            </a:r>
-            <a:endParaRPr lang="en-GB" sz="1600" dirty="0"/>
-          </a:p>
-          <a:p>
-            <a:pPr marL="285750" indent="-285750">
-              <a:buFont typeface="Arial" panose="020B0604020202020204" pitchFamily="34" charset="0"/>
-              <a:buChar char="•"/>
-            </a:pPr>
-            <a:r>
-              <a:rPr lang="en-GB" sz="1600" dirty="0"/>
-              <a:t>Click ‘Save diagrams to Device’ </a:t>
-            </a:r>
-          </a:p>
-          <a:p>
-            <a:pPr marL="285750" indent="-285750">
-              <a:buFont typeface="Arial" panose="020B0604020202020204" pitchFamily="34" charset="0"/>
-              <a:buChar char="•"/>
-            </a:pPr>
-            <a:r>
-              <a:rPr lang="en-GB" sz="1600" dirty="0"/>
-              <a:t>Create New diagram</a:t>
-            </a:r>
-          </a:p>
-          <a:p>
-            <a:pPr marL="285750" indent="-285750">
-              <a:buFont typeface="Arial" panose="020B0604020202020204" pitchFamily="34" charset="0"/>
-              <a:buChar char="•"/>
-            </a:pPr>
-            <a:r>
-              <a:rPr lang="en-GB" sz="1600" dirty="0"/>
-              <a:t>Select ‘Flowchart’</a:t>
-            </a:r>
-          </a:p>
-          <a:p>
-            <a:pPr marL="285750" indent="-285750">
-              <a:buFont typeface="Arial" panose="020B0604020202020204" pitchFamily="34" charset="0"/>
-              <a:buChar char="•"/>
-            </a:pPr>
-            <a:r>
-              <a:rPr lang="en-GB" sz="1600" dirty="0"/>
-              <a:t>Delete the displayed flowchart</a:t>
-            </a:r>
-          </a:p>
-          <a:p>
-            <a:pPr marL="285750" indent="-285750">
-              <a:buFont typeface="Arial" panose="020B0604020202020204" pitchFamily="34" charset="0"/>
-              <a:buChar char="•"/>
-            </a:pPr>
-            <a:r>
-              <a:rPr lang="en-GB" sz="1600" dirty="0"/>
-              <a:t>Create a flowchart that asks user for login details, checks if the details are correct, grants access for correct details, denies access for incorrect details and blocks user after 3 unsuccessful attempts.</a:t>
-            </a:r>
-          </a:p>
-          <a:p>
-            <a:pPr marL="285750" indent="-285750">
-              <a:buFont typeface="Arial" panose="020B0604020202020204" pitchFamily="34" charset="0"/>
-              <a:buChar char="•"/>
-            </a:pPr>
-            <a:endParaRPr lang="en-GB" dirty="0"/>
-          </a:p>
-          <a:p>
-            <a:pPr marL="285750" indent="-285750">
-              <a:buFont typeface="Arial" panose="020B0604020202020204" pitchFamily="34" charset="0"/>
-              <a:buChar char="•"/>
-            </a:pPr>
-            <a:endParaRPr lang="en-GB" dirty="0"/>
-          </a:p>
-        </p:txBody>
-      </p:sp>
-    </p:spTree>
-    <p:extLst>
-      <p:ext uri="{BB962C8B-B14F-4D97-AF65-F5344CB8AC3E}">
-        <p14:creationId xmlns:p14="http://schemas.microsoft.com/office/powerpoint/2010/main" val="2460551237"/>
-      </p:ext>
-    </p:extLst>
-  </p:cSld>
-  <p:clrMapOvr>
-    <a:masterClrMapping/>
-  </p:clrMapOvr>
-</p:sld>
-</file>
-
-<file path=ppt/slides/slide5.xml><?xml version="1.0" encoding="utf-8"?>
-<p:sld xmlns:a="http://schemas.openxmlformats.org/drawingml/2006/main" xmlns:r="http://schemas.openxmlformats.org/officeDocument/2006/relationships" xmlns:p="http://schemas.openxmlformats.org/presentationml/2006/main">
-  <p:cSld>
-    <p:spTree>
-      <p:nvGrpSpPr>
-        <p:cNvPr id="1" name=""/>
-        <p:cNvGrpSpPr/>
-        <p:nvPr/>
-      </p:nvGrpSpPr>
-      <p:grpSpPr>
-        <a:xfrm>
-          <a:off x="0" y="0"/>
-          <a:ext cx="0" cy="0"/>
-          <a:chOff x="0" y="0"/>
-          <a:chExt cx="0" cy="0"/>
-        </a:xfrm>
-      </p:grpSpPr>
-      <p:sp>
-        <p:nvSpPr>
-          <p:cNvPr id="2" name="Title 1">
-            <a:extLst>
-              <a:ext uri="{FF2B5EF4-FFF2-40B4-BE49-F238E27FC236}">
-                <a16:creationId xmlns:a16="http://schemas.microsoft.com/office/drawing/2014/main" id="{7304BBA7-9D5E-4B9A-95AF-2E54F4B41C0E}"/>
-              </a:ext>
-            </a:extLst>
-          </p:cNvPr>
-          <p:cNvSpPr>
-            <a:spLocks noGrp="1"/>
-          </p:cNvSpPr>
-          <p:nvPr>
-            <p:ph type="title"/>
-          </p:nvPr>
-        </p:nvSpPr>
-        <p:spPr/>
-        <p:txBody>
-          <a:bodyPr/>
-          <a:lstStyle/>
-          <a:p>
-            <a:r>
-              <a:rPr lang="en-GB" dirty="0"/>
-              <a:t>Object-Orientation.</a:t>
-            </a:r>
-          </a:p>
-        </p:txBody>
-      </p:sp>
-      <p:sp>
-        <p:nvSpPr>
-          <p:cNvPr id="3" name="Content Placeholder 2">
-            <a:extLst>
-              <a:ext uri="{FF2B5EF4-FFF2-40B4-BE49-F238E27FC236}">
-                <a16:creationId xmlns:a16="http://schemas.microsoft.com/office/drawing/2014/main" id="{3AB586B9-467B-4F63-B336-2E9D19321584}"/>
-              </a:ext>
-            </a:extLst>
-          </p:cNvPr>
-          <p:cNvSpPr>
-            <a:spLocks noGrp="1"/>
-          </p:cNvSpPr>
-          <p:nvPr>
-            <p:ph idx="1"/>
-          </p:nvPr>
-        </p:nvSpPr>
-        <p:spPr>
-          <a:xfrm>
-            <a:off x="822960" y="1845734"/>
-            <a:ext cx="4423296" cy="4023360"/>
-          </a:xfrm>
-        </p:spPr>
-        <p:txBody>
-          <a:bodyPr/>
-          <a:lstStyle/>
-          <a:p>
-            <a:pPr>
-              <a:buFont typeface="Wingdings" panose="05000000000000000000" pitchFamily="2" charset="2"/>
-              <a:buChar char="v"/>
-            </a:pPr>
-            <a:r>
-              <a:rPr lang="en-GB" dirty="0"/>
-              <a:t> Object-orientation is a software design concept which is used to build systems from a collection of reusable components called objects.</a:t>
-            </a:r>
-          </a:p>
-          <a:p>
-            <a:pPr>
-              <a:buFont typeface="Wingdings" panose="05000000000000000000" pitchFamily="2" charset="2"/>
-              <a:buChar char="v"/>
-            </a:pPr>
-            <a:r>
-              <a:rPr lang="en-GB" dirty="0"/>
-              <a:t> Objects contain data in the form of fields and functionality in the form of procedures. These are grouped together to represent an entity.</a:t>
-            </a:r>
-          </a:p>
-          <a:p>
-            <a:pPr>
-              <a:buFont typeface="Wingdings" panose="05000000000000000000" pitchFamily="2" charset="2"/>
-              <a:buChar char="v"/>
-            </a:pPr>
-            <a:r>
-              <a:rPr lang="en-GB" dirty="0"/>
-              <a:t>Object-oriented design involves defining the objects and their interactions to solve a problem.</a:t>
-            </a:r>
-          </a:p>
-          <a:p>
-            <a:endParaRPr lang="en-GB" dirty="0"/>
-          </a:p>
-        </p:txBody>
-      </p:sp>
-      <p:pic>
-        <p:nvPicPr>
-          <p:cNvPr id="5" name="Picture 4">
-            <a:extLst>
-              <a:ext uri="{FF2B5EF4-FFF2-40B4-BE49-F238E27FC236}">
-                <a16:creationId xmlns:a16="http://schemas.microsoft.com/office/drawing/2014/main" id="{D645E9A0-8E32-4C1B-A14D-87821C97FB30}"/>
-              </a:ext>
-            </a:extLst>
-          </p:cNvPr>
-          <p:cNvPicPr>
-            <a:picLocks noChangeAspect="1"/>
-          </p:cNvPicPr>
-          <p:nvPr/>
-        </p:nvPicPr>
-        <p:blipFill>
-          <a:blip r:embed="rId2">
-            <a:extLst>
-              <a:ext uri="{28A0092B-C50C-407E-A947-70E740481C1C}">
-                <a14:useLocalDpi xmlns:a14="http://schemas.microsoft.com/office/drawing/2010/main" val="0"/>
-              </a:ext>
-            </a:extLst>
-          </a:blip>
-          <a:stretch>
-            <a:fillRect/>
-          </a:stretch>
-        </p:blipFill>
-        <p:spPr>
-          <a:xfrm>
-            <a:off x="5465618" y="2134183"/>
-            <a:ext cx="3446462" cy="3446462"/>
-          </a:xfrm>
-          <a:prstGeom prst="rect">
-            <a:avLst/>
-          </a:prstGeom>
-        </p:spPr>
-      </p:pic>
-    </p:spTree>
-    <p:extLst>
-      <p:ext uri="{BB962C8B-B14F-4D97-AF65-F5344CB8AC3E}">
-        <p14:creationId xmlns:p14="http://schemas.microsoft.com/office/powerpoint/2010/main" val="3407798903"/>
-      </p:ext>
-    </p:extLst>
-  </p:cSld>
-  <p:clrMapOvr>
-    <a:masterClrMapping/>
-  </p:clrMapOvr>
-</p:sld>
-</file>
-
-<file path=ppt/slides/slide6.xml><?xml version="1.0" encoding="utf-8"?>
-<p:sld xmlns:a="http://schemas.openxmlformats.org/drawingml/2006/main" xmlns:r="http://schemas.openxmlformats.org/officeDocument/2006/relationships" xmlns:p="http://schemas.openxmlformats.org/presentationml/2006/main">
-  <p:cSld>
-    <p:spTree>
-      <p:nvGrpSpPr>
-        <p:cNvPr id="1" name=""/>
-        <p:cNvGrpSpPr/>
-        <p:nvPr/>
-      </p:nvGrpSpPr>
-      <p:grpSpPr>
-        <a:xfrm>
-          <a:off x="0" y="0"/>
-          <a:ext cx="0" cy="0"/>
-          <a:chOff x="0" y="0"/>
-          <a:chExt cx="0" cy="0"/>
-        </a:xfrm>
-      </p:grpSpPr>
-      <p:sp>
-        <p:nvSpPr>
-          <p:cNvPr id="2" name="Title 1">
-            <a:extLst>
-              <a:ext uri="{FF2B5EF4-FFF2-40B4-BE49-F238E27FC236}">
-                <a16:creationId xmlns:a16="http://schemas.microsoft.com/office/drawing/2014/main" id="{D0F371AF-0F3D-4C75-BDB9-A4F068365D54}"/>
-              </a:ext>
-            </a:extLst>
-          </p:cNvPr>
-          <p:cNvSpPr>
-            <a:spLocks noGrp="1"/>
-          </p:cNvSpPr>
-          <p:nvPr>
-            <p:ph type="title"/>
-          </p:nvPr>
-        </p:nvSpPr>
-        <p:spPr/>
-        <p:txBody>
-          <a:bodyPr/>
-          <a:lstStyle/>
-          <a:p>
-            <a:r>
-              <a:rPr lang="en-GB" dirty="0"/>
-              <a:t>Features of Object-oriented Designs.</a:t>
-            </a:r>
-          </a:p>
-        </p:txBody>
-      </p:sp>
-      <p:sp>
-        <p:nvSpPr>
-          <p:cNvPr id="3" name="Content Placeholder 2">
-            <a:extLst>
-              <a:ext uri="{FF2B5EF4-FFF2-40B4-BE49-F238E27FC236}">
-                <a16:creationId xmlns:a16="http://schemas.microsoft.com/office/drawing/2014/main" id="{3C8BCD7E-B0F0-4A9E-A998-990193C58C1F}"/>
-              </a:ext>
-            </a:extLst>
-          </p:cNvPr>
-          <p:cNvSpPr>
-            <a:spLocks noGrp="1"/>
-          </p:cNvSpPr>
-          <p:nvPr>
-            <p:ph idx="1"/>
-          </p:nvPr>
-        </p:nvSpPr>
-        <p:spPr/>
-        <p:txBody>
-          <a:bodyPr/>
-          <a:lstStyle/>
-          <a:p>
-            <a:pPr>
-              <a:buFont typeface="Wingdings" panose="05000000000000000000" pitchFamily="2" charset="2"/>
-              <a:buChar char="v"/>
-            </a:pPr>
-            <a:endParaRPr lang="en-GB" b="1" dirty="0"/>
-          </a:p>
-          <a:p>
-            <a:pPr>
-              <a:buFont typeface="Wingdings" panose="05000000000000000000" pitchFamily="2" charset="2"/>
-              <a:buChar char="v"/>
-            </a:pPr>
-            <a:r>
-              <a:rPr lang="en-GB" b="1" dirty="0"/>
-              <a:t>Abstraction</a:t>
-            </a:r>
-            <a:r>
-              <a:rPr lang="en-GB" dirty="0"/>
-              <a:t> – The identification/description of the essential characteristics of an item.</a:t>
-            </a:r>
-          </a:p>
-          <a:p>
-            <a:pPr>
-              <a:buFont typeface="Wingdings" panose="05000000000000000000" pitchFamily="2" charset="2"/>
-              <a:buChar char="v"/>
-            </a:pPr>
-            <a:r>
-              <a:rPr lang="en-GB" b="1" dirty="0"/>
-              <a:t>Encapsulation </a:t>
-            </a:r>
-            <a:r>
-              <a:rPr lang="en-GB" dirty="0"/>
-              <a:t>– The grouping of related concepts into one item, such as a class or component</a:t>
-            </a:r>
-          </a:p>
-          <a:p>
-            <a:pPr>
-              <a:buFont typeface="Wingdings" panose="05000000000000000000" pitchFamily="2" charset="2"/>
-              <a:buChar char="v"/>
-            </a:pPr>
-            <a:r>
-              <a:rPr lang="en-GB" b="1" dirty="0"/>
-              <a:t>Inheritance</a:t>
-            </a:r>
-            <a:r>
-              <a:rPr lang="en-GB" dirty="0"/>
-              <a:t> – Inheritance enables new classes to receive the properties  and methods of an existing class.</a:t>
-            </a:r>
-          </a:p>
-          <a:p>
-            <a:pPr>
-              <a:buFont typeface="Wingdings" panose="05000000000000000000" pitchFamily="2" charset="2"/>
-              <a:buChar char="v"/>
-            </a:pPr>
-            <a:r>
-              <a:rPr lang="en-GB" b="1" dirty="0"/>
-              <a:t>Polymorphism</a:t>
-            </a:r>
-            <a:r>
-              <a:rPr lang="en-GB" dirty="0"/>
-              <a:t> – The ability of different object to respond to the same message in different ways.</a:t>
-            </a:r>
-          </a:p>
-          <a:p>
-            <a:pPr marL="0" indent="0">
-              <a:buNone/>
-            </a:pPr>
-            <a:endParaRPr lang="en-GB" dirty="0"/>
-          </a:p>
-          <a:p>
-            <a:pPr>
-              <a:buFont typeface="Wingdings" panose="05000000000000000000" pitchFamily="2" charset="2"/>
-              <a:buChar char="v"/>
-            </a:pPr>
-            <a:endParaRPr lang="en-GB" dirty="0"/>
-          </a:p>
-        </p:txBody>
-      </p:sp>
-    </p:spTree>
-    <p:extLst>
-      <p:ext uri="{BB962C8B-B14F-4D97-AF65-F5344CB8AC3E}">
-        <p14:creationId xmlns:p14="http://schemas.microsoft.com/office/powerpoint/2010/main" val="2681919587"/>
-      </p:ext>
-    </p:extLst>
-  </p:cSld>
-  <p:clrMapOvr>
-    <a:masterClrMapping/>
-  </p:clrMapOvr>
-</p:sld>
-</file>
-
-<file path=ppt/slides/slide7.xml><?xml version="1.0" encoding="utf-8"?>
+<file path=ppt/slides/slide17.xml><?xml version="1.0" encoding="utf-8"?>
 <p:sld xmlns:a="http://schemas.openxmlformats.org/drawingml/2006/main" xmlns:r="http://schemas.openxmlformats.org/officeDocument/2006/relationships" xmlns:p="http://schemas.openxmlformats.org/presentationml/2006/main">
   <p:cSld>
     <p:spTree>
@@ -6411,7 +7242,7 @@
 </p:sld>
 </file>
 
-<file path=ppt/slides/slide8.xml><?xml version="1.0" encoding="utf-8"?>
+<file path=ppt/slides/slide18.xml><?xml version="1.0" encoding="utf-8"?>
 <p:sld xmlns:a="http://schemas.openxmlformats.org/drawingml/2006/main" xmlns:r="http://schemas.openxmlformats.org/officeDocument/2006/relationships" xmlns:p="http://schemas.openxmlformats.org/presentationml/2006/main">
   <p:cSld>
     <p:spTree>
@@ -6556,7 +7387,7 @@
 </p:sld>
 </file>
 
-<file path=ppt/slides/slide9.xml><?xml version="1.0" encoding="utf-8"?>
+<file path=ppt/slides/slide19.xml><?xml version="1.0" encoding="utf-8"?>
 <p:sld xmlns:a="http://schemas.openxmlformats.org/drawingml/2006/main" xmlns:r="http://schemas.openxmlformats.org/officeDocument/2006/relationships" xmlns:p="http://schemas.openxmlformats.org/presentationml/2006/main">
   <p:cSld>
     <p:spTree>
@@ -7084,6 +7915,2343 @@
     <p:extLst>
       <p:ext uri="{BB962C8B-B14F-4D97-AF65-F5344CB8AC3E}">
         <p14:creationId xmlns:p14="http://schemas.microsoft.com/office/powerpoint/2010/main" val="733225213"/>
+      </p:ext>
+    </p:extLst>
+  </p:cSld>
+  <p:clrMapOvr>
+    <a:masterClrMapping/>
+  </p:clrMapOvr>
+</p:sld>
+</file>
+
+<file path=ppt/slides/slide2.xml><?xml version="1.0" encoding="utf-8"?>
+<p:sld xmlns:a="http://schemas.openxmlformats.org/drawingml/2006/main" xmlns:r="http://schemas.openxmlformats.org/officeDocument/2006/relationships" xmlns:p="http://schemas.openxmlformats.org/presentationml/2006/main">
+  <p:cSld>
+    <p:spTree>
+      <p:nvGrpSpPr>
+        <p:cNvPr id="1" name=""/>
+        <p:cNvGrpSpPr/>
+        <p:nvPr/>
+      </p:nvGrpSpPr>
+      <p:grpSpPr>
+        <a:xfrm>
+          <a:off x="0" y="0"/>
+          <a:ext cx="0" cy="0"/>
+          <a:chOff x="0" y="0"/>
+          <a:chExt cx="0" cy="0"/>
+        </a:xfrm>
+      </p:grpSpPr>
+      <p:sp>
+        <p:nvSpPr>
+          <p:cNvPr id="2" name="Title 1">
+            <a:extLst>
+              <a:ext uri="{FF2B5EF4-FFF2-40B4-BE49-F238E27FC236}">
+                <a16:creationId xmlns:a16="http://schemas.microsoft.com/office/drawing/2014/main" id="{7304BBA7-9D5E-4B9A-95AF-2E54F4B41C0E}"/>
+              </a:ext>
+            </a:extLst>
+          </p:cNvPr>
+          <p:cNvSpPr>
+            <a:spLocks noGrp="1"/>
+          </p:cNvSpPr>
+          <p:nvPr>
+            <p:ph type="title"/>
+          </p:nvPr>
+        </p:nvSpPr>
+        <p:spPr/>
+        <p:txBody>
+          <a:bodyPr/>
+          <a:lstStyle/>
+          <a:p>
+            <a:r>
+              <a:rPr lang="en-GB" dirty="0" smtClean="0"/>
+              <a:t>Outline</a:t>
+            </a:r>
+            <a:endParaRPr lang="en-GB" dirty="0"/>
+          </a:p>
+        </p:txBody>
+      </p:sp>
+      <p:sp>
+        <p:nvSpPr>
+          <p:cNvPr id="3" name="Content Placeholder 2">
+            <a:extLst>
+              <a:ext uri="{FF2B5EF4-FFF2-40B4-BE49-F238E27FC236}">
+                <a16:creationId xmlns:a16="http://schemas.microsoft.com/office/drawing/2014/main" id="{3AB586B9-467B-4F63-B336-2E9D19321584}"/>
+              </a:ext>
+            </a:extLst>
+          </p:cNvPr>
+          <p:cNvSpPr>
+            <a:spLocks noGrp="1"/>
+          </p:cNvSpPr>
+          <p:nvPr>
+            <p:ph idx="1"/>
+          </p:nvPr>
+        </p:nvSpPr>
+        <p:spPr>
+          <a:xfrm>
+            <a:off x="822960" y="1845734"/>
+            <a:ext cx="3444240" cy="4023360"/>
+          </a:xfrm>
+        </p:spPr>
+        <p:txBody>
+          <a:bodyPr/>
+          <a:lstStyle/>
+          <a:p>
+            <a:pPr>
+              <a:buFont typeface="Wingdings" panose="05000000000000000000" pitchFamily="2" charset="2"/>
+              <a:buChar char="v"/>
+            </a:pPr>
+            <a:r>
+              <a:rPr lang="en-GB" dirty="0"/>
+              <a:t> </a:t>
+            </a:r>
+            <a:r>
+              <a:rPr lang="en-US" dirty="0" smtClean="0"/>
+              <a:t>Types of Control Structure</a:t>
+            </a:r>
+          </a:p>
+          <a:p>
+            <a:pPr>
+              <a:buFont typeface="Wingdings" panose="05000000000000000000" pitchFamily="2" charset="2"/>
+              <a:buChar char="v"/>
+            </a:pPr>
+            <a:r>
+              <a:rPr lang="en-US" dirty="0"/>
+              <a:t> </a:t>
+            </a:r>
+            <a:r>
+              <a:rPr lang="en-US" dirty="0" smtClean="0"/>
+              <a:t>Sequential Control</a:t>
+            </a:r>
+          </a:p>
+          <a:p>
+            <a:pPr>
+              <a:buFont typeface="Wingdings" panose="05000000000000000000" pitchFamily="2" charset="2"/>
+              <a:buChar char="v"/>
+            </a:pPr>
+            <a:r>
+              <a:rPr lang="en-US" dirty="0"/>
+              <a:t> </a:t>
+            </a:r>
+            <a:r>
+              <a:rPr lang="en-US" dirty="0" smtClean="0"/>
+              <a:t>Expression types</a:t>
+            </a:r>
+          </a:p>
+          <a:p>
+            <a:pPr>
+              <a:buFont typeface="Wingdings" panose="05000000000000000000" pitchFamily="2" charset="2"/>
+              <a:buChar char="v"/>
+            </a:pPr>
+            <a:r>
+              <a:rPr lang="en-US" dirty="0"/>
+              <a:t> </a:t>
+            </a:r>
+            <a:r>
+              <a:rPr lang="en-US" dirty="0" smtClean="0"/>
+              <a:t>Selection Control</a:t>
+            </a:r>
+          </a:p>
+          <a:p>
+            <a:pPr>
+              <a:buFont typeface="Wingdings" panose="05000000000000000000" pitchFamily="2" charset="2"/>
+              <a:buChar char="v"/>
+            </a:pPr>
+            <a:r>
+              <a:rPr lang="en-US" dirty="0"/>
+              <a:t> </a:t>
+            </a:r>
+            <a:r>
+              <a:rPr lang="en-US" dirty="0" smtClean="0"/>
+              <a:t>Unconditional-if</a:t>
+            </a:r>
+          </a:p>
+          <a:p>
+            <a:pPr>
+              <a:buFont typeface="Wingdings" panose="05000000000000000000" pitchFamily="2" charset="2"/>
+              <a:buChar char="v"/>
+            </a:pPr>
+            <a:r>
+              <a:rPr lang="en-US" dirty="0"/>
+              <a:t> </a:t>
+            </a:r>
+            <a:r>
+              <a:rPr lang="en-US" dirty="0" smtClean="0"/>
+              <a:t>Conditional-if</a:t>
+            </a:r>
+          </a:p>
+          <a:p>
+            <a:pPr>
+              <a:buFont typeface="Wingdings" panose="05000000000000000000" pitchFamily="2" charset="2"/>
+              <a:buChar char="v"/>
+            </a:pPr>
+            <a:r>
+              <a:rPr lang="en-US" dirty="0"/>
+              <a:t> </a:t>
+            </a:r>
+            <a:r>
+              <a:rPr lang="en-US" dirty="0" smtClean="0"/>
+              <a:t>Bi-conditional if</a:t>
+            </a:r>
+          </a:p>
+          <a:p>
+            <a:pPr>
+              <a:buFont typeface="Wingdings" panose="05000000000000000000" pitchFamily="2" charset="2"/>
+              <a:buChar char="v"/>
+            </a:pPr>
+            <a:r>
+              <a:rPr lang="en-US" dirty="0"/>
+              <a:t> </a:t>
+            </a:r>
+            <a:r>
+              <a:rPr lang="en-US" dirty="0" smtClean="0"/>
+              <a:t>Cascaded-if</a:t>
+            </a:r>
+          </a:p>
+          <a:p>
+            <a:pPr>
+              <a:buFont typeface="Wingdings" panose="05000000000000000000" pitchFamily="2" charset="2"/>
+              <a:buChar char="v"/>
+            </a:pPr>
+            <a:r>
+              <a:rPr lang="en-US" dirty="0"/>
+              <a:t> </a:t>
+            </a:r>
+            <a:r>
+              <a:rPr lang="en-US" dirty="0" smtClean="0"/>
+              <a:t>Nested-if</a:t>
+            </a:r>
+            <a:endParaRPr lang="en-GB" dirty="0"/>
+          </a:p>
+          <a:p>
+            <a:endParaRPr lang="en-GB" dirty="0"/>
+          </a:p>
+        </p:txBody>
+      </p:sp>
+      <p:sp>
+        <p:nvSpPr>
+          <p:cNvPr id="4" name="Content Placeholder 2">
+            <a:extLst>
+              <a:ext uri="{FF2B5EF4-FFF2-40B4-BE49-F238E27FC236}">
+                <a16:creationId xmlns:a16="http://schemas.microsoft.com/office/drawing/2014/main" id="{3AB586B9-467B-4F63-B336-2E9D19321584}"/>
+              </a:ext>
+            </a:extLst>
+          </p:cNvPr>
+          <p:cNvSpPr txBox="1">
+            <a:spLocks/>
+          </p:cNvSpPr>
+          <p:nvPr/>
+        </p:nvSpPr>
+        <p:spPr>
+          <a:xfrm>
+            <a:off x="4922520" y="1845734"/>
+            <a:ext cx="3444240" cy="4023360"/>
+          </a:xfrm>
+          <a:prstGeom prst="rect">
+            <a:avLst/>
+          </a:prstGeom>
+        </p:spPr>
+        <p:txBody>
+          <a:bodyPr vert="horz" lIns="0" tIns="45720" rIns="0" bIns="45720" rtlCol="0">
+            <a:normAutofit/>
+          </a:bodyPr>
+          <a:lstStyle>
+            <a:lvl1pPr marL="91440" indent="-91440" algn="l" defTabSz="914400" rtl="0" eaLnBrk="1" latinLnBrk="0" hangingPunct="1">
+              <a:lnSpc>
+                <a:spcPct val="90000"/>
+              </a:lnSpc>
+              <a:spcBef>
+                <a:spcPts val="1200"/>
+              </a:spcBef>
+              <a:spcAft>
+                <a:spcPts val="200"/>
+              </a:spcAft>
+              <a:buClr>
+                <a:schemeClr val="accent1"/>
+              </a:buClr>
+              <a:buSzPct val="100000"/>
+              <a:buFont typeface="Calibri" panose="020F0502020204030204" pitchFamily="34" charset="0"/>
+              <a:buChar char=" "/>
+              <a:defRPr sz="2000" kern="1200">
+                <a:solidFill>
+                  <a:schemeClr val="tx1">
+                    <a:lumMod val="75000"/>
+                    <a:lumOff val="25000"/>
+                  </a:schemeClr>
+                </a:solidFill>
+                <a:latin typeface="+mn-lt"/>
+                <a:ea typeface="+mn-ea"/>
+                <a:cs typeface="+mn-cs"/>
+              </a:defRPr>
+            </a:lvl1pPr>
+            <a:lvl2pPr marL="384048" indent="-182880" algn="l" defTabSz="914400" rtl="0" eaLnBrk="1" latinLnBrk="0" hangingPunct="1">
+              <a:lnSpc>
+                <a:spcPct val="90000"/>
+              </a:lnSpc>
+              <a:spcBef>
+                <a:spcPts val="200"/>
+              </a:spcBef>
+              <a:spcAft>
+                <a:spcPts val="400"/>
+              </a:spcAft>
+              <a:buClr>
+                <a:schemeClr val="accent1"/>
+              </a:buClr>
+              <a:buFont typeface="Calibri" pitchFamily="34" charset="0"/>
+              <a:buChar char="◦"/>
+              <a:defRPr sz="1800" kern="1200">
+                <a:solidFill>
+                  <a:schemeClr val="tx1">
+                    <a:lumMod val="75000"/>
+                    <a:lumOff val="25000"/>
+                  </a:schemeClr>
+                </a:solidFill>
+                <a:latin typeface="+mn-lt"/>
+                <a:ea typeface="+mn-ea"/>
+                <a:cs typeface="+mn-cs"/>
+              </a:defRPr>
+            </a:lvl2pPr>
+            <a:lvl3pPr marL="566928" indent="-182880" algn="l" defTabSz="914400" rtl="0" eaLnBrk="1" latinLnBrk="0" hangingPunct="1">
+              <a:lnSpc>
+                <a:spcPct val="90000"/>
+              </a:lnSpc>
+              <a:spcBef>
+                <a:spcPts val="200"/>
+              </a:spcBef>
+              <a:spcAft>
+                <a:spcPts val="400"/>
+              </a:spcAft>
+              <a:buClr>
+                <a:schemeClr val="accent1"/>
+              </a:buClr>
+              <a:buFont typeface="Calibri" pitchFamily="34" charset="0"/>
+              <a:buChar char="◦"/>
+              <a:defRPr sz="1400" kern="1200">
+                <a:solidFill>
+                  <a:schemeClr val="tx1">
+                    <a:lumMod val="75000"/>
+                    <a:lumOff val="25000"/>
+                  </a:schemeClr>
+                </a:solidFill>
+                <a:latin typeface="+mn-lt"/>
+                <a:ea typeface="+mn-ea"/>
+                <a:cs typeface="+mn-cs"/>
+              </a:defRPr>
+            </a:lvl3pPr>
+            <a:lvl4pPr marL="749808" indent="-182880" algn="l" defTabSz="914400" rtl="0" eaLnBrk="1" latinLnBrk="0" hangingPunct="1">
+              <a:lnSpc>
+                <a:spcPct val="90000"/>
+              </a:lnSpc>
+              <a:spcBef>
+                <a:spcPts val="200"/>
+              </a:spcBef>
+              <a:spcAft>
+                <a:spcPts val="400"/>
+              </a:spcAft>
+              <a:buClr>
+                <a:schemeClr val="accent1"/>
+              </a:buClr>
+              <a:buFont typeface="Calibri" pitchFamily="34" charset="0"/>
+              <a:buChar char="◦"/>
+              <a:defRPr sz="1400" kern="1200">
+                <a:solidFill>
+                  <a:schemeClr val="tx1">
+                    <a:lumMod val="75000"/>
+                    <a:lumOff val="25000"/>
+                  </a:schemeClr>
+                </a:solidFill>
+                <a:latin typeface="+mn-lt"/>
+                <a:ea typeface="+mn-ea"/>
+                <a:cs typeface="+mn-cs"/>
+              </a:defRPr>
+            </a:lvl4pPr>
+            <a:lvl5pPr marL="932688" indent="-182880" algn="l" defTabSz="914400" rtl="0" eaLnBrk="1" latinLnBrk="0" hangingPunct="1">
+              <a:lnSpc>
+                <a:spcPct val="90000"/>
+              </a:lnSpc>
+              <a:spcBef>
+                <a:spcPts val="200"/>
+              </a:spcBef>
+              <a:spcAft>
+                <a:spcPts val="400"/>
+              </a:spcAft>
+              <a:buClr>
+                <a:schemeClr val="accent1"/>
+              </a:buClr>
+              <a:buFont typeface="Calibri" pitchFamily="34" charset="0"/>
+              <a:buChar char="◦"/>
+              <a:defRPr sz="1400" kern="1200">
+                <a:solidFill>
+                  <a:schemeClr val="tx1">
+                    <a:lumMod val="75000"/>
+                    <a:lumOff val="25000"/>
+                  </a:schemeClr>
+                </a:solidFill>
+                <a:latin typeface="+mn-lt"/>
+                <a:ea typeface="+mn-ea"/>
+                <a:cs typeface="+mn-cs"/>
+              </a:defRPr>
+            </a:lvl5pPr>
+            <a:lvl6pPr marL="1100000" indent="-228600" algn="l" defTabSz="914400" rtl="0" eaLnBrk="1" latinLnBrk="0" hangingPunct="1">
+              <a:lnSpc>
+                <a:spcPct val="90000"/>
+              </a:lnSpc>
+              <a:spcBef>
+                <a:spcPts val="200"/>
+              </a:spcBef>
+              <a:spcAft>
+                <a:spcPts val="400"/>
+              </a:spcAft>
+              <a:buClr>
+                <a:schemeClr val="accent1"/>
+              </a:buClr>
+              <a:buFont typeface="Calibri" pitchFamily="34" charset="0"/>
+              <a:buChar char="◦"/>
+              <a:defRPr sz="1400" kern="1200">
+                <a:solidFill>
+                  <a:schemeClr val="tx1">
+                    <a:lumMod val="75000"/>
+                    <a:lumOff val="25000"/>
+                  </a:schemeClr>
+                </a:solidFill>
+                <a:latin typeface="+mn-lt"/>
+                <a:ea typeface="+mn-ea"/>
+                <a:cs typeface="+mn-cs"/>
+              </a:defRPr>
+            </a:lvl6pPr>
+            <a:lvl7pPr marL="1300000" indent="-228600" algn="l" defTabSz="914400" rtl="0" eaLnBrk="1" latinLnBrk="0" hangingPunct="1">
+              <a:lnSpc>
+                <a:spcPct val="90000"/>
+              </a:lnSpc>
+              <a:spcBef>
+                <a:spcPts val="200"/>
+              </a:spcBef>
+              <a:spcAft>
+                <a:spcPts val="400"/>
+              </a:spcAft>
+              <a:buClr>
+                <a:schemeClr val="accent1"/>
+              </a:buClr>
+              <a:buFont typeface="Calibri" pitchFamily="34" charset="0"/>
+              <a:buChar char="◦"/>
+              <a:defRPr sz="1400" kern="1200">
+                <a:solidFill>
+                  <a:schemeClr val="tx1">
+                    <a:lumMod val="75000"/>
+                    <a:lumOff val="25000"/>
+                  </a:schemeClr>
+                </a:solidFill>
+                <a:latin typeface="+mn-lt"/>
+                <a:ea typeface="+mn-ea"/>
+                <a:cs typeface="+mn-cs"/>
+              </a:defRPr>
+            </a:lvl7pPr>
+            <a:lvl8pPr marL="1500000" indent="-228600" algn="l" defTabSz="914400" rtl="0" eaLnBrk="1" latinLnBrk="0" hangingPunct="1">
+              <a:lnSpc>
+                <a:spcPct val="90000"/>
+              </a:lnSpc>
+              <a:spcBef>
+                <a:spcPts val="200"/>
+              </a:spcBef>
+              <a:spcAft>
+                <a:spcPts val="400"/>
+              </a:spcAft>
+              <a:buClr>
+                <a:schemeClr val="accent1"/>
+              </a:buClr>
+              <a:buFont typeface="Calibri" pitchFamily="34" charset="0"/>
+              <a:buChar char="◦"/>
+              <a:defRPr sz="1400" kern="1200">
+                <a:solidFill>
+                  <a:schemeClr val="tx1">
+                    <a:lumMod val="75000"/>
+                    <a:lumOff val="25000"/>
+                  </a:schemeClr>
+                </a:solidFill>
+                <a:latin typeface="+mn-lt"/>
+                <a:ea typeface="+mn-ea"/>
+                <a:cs typeface="+mn-cs"/>
+              </a:defRPr>
+            </a:lvl8pPr>
+            <a:lvl9pPr marL="1700000" indent="-228600" algn="l" defTabSz="914400" rtl="0" eaLnBrk="1" latinLnBrk="0" hangingPunct="1">
+              <a:lnSpc>
+                <a:spcPct val="90000"/>
+              </a:lnSpc>
+              <a:spcBef>
+                <a:spcPts val="200"/>
+              </a:spcBef>
+              <a:spcAft>
+                <a:spcPts val="400"/>
+              </a:spcAft>
+              <a:buClr>
+                <a:schemeClr val="accent1"/>
+              </a:buClr>
+              <a:buFont typeface="Calibri" pitchFamily="34" charset="0"/>
+              <a:buChar char="◦"/>
+              <a:defRPr sz="1400" kern="1200">
+                <a:solidFill>
+                  <a:schemeClr val="tx1">
+                    <a:lumMod val="75000"/>
+                    <a:lumOff val="25000"/>
+                  </a:schemeClr>
+                </a:solidFill>
+                <a:latin typeface="+mn-lt"/>
+                <a:ea typeface="+mn-ea"/>
+                <a:cs typeface="+mn-cs"/>
+              </a:defRPr>
+            </a:lvl9pPr>
+          </a:lstStyle>
+          <a:p>
+            <a:pPr>
+              <a:buFont typeface="Wingdings" panose="05000000000000000000" pitchFamily="2" charset="2"/>
+              <a:buChar char="v"/>
+            </a:pPr>
+            <a:r>
+              <a:rPr lang="en-GB" dirty="0" smtClean="0"/>
+              <a:t> </a:t>
+            </a:r>
+            <a:r>
+              <a:rPr lang="en-US" dirty="0" smtClean="0"/>
+              <a:t>Switch-statements</a:t>
+            </a:r>
+          </a:p>
+          <a:p>
+            <a:pPr>
+              <a:buFont typeface="Wingdings" panose="05000000000000000000" pitchFamily="2" charset="2"/>
+              <a:buChar char="v"/>
+            </a:pPr>
+            <a:r>
+              <a:rPr lang="en-US" dirty="0"/>
+              <a:t> </a:t>
+            </a:r>
+            <a:r>
+              <a:rPr lang="en-US" dirty="0" smtClean="0"/>
+              <a:t>Iteration Control</a:t>
+            </a:r>
+          </a:p>
+          <a:p>
+            <a:pPr>
+              <a:buFont typeface="Wingdings" panose="05000000000000000000" pitchFamily="2" charset="2"/>
+              <a:buChar char="v"/>
+            </a:pPr>
+            <a:r>
+              <a:rPr lang="en-US" dirty="0"/>
+              <a:t> </a:t>
+            </a:r>
+            <a:r>
+              <a:rPr lang="en-US" dirty="0" smtClean="0"/>
+              <a:t>Types of loops</a:t>
+            </a:r>
+          </a:p>
+          <a:p>
+            <a:pPr>
+              <a:buFont typeface="Wingdings" panose="05000000000000000000" pitchFamily="2" charset="2"/>
+              <a:buChar char="v"/>
+            </a:pPr>
+            <a:r>
+              <a:rPr lang="en-US" dirty="0"/>
+              <a:t> </a:t>
+            </a:r>
+            <a:r>
+              <a:rPr lang="en-US" dirty="0" smtClean="0"/>
+              <a:t>While</a:t>
+            </a:r>
+          </a:p>
+          <a:p>
+            <a:pPr>
+              <a:buFont typeface="Wingdings" panose="05000000000000000000" pitchFamily="2" charset="2"/>
+              <a:buChar char="v"/>
+            </a:pPr>
+            <a:r>
+              <a:rPr lang="en-US" dirty="0"/>
+              <a:t> </a:t>
+            </a:r>
+            <a:r>
+              <a:rPr lang="en-US" dirty="0" smtClean="0"/>
+              <a:t>do-while</a:t>
+            </a:r>
+          </a:p>
+          <a:p>
+            <a:pPr>
+              <a:buFont typeface="Wingdings" panose="05000000000000000000" pitchFamily="2" charset="2"/>
+              <a:buChar char="v"/>
+            </a:pPr>
+            <a:r>
+              <a:rPr lang="en-US" dirty="0"/>
+              <a:t> </a:t>
+            </a:r>
+            <a:r>
+              <a:rPr lang="en-US" dirty="0" smtClean="0"/>
+              <a:t>for-loop</a:t>
+            </a:r>
+          </a:p>
+          <a:p>
+            <a:pPr>
+              <a:buFont typeface="Wingdings" panose="05000000000000000000" pitchFamily="2" charset="2"/>
+              <a:buChar char="v"/>
+            </a:pPr>
+            <a:r>
+              <a:rPr lang="en-US" dirty="0"/>
+              <a:t> </a:t>
+            </a:r>
+            <a:r>
+              <a:rPr lang="en-US" dirty="0" smtClean="0"/>
+              <a:t>Nested-Loops</a:t>
+            </a:r>
+          </a:p>
+          <a:p>
+            <a:pPr>
+              <a:buFont typeface="Wingdings" panose="05000000000000000000" pitchFamily="2" charset="2"/>
+              <a:buChar char="v"/>
+            </a:pPr>
+            <a:r>
+              <a:rPr lang="en-US" dirty="0"/>
+              <a:t> </a:t>
+            </a:r>
+            <a:r>
+              <a:rPr lang="en-US" dirty="0" smtClean="0"/>
+              <a:t>Arrays</a:t>
+            </a:r>
+          </a:p>
+          <a:p>
+            <a:pPr>
+              <a:buFont typeface="Wingdings" panose="05000000000000000000" pitchFamily="2" charset="2"/>
+              <a:buChar char="v"/>
+            </a:pPr>
+            <a:r>
+              <a:rPr lang="en-US"/>
+              <a:t> </a:t>
+            </a:r>
+            <a:r>
+              <a:rPr lang="en-US" smtClean="0"/>
+              <a:t>Exercises</a:t>
+            </a:r>
+            <a:endParaRPr lang="en-GB" dirty="0" smtClean="0"/>
+          </a:p>
+          <a:p>
+            <a:endParaRPr lang="en-GB" dirty="0"/>
+          </a:p>
+        </p:txBody>
+      </p:sp>
+    </p:spTree>
+    <p:extLst>
+      <p:ext uri="{BB962C8B-B14F-4D97-AF65-F5344CB8AC3E}">
+        <p14:creationId xmlns:p14="http://schemas.microsoft.com/office/powerpoint/2010/main" val="129472628"/>
+      </p:ext>
+    </p:extLst>
+  </p:cSld>
+  <p:clrMapOvr>
+    <a:masterClrMapping/>
+  </p:clrMapOvr>
+</p:sld>
+</file>
+
+<file path=ppt/slides/slide20.xml><?xml version="1.0" encoding="utf-8"?>
+<p:sld xmlns:a="http://schemas.openxmlformats.org/drawingml/2006/main" xmlns:r="http://schemas.openxmlformats.org/officeDocument/2006/relationships" xmlns:p="http://schemas.openxmlformats.org/presentationml/2006/main">
+  <p:cSld>
+    <p:spTree>
+      <p:nvGrpSpPr>
+        <p:cNvPr id="1" name=""/>
+        <p:cNvGrpSpPr/>
+        <p:nvPr/>
+      </p:nvGrpSpPr>
+      <p:grpSpPr>
+        <a:xfrm>
+          <a:off x="0" y="0"/>
+          <a:ext cx="0" cy="0"/>
+          <a:chOff x="0" y="0"/>
+          <a:chExt cx="0" cy="0"/>
+        </a:xfrm>
+      </p:grpSpPr>
+      <p:sp>
+        <p:nvSpPr>
+          <p:cNvPr id="2" name="Title 1">
+            <a:extLst>
+              <a:ext uri="{FF2B5EF4-FFF2-40B4-BE49-F238E27FC236}">
+                <a16:creationId xmlns:a16="http://schemas.microsoft.com/office/drawing/2014/main" id="{039A1D65-6877-4E0D-AAED-136EB4DA660C}"/>
+              </a:ext>
+            </a:extLst>
+          </p:cNvPr>
+          <p:cNvSpPr>
+            <a:spLocks noGrp="1"/>
+          </p:cNvSpPr>
+          <p:nvPr>
+            <p:ph type="title"/>
+          </p:nvPr>
+        </p:nvSpPr>
+        <p:spPr/>
+        <p:txBody>
+          <a:bodyPr/>
+          <a:lstStyle/>
+          <a:p>
+            <a:r>
+              <a:rPr lang="en-GB" dirty="0"/>
+              <a:t>Class Diagram – Example.</a:t>
+            </a:r>
+          </a:p>
+        </p:txBody>
+      </p:sp>
+      <p:pic>
+        <p:nvPicPr>
+          <p:cNvPr id="4" name="Content Placeholder 3">
+            <a:extLst>
+              <a:ext uri="{FF2B5EF4-FFF2-40B4-BE49-F238E27FC236}">
+                <a16:creationId xmlns:a16="http://schemas.microsoft.com/office/drawing/2014/main" id="{BE171412-B5F4-461C-AFB9-44BF743CA717}"/>
+              </a:ext>
+            </a:extLst>
+          </p:cNvPr>
+          <p:cNvPicPr>
+            <a:picLocks noGrp="1" noChangeAspect="1"/>
+          </p:cNvPicPr>
+          <p:nvPr>
+            <p:ph idx="1"/>
+          </p:nvPr>
+        </p:nvPicPr>
+        <p:blipFill>
+          <a:blip r:embed="rId2"/>
+          <a:stretch>
+            <a:fillRect/>
+          </a:stretch>
+        </p:blipFill>
+        <p:spPr>
+          <a:xfrm>
+            <a:off x="1274618" y="1828937"/>
+            <a:ext cx="5874328" cy="2996415"/>
+          </a:xfrm>
+          <a:prstGeom prst="rect">
+            <a:avLst/>
+          </a:prstGeom>
+        </p:spPr>
+      </p:pic>
+      <p:sp>
+        <p:nvSpPr>
+          <p:cNvPr id="5" name="TextBox 4">
+            <a:extLst>
+              <a:ext uri="{FF2B5EF4-FFF2-40B4-BE49-F238E27FC236}">
+                <a16:creationId xmlns:a16="http://schemas.microsoft.com/office/drawing/2014/main" id="{0313F0B1-4FAD-4465-95FB-8B718016DA91}"/>
+              </a:ext>
+            </a:extLst>
+          </p:cNvPr>
+          <p:cNvSpPr txBox="1"/>
+          <p:nvPr/>
+        </p:nvSpPr>
+        <p:spPr>
+          <a:xfrm>
+            <a:off x="1095087" y="5070764"/>
+            <a:ext cx="7543800" cy="923330"/>
+          </a:xfrm>
+          <a:prstGeom prst="rect">
+            <a:avLst/>
+          </a:prstGeom>
+          <a:noFill/>
+        </p:spPr>
+        <p:txBody>
+          <a:bodyPr wrap="square" rtlCol="0">
+            <a:spAutoFit/>
+          </a:bodyPr>
+          <a:lstStyle/>
+          <a:p>
+            <a:r>
+              <a:rPr lang="en-GB" dirty="0"/>
+              <a:t>Animal is the super class. Duck, Fish, and Zebra are subclasses and they inherit all the members from the superclass.  The subclasses also have their own attributes and methods. </a:t>
+            </a:r>
+          </a:p>
+        </p:txBody>
+      </p:sp>
+    </p:spTree>
+    <p:extLst>
+      <p:ext uri="{BB962C8B-B14F-4D97-AF65-F5344CB8AC3E}">
+        <p14:creationId xmlns:p14="http://schemas.microsoft.com/office/powerpoint/2010/main" val="383230086"/>
+      </p:ext>
+    </p:extLst>
+  </p:cSld>
+  <p:clrMapOvr>
+    <a:masterClrMapping/>
+  </p:clrMapOvr>
+</p:sld>
+</file>
+
+<file path=ppt/slides/slide21.xml><?xml version="1.0" encoding="utf-8"?>
+<p:sld xmlns:a="http://schemas.openxmlformats.org/drawingml/2006/main" xmlns:r="http://schemas.openxmlformats.org/officeDocument/2006/relationships" xmlns:p="http://schemas.openxmlformats.org/presentationml/2006/main">
+  <p:cSld>
+    <p:spTree>
+      <p:nvGrpSpPr>
+        <p:cNvPr id="1" name=""/>
+        <p:cNvGrpSpPr/>
+        <p:nvPr/>
+      </p:nvGrpSpPr>
+      <p:grpSpPr>
+        <a:xfrm>
+          <a:off x="0" y="0"/>
+          <a:ext cx="0" cy="0"/>
+          <a:chOff x="0" y="0"/>
+          <a:chExt cx="0" cy="0"/>
+        </a:xfrm>
+      </p:grpSpPr>
+      <p:sp>
+        <p:nvSpPr>
+          <p:cNvPr id="2" name="Title 1">
+            <a:extLst>
+              <a:ext uri="{FF2B5EF4-FFF2-40B4-BE49-F238E27FC236}">
+                <a16:creationId xmlns:a16="http://schemas.microsoft.com/office/drawing/2014/main" id="{7EBF46A5-ACAD-42D2-A1A6-ADC1140D4C5E}"/>
+              </a:ext>
+            </a:extLst>
+          </p:cNvPr>
+          <p:cNvSpPr>
+            <a:spLocks noGrp="1"/>
+          </p:cNvSpPr>
+          <p:nvPr>
+            <p:ph type="title"/>
+          </p:nvPr>
+        </p:nvSpPr>
+        <p:spPr/>
+        <p:txBody>
+          <a:bodyPr/>
+          <a:lstStyle/>
+          <a:p>
+            <a:r>
+              <a:rPr lang="en-GB" dirty="0"/>
+              <a:t>Drawing of Basic Class Diagram - Exercise</a:t>
+            </a:r>
+          </a:p>
+        </p:txBody>
+      </p:sp>
+      <p:sp>
+        <p:nvSpPr>
+          <p:cNvPr id="3" name="Content Placeholder 2">
+            <a:extLst>
+              <a:ext uri="{FF2B5EF4-FFF2-40B4-BE49-F238E27FC236}">
+                <a16:creationId xmlns:a16="http://schemas.microsoft.com/office/drawing/2014/main" id="{6F758064-4DD8-4663-BB30-51A3BFEDCA46}"/>
+              </a:ext>
+            </a:extLst>
+          </p:cNvPr>
+          <p:cNvSpPr>
+            <a:spLocks noGrp="1"/>
+          </p:cNvSpPr>
+          <p:nvPr>
+            <p:ph idx="1"/>
+          </p:nvPr>
+        </p:nvSpPr>
+        <p:spPr/>
+        <p:txBody>
+          <a:bodyPr/>
+          <a:lstStyle/>
+          <a:p>
+            <a:pPr>
+              <a:buFont typeface="Wingdings" panose="05000000000000000000" pitchFamily="2" charset="2"/>
+              <a:buChar char="v"/>
+            </a:pPr>
+            <a:r>
+              <a:rPr lang="en-GB" dirty="0"/>
+              <a:t> Create a class diagram representing the transport options available for moving from Manchester to London using draw draw.io.</a:t>
+            </a:r>
+          </a:p>
+          <a:p>
+            <a:pPr>
+              <a:buFont typeface="Wingdings" panose="05000000000000000000" pitchFamily="2" charset="2"/>
+              <a:buChar char="v"/>
+            </a:pPr>
+            <a:r>
+              <a:rPr lang="en-GB" dirty="0"/>
+              <a:t> It should include a superclass whose fields can be inherited by other classes.</a:t>
+            </a:r>
+          </a:p>
+          <a:p>
+            <a:pPr>
+              <a:buFont typeface="Wingdings" panose="05000000000000000000" pitchFamily="2" charset="2"/>
+              <a:buChar char="v"/>
+            </a:pPr>
+            <a:r>
+              <a:rPr lang="en-GB" dirty="0"/>
+              <a:t> Create three subclasses representing the means of transportation with their own unique fields in addition to those inherited from the superclass.</a:t>
+            </a:r>
+          </a:p>
+          <a:p>
+            <a:pPr>
+              <a:buFont typeface="Wingdings" panose="05000000000000000000" pitchFamily="2" charset="2"/>
+              <a:buChar char="v"/>
+            </a:pPr>
+            <a:r>
+              <a:rPr lang="en-GB" dirty="0"/>
+              <a:t> Ensure that class name, attributes, methods, visibility and relationship are covered in your diagram.</a:t>
+            </a:r>
+          </a:p>
+          <a:p>
+            <a:pPr>
+              <a:buFont typeface="Wingdings" panose="05000000000000000000" pitchFamily="2" charset="2"/>
+              <a:buChar char="v"/>
+            </a:pPr>
+            <a:r>
+              <a:rPr lang="en-GB" dirty="0"/>
+              <a:t> Final model should be submitted on Brightspace. </a:t>
+            </a:r>
+          </a:p>
+          <a:p>
+            <a:pPr>
+              <a:buFont typeface="Wingdings" panose="05000000000000000000" pitchFamily="2" charset="2"/>
+              <a:buChar char="v"/>
+            </a:pPr>
+            <a:endParaRPr lang="en-GB" dirty="0"/>
+          </a:p>
+        </p:txBody>
+      </p:sp>
+    </p:spTree>
+    <p:extLst>
+      <p:ext uri="{BB962C8B-B14F-4D97-AF65-F5344CB8AC3E}">
+        <p14:creationId xmlns:p14="http://schemas.microsoft.com/office/powerpoint/2010/main" val="3444286743"/>
+      </p:ext>
+    </p:extLst>
+  </p:cSld>
+  <p:clrMapOvr>
+    <a:masterClrMapping/>
+  </p:clrMapOvr>
+</p:sld>
+</file>
+
+<file path=ppt/slides/slide22.xml><?xml version="1.0" encoding="utf-8"?>
+<p:sld xmlns:a="http://schemas.openxmlformats.org/drawingml/2006/main" xmlns:r="http://schemas.openxmlformats.org/officeDocument/2006/relationships" xmlns:p="http://schemas.openxmlformats.org/presentationml/2006/main">
+  <p:cSld>
+    <p:spTree>
+      <p:nvGrpSpPr>
+        <p:cNvPr id="1" name=""/>
+        <p:cNvGrpSpPr/>
+        <p:nvPr/>
+      </p:nvGrpSpPr>
+      <p:grpSpPr>
+        <a:xfrm>
+          <a:off x="0" y="0"/>
+          <a:ext cx="0" cy="0"/>
+          <a:chOff x="0" y="0"/>
+          <a:chExt cx="0" cy="0"/>
+        </a:xfrm>
+      </p:grpSpPr>
+      <p:sp>
+        <p:nvSpPr>
+          <p:cNvPr id="2" name="Title 1">
+            <a:extLst>
+              <a:ext uri="{FF2B5EF4-FFF2-40B4-BE49-F238E27FC236}">
+                <a16:creationId xmlns:a16="http://schemas.microsoft.com/office/drawing/2014/main" id="{FA9B9E85-705F-41AD-8CDF-369FC49B7A65}"/>
+              </a:ext>
+            </a:extLst>
+          </p:cNvPr>
+          <p:cNvSpPr>
+            <a:spLocks noGrp="1"/>
+          </p:cNvSpPr>
+          <p:nvPr>
+            <p:ph type="title"/>
+          </p:nvPr>
+        </p:nvSpPr>
+        <p:spPr/>
+        <p:txBody>
+          <a:bodyPr/>
+          <a:lstStyle/>
+          <a:p>
+            <a:r>
+              <a:rPr lang="en-GB" dirty="0"/>
+              <a:t>Use Case Diagrams</a:t>
+            </a:r>
+          </a:p>
+        </p:txBody>
+      </p:sp>
+      <p:sp>
+        <p:nvSpPr>
+          <p:cNvPr id="3" name="Content Placeholder 2">
+            <a:extLst>
+              <a:ext uri="{FF2B5EF4-FFF2-40B4-BE49-F238E27FC236}">
+                <a16:creationId xmlns:a16="http://schemas.microsoft.com/office/drawing/2014/main" id="{9640A5AE-3E75-4FC4-AD1B-8E9CD93F0CC3}"/>
+              </a:ext>
+            </a:extLst>
+          </p:cNvPr>
+          <p:cNvSpPr>
+            <a:spLocks noGrp="1"/>
+          </p:cNvSpPr>
+          <p:nvPr>
+            <p:ph idx="1"/>
+          </p:nvPr>
+        </p:nvSpPr>
+        <p:spPr>
+          <a:xfrm>
+            <a:off x="822959" y="1845733"/>
+            <a:ext cx="7543801" cy="1848812"/>
+          </a:xfrm>
+        </p:spPr>
+        <p:txBody>
+          <a:bodyPr>
+            <a:normAutofit fontScale="85000" lnSpcReduction="20000"/>
+          </a:bodyPr>
+          <a:lstStyle/>
+          <a:p>
+            <a:pPr>
+              <a:buFont typeface="Wingdings" panose="05000000000000000000" pitchFamily="2" charset="2"/>
+              <a:buChar char="v"/>
+            </a:pPr>
+            <a:r>
+              <a:rPr lang="en-GB" dirty="0"/>
+              <a:t> A UML use-case diagram is used to provide an overview of all or part of the usage requirements in the form of a model.</a:t>
+            </a:r>
+          </a:p>
+          <a:p>
+            <a:pPr>
+              <a:buFont typeface="Wingdings" panose="05000000000000000000" pitchFamily="2" charset="2"/>
+              <a:buChar char="v"/>
+            </a:pPr>
+            <a:r>
+              <a:rPr lang="en-GB" dirty="0"/>
+              <a:t> It shows the relationship among actors and use cases within a system.</a:t>
+            </a:r>
+          </a:p>
+          <a:p>
+            <a:pPr>
+              <a:buFont typeface="Wingdings" panose="05000000000000000000" pitchFamily="2" charset="2"/>
+              <a:buChar char="v"/>
+            </a:pPr>
+            <a:r>
+              <a:rPr lang="en-GB" dirty="0"/>
+              <a:t> An actor is a person, organization, local processes ( e.g. system clock), or external system that plays a role in one or more interactions with your system.</a:t>
+            </a:r>
+          </a:p>
+          <a:p>
+            <a:pPr>
+              <a:buFont typeface="Wingdings" panose="05000000000000000000" pitchFamily="2" charset="2"/>
+              <a:buChar char="v"/>
+            </a:pPr>
+            <a:r>
+              <a:rPr lang="en-GB" dirty="0"/>
+              <a:t>Actors are drawn as stick figures</a:t>
+            </a:r>
+          </a:p>
+          <a:p>
+            <a:endParaRPr lang="en-GB" dirty="0"/>
+          </a:p>
+          <a:p>
+            <a:endParaRPr lang="en-GB" dirty="0"/>
+          </a:p>
+        </p:txBody>
+      </p:sp>
+      <p:pic>
+        <p:nvPicPr>
+          <p:cNvPr id="5" name="Picture 4">
+            <a:extLst>
+              <a:ext uri="{FF2B5EF4-FFF2-40B4-BE49-F238E27FC236}">
+                <a16:creationId xmlns:a16="http://schemas.microsoft.com/office/drawing/2014/main" id="{407822FF-B483-4F6F-ABA6-9FBE37857A54}"/>
+              </a:ext>
+            </a:extLst>
+          </p:cNvPr>
+          <p:cNvPicPr>
+            <a:picLocks noChangeAspect="1"/>
+          </p:cNvPicPr>
+          <p:nvPr/>
+        </p:nvPicPr>
+        <p:blipFill>
+          <a:blip r:embed="rId2">
+            <a:extLst>
+              <a:ext uri="{28A0092B-C50C-407E-A947-70E740481C1C}">
+                <a14:useLocalDpi xmlns:a14="http://schemas.microsoft.com/office/drawing/2010/main" val="0"/>
+              </a:ext>
+            </a:extLst>
+          </a:blip>
+          <a:stretch>
+            <a:fillRect/>
+          </a:stretch>
+        </p:blipFill>
+        <p:spPr>
+          <a:xfrm>
+            <a:off x="2045854" y="3611419"/>
+            <a:ext cx="4727257" cy="2531052"/>
+          </a:xfrm>
+          <a:prstGeom prst="rect">
+            <a:avLst/>
+          </a:prstGeom>
+        </p:spPr>
+      </p:pic>
+    </p:spTree>
+    <p:extLst>
+      <p:ext uri="{BB962C8B-B14F-4D97-AF65-F5344CB8AC3E}">
+        <p14:creationId xmlns:p14="http://schemas.microsoft.com/office/powerpoint/2010/main" val="3969889544"/>
+      </p:ext>
+    </p:extLst>
+  </p:cSld>
+  <p:clrMapOvr>
+    <a:masterClrMapping/>
+  </p:clrMapOvr>
+</p:sld>
+</file>
+
+<file path=ppt/slides/slide23.xml><?xml version="1.0" encoding="utf-8"?>
+<p:sld xmlns:a="http://schemas.openxmlformats.org/drawingml/2006/main" xmlns:r="http://schemas.openxmlformats.org/officeDocument/2006/relationships" xmlns:p="http://schemas.openxmlformats.org/presentationml/2006/main">
+  <p:cSld>
+    <p:spTree>
+      <p:nvGrpSpPr>
+        <p:cNvPr id="1" name=""/>
+        <p:cNvGrpSpPr/>
+        <p:nvPr/>
+      </p:nvGrpSpPr>
+      <p:grpSpPr>
+        <a:xfrm>
+          <a:off x="0" y="0"/>
+          <a:ext cx="0" cy="0"/>
+          <a:chOff x="0" y="0"/>
+          <a:chExt cx="0" cy="0"/>
+        </a:xfrm>
+      </p:grpSpPr>
+      <p:sp>
+        <p:nvSpPr>
+          <p:cNvPr id="2" name="Title 1">
+            <a:extLst>
+              <a:ext uri="{FF2B5EF4-FFF2-40B4-BE49-F238E27FC236}">
+                <a16:creationId xmlns:a16="http://schemas.microsoft.com/office/drawing/2014/main" id="{93A9E1EF-E3F0-4AA8-9EAF-C9FB1371ECAB}"/>
+              </a:ext>
+            </a:extLst>
+          </p:cNvPr>
+          <p:cNvSpPr>
+            <a:spLocks noGrp="1"/>
+          </p:cNvSpPr>
+          <p:nvPr>
+            <p:ph type="title"/>
+          </p:nvPr>
+        </p:nvSpPr>
+        <p:spPr/>
+        <p:txBody>
+          <a:bodyPr/>
+          <a:lstStyle/>
+          <a:p>
+            <a:r>
+              <a:rPr lang="en-GB" dirty="0"/>
+              <a:t>Use Case Diagrams – Relationship Guidelines</a:t>
+            </a:r>
+          </a:p>
+        </p:txBody>
+      </p:sp>
+      <p:sp>
+        <p:nvSpPr>
+          <p:cNvPr id="3" name="Content Placeholder 2">
+            <a:extLst>
+              <a:ext uri="{FF2B5EF4-FFF2-40B4-BE49-F238E27FC236}">
+                <a16:creationId xmlns:a16="http://schemas.microsoft.com/office/drawing/2014/main" id="{AC09147C-8B4C-48B6-810A-685E35B43689}"/>
+              </a:ext>
+            </a:extLst>
+          </p:cNvPr>
+          <p:cNvSpPr>
+            <a:spLocks noGrp="1"/>
+          </p:cNvSpPr>
+          <p:nvPr>
+            <p:ph idx="1"/>
+          </p:nvPr>
+        </p:nvSpPr>
+        <p:spPr>
+          <a:xfrm>
+            <a:off x="4064001" y="1874982"/>
+            <a:ext cx="4302760" cy="3994112"/>
+          </a:xfrm>
+        </p:spPr>
+        <p:txBody>
+          <a:bodyPr>
+            <a:normAutofit lnSpcReduction="10000"/>
+          </a:bodyPr>
+          <a:lstStyle/>
+          <a:p>
+            <a:pPr>
+              <a:buFont typeface="Wingdings" panose="05000000000000000000" pitchFamily="2" charset="2"/>
+              <a:buChar char="v"/>
+            </a:pPr>
+            <a:r>
+              <a:rPr lang="en-GB" dirty="0"/>
+              <a:t>  Solid lines are used when an actor supplies or receives information or initiates the use case</a:t>
+            </a:r>
+          </a:p>
+          <a:p>
+            <a:pPr>
+              <a:buFont typeface="Wingdings" panose="05000000000000000000" pitchFamily="2" charset="2"/>
+              <a:buChar char="v"/>
+            </a:pPr>
+            <a:r>
+              <a:rPr lang="en-GB" dirty="0"/>
+              <a:t>Used case description is represented in an oval.</a:t>
+            </a:r>
+          </a:p>
+          <a:p>
+            <a:pPr>
+              <a:buFont typeface="Wingdings" panose="05000000000000000000" pitchFamily="2" charset="2"/>
+              <a:buChar char="v"/>
+            </a:pPr>
+            <a:r>
+              <a:rPr lang="en-GB" dirty="0"/>
+              <a:t> </a:t>
+            </a:r>
+            <a:r>
+              <a:rPr lang="en-GB" i="1" dirty="0"/>
+              <a:t>Include</a:t>
+            </a:r>
+            <a:r>
+              <a:rPr lang="en-GB" dirty="0"/>
+              <a:t> is used to attach a smaller use case to a base use case, this makes them more manageable.</a:t>
+            </a:r>
+          </a:p>
+          <a:p>
+            <a:pPr>
+              <a:buFont typeface="Wingdings" panose="05000000000000000000" pitchFamily="2" charset="2"/>
+              <a:buChar char="v"/>
+            </a:pPr>
+            <a:r>
+              <a:rPr lang="en-GB" dirty="0"/>
+              <a:t> </a:t>
+            </a:r>
+            <a:r>
+              <a:rPr lang="en-GB" i="1" dirty="0"/>
+              <a:t>Extend </a:t>
+            </a:r>
+            <a:r>
+              <a:rPr lang="en-GB" dirty="0"/>
+              <a:t>is used when an optional use case is needed under certain conditions.</a:t>
+            </a:r>
+          </a:p>
+          <a:p>
+            <a:pPr>
+              <a:buFont typeface="Wingdings" panose="05000000000000000000" pitchFamily="2" charset="2"/>
+              <a:buChar char="v"/>
+            </a:pPr>
+            <a:r>
+              <a:rPr lang="en-GB" i="1" dirty="0"/>
+              <a:t>Include </a:t>
+            </a:r>
+            <a:r>
+              <a:rPr lang="en-GB" dirty="0"/>
+              <a:t>and </a:t>
+            </a:r>
+            <a:r>
+              <a:rPr lang="en-GB" i="1" dirty="0"/>
+              <a:t>extend </a:t>
+            </a:r>
+            <a:r>
+              <a:rPr lang="en-GB" dirty="0"/>
+              <a:t> are represented with dashed arrows.</a:t>
+            </a:r>
+            <a:endParaRPr lang="en-GB" i="1" dirty="0"/>
+          </a:p>
+        </p:txBody>
+      </p:sp>
+      <p:pic>
+        <p:nvPicPr>
+          <p:cNvPr id="5" name="Picture 4">
+            <a:extLst>
+              <a:ext uri="{FF2B5EF4-FFF2-40B4-BE49-F238E27FC236}">
+                <a16:creationId xmlns:a16="http://schemas.microsoft.com/office/drawing/2014/main" id="{13E04619-F647-4700-A476-8E3EAE1A2063}"/>
+              </a:ext>
+            </a:extLst>
+          </p:cNvPr>
+          <p:cNvPicPr>
+            <a:picLocks noChangeAspect="1"/>
+          </p:cNvPicPr>
+          <p:nvPr/>
+        </p:nvPicPr>
+        <p:blipFill>
+          <a:blip r:embed="rId2">
+            <a:extLst>
+              <a:ext uri="{28A0092B-C50C-407E-A947-70E740481C1C}">
+                <a14:useLocalDpi xmlns:a14="http://schemas.microsoft.com/office/drawing/2010/main" val="0"/>
+              </a:ext>
+            </a:extLst>
+          </a:blip>
+          <a:stretch>
+            <a:fillRect/>
+          </a:stretch>
+        </p:blipFill>
+        <p:spPr>
+          <a:xfrm>
+            <a:off x="483634" y="2224132"/>
+            <a:ext cx="3399651" cy="2409736"/>
+          </a:xfrm>
+          <a:prstGeom prst="rect">
+            <a:avLst/>
+          </a:prstGeom>
+          <a:ln>
+            <a:solidFill>
+              <a:schemeClr val="tx1"/>
+            </a:solidFill>
+          </a:ln>
+        </p:spPr>
+      </p:pic>
+    </p:spTree>
+    <p:extLst>
+      <p:ext uri="{BB962C8B-B14F-4D97-AF65-F5344CB8AC3E}">
+        <p14:creationId xmlns:p14="http://schemas.microsoft.com/office/powerpoint/2010/main" val="2228244434"/>
+      </p:ext>
+    </p:extLst>
+  </p:cSld>
+  <p:clrMapOvr>
+    <a:masterClrMapping/>
+  </p:clrMapOvr>
+</p:sld>
+</file>
+
+<file path=ppt/slides/slide24.xml><?xml version="1.0" encoding="utf-8"?>
+<p:sld xmlns:a="http://schemas.openxmlformats.org/drawingml/2006/main" xmlns:r="http://schemas.openxmlformats.org/officeDocument/2006/relationships" xmlns:p="http://schemas.openxmlformats.org/presentationml/2006/main">
+  <p:cSld>
+    <p:spTree>
+      <p:nvGrpSpPr>
+        <p:cNvPr id="1" name=""/>
+        <p:cNvGrpSpPr/>
+        <p:nvPr/>
+      </p:nvGrpSpPr>
+      <p:grpSpPr>
+        <a:xfrm>
+          <a:off x="0" y="0"/>
+          <a:ext cx="0" cy="0"/>
+          <a:chOff x="0" y="0"/>
+          <a:chExt cx="0" cy="0"/>
+        </a:xfrm>
+      </p:grpSpPr>
+      <p:sp>
+        <p:nvSpPr>
+          <p:cNvPr id="2" name="Title 1">
+            <a:extLst>
+              <a:ext uri="{FF2B5EF4-FFF2-40B4-BE49-F238E27FC236}">
+                <a16:creationId xmlns:a16="http://schemas.microsoft.com/office/drawing/2014/main" id="{4DD0466D-37E0-4EE2-AE8B-91DBCDEE171A}"/>
+              </a:ext>
+            </a:extLst>
+          </p:cNvPr>
+          <p:cNvSpPr>
+            <a:spLocks noGrp="1"/>
+          </p:cNvSpPr>
+          <p:nvPr>
+            <p:ph type="title"/>
+          </p:nvPr>
+        </p:nvSpPr>
+        <p:spPr/>
+        <p:txBody>
+          <a:bodyPr/>
+          <a:lstStyle/>
+          <a:p>
+            <a:r>
+              <a:rPr lang="en-GB" dirty="0"/>
+              <a:t>Use Case Diagram – Exercise </a:t>
+            </a:r>
+          </a:p>
+        </p:txBody>
+      </p:sp>
+      <p:sp>
+        <p:nvSpPr>
+          <p:cNvPr id="3" name="Content Placeholder 2">
+            <a:extLst>
+              <a:ext uri="{FF2B5EF4-FFF2-40B4-BE49-F238E27FC236}">
+                <a16:creationId xmlns:a16="http://schemas.microsoft.com/office/drawing/2014/main" id="{27BF4531-EE01-4075-9661-FC2CD1C514C3}"/>
+              </a:ext>
+            </a:extLst>
+          </p:cNvPr>
+          <p:cNvSpPr>
+            <a:spLocks noGrp="1"/>
+          </p:cNvSpPr>
+          <p:nvPr>
+            <p:ph idx="1"/>
+          </p:nvPr>
+        </p:nvSpPr>
+        <p:spPr>
+          <a:xfrm>
+            <a:off x="800099" y="2279843"/>
+            <a:ext cx="7543801" cy="3095721"/>
+          </a:xfrm>
+        </p:spPr>
+        <p:txBody>
+          <a:bodyPr/>
+          <a:lstStyle/>
+          <a:p>
+            <a:pPr>
+              <a:buFont typeface="Wingdings" panose="05000000000000000000" pitchFamily="2" charset="2"/>
+              <a:buChar char="v"/>
+            </a:pPr>
+            <a:r>
+              <a:rPr lang="en-GB" dirty="0"/>
+              <a:t> Create a use case diagram on </a:t>
+            </a:r>
+            <a:r>
+              <a:rPr lang="en-GB" dirty="0">
+                <a:hlinkClick r:id="rId2"/>
+              </a:rPr>
+              <a:t>www.draw.io</a:t>
+            </a:r>
+            <a:r>
+              <a:rPr lang="en-GB" dirty="0"/>
+              <a:t> that represents students and teacher’s interaction with the Software Design Module Brightspace Page.</a:t>
+            </a:r>
+          </a:p>
+          <a:p>
+            <a:pPr>
+              <a:buFont typeface="Wingdings" panose="05000000000000000000" pitchFamily="2" charset="2"/>
+              <a:buChar char="v"/>
+            </a:pPr>
+            <a:r>
+              <a:rPr lang="en-GB" dirty="0"/>
+              <a:t> It should show the actors.</a:t>
+            </a:r>
+          </a:p>
+          <a:p>
+            <a:pPr>
+              <a:buFont typeface="Wingdings" panose="05000000000000000000" pitchFamily="2" charset="2"/>
+              <a:buChar char="v"/>
+            </a:pPr>
+            <a:r>
+              <a:rPr lang="en-GB" dirty="0"/>
+              <a:t> Think of a minimum of four use cases that involves at least one of the actors and include these in your diagram.</a:t>
+            </a:r>
+          </a:p>
+          <a:p>
+            <a:pPr>
+              <a:buFont typeface="Wingdings" panose="05000000000000000000" pitchFamily="2" charset="2"/>
+              <a:buChar char="v"/>
+            </a:pPr>
+            <a:r>
+              <a:rPr lang="en-GB" dirty="0"/>
+              <a:t> Think of one use case that involves two of the actors and represent this as well.</a:t>
+            </a:r>
+          </a:p>
+        </p:txBody>
+      </p:sp>
+    </p:spTree>
+    <p:extLst>
+      <p:ext uri="{BB962C8B-B14F-4D97-AF65-F5344CB8AC3E}">
+        <p14:creationId xmlns:p14="http://schemas.microsoft.com/office/powerpoint/2010/main" val="4259390979"/>
+      </p:ext>
+    </p:extLst>
+  </p:cSld>
+  <p:clrMapOvr>
+    <a:masterClrMapping/>
+  </p:clrMapOvr>
+</p:sld>
+</file>
+
+<file path=ppt/slides/slide3.xml><?xml version="1.0" encoding="utf-8"?>
+<p:sld xmlns:a="http://schemas.openxmlformats.org/drawingml/2006/main" xmlns:r="http://schemas.openxmlformats.org/officeDocument/2006/relationships" xmlns:p="http://schemas.openxmlformats.org/presentationml/2006/main">
+  <p:cSld>
+    <p:spTree>
+      <p:nvGrpSpPr>
+        <p:cNvPr id="1" name=""/>
+        <p:cNvGrpSpPr/>
+        <p:nvPr/>
+      </p:nvGrpSpPr>
+      <p:grpSpPr>
+        <a:xfrm>
+          <a:off x="0" y="0"/>
+          <a:ext cx="0" cy="0"/>
+          <a:chOff x="0" y="0"/>
+          <a:chExt cx="0" cy="0"/>
+        </a:xfrm>
+      </p:grpSpPr>
+      <p:sp>
+        <p:nvSpPr>
+          <p:cNvPr id="2" name="Title 1">
+            <a:extLst>
+              <a:ext uri="{FF2B5EF4-FFF2-40B4-BE49-F238E27FC236}">
+                <a16:creationId xmlns:a16="http://schemas.microsoft.com/office/drawing/2014/main" id="{27E44846-EE23-4B7D-B117-6BD3695FB65C}"/>
+              </a:ext>
+            </a:extLst>
+          </p:cNvPr>
+          <p:cNvSpPr>
+            <a:spLocks noGrp="1"/>
+          </p:cNvSpPr>
+          <p:nvPr>
+            <p:ph type="title"/>
+          </p:nvPr>
+        </p:nvSpPr>
+        <p:spPr/>
+        <p:txBody>
+          <a:bodyPr/>
+          <a:lstStyle/>
+          <a:p>
+            <a:r>
+              <a:rPr lang="en-GB" dirty="0" smtClean="0"/>
+              <a:t>Types of control Structures</a:t>
+            </a:r>
+            <a:endParaRPr lang="en-GB" dirty="0"/>
+          </a:p>
+        </p:txBody>
+      </p:sp>
+      <p:sp>
+        <p:nvSpPr>
+          <p:cNvPr id="3" name="Content Placeholder 2"/>
+          <p:cNvSpPr>
+            <a:spLocks noGrp="1"/>
+          </p:cNvSpPr>
+          <p:nvPr>
+            <p:ph idx="1"/>
+          </p:nvPr>
+        </p:nvSpPr>
+        <p:spPr/>
+        <p:txBody>
+          <a:bodyPr>
+            <a:normAutofit/>
+          </a:bodyPr>
+          <a:lstStyle/>
+          <a:p>
+            <a:pPr>
+              <a:buFont typeface="Wingdings" panose="05000000000000000000" pitchFamily="2" charset="2"/>
+              <a:buChar char="v"/>
+            </a:pPr>
+            <a:r>
+              <a:rPr lang="en-US" sz="3600" dirty="0" smtClean="0"/>
+              <a:t>Sequential</a:t>
+            </a:r>
+          </a:p>
+          <a:p>
+            <a:pPr>
+              <a:buFont typeface="Wingdings" panose="05000000000000000000" pitchFamily="2" charset="2"/>
+              <a:buChar char="v"/>
+            </a:pPr>
+            <a:r>
+              <a:rPr lang="en-US" sz="3600" dirty="0" smtClean="0"/>
+              <a:t>Selection (branch)</a:t>
+            </a:r>
+          </a:p>
+          <a:p>
+            <a:pPr>
+              <a:buFont typeface="Wingdings" panose="05000000000000000000" pitchFamily="2" charset="2"/>
+              <a:buChar char="v"/>
+            </a:pPr>
+            <a:r>
+              <a:rPr lang="en-US" sz="3600" dirty="0" smtClean="0"/>
+              <a:t>Iteration (loop)</a:t>
+            </a:r>
+            <a:endParaRPr lang="en-GB" sz="3600" dirty="0"/>
+          </a:p>
+        </p:txBody>
+      </p:sp>
+    </p:spTree>
+    <p:extLst>
+      <p:ext uri="{BB962C8B-B14F-4D97-AF65-F5344CB8AC3E}">
+        <p14:creationId xmlns:p14="http://schemas.microsoft.com/office/powerpoint/2010/main" val="41702972"/>
+      </p:ext>
+    </p:extLst>
+  </p:cSld>
+  <p:clrMapOvr>
+    <a:masterClrMapping/>
+  </p:clrMapOvr>
+</p:sld>
+</file>
+
+<file path=ppt/slides/slide4.xml><?xml version="1.0" encoding="utf-8"?>
+<p:sld xmlns:a="http://schemas.openxmlformats.org/drawingml/2006/main" xmlns:r="http://schemas.openxmlformats.org/officeDocument/2006/relationships" xmlns:p="http://schemas.openxmlformats.org/presentationml/2006/main">
+  <p:cSld>
+    <p:spTree>
+      <p:nvGrpSpPr>
+        <p:cNvPr id="1" name=""/>
+        <p:cNvGrpSpPr/>
+        <p:nvPr/>
+      </p:nvGrpSpPr>
+      <p:grpSpPr>
+        <a:xfrm>
+          <a:off x="0" y="0"/>
+          <a:ext cx="0" cy="0"/>
+          <a:chOff x="0" y="0"/>
+          <a:chExt cx="0" cy="0"/>
+        </a:xfrm>
+      </p:grpSpPr>
+      <p:sp>
+        <p:nvSpPr>
+          <p:cNvPr id="2" name="Title 1">
+            <a:extLst>
+              <a:ext uri="{FF2B5EF4-FFF2-40B4-BE49-F238E27FC236}">
+                <a16:creationId xmlns:a16="http://schemas.microsoft.com/office/drawing/2014/main" id="{27E44846-EE23-4B7D-B117-6BD3695FB65C}"/>
+              </a:ext>
+            </a:extLst>
+          </p:cNvPr>
+          <p:cNvSpPr>
+            <a:spLocks noGrp="1"/>
+          </p:cNvSpPr>
+          <p:nvPr>
+            <p:ph type="title"/>
+          </p:nvPr>
+        </p:nvSpPr>
+        <p:spPr/>
+        <p:txBody>
+          <a:bodyPr/>
+          <a:lstStyle/>
+          <a:p>
+            <a:r>
+              <a:rPr lang="en-US" dirty="0" smtClean="0"/>
+              <a:t>Sequential Statements</a:t>
+            </a:r>
+            <a:endParaRPr lang="en-GB" dirty="0"/>
+          </a:p>
+        </p:txBody>
+      </p:sp>
+      <p:sp>
+        <p:nvSpPr>
+          <p:cNvPr id="3" name="Content Placeholder 2"/>
+          <p:cNvSpPr>
+            <a:spLocks noGrp="1"/>
+          </p:cNvSpPr>
+          <p:nvPr>
+            <p:ph idx="1"/>
+          </p:nvPr>
+        </p:nvSpPr>
+        <p:spPr/>
+        <p:txBody>
+          <a:bodyPr>
+            <a:normAutofit/>
+          </a:bodyPr>
+          <a:lstStyle/>
+          <a:p>
+            <a:pPr>
+              <a:buFont typeface="Wingdings" panose="05000000000000000000" pitchFamily="2" charset="2"/>
+              <a:buChar char="v"/>
+            </a:pPr>
+            <a:r>
+              <a:rPr lang="en-US" sz="3600" dirty="0" smtClean="0"/>
+              <a:t>Commands</a:t>
+            </a:r>
+          </a:p>
+          <a:p>
+            <a:pPr>
+              <a:buFont typeface="Wingdings" panose="05000000000000000000" pitchFamily="2" charset="2"/>
+              <a:buChar char="v"/>
+            </a:pPr>
+            <a:r>
+              <a:rPr lang="en-US" sz="3600" dirty="0" smtClean="0"/>
+              <a:t>Declaration </a:t>
+            </a:r>
+            <a:r>
+              <a:rPr lang="en-US" sz="3600" dirty="0" err="1" smtClean="0"/>
+              <a:t>e.g</a:t>
+            </a:r>
+            <a:r>
+              <a:rPr lang="en-US" sz="3600" dirty="0" smtClean="0"/>
+              <a:t>:   </a:t>
+            </a:r>
+            <a:r>
+              <a:rPr lang="en-US" sz="3600" dirty="0" err="1" smtClean="0"/>
+              <a:t>int</a:t>
+            </a:r>
+            <a:r>
+              <a:rPr lang="en-US" sz="3600" dirty="0" smtClean="0"/>
+              <a:t> x;</a:t>
+            </a:r>
+          </a:p>
+          <a:p>
+            <a:pPr>
+              <a:buFont typeface="Wingdings" panose="05000000000000000000" pitchFamily="2" charset="2"/>
+              <a:buChar char="v"/>
+            </a:pPr>
+            <a:r>
+              <a:rPr lang="en-US" sz="3600" dirty="0" smtClean="0"/>
+              <a:t>Assignment e.g.  </a:t>
+            </a:r>
+            <a:r>
+              <a:rPr lang="en-US" sz="3600" dirty="0" err="1" smtClean="0"/>
+              <a:t>int</a:t>
+            </a:r>
+            <a:r>
+              <a:rPr lang="en-US" sz="3600" dirty="0" smtClean="0"/>
+              <a:t> x=45;</a:t>
+            </a:r>
+          </a:p>
+          <a:p>
+            <a:pPr>
+              <a:buFont typeface="Wingdings" panose="05000000000000000000" pitchFamily="2" charset="2"/>
+              <a:buChar char="v"/>
+            </a:pPr>
+            <a:r>
+              <a:rPr lang="en-US" sz="3600" dirty="0" smtClean="0"/>
+              <a:t>Expressions e.g.  z= </a:t>
+            </a:r>
+            <a:r>
+              <a:rPr lang="en-US" sz="3600" dirty="0" err="1" smtClean="0"/>
+              <a:t>x+y</a:t>
+            </a:r>
+            <a:r>
+              <a:rPr lang="en-US" sz="3600" dirty="0" smtClean="0"/>
+              <a:t>;</a:t>
+            </a:r>
+          </a:p>
+        </p:txBody>
+      </p:sp>
+    </p:spTree>
+    <p:extLst>
+      <p:ext uri="{BB962C8B-B14F-4D97-AF65-F5344CB8AC3E}">
+        <p14:creationId xmlns:p14="http://schemas.microsoft.com/office/powerpoint/2010/main" val="3233660198"/>
+      </p:ext>
+    </p:extLst>
+  </p:cSld>
+  <p:clrMapOvr>
+    <a:masterClrMapping/>
+  </p:clrMapOvr>
+</p:sld>
+</file>
+
+<file path=ppt/slides/slide5.xml><?xml version="1.0" encoding="utf-8"?>
+<p:sld xmlns:a="http://schemas.openxmlformats.org/drawingml/2006/main" xmlns:r="http://schemas.openxmlformats.org/officeDocument/2006/relationships" xmlns:p="http://schemas.openxmlformats.org/presentationml/2006/main">
+  <p:cSld>
+    <p:spTree>
+      <p:nvGrpSpPr>
+        <p:cNvPr id="1" name=""/>
+        <p:cNvGrpSpPr/>
+        <p:nvPr/>
+      </p:nvGrpSpPr>
+      <p:grpSpPr>
+        <a:xfrm>
+          <a:off x="0" y="0"/>
+          <a:ext cx="0" cy="0"/>
+          <a:chOff x="0" y="0"/>
+          <a:chExt cx="0" cy="0"/>
+        </a:xfrm>
+      </p:grpSpPr>
+      <p:sp>
+        <p:nvSpPr>
+          <p:cNvPr id="3" name="Content Placeholder 2">
+            <a:extLst>
+              <a:ext uri="{FF2B5EF4-FFF2-40B4-BE49-F238E27FC236}">
+                <a16:creationId xmlns:a16="http://schemas.microsoft.com/office/drawing/2014/main" id="{6C7F13ED-B066-4225-805E-0889FD78E024}"/>
+              </a:ext>
+            </a:extLst>
+          </p:cNvPr>
+          <p:cNvSpPr>
+            <a:spLocks noGrp="1"/>
+          </p:cNvSpPr>
+          <p:nvPr>
+            <p:ph idx="1"/>
+          </p:nvPr>
+        </p:nvSpPr>
+        <p:spPr/>
+        <p:txBody>
+          <a:bodyPr>
+            <a:normAutofit/>
+          </a:bodyPr>
+          <a:lstStyle/>
+          <a:p>
+            <a:pPr algn="ctr"/>
+            <a:endParaRPr lang="en-GB" sz="4800" dirty="0"/>
+          </a:p>
+          <a:p>
+            <a:pPr marL="0" indent="0" algn="ctr">
+              <a:buNone/>
+            </a:pPr>
+            <a:endParaRPr lang="en-GB" sz="4800" dirty="0"/>
+          </a:p>
+          <a:p>
+            <a:pPr marL="0" indent="0" algn="ctr">
+              <a:buNone/>
+            </a:pPr>
+            <a:r>
+              <a:rPr lang="en-GB" sz="4800" dirty="0"/>
+              <a:t>Any Questions?</a:t>
+            </a:r>
+          </a:p>
+        </p:txBody>
+      </p:sp>
+    </p:spTree>
+    <p:extLst>
+      <p:ext uri="{BB962C8B-B14F-4D97-AF65-F5344CB8AC3E}">
+        <p14:creationId xmlns:p14="http://schemas.microsoft.com/office/powerpoint/2010/main" val="1021398088"/>
+      </p:ext>
+    </p:extLst>
+  </p:cSld>
+  <p:clrMapOvr>
+    <a:masterClrMapping/>
+  </p:clrMapOvr>
+</p:sld>
+</file>
+
+<file path=ppt/slides/slide6.xml><?xml version="1.0" encoding="utf-8"?>
+<p:sld xmlns:a="http://schemas.openxmlformats.org/drawingml/2006/main" xmlns:r="http://schemas.openxmlformats.org/officeDocument/2006/relationships" xmlns:p="http://schemas.openxmlformats.org/presentationml/2006/main">
+  <p:cSld>
+    <p:spTree>
+      <p:nvGrpSpPr>
+        <p:cNvPr id="1" name=""/>
+        <p:cNvGrpSpPr/>
+        <p:nvPr/>
+      </p:nvGrpSpPr>
+      <p:grpSpPr>
+        <a:xfrm>
+          <a:off x="0" y="0"/>
+          <a:ext cx="0" cy="0"/>
+          <a:chOff x="0" y="0"/>
+          <a:chExt cx="0" cy="0"/>
+        </a:xfrm>
+      </p:grpSpPr>
+      <p:sp>
+        <p:nvSpPr>
+          <p:cNvPr id="2" name="Title 1">
+            <a:extLst>
+              <a:ext uri="{FF2B5EF4-FFF2-40B4-BE49-F238E27FC236}">
+                <a16:creationId xmlns:a16="http://schemas.microsoft.com/office/drawing/2014/main" id="{7304BBA7-9D5E-4B9A-95AF-2E54F4B41C0E}"/>
+              </a:ext>
+            </a:extLst>
+          </p:cNvPr>
+          <p:cNvSpPr>
+            <a:spLocks noGrp="1"/>
+          </p:cNvSpPr>
+          <p:nvPr>
+            <p:ph type="title"/>
+          </p:nvPr>
+        </p:nvSpPr>
+        <p:spPr/>
+        <p:txBody>
+          <a:bodyPr/>
+          <a:lstStyle/>
+          <a:p>
+            <a:r>
+              <a:rPr lang="en-US" dirty="0" smtClean="0"/>
+              <a:t>Selection (Branch) control</a:t>
+            </a:r>
+            <a:endParaRPr lang="en-GB" dirty="0"/>
+          </a:p>
+        </p:txBody>
+      </p:sp>
+      <p:sp>
+        <p:nvSpPr>
+          <p:cNvPr id="3" name="Content Placeholder 2">
+            <a:extLst>
+              <a:ext uri="{FF2B5EF4-FFF2-40B4-BE49-F238E27FC236}">
+                <a16:creationId xmlns:a16="http://schemas.microsoft.com/office/drawing/2014/main" id="{3AB586B9-467B-4F63-B336-2E9D19321584}"/>
+              </a:ext>
+            </a:extLst>
+          </p:cNvPr>
+          <p:cNvSpPr>
+            <a:spLocks noGrp="1"/>
+          </p:cNvSpPr>
+          <p:nvPr>
+            <p:ph idx="1"/>
+          </p:nvPr>
+        </p:nvSpPr>
+        <p:spPr>
+          <a:xfrm>
+            <a:off x="822960" y="1845734"/>
+            <a:ext cx="8035290" cy="4023360"/>
+          </a:xfrm>
+        </p:spPr>
+        <p:txBody>
+          <a:bodyPr>
+            <a:normAutofit lnSpcReduction="10000"/>
+          </a:bodyPr>
+          <a:lstStyle/>
+          <a:p>
+            <a:pPr>
+              <a:buFont typeface="Wingdings" panose="05000000000000000000" pitchFamily="2" charset="2"/>
+              <a:buChar char="v"/>
+            </a:pPr>
+            <a:r>
+              <a:rPr lang="en-US" sz="2800" dirty="0"/>
+              <a:t> </a:t>
+            </a:r>
+            <a:r>
+              <a:rPr lang="en-US" sz="2800" dirty="0" smtClean="0"/>
+              <a:t>Control structures that are not sequential in nature by default will contain a condition statement. </a:t>
+            </a:r>
+          </a:p>
+          <a:p>
+            <a:pPr>
+              <a:buFont typeface="Wingdings" panose="05000000000000000000" pitchFamily="2" charset="2"/>
+              <a:buChar char="v"/>
+            </a:pPr>
+            <a:r>
+              <a:rPr lang="en-US" sz="2800" dirty="0"/>
+              <a:t> </a:t>
+            </a:r>
+            <a:r>
+              <a:rPr lang="en-US" sz="2800" dirty="0" smtClean="0"/>
+              <a:t>That is, execution will follow two or more different paths.</a:t>
+            </a:r>
+          </a:p>
+          <a:p>
+            <a:pPr>
+              <a:buFont typeface="Wingdings" panose="05000000000000000000" pitchFamily="2" charset="2"/>
+              <a:buChar char="v"/>
+            </a:pPr>
+            <a:r>
+              <a:rPr lang="en-US" sz="2800" dirty="0"/>
+              <a:t> </a:t>
+            </a:r>
+            <a:r>
+              <a:rPr lang="en-US" sz="2800" dirty="0" smtClean="0"/>
+              <a:t>Any condition that all paths never lead to previously executed statements is a selection. </a:t>
+            </a:r>
+          </a:p>
+          <a:p>
+            <a:pPr>
+              <a:buFont typeface="Wingdings" panose="05000000000000000000" pitchFamily="2" charset="2"/>
+              <a:buChar char="v"/>
+            </a:pPr>
+            <a:r>
+              <a:rPr lang="en-US" sz="2800" dirty="0"/>
+              <a:t> </a:t>
+            </a:r>
+            <a:r>
+              <a:rPr lang="en-US" sz="2800" dirty="0" smtClean="0"/>
+              <a:t>However, if any path returns back to a previously executed statement those set of statements are in a loop control.</a:t>
+            </a:r>
+            <a:endParaRPr lang="en-GB" sz="2800" dirty="0"/>
+          </a:p>
+          <a:p>
+            <a:endParaRPr lang="en-GB" dirty="0"/>
+          </a:p>
+        </p:txBody>
+      </p:sp>
+    </p:spTree>
+    <p:extLst>
+      <p:ext uri="{BB962C8B-B14F-4D97-AF65-F5344CB8AC3E}">
+        <p14:creationId xmlns:p14="http://schemas.microsoft.com/office/powerpoint/2010/main" val="3407798903"/>
+      </p:ext>
+    </p:extLst>
+  </p:cSld>
+  <p:clrMapOvr>
+    <a:masterClrMapping/>
+  </p:clrMapOvr>
+</p:sld>
+</file>
+
+<file path=ppt/slides/slide7.xml><?xml version="1.0" encoding="utf-8"?>
+<p:sld xmlns:a="http://schemas.openxmlformats.org/drawingml/2006/main" xmlns:r="http://schemas.openxmlformats.org/officeDocument/2006/relationships" xmlns:p="http://schemas.openxmlformats.org/presentationml/2006/main">
+  <p:cSld>
+    <p:spTree>
+      <p:nvGrpSpPr>
+        <p:cNvPr id="1" name=""/>
+        <p:cNvGrpSpPr/>
+        <p:nvPr/>
+      </p:nvGrpSpPr>
+      <p:grpSpPr>
+        <a:xfrm>
+          <a:off x="0" y="0"/>
+          <a:ext cx="0" cy="0"/>
+          <a:chOff x="0" y="0"/>
+          <a:chExt cx="0" cy="0"/>
+        </a:xfrm>
+      </p:grpSpPr>
+      <p:sp>
+        <p:nvSpPr>
+          <p:cNvPr id="2" name="Title 1">
+            <a:extLst>
+              <a:ext uri="{FF2B5EF4-FFF2-40B4-BE49-F238E27FC236}">
+                <a16:creationId xmlns:a16="http://schemas.microsoft.com/office/drawing/2014/main" id="{D0F371AF-0F3D-4C75-BDB9-A4F068365D54}"/>
+              </a:ext>
+            </a:extLst>
+          </p:cNvPr>
+          <p:cNvSpPr>
+            <a:spLocks noGrp="1"/>
+          </p:cNvSpPr>
+          <p:nvPr>
+            <p:ph type="title"/>
+          </p:nvPr>
+        </p:nvSpPr>
+        <p:spPr/>
+        <p:txBody>
+          <a:bodyPr/>
+          <a:lstStyle/>
+          <a:p>
+            <a:r>
+              <a:rPr lang="en-GB" dirty="0" smtClean="0"/>
+              <a:t>Selection types</a:t>
+            </a:r>
+            <a:endParaRPr lang="en-GB" dirty="0"/>
+          </a:p>
+        </p:txBody>
+      </p:sp>
+      <p:sp>
+        <p:nvSpPr>
+          <p:cNvPr id="3" name="Content Placeholder 2">
+            <a:extLst>
+              <a:ext uri="{FF2B5EF4-FFF2-40B4-BE49-F238E27FC236}">
+                <a16:creationId xmlns:a16="http://schemas.microsoft.com/office/drawing/2014/main" id="{3C8BCD7E-B0F0-4A9E-A998-990193C58C1F}"/>
+              </a:ext>
+            </a:extLst>
+          </p:cNvPr>
+          <p:cNvSpPr>
+            <a:spLocks noGrp="1"/>
+          </p:cNvSpPr>
+          <p:nvPr>
+            <p:ph idx="1"/>
+          </p:nvPr>
+        </p:nvSpPr>
+        <p:spPr/>
+        <p:txBody>
+          <a:bodyPr/>
+          <a:lstStyle/>
+          <a:p>
+            <a:pPr marL="457200" indent="-457200">
+              <a:buFont typeface="+mj-lt"/>
+              <a:buAutoNum type="arabicPeriod"/>
+            </a:pPr>
+            <a:r>
+              <a:rPr lang="en-US" b="1" dirty="0" smtClean="0"/>
+              <a:t>Unconditional if</a:t>
+            </a:r>
+          </a:p>
+          <a:p>
+            <a:pPr marL="457200" indent="-457200">
+              <a:buFont typeface="+mj-lt"/>
+              <a:buAutoNum type="arabicPeriod"/>
+            </a:pPr>
+            <a:r>
+              <a:rPr lang="en-US" b="1" dirty="0" smtClean="0"/>
+              <a:t>Conditional-if</a:t>
+            </a:r>
+          </a:p>
+          <a:p>
+            <a:pPr marL="457200" indent="-457200">
+              <a:buFont typeface="+mj-lt"/>
+              <a:buAutoNum type="arabicPeriod"/>
+            </a:pPr>
+            <a:r>
+              <a:rPr lang="en-US" b="1" dirty="0" smtClean="0"/>
+              <a:t>Bi-conditional if</a:t>
+            </a:r>
+          </a:p>
+          <a:p>
+            <a:pPr marL="457200" indent="-457200">
+              <a:buFont typeface="+mj-lt"/>
+              <a:buAutoNum type="arabicPeriod"/>
+            </a:pPr>
+            <a:r>
+              <a:rPr lang="en-US" b="1" dirty="0" smtClean="0"/>
+              <a:t>Cascaded-if</a:t>
+            </a:r>
+          </a:p>
+          <a:p>
+            <a:pPr marL="457200" indent="-457200">
+              <a:buFont typeface="+mj-lt"/>
+              <a:buAutoNum type="arabicPeriod"/>
+            </a:pPr>
+            <a:r>
+              <a:rPr lang="en-US" b="1" dirty="0" smtClean="0"/>
+              <a:t>Nested-if</a:t>
+            </a:r>
+          </a:p>
+          <a:p>
+            <a:pPr marL="457200" indent="-457200">
+              <a:buFont typeface="+mj-lt"/>
+              <a:buAutoNum type="arabicPeriod"/>
+            </a:pPr>
+            <a:r>
+              <a:rPr lang="en-US" b="1" dirty="0" smtClean="0"/>
+              <a:t>Switch statement</a:t>
+            </a:r>
+            <a:endParaRPr lang="en-GB" dirty="0"/>
+          </a:p>
+          <a:p>
+            <a:pPr marL="0" indent="0">
+              <a:buNone/>
+            </a:pPr>
+            <a:endParaRPr lang="en-GB" dirty="0"/>
+          </a:p>
+          <a:p>
+            <a:pPr>
+              <a:buFont typeface="Wingdings" panose="05000000000000000000" pitchFamily="2" charset="2"/>
+              <a:buChar char="v"/>
+            </a:pPr>
+            <a:endParaRPr lang="en-GB" dirty="0"/>
+          </a:p>
+        </p:txBody>
+      </p:sp>
+    </p:spTree>
+    <p:extLst>
+      <p:ext uri="{BB962C8B-B14F-4D97-AF65-F5344CB8AC3E}">
+        <p14:creationId xmlns:p14="http://schemas.microsoft.com/office/powerpoint/2010/main" val="2681919587"/>
+      </p:ext>
+    </p:extLst>
+  </p:cSld>
+  <p:clrMapOvr>
+    <a:masterClrMapping/>
+  </p:clrMapOvr>
+</p:sld>
+</file>
+
+<file path=ppt/slides/slide8.xml><?xml version="1.0" encoding="utf-8"?>
+<p:sld xmlns:a="http://schemas.openxmlformats.org/drawingml/2006/main" xmlns:r="http://schemas.openxmlformats.org/officeDocument/2006/relationships" xmlns:p="http://schemas.openxmlformats.org/presentationml/2006/main">
+  <p:cSld>
+    <p:spTree>
+      <p:nvGrpSpPr>
+        <p:cNvPr id="1" name=""/>
+        <p:cNvGrpSpPr/>
+        <p:nvPr/>
+      </p:nvGrpSpPr>
+      <p:grpSpPr>
+        <a:xfrm>
+          <a:off x="0" y="0"/>
+          <a:ext cx="0" cy="0"/>
+          <a:chOff x="0" y="0"/>
+          <a:chExt cx="0" cy="0"/>
+        </a:xfrm>
+      </p:grpSpPr>
+      <p:sp>
+        <p:nvSpPr>
+          <p:cNvPr id="2" name="Title 1">
+            <a:extLst>
+              <a:ext uri="{FF2B5EF4-FFF2-40B4-BE49-F238E27FC236}">
+                <a16:creationId xmlns:a16="http://schemas.microsoft.com/office/drawing/2014/main" id="{D0F371AF-0F3D-4C75-BDB9-A4F068365D54}"/>
+              </a:ext>
+            </a:extLst>
+          </p:cNvPr>
+          <p:cNvSpPr>
+            <a:spLocks noGrp="1"/>
+          </p:cNvSpPr>
+          <p:nvPr>
+            <p:ph type="title"/>
+          </p:nvPr>
+        </p:nvSpPr>
+        <p:spPr/>
+        <p:txBody>
+          <a:bodyPr/>
+          <a:lstStyle/>
+          <a:p>
+            <a:r>
+              <a:rPr lang="en-GB" dirty="0" smtClean="0"/>
+              <a:t>Unconditional-if</a:t>
+            </a:r>
+            <a:endParaRPr lang="en-GB" dirty="0"/>
+          </a:p>
+        </p:txBody>
+      </p:sp>
+      <p:sp>
+        <p:nvSpPr>
+          <p:cNvPr id="3" name="Content Placeholder 2">
+            <a:extLst>
+              <a:ext uri="{FF2B5EF4-FFF2-40B4-BE49-F238E27FC236}">
+                <a16:creationId xmlns:a16="http://schemas.microsoft.com/office/drawing/2014/main" id="{3C8BCD7E-B0F0-4A9E-A998-990193C58C1F}"/>
+              </a:ext>
+            </a:extLst>
+          </p:cNvPr>
+          <p:cNvSpPr>
+            <a:spLocks noGrp="1"/>
+          </p:cNvSpPr>
+          <p:nvPr>
+            <p:ph idx="1"/>
+          </p:nvPr>
+        </p:nvSpPr>
+        <p:spPr/>
+        <p:txBody>
+          <a:bodyPr/>
+          <a:lstStyle/>
+          <a:p>
+            <a:pPr marL="457200" indent="-457200">
+              <a:buFont typeface="+mj-lt"/>
+              <a:buAutoNum type="arabicPeriod"/>
+            </a:pPr>
+            <a:r>
+              <a:rPr lang="en-US" b="1" dirty="0" smtClean="0"/>
+              <a:t>Unconditional if</a:t>
+            </a:r>
+          </a:p>
+          <a:p>
+            <a:pPr marL="457200" indent="-457200">
+              <a:buFont typeface="+mj-lt"/>
+              <a:buAutoNum type="arabicPeriod"/>
+            </a:pPr>
+            <a:r>
+              <a:rPr lang="en-US" b="1" dirty="0" smtClean="0"/>
+              <a:t>Conditional-if</a:t>
+            </a:r>
+          </a:p>
+          <a:p>
+            <a:pPr marL="457200" indent="-457200">
+              <a:buFont typeface="+mj-lt"/>
+              <a:buAutoNum type="arabicPeriod"/>
+            </a:pPr>
+            <a:r>
+              <a:rPr lang="en-US" b="1" dirty="0" smtClean="0"/>
+              <a:t>Bi-conditional if</a:t>
+            </a:r>
+          </a:p>
+          <a:p>
+            <a:pPr marL="457200" indent="-457200">
+              <a:buFont typeface="+mj-lt"/>
+              <a:buAutoNum type="arabicPeriod"/>
+            </a:pPr>
+            <a:r>
+              <a:rPr lang="en-US" b="1" dirty="0" smtClean="0"/>
+              <a:t>Cascaded-if</a:t>
+            </a:r>
+          </a:p>
+          <a:p>
+            <a:pPr marL="457200" indent="-457200">
+              <a:buFont typeface="+mj-lt"/>
+              <a:buAutoNum type="arabicPeriod"/>
+            </a:pPr>
+            <a:r>
+              <a:rPr lang="en-US" b="1" dirty="0" smtClean="0"/>
+              <a:t>Nested-if</a:t>
+            </a:r>
+          </a:p>
+          <a:p>
+            <a:pPr marL="457200" indent="-457200">
+              <a:buFont typeface="+mj-lt"/>
+              <a:buAutoNum type="arabicPeriod"/>
+            </a:pPr>
+            <a:r>
+              <a:rPr lang="en-US" b="1" dirty="0" smtClean="0"/>
+              <a:t>Switch statement</a:t>
+            </a:r>
+            <a:endParaRPr lang="en-GB" dirty="0"/>
+          </a:p>
+          <a:p>
+            <a:pPr marL="0" indent="0">
+              <a:buNone/>
+            </a:pPr>
+            <a:endParaRPr lang="en-GB" dirty="0"/>
+          </a:p>
+          <a:p>
+            <a:pPr>
+              <a:buFont typeface="Wingdings" panose="05000000000000000000" pitchFamily="2" charset="2"/>
+              <a:buChar char="v"/>
+            </a:pPr>
+            <a:endParaRPr lang="en-GB" dirty="0"/>
+          </a:p>
+        </p:txBody>
+      </p:sp>
+    </p:spTree>
+    <p:extLst>
+      <p:ext uri="{BB962C8B-B14F-4D97-AF65-F5344CB8AC3E}">
+        <p14:creationId xmlns:p14="http://schemas.microsoft.com/office/powerpoint/2010/main" val="3855848783"/>
+      </p:ext>
+    </p:extLst>
+  </p:cSld>
+  <p:clrMapOvr>
+    <a:masterClrMapping/>
+  </p:clrMapOvr>
+</p:sld>
+</file>
+
+<file path=ppt/slides/slide9.xml><?xml version="1.0" encoding="utf-8"?>
+<p:sld xmlns:a="http://schemas.openxmlformats.org/drawingml/2006/main" xmlns:r="http://schemas.openxmlformats.org/officeDocument/2006/relationships" xmlns:p="http://schemas.openxmlformats.org/presentationml/2006/main">
+  <p:cSld>
+    <p:spTree>
+      <p:nvGrpSpPr>
+        <p:cNvPr id="1" name=""/>
+        <p:cNvGrpSpPr/>
+        <p:nvPr/>
+      </p:nvGrpSpPr>
+      <p:grpSpPr>
+        <a:xfrm>
+          <a:off x="0" y="0"/>
+          <a:ext cx="0" cy="0"/>
+          <a:chOff x="0" y="0"/>
+          <a:chExt cx="0" cy="0"/>
+        </a:xfrm>
+      </p:grpSpPr>
+      <p:sp>
+        <p:nvSpPr>
+          <p:cNvPr id="2" name="Title 1">
+            <a:extLst>
+              <a:ext uri="{FF2B5EF4-FFF2-40B4-BE49-F238E27FC236}">
+                <a16:creationId xmlns:a16="http://schemas.microsoft.com/office/drawing/2014/main" id="{D0F371AF-0F3D-4C75-BDB9-A4F068365D54}"/>
+              </a:ext>
+            </a:extLst>
+          </p:cNvPr>
+          <p:cNvSpPr>
+            <a:spLocks noGrp="1"/>
+          </p:cNvSpPr>
+          <p:nvPr>
+            <p:ph type="title"/>
+          </p:nvPr>
+        </p:nvSpPr>
+        <p:spPr/>
+        <p:txBody>
+          <a:bodyPr/>
+          <a:lstStyle/>
+          <a:p>
+            <a:r>
+              <a:rPr lang="en-GB" dirty="0" smtClean="0"/>
+              <a:t>Conditional-if</a:t>
+            </a:r>
+            <a:endParaRPr lang="en-GB" dirty="0"/>
+          </a:p>
+        </p:txBody>
+      </p:sp>
+      <p:sp>
+        <p:nvSpPr>
+          <p:cNvPr id="3" name="Content Placeholder 2">
+            <a:extLst>
+              <a:ext uri="{FF2B5EF4-FFF2-40B4-BE49-F238E27FC236}">
+                <a16:creationId xmlns:a16="http://schemas.microsoft.com/office/drawing/2014/main" id="{3C8BCD7E-B0F0-4A9E-A998-990193C58C1F}"/>
+              </a:ext>
+            </a:extLst>
+          </p:cNvPr>
+          <p:cNvSpPr>
+            <a:spLocks noGrp="1"/>
+          </p:cNvSpPr>
+          <p:nvPr>
+            <p:ph idx="1"/>
+          </p:nvPr>
+        </p:nvSpPr>
+        <p:spPr/>
+        <p:txBody>
+          <a:bodyPr/>
+          <a:lstStyle/>
+          <a:p>
+            <a:pPr marL="457200" indent="-457200">
+              <a:buFont typeface="+mj-lt"/>
+              <a:buAutoNum type="arabicPeriod"/>
+            </a:pPr>
+            <a:r>
+              <a:rPr lang="en-US" b="1" dirty="0" smtClean="0"/>
+              <a:t>Unconditional if</a:t>
+            </a:r>
+          </a:p>
+          <a:p>
+            <a:pPr marL="457200" indent="-457200">
+              <a:buFont typeface="+mj-lt"/>
+              <a:buAutoNum type="arabicPeriod"/>
+            </a:pPr>
+            <a:r>
+              <a:rPr lang="en-US" b="1" dirty="0" smtClean="0"/>
+              <a:t>Conditional-if</a:t>
+            </a:r>
+          </a:p>
+          <a:p>
+            <a:pPr marL="457200" indent="-457200">
+              <a:buFont typeface="+mj-lt"/>
+              <a:buAutoNum type="arabicPeriod"/>
+            </a:pPr>
+            <a:r>
+              <a:rPr lang="en-US" b="1" dirty="0" smtClean="0"/>
+              <a:t>Bi-conditional if</a:t>
+            </a:r>
+          </a:p>
+          <a:p>
+            <a:pPr marL="457200" indent="-457200">
+              <a:buFont typeface="+mj-lt"/>
+              <a:buAutoNum type="arabicPeriod"/>
+            </a:pPr>
+            <a:r>
+              <a:rPr lang="en-US" b="1" dirty="0" smtClean="0"/>
+              <a:t>Cascaded-if</a:t>
+            </a:r>
+          </a:p>
+          <a:p>
+            <a:pPr marL="457200" indent="-457200">
+              <a:buFont typeface="+mj-lt"/>
+              <a:buAutoNum type="arabicPeriod"/>
+            </a:pPr>
+            <a:r>
+              <a:rPr lang="en-US" b="1" dirty="0" smtClean="0"/>
+              <a:t>Nested-if</a:t>
+            </a:r>
+          </a:p>
+          <a:p>
+            <a:pPr marL="457200" indent="-457200">
+              <a:buFont typeface="+mj-lt"/>
+              <a:buAutoNum type="arabicPeriod"/>
+            </a:pPr>
+            <a:r>
+              <a:rPr lang="en-US" b="1" dirty="0" smtClean="0"/>
+              <a:t>Switch statement</a:t>
+            </a:r>
+            <a:endParaRPr lang="en-GB" dirty="0"/>
+          </a:p>
+          <a:p>
+            <a:pPr marL="0" indent="0">
+              <a:buNone/>
+            </a:pPr>
+            <a:endParaRPr lang="en-GB" dirty="0"/>
+          </a:p>
+          <a:p>
+            <a:pPr>
+              <a:buFont typeface="Wingdings" panose="05000000000000000000" pitchFamily="2" charset="2"/>
+              <a:buChar char="v"/>
+            </a:pPr>
+            <a:endParaRPr lang="en-GB" dirty="0"/>
+          </a:p>
+        </p:txBody>
+      </p:sp>
+    </p:spTree>
+    <p:extLst>
+      <p:ext uri="{BB962C8B-B14F-4D97-AF65-F5344CB8AC3E}">
+        <p14:creationId xmlns:p14="http://schemas.microsoft.com/office/powerpoint/2010/main" val="3281825926"/>
       </p:ext>
     </p:extLst>
   </p:cSld>
@@ -7377,21 +10545,6 @@
 </file>
 
 <file path=customXml/item1.xml><?xml version="1.0" encoding="utf-8"?>
-<p:properties xmlns:p="http://schemas.microsoft.com/office/2006/metadata/properties" xmlns:xsi="http://www.w3.org/2001/XMLSchema-instance" xmlns:pc="http://schemas.microsoft.com/office/infopath/2007/PartnerControls">
-  <documentManagement/>
-</p:properties>
-</file>
-
-<file path=customXml/item2.xml><?xml version="1.0" encoding="utf-8"?>
-<?mso-contentType ?>
-<FormTemplates xmlns="http://schemas.microsoft.com/sharepoint/v3/contenttype/forms">
-  <Display>DocumentLibraryForm</Display>
-  <Edit>DocumentLibraryForm</Edit>
-  <New>DocumentLibraryForm</New>
-</FormTemplates>
-</file>
-
-<file path=customXml/item3.xml><?xml version="1.0" encoding="utf-8"?>
 <ct:contentTypeSchema xmlns:ct="http://schemas.microsoft.com/office/2006/metadata/contentType" xmlns:ma="http://schemas.microsoft.com/office/2006/metadata/properties/metaAttributes" ct:_="" ma:_="" ma:contentTypeName="Document" ma:contentTypeID="0x010100062A1965C0ED8D4B93D90EC9097FB304" ma:contentTypeVersion="13" ma:contentTypeDescription="Create a new document." ma:contentTypeScope="" ma:versionID="ad8c00255a362f38b965062bb6973433">
   <xsd:schema xmlns:xsd="http://www.w3.org/2001/XMLSchema" xmlns:xs="http://www.w3.org/2001/XMLSchema" xmlns:p="http://schemas.microsoft.com/office/2006/metadata/properties" xmlns:ns3="cab83b3b-4db3-4a13-8dd4-e60be6d87cf5" xmlns:ns4="c2e86655-d7ed-4420-bc92-1b9547829f54" targetNamespace="http://schemas.microsoft.com/office/2006/metadata/properties" ma:root="true" ma:fieldsID="d47f86c9060cacabc5fb99b2dd628c7d" ns3:_="" ns4:_="">
     <xsd:import namespace="cab83b3b-4db3-4a13-8dd4-e60be6d87cf5"/>
@@ -7614,32 +10767,22 @@
 </ct:contentTypeSchema>
 </file>
 
-<file path=customXml/itemProps1.xml><?xml version="1.0" encoding="utf-8"?>
-<ds:datastoreItem xmlns:ds="http://schemas.openxmlformats.org/officeDocument/2006/customXml" ds:itemID="{1B174DBE-1AD7-495B-B168-212A7EE723A6}">
-  <ds:schemaRefs>
-    <ds:schemaRef ds:uri="http://purl.org/dc/terms/"/>
-    <ds:schemaRef ds:uri="http://schemas.openxmlformats.org/package/2006/metadata/core-properties"/>
-    <ds:schemaRef ds:uri="c2e86655-d7ed-4420-bc92-1b9547829f54"/>
-    <ds:schemaRef ds:uri="http://schemas.microsoft.com/office/2006/documentManagement/types"/>
-    <ds:schemaRef ds:uri="http://schemas.microsoft.com/office/infopath/2007/PartnerControls"/>
-    <ds:schemaRef ds:uri="cab83b3b-4db3-4a13-8dd4-e60be6d87cf5"/>
-    <ds:schemaRef ds:uri="http://purl.org/dc/elements/1.1/"/>
-    <ds:schemaRef ds:uri="http://schemas.microsoft.com/office/2006/metadata/properties"/>
-    <ds:schemaRef ds:uri="http://www.w3.org/XML/1998/namespace"/>
-    <ds:schemaRef ds:uri="http://purl.org/dc/dcmitype/"/>
-  </ds:schemaRefs>
-</ds:datastoreItem>
+<file path=customXml/item2.xml><?xml version="1.0" encoding="utf-8"?>
+<p:properties xmlns:p="http://schemas.microsoft.com/office/2006/metadata/properties" xmlns:xsi="http://www.w3.org/2001/XMLSchema-instance" xmlns:pc="http://schemas.microsoft.com/office/infopath/2007/PartnerControls">
+  <documentManagement/>
+</p:properties>
 </file>
 
-<file path=customXml/itemProps2.xml><?xml version="1.0" encoding="utf-8"?>
-<ds:datastoreItem xmlns:ds="http://schemas.openxmlformats.org/officeDocument/2006/customXml" ds:itemID="{07A05CC1-FF68-453F-AE9C-352B80151440}">
-  <ds:schemaRefs>
-    <ds:schemaRef ds:uri="http://schemas.microsoft.com/sharepoint/v3/contenttype/forms"/>
-  </ds:schemaRefs>
-</ds:datastoreItem>
+<file path=customXml/item3.xml><?xml version="1.0" encoding="utf-8"?>
+<?mso-contentType ?>
+<FormTemplates xmlns="http://schemas.microsoft.com/sharepoint/v3/contenttype/forms">
+  <Display>DocumentLibraryForm</Display>
+  <Edit>DocumentLibraryForm</Edit>
+  <New>DocumentLibraryForm</New>
+</FormTemplates>
 </file>
 
-<file path=customXml/itemProps3.xml><?xml version="1.0" encoding="utf-8"?>
+<file path=customXml/itemProps1.xml><?xml version="1.0" encoding="utf-8"?>
 <ds:datastoreItem xmlns:ds="http://schemas.openxmlformats.org/officeDocument/2006/customXml" ds:itemID="{03233C07-2685-44F7-9601-FF64EA49BA1B}">
   <ds:schemaRefs>
     <ds:schemaRef ds:uri="http://schemas.microsoft.com/office/2006/metadata/contentType"/>
@@ -7656,4 +10799,29 @@
     <ds:schemaRef ds:uri="http://schemas.microsoft.com/internal/obd"/>
   </ds:schemaRefs>
 </ds:datastoreItem>
+</file>
+
+<file path=customXml/itemProps2.xml><?xml version="1.0" encoding="utf-8"?>
+<ds:datastoreItem xmlns:ds="http://schemas.openxmlformats.org/officeDocument/2006/customXml" ds:itemID="{1B174DBE-1AD7-495B-B168-212A7EE723A6}">
+  <ds:schemaRefs>
+    <ds:schemaRef ds:uri="http://schemas.microsoft.com/office/2006/documentManagement/types"/>
+    <ds:schemaRef ds:uri="cab83b3b-4db3-4a13-8dd4-e60be6d87cf5"/>
+    <ds:schemaRef ds:uri="c2e86655-d7ed-4420-bc92-1b9547829f54"/>
+    <ds:schemaRef ds:uri="http://purl.org/dc/elements/1.1/"/>
+    <ds:schemaRef ds:uri="http://schemas.microsoft.com/office/2006/metadata/properties"/>
+    <ds:schemaRef ds:uri="http://purl.org/dc/terms/"/>
+    <ds:schemaRef ds:uri="http://schemas.microsoft.com/office/infopath/2007/PartnerControls"/>
+    <ds:schemaRef ds:uri="http://schemas.openxmlformats.org/package/2006/metadata/core-properties"/>
+    <ds:schemaRef ds:uri="http://www.w3.org/XML/1998/namespace"/>
+    <ds:schemaRef ds:uri="http://purl.org/dc/dcmitype/"/>
+  </ds:schemaRefs>
+</ds:datastoreItem>
+</file>
+
+<file path=customXml/itemProps3.xml><?xml version="1.0" encoding="utf-8"?>
+<ds:datastoreItem xmlns:ds="http://schemas.openxmlformats.org/officeDocument/2006/customXml" ds:itemID="{07A05CC1-FF68-453F-AE9C-352B80151440}">
+  <ds:schemaRefs>
+    <ds:schemaRef ds:uri="http://schemas.microsoft.com/sharepoint/v3/contenttype/forms"/>
+  </ds:schemaRefs>
+</ds:datastoreItem>
 </file>
--- a/thesis/ukapp2/wqu_isc/sofware_design/Lesson 2 - Java.pptx
+++ b/thesis/ukapp2/wqu_isc/sofware_design/Lesson 2 - Java.pptx
@@ -18,17 +18,19 @@
     <p:sldId id="277" r:id="rId15"/>
     <p:sldId id="278" r:id="rId16"/>
     <p:sldId id="279" r:id="rId17"/>
-    <p:sldId id="280" r:id="rId18"/>
-    <p:sldId id="281" r:id="rId19"/>
-    <p:sldId id="282" r:id="rId20"/>
-    <p:sldId id="260" r:id="rId21"/>
-    <p:sldId id="262" r:id="rId22"/>
-    <p:sldId id="264" r:id="rId23"/>
-    <p:sldId id="265" r:id="rId24"/>
-    <p:sldId id="263" r:id="rId25"/>
-    <p:sldId id="269" r:id="rId26"/>
-    <p:sldId id="270" r:id="rId27"/>
-    <p:sldId id="271" r:id="rId28"/>
+    <p:sldId id="284" r:id="rId18"/>
+    <p:sldId id="283" r:id="rId19"/>
+    <p:sldId id="292" r:id="rId20"/>
+    <p:sldId id="288" r:id="rId21"/>
+    <p:sldId id="285" r:id="rId22"/>
+    <p:sldId id="286" r:id="rId23"/>
+    <p:sldId id="287" r:id="rId24"/>
+    <p:sldId id="280" r:id="rId25"/>
+    <p:sldId id="281" r:id="rId26"/>
+    <p:sldId id="291" r:id="rId27"/>
+    <p:sldId id="293" r:id="rId28"/>
+    <p:sldId id="290" r:id="rId29"/>
+    <p:sldId id="289" r:id="rId30"/>
   </p:sldIdLst>
   <p:sldSz cx="9144000" cy="6858000" type="screen4x3"/>
   <p:notesSz cx="6858000" cy="9144000"/>
@@ -361,7 +363,7 @@
           <a:p>
             <a:fld id="{CD13FC2D-BEDB-45BE-AF82-649A39BEFF71}" type="datetimeFigureOut">
               <a:rPr lang="en-GB" smtClean="0"/>
-              <a:t>13/10/2020</a:t>
+              <a:t>16/10/2020</a:t>
             </a:fld>
             <a:endParaRPr lang="en-GB"/>
           </a:p>
@@ -569,7 +571,7 @@
           <a:p>
             <a:fld id="{CD13FC2D-BEDB-45BE-AF82-649A39BEFF71}" type="datetimeFigureOut">
               <a:rPr lang="en-GB" smtClean="0"/>
-              <a:t>13/10/2020</a:t>
+              <a:t>16/10/2020</a:t>
             </a:fld>
             <a:endParaRPr lang="en-GB"/>
           </a:p>
@@ -825,7 +827,7 @@
           <a:p>
             <a:fld id="{CD13FC2D-BEDB-45BE-AF82-649A39BEFF71}" type="datetimeFigureOut">
               <a:rPr lang="en-GB" smtClean="0"/>
-              <a:t>13/10/2020</a:t>
+              <a:t>16/10/2020</a:t>
             </a:fld>
             <a:endParaRPr lang="en-GB"/>
           </a:p>
@@ -995,7 +997,7 @@
           <a:p>
             <a:fld id="{CD13FC2D-BEDB-45BE-AF82-649A39BEFF71}" type="datetimeFigureOut">
               <a:rPr lang="en-GB" smtClean="0"/>
-              <a:t>13/10/2020</a:t>
+              <a:t>16/10/2020</a:t>
             </a:fld>
             <a:endParaRPr lang="en-GB"/>
           </a:p>
@@ -1338,7 +1340,7 @@
           <a:p>
             <a:fld id="{CD13FC2D-BEDB-45BE-AF82-649A39BEFF71}" type="datetimeFigureOut">
               <a:rPr lang="en-GB" smtClean="0"/>
-              <a:t>13/10/2020</a:t>
+              <a:t>16/10/2020</a:t>
             </a:fld>
             <a:endParaRPr lang="en-GB"/>
           </a:p>
@@ -1613,7 +1615,7 @@
           <a:p>
             <a:fld id="{CD13FC2D-BEDB-45BE-AF82-649A39BEFF71}" type="datetimeFigureOut">
               <a:rPr lang="en-GB" smtClean="0"/>
-              <a:t>13/10/2020</a:t>
+              <a:t>16/10/2020</a:t>
             </a:fld>
             <a:endParaRPr lang="en-GB"/>
           </a:p>
@@ -1992,7 +1994,7 @@
           <a:p>
             <a:fld id="{CD13FC2D-BEDB-45BE-AF82-649A39BEFF71}" type="datetimeFigureOut">
               <a:rPr lang="en-GB" smtClean="0"/>
-              <a:t>13/10/2020</a:t>
+              <a:t>16/10/2020</a:t>
             </a:fld>
             <a:endParaRPr lang="en-GB"/>
           </a:p>
@@ -2110,7 +2112,7 @@
           <a:p>
             <a:fld id="{CD13FC2D-BEDB-45BE-AF82-649A39BEFF71}" type="datetimeFigureOut">
               <a:rPr lang="en-GB" smtClean="0"/>
-              <a:t>13/10/2020</a:t>
+              <a:t>16/10/2020</a:t>
             </a:fld>
             <a:endParaRPr lang="en-GB"/>
           </a:p>
@@ -2281,7 +2283,7 @@
           <a:p>
             <a:fld id="{CD13FC2D-BEDB-45BE-AF82-649A39BEFF71}" type="datetimeFigureOut">
               <a:rPr lang="en-GB" smtClean="0"/>
-              <a:t>13/10/2020</a:t>
+              <a:t>16/10/2020</a:t>
             </a:fld>
             <a:endParaRPr lang="en-GB"/>
           </a:p>
@@ -2635,7 +2637,7 @@
           <a:p>
             <a:fld id="{CD13FC2D-BEDB-45BE-AF82-649A39BEFF71}" type="datetimeFigureOut">
               <a:rPr lang="en-GB" smtClean="0"/>
-              <a:t>13/10/2020</a:t>
+              <a:t>16/10/2020</a:t>
             </a:fld>
             <a:endParaRPr lang="en-GB"/>
           </a:p>
@@ -3017,7 +3019,7 @@
           <a:p>
             <a:fld id="{CD13FC2D-BEDB-45BE-AF82-649A39BEFF71}" type="datetimeFigureOut">
               <a:rPr lang="en-GB" smtClean="0"/>
-              <a:t>13/10/2020</a:t>
+              <a:t>16/10/2020</a:t>
             </a:fld>
             <a:endParaRPr lang="en-GB"/>
           </a:p>
@@ -3304,7 +3306,7 @@
           <a:p>
             <a:fld id="{CD13FC2D-BEDB-45BE-AF82-649A39BEFF71}" type="datetimeFigureOut">
               <a:rPr lang="en-GB" smtClean="0"/>
-              <a:t>13/10/2020</a:t>
+              <a:t>16/10/2020</a:t>
             </a:fld>
             <a:endParaRPr lang="en-GB"/>
           </a:p>
@@ -3890,13 +3892,13 @@
           <a:lstStyle/>
           <a:p>
             <a:r>
-              <a:rPr lang="en-GB" dirty="0" smtClean="0"/>
+              <a:rPr lang="en-GB" dirty="0"/>
               <a:t>An Introduction to object-orientation and the java programming language:</a:t>
             </a:r>
           </a:p>
           <a:p>
             <a:r>
-              <a:rPr lang="en-US" b="1" dirty="0" smtClean="0"/>
+              <a:rPr lang="en-US" b="1" dirty="0"/>
               <a:t>Control Structures</a:t>
             </a:r>
             <a:endParaRPr lang="en-GB" b="1" dirty="0"/>
@@ -4012,10 +4014,9 @@
           <a:lstStyle/>
           <a:p>
             <a:r>
-              <a:rPr lang="en-GB" dirty="0" smtClean="0"/>
+              <a:rPr lang="en-GB" dirty="0"/>
               <a:t>Bi-Conditional-if</a:t>
             </a:r>
-            <a:endParaRPr lang="en-GB" dirty="0"/>
           </a:p>
         </p:txBody>
       </p:sp>
@@ -4045,7 +4046,7 @@
               <a:buAutoNum type="arabicPeriod"/>
             </a:pPr>
             <a:r>
-              <a:rPr lang="en-US" b="1" dirty="0" smtClean="0"/>
+              <a:rPr lang="en-US" b="1" dirty="0"/>
               <a:t>Unconditional if</a:t>
             </a:r>
           </a:p>
@@ -4055,7 +4056,7 @@
               <a:buAutoNum type="arabicPeriod"/>
             </a:pPr>
             <a:r>
-              <a:rPr lang="en-US" b="1" dirty="0" smtClean="0"/>
+              <a:rPr lang="en-US" b="1" dirty="0"/>
               <a:t>Conditional-if</a:t>
             </a:r>
           </a:p>
@@ -4065,7 +4066,7 @@
               <a:buAutoNum type="arabicPeriod"/>
             </a:pPr>
             <a:r>
-              <a:rPr lang="en-US" b="1" dirty="0" smtClean="0"/>
+              <a:rPr lang="en-US" b="1" dirty="0"/>
               <a:t>Bi-conditional if</a:t>
             </a:r>
           </a:p>
@@ -4075,7 +4076,7 @@
               <a:buAutoNum type="arabicPeriod"/>
             </a:pPr>
             <a:r>
-              <a:rPr lang="en-US" b="1" dirty="0" smtClean="0"/>
+              <a:rPr lang="en-US" b="1" dirty="0"/>
               <a:t>Cascaded-if</a:t>
             </a:r>
           </a:p>
@@ -4085,7 +4086,7 @@
               <a:buAutoNum type="arabicPeriod"/>
             </a:pPr>
             <a:r>
-              <a:rPr lang="en-US" b="1" dirty="0" smtClean="0"/>
+              <a:rPr lang="en-US" b="1" dirty="0"/>
               <a:t>Nested-if</a:t>
             </a:r>
           </a:p>
@@ -4095,7 +4096,7 @@
               <a:buAutoNum type="arabicPeriod"/>
             </a:pPr>
             <a:r>
-              <a:rPr lang="en-US" b="1" dirty="0" smtClean="0"/>
+              <a:rPr lang="en-US" b="1" dirty="0"/>
               <a:t>Switch statement</a:t>
             </a:r>
             <a:endParaRPr lang="en-GB" dirty="0"/>
@@ -4167,10 +4168,9 @@
           <a:lstStyle/>
           <a:p>
             <a:r>
-              <a:rPr lang="en-GB" dirty="0" smtClean="0"/>
+              <a:rPr lang="en-GB" dirty="0"/>
               <a:t>Cascaded-if</a:t>
             </a:r>
-            <a:endParaRPr lang="en-GB" dirty="0"/>
           </a:p>
         </p:txBody>
       </p:sp>
@@ -4200,7 +4200,7 @@
               <a:buAutoNum type="arabicPeriod"/>
             </a:pPr>
             <a:r>
-              <a:rPr lang="en-US" b="1" dirty="0" smtClean="0"/>
+              <a:rPr lang="en-US" b="1" dirty="0"/>
               <a:t>Unconditional if</a:t>
             </a:r>
           </a:p>
@@ -4210,7 +4210,7 @@
               <a:buAutoNum type="arabicPeriod"/>
             </a:pPr>
             <a:r>
-              <a:rPr lang="en-US" b="1" dirty="0" smtClean="0"/>
+              <a:rPr lang="en-US" b="1" dirty="0"/>
               <a:t>Conditional-if</a:t>
             </a:r>
           </a:p>
@@ -4220,7 +4220,7 @@
               <a:buAutoNum type="arabicPeriod"/>
             </a:pPr>
             <a:r>
-              <a:rPr lang="en-US" b="1" dirty="0" smtClean="0"/>
+              <a:rPr lang="en-US" b="1" dirty="0"/>
               <a:t>Bi-conditional if</a:t>
             </a:r>
           </a:p>
@@ -4230,7 +4230,7 @@
               <a:buAutoNum type="arabicPeriod"/>
             </a:pPr>
             <a:r>
-              <a:rPr lang="en-US" b="1" dirty="0" smtClean="0"/>
+              <a:rPr lang="en-US" b="1" dirty="0"/>
               <a:t>Cascaded-if</a:t>
             </a:r>
           </a:p>
@@ -4240,7 +4240,7 @@
               <a:buAutoNum type="arabicPeriod"/>
             </a:pPr>
             <a:r>
-              <a:rPr lang="en-US" b="1" dirty="0" smtClean="0"/>
+              <a:rPr lang="en-US" b="1" dirty="0"/>
               <a:t>Nested-if</a:t>
             </a:r>
           </a:p>
@@ -4250,7 +4250,7 @@
               <a:buAutoNum type="arabicPeriod"/>
             </a:pPr>
             <a:r>
-              <a:rPr lang="en-US" b="1" dirty="0" smtClean="0"/>
+              <a:rPr lang="en-US" b="1" dirty="0"/>
               <a:t>Switch statement</a:t>
             </a:r>
             <a:endParaRPr lang="en-GB" dirty="0"/>
@@ -4322,10 +4322,9 @@
           <a:lstStyle/>
           <a:p>
             <a:r>
-              <a:rPr lang="en-GB" dirty="0" smtClean="0"/>
+              <a:rPr lang="en-GB" dirty="0"/>
               <a:t>Nested-if</a:t>
             </a:r>
-            <a:endParaRPr lang="en-GB" dirty="0"/>
           </a:p>
         </p:txBody>
       </p:sp>
@@ -4355,7 +4354,7 @@
               <a:buAutoNum type="arabicPeriod"/>
             </a:pPr>
             <a:r>
-              <a:rPr lang="en-US" b="1" dirty="0" smtClean="0"/>
+              <a:rPr lang="en-US" b="1" dirty="0"/>
               <a:t>Unconditional if</a:t>
             </a:r>
           </a:p>
@@ -4365,7 +4364,7 @@
               <a:buAutoNum type="arabicPeriod"/>
             </a:pPr>
             <a:r>
-              <a:rPr lang="en-US" b="1" dirty="0" smtClean="0"/>
+              <a:rPr lang="en-US" b="1" dirty="0"/>
               <a:t>Conditional-if</a:t>
             </a:r>
           </a:p>
@@ -4375,7 +4374,7 @@
               <a:buAutoNum type="arabicPeriod"/>
             </a:pPr>
             <a:r>
-              <a:rPr lang="en-US" b="1" dirty="0" smtClean="0"/>
+              <a:rPr lang="en-US" b="1" dirty="0"/>
               <a:t>Bi-conditional if</a:t>
             </a:r>
           </a:p>
@@ -4385,7 +4384,7 @@
               <a:buAutoNum type="arabicPeriod"/>
             </a:pPr>
             <a:r>
-              <a:rPr lang="en-US" b="1" dirty="0" smtClean="0"/>
+              <a:rPr lang="en-US" b="1" dirty="0"/>
               <a:t>Cascaded-if</a:t>
             </a:r>
           </a:p>
@@ -4395,7 +4394,7 @@
               <a:buAutoNum type="arabicPeriod"/>
             </a:pPr>
             <a:r>
-              <a:rPr lang="en-US" b="1" dirty="0" smtClean="0"/>
+              <a:rPr lang="en-US" b="1" dirty="0"/>
               <a:t>Nested-if</a:t>
             </a:r>
           </a:p>
@@ -4405,7 +4404,7 @@
               <a:buAutoNum type="arabicPeriod"/>
             </a:pPr>
             <a:r>
-              <a:rPr lang="en-US" b="1" dirty="0" smtClean="0"/>
+              <a:rPr lang="en-US" b="1" dirty="0"/>
               <a:t>Switch statement</a:t>
             </a:r>
             <a:endParaRPr lang="en-GB" dirty="0"/>
@@ -4477,10 +4476,9 @@
           <a:lstStyle/>
           <a:p>
             <a:r>
-              <a:rPr lang="en-GB" dirty="0" smtClean="0"/>
+              <a:rPr lang="en-GB" dirty="0"/>
               <a:t>Switch-statements</a:t>
             </a:r>
-            <a:endParaRPr lang="en-GB" dirty="0"/>
           </a:p>
         </p:txBody>
       </p:sp>
@@ -4519,7 +4517,7 @@
               <a:t> </a:t>
             </a:r>
             <a:r>
-              <a:rPr lang="en-US" dirty="0" smtClean="0"/>
+              <a:rPr lang="en-US" dirty="0"/>
               <a:t>Types of Control Structure</a:t>
             </a:r>
           </a:p>
@@ -4530,11 +4528,7 @@
             </a:pPr>
             <a:r>
               <a:rPr lang="en-US" dirty="0"/>
-              <a:t> </a:t>
-            </a:r>
-            <a:r>
-              <a:rPr lang="en-US" dirty="0" smtClean="0"/>
-              <a:t>Sequential Control</a:t>
+              <a:t> Sequential Control</a:t>
             </a:r>
           </a:p>
           <a:p>
@@ -4544,11 +4538,7 @@
             </a:pPr>
             <a:r>
               <a:rPr lang="en-US" dirty="0"/>
-              <a:t> </a:t>
-            </a:r>
-            <a:r>
-              <a:rPr lang="en-US" dirty="0" smtClean="0"/>
-              <a:t>Expression types</a:t>
+              <a:t> Expression types</a:t>
             </a:r>
           </a:p>
           <a:p>
@@ -4558,11 +4548,7 @@
             </a:pPr>
             <a:r>
               <a:rPr lang="en-US" dirty="0"/>
-              <a:t> </a:t>
-            </a:r>
-            <a:r>
-              <a:rPr lang="en-US" dirty="0" smtClean="0"/>
-              <a:t>Selection Control</a:t>
+              <a:t> Selection Control</a:t>
             </a:r>
           </a:p>
           <a:p>
@@ -4572,11 +4558,7 @@
             </a:pPr>
             <a:r>
               <a:rPr lang="en-US" dirty="0"/>
-              <a:t> </a:t>
-            </a:r>
-            <a:r>
-              <a:rPr lang="en-US" dirty="0" smtClean="0"/>
-              <a:t>Unconditional-if</a:t>
+              <a:t> Unconditional-if</a:t>
             </a:r>
           </a:p>
           <a:p>
@@ -4586,11 +4568,7 @@
             </a:pPr>
             <a:r>
               <a:rPr lang="en-US" dirty="0"/>
-              <a:t> </a:t>
-            </a:r>
-            <a:r>
-              <a:rPr lang="en-US" dirty="0" smtClean="0"/>
-              <a:t>Conditional-if</a:t>
+              <a:t> Conditional-if</a:t>
             </a:r>
           </a:p>
           <a:p>
@@ -4600,11 +4578,7 @@
             </a:pPr>
             <a:r>
               <a:rPr lang="en-US" dirty="0"/>
-              <a:t> </a:t>
-            </a:r>
-            <a:r>
-              <a:rPr lang="en-US" dirty="0" smtClean="0"/>
-              <a:t>Bi-conditional if</a:t>
+              <a:t> Bi-conditional if</a:t>
             </a:r>
           </a:p>
           <a:p>
@@ -4614,11 +4588,7 @@
             </a:pPr>
             <a:r>
               <a:rPr lang="en-US" dirty="0"/>
-              <a:t> </a:t>
-            </a:r>
-            <a:r>
-              <a:rPr lang="en-US" dirty="0" smtClean="0"/>
-              <a:t>Cascaded-if</a:t>
+              <a:t> Cascaded-if</a:t>
             </a:r>
           </a:p>
           <a:p>
@@ -4628,11 +4598,7 @@
             </a:pPr>
             <a:r>
               <a:rPr lang="en-US" dirty="0"/>
-              <a:t> </a:t>
-            </a:r>
-            <a:r>
-              <a:rPr lang="en-US" dirty="0" smtClean="0"/>
-              <a:t>Nested-if</a:t>
+              <a:t> Nested-if</a:t>
             </a:r>
             <a:endParaRPr lang="en-GB" dirty="0"/>
           </a:p>
@@ -4920,11 +4886,11 @@
               <a:buChar char="v"/>
             </a:pPr>
             <a:r>
-              <a:rPr lang="en-GB" dirty="0" smtClean="0"/>
+              <a:rPr lang="en-GB" dirty="0"/>
               <a:t> </a:t>
             </a:r>
             <a:r>
-              <a:rPr lang="en-US" dirty="0" smtClean="0"/>
+              <a:rPr lang="en-US" dirty="0"/>
               <a:t>Switch-statements</a:t>
             </a:r>
           </a:p>
@@ -4935,11 +4901,7 @@
             </a:pPr>
             <a:r>
               <a:rPr lang="en-US" dirty="0"/>
-              <a:t> </a:t>
-            </a:r>
-            <a:r>
-              <a:rPr lang="en-US" dirty="0" smtClean="0"/>
-              <a:t>Iteration Control</a:t>
+              <a:t> Iteration Control</a:t>
             </a:r>
           </a:p>
           <a:p>
@@ -4949,11 +4911,7 @@
             </a:pPr>
             <a:r>
               <a:rPr lang="en-US" dirty="0"/>
-              <a:t> </a:t>
-            </a:r>
-            <a:r>
-              <a:rPr lang="en-US" dirty="0" smtClean="0"/>
-              <a:t>Types of loops</a:t>
+              <a:t> Types of loops</a:t>
             </a:r>
           </a:p>
           <a:p>
@@ -4963,11 +4921,7 @@
             </a:pPr>
             <a:r>
               <a:rPr lang="en-US" dirty="0"/>
-              <a:t> </a:t>
-            </a:r>
-            <a:r>
-              <a:rPr lang="en-US" dirty="0" smtClean="0"/>
-              <a:t>While</a:t>
+              <a:t> While</a:t>
             </a:r>
           </a:p>
           <a:p>
@@ -4977,11 +4931,7 @@
             </a:pPr>
             <a:r>
               <a:rPr lang="en-US" dirty="0"/>
-              <a:t> </a:t>
-            </a:r>
-            <a:r>
-              <a:rPr lang="en-US" dirty="0" smtClean="0"/>
-              <a:t>do-while</a:t>
+              <a:t> do-while</a:t>
             </a:r>
           </a:p>
           <a:p>
@@ -4991,11 +4941,7 @@
             </a:pPr>
             <a:r>
               <a:rPr lang="en-US" dirty="0"/>
-              <a:t> </a:t>
-            </a:r>
-            <a:r>
-              <a:rPr lang="en-US" dirty="0" smtClean="0"/>
-              <a:t>for-loop</a:t>
+              <a:t> for-loop</a:t>
             </a:r>
           </a:p>
           <a:p>
@@ -5005,11 +4951,7 @@
             </a:pPr>
             <a:r>
               <a:rPr lang="en-US" dirty="0"/>
-              <a:t> </a:t>
-            </a:r>
-            <a:r>
-              <a:rPr lang="en-US" dirty="0" smtClean="0"/>
-              <a:t>Nested-Loops</a:t>
+              <a:t> Nested-Loops</a:t>
             </a:r>
           </a:p>
           <a:p>
@@ -5019,11 +4961,7 @@
             </a:pPr>
             <a:r>
               <a:rPr lang="en-US" dirty="0"/>
-              <a:t> </a:t>
-            </a:r>
-            <a:r>
-              <a:rPr lang="en-US" dirty="0" smtClean="0"/>
-              <a:t>Arrays</a:t>
+              <a:t> Arrays</a:t>
             </a:r>
           </a:p>
           <a:p>
@@ -5033,13 +4971,9 @@
             </a:pPr>
             <a:r>
               <a:rPr lang="en-US"/>
-              <a:t> </a:t>
-            </a:r>
-            <a:r>
-              <a:rPr lang="en-US" smtClean="0"/>
-              <a:t>Exercises</a:t>
-            </a:r>
-            <a:endParaRPr lang="en-GB" dirty="0" smtClean="0"/>
+              <a:t> Exercises</a:t>
+            </a:r>
+            <a:endParaRPr lang="en-GB" dirty="0"/>
           </a:p>
           <a:p>
             <a:endParaRPr lang="en-GB" dirty="0"/>
@@ -5098,10 +5032,9 @@
           <a:lstStyle/>
           <a:p>
             <a:r>
-              <a:rPr lang="en-GB" dirty="0" smtClean="0"/>
-              <a:t>Iteration (Loop) control</a:t>
-            </a:r>
-            <a:endParaRPr lang="en-GB" dirty="0"/>
+              <a:rPr lang="en-GB" dirty="0"/>
+              <a:t>Conditional Expression</a:t>
+            </a:r>
           </a:p>
         </p:txBody>
       </p:sp>
@@ -5140,7 +5073,7 @@
               <a:t> </a:t>
             </a:r>
             <a:r>
-              <a:rPr lang="en-US" dirty="0" smtClean="0"/>
+              <a:rPr lang="en-US" dirty="0"/>
               <a:t>Types of Control Structure</a:t>
             </a:r>
           </a:p>
@@ -5151,11 +5084,7 @@
             </a:pPr>
             <a:r>
               <a:rPr lang="en-US" dirty="0"/>
-              <a:t> </a:t>
-            </a:r>
-            <a:r>
-              <a:rPr lang="en-US" dirty="0" smtClean="0"/>
-              <a:t>Sequential Control</a:t>
+              <a:t> Sequential Control</a:t>
             </a:r>
           </a:p>
           <a:p>
@@ -5165,11 +5094,7 @@
             </a:pPr>
             <a:r>
               <a:rPr lang="en-US" dirty="0"/>
-              <a:t> </a:t>
-            </a:r>
-            <a:r>
-              <a:rPr lang="en-US" dirty="0" smtClean="0"/>
-              <a:t>Expression types</a:t>
+              <a:t> Expression types</a:t>
             </a:r>
           </a:p>
           <a:p>
@@ -5179,11 +5104,7 @@
             </a:pPr>
             <a:r>
               <a:rPr lang="en-US" dirty="0"/>
-              <a:t> </a:t>
-            </a:r>
-            <a:r>
-              <a:rPr lang="en-US" dirty="0" smtClean="0"/>
-              <a:t>Selection Control</a:t>
+              <a:t> Selection Control</a:t>
             </a:r>
           </a:p>
           <a:p>
@@ -5193,11 +5114,7 @@
             </a:pPr>
             <a:r>
               <a:rPr lang="en-US" dirty="0"/>
-              <a:t> </a:t>
-            </a:r>
-            <a:r>
-              <a:rPr lang="en-US" dirty="0" smtClean="0"/>
-              <a:t>Unconditional-if</a:t>
+              <a:t> Unconditional-if</a:t>
             </a:r>
           </a:p>
           <a:p>
@@ -5207,11 +5124,7 @@
             </a:pPr>
             <a:r>
               <a:rPr lang="en-US" dirty="0"/>
-              <a:t> </a:t>
-            </a:r>
-            <a:r>
-              <a:rPr lang="en-US" dirty="0" smtClean="0"/>
-              <a:t>Conditional-if</a:t>
+              <a:t> Conditional-if</a:t>
             </a:r>
           </a:p>
           <a:p>
@@ -5221,11 +5134,7 @@
             </a:pPr>
             <a:r>
               <a:rPr lang="en-US" dirty="0"/>
-              <a:t> </a:t>
-            </a:r>
-            <a:r>
-              <a:rPr lang="en-US" dirty="0" smtClean="0"/>
-              <a:t>Bi-conditional if</a:t>
+              <a:t> Bi-conditional if</a:t>
             </a:r>
           </a:p>
           <a:p>
@@ -5235,11 +5144,7 @@
             </a:pPr>
             <a:r>
               <a:rPr lang="en-US" dirty="0"/>
-              <a:t> </a:t>
-            </a:r>
-            <a:r>
-              <a:rPr lang="en-US" dirty="0" smtClean="0"/>
-              <a:t>Cascaded-if</a:t>
+              <a:t> Cascaded-if</a:t>
             </a:r>
           </a:p>
           <a:p>
@@ -5249,11 +5154,7 @@
             </a:pPr>
             <a:r>
               <a:rPr lang="en-US" dirty="0"/>
-              <a:t> </a:t>
-            </a:r>
-            <a:r>
-              <a:rPr lang="en-US" dirty="0" smtClean="0"/>
-              <a:t>Nested-if</a:t>
+              <a:t> Nested-if</a:t>
             </a:r>
             <a:endParaRPr lang="en-GB" dirty="0"/>
           </a:p>
@@ -5541,11 +5442,11 @@
               <a:buChar char="v"/>
             </a:pPr>
             <a:r>
-              <a:rPr lang="en-GB" dirty="0" smtClean="0"/>
+              <a:rPr lang="en-GB" dirty="0"/>
               <a:t> </a:t>
             </a:r>
             <a:r>
-              <a:rPr lang="en-US" dirty="0" smtClean="0"/>
+              <a:rPr lang="en-US" dirty="0"/>
               <a:t>Switch-statements</a:t>
             </a:r>
           </a:p>
@@ -5556,11 +5457,7 @@
             </a:pPr>
             <a:r>
               <a:rPr lang="en-US" dirty="0"/>
-              <a:t> </a:t>
-            </a:r>
-            <a:r>
-              <a:rPr lang="en-US" dirty="0" smtClean="0"/>
-              <a:t>Iteration Control</a:t>
+              <a:t> Iteration Control</a:t>
             </a:r>
           </a:p>
           <a:p>
@@ -5570,11 +5467,7 @@
             </a:pPr>
             <a:r>
               <a:rPr lang="en-US" dirty="0"/>
-              <a:t> </a:t>
-            </a:r>
-            <a:r>
-              <a:rPr lang="en-US" dirty="0" smtClean="0"/>
-              <a:t>Types of loops</a:t>
+              <a:t> Types of loops</a:t>
             </a:r>
           </a:p>
           <a:p>
@@ -5584,11 +5477,7 @@
             </a:pPr>
             <a:r>
               <a:rPr lang="en-US" dirty="0"/>
-              <a:t> </a:t>
-            </a:r>
-            <a:r>
-              <a:rPr lang="en-US" dirty="0" smtClean="0"/>
-              <a:t>While</a:t>
+              <a:t> While</a:t>
             </a:r>
           </a:p>
           <a:p>
@@ -5598,11 +5487,7 @@
             </a:pPr>
             <a:r>
               <a:rPr lang="en-US" dirty="0"/>
-              <a:t> </a:t>
-            </a:r>
-            <a:r>
-              <a:rPr lang="en-US" dirty="0" smtClean="0"/>
-              <a:t>do-while</a:t>
+              <a:t> do-while</a:t>
             </a:r>
           </a:p>
           <a:p>
@@ -5612,11 +5497,7 @@
             </a:pPr>
             <a:r>
               <a:rPr lang="en-US" dirty="0"/>
-              <a:t> </a:t>
-            </a:r>
-            <a:r>
-              <a:rPr lang="en-US" dirty="0" smtClean="0"/>
-              <a:t>for-loop</a:t>
+              <a:t> for-loop</a:t>
             </a:r>
           </a:p>
           <a:p>
@@ -5626,11 +5507,7 @@
             </a:pPr>
             <a:r>
               <a:rPr lang="en-US" dirty="0"/>
-              <a:t> </a:t>
-            </a:r>
-            <a:r>
-              <a:rPr lang="en-US" dirty="0" smtClean="0"/>
-              <a:t>Nested-Loops</a:t>
+              <a:t> Nested-Loops</a:t>
             </a:r>
           </a:p>
           <a:p>
@@ -5640,11 +5517,7 @@
             </a:pPr>
             <a:r>
               <a:rPr lang="en-US" dirty="0"/>
-              <a:t> </a:t>
-            </a:r>
-            <a:r>
-              <a:rPr lang="en-US" dirty="0" smtClean="0"/>
-              <a:t>Arrays</a:t>
+              <a:t> Arrays</a:t>
             </a:r>
           </a:p>
           <a:p>
@@ -5654,13 +5527,9 @@
             </a:pPr>
             <a:r>
               <a:rPr lang="en-US"/>
-              <a:t> </a:t>
-            </a:r>
-            <a:r>
-              <a:rPr lang="en-US" smtClean="0"/>
-              <a:t>Exercises</a:t>
-            </a:r>
-            <a:endParaRPr lang="en-GB" dirty="0" smtClean="0"/>
+              <a:t> Exercises</a:t>
+            </a:r>
+            <a:endParaRPr lang="en-GB" dirty="0"/>
           </a:p>
           <a:p>
             <a:endParaRPr lang="en-GB" dirty="0"/>
@@ -5670,7 +5539,7 @@
     </p:spTree>
     <p:extLst>
       <p:ext uri="{BB962C8B-B14F-4D97-AF65-F5344CB8AC3E}">
-        <p14:creationId xmlns:p14="http://schemas.microsoft.com/office/powerpoint/2010/main" val="2694975838"/>
+        <p14:creationId xmlns:p14="http://schemas.microsoft.com/office/powerpoint/2010/main" val="110843797"/>
       </p:ext>
     </p:extLst>
   </p:cSld>
@@ -5719,8 +5588,8 @@
           <a:lstStyle/>
           <a:p>
             <a:r>
-              <a:rPr lang="en-GB" dirty="0" smtClean="0"/>
-              <a:t>Iteration (Loop) control</a:t>
+              <a:rPr lang="en-US" dirty="0"/>
+              <a:t>Branch Example</a:t>
             </a:r>
             <a:endParaRPr lang="en-GB" dirty="0"/>
           </a:p>
@@ -5745,545 +5614,145 @@
         <p:spPr>
           <a:xfrm>
             <a:off x="822960" y="1845734"/>
-            <a:ext cx="3444240" cy="4023360"/>
+            <a:ext cx="8035290" cy="4023360"/>
           </a:xfrm>
         </p:spPr>
         <p:txBody>
-          <a:bodyPr/>
+          <a:bodyPr>
+            <a:normAutofit fontScale="55000" lnSpcReduction="20000"/>
+          </a:bodyPr>
           <a:lstStyle/>
           <a:p>
-            <a:pPr>
-              <a:buFont typeface="Wingdings" panose="05000000000000000000" pitchFamily="2" charset="2"/>
-              <a:buChar char="v"/>
-            </a:pPr>
-            <a:r>
-              <a:rPr lang="en-GB" dirty="0"/>
-              <a:t> </a:t>
-            </a:r>
-            <a:r>
-              <a:rPr lang="en-US" dirty="0" smtClean="0"/>
-              <a:t>Types of Control Structure</a:t>
-            </a:r>
-          </a:p>
-          <a:p>
-            <a:pPr>
-              <a:buFont typeface="Wingdings" panose="05000000000000000000" pitchFamily="2" charset="2"/>
-              <a:buChar char="v"/>
-            </a:pPr>
-            <a:r>
-              <a:rPr lang="en-US" dirty="0"/>
-              <a:t> </a:t>
-            </a:r>
-            <a:r>
-              <a:rPr lang="en-US" dirty="0" smtClean="0"/>
-              <a:t>Sequential Control</a:t>
-            </a:r>
-          </a:p>
-          <a:p>
-            <a:pPr>
-              <a:buFont typeface="Wingdings" panose="05000000000000000000" pitchFamily="2" charset="2"/>
-              <a:buChar char="v"/>
-            </a:pPr>
-            <a:r>
-              <a:rPr lang="en-US" dirty="0"/>
-              <a:t> </a:t>
-            </a:r>
-            <a:r>
-              <a:rPr lang="en-US" dirty="0" smtClean="0"/>
-              <a:t>Expression types</a:t>
-            </a:r>
-          </a:p>
-          <a:p>
-            <a:pPr>
-              <a:buFont typeface="Wingdings" panose="05000000000000000000" pitchFamily="2" charset="2"/>
-              <a:buChar char="v"/>
-            </a:pPr>
-            <a:r>
-              <a:rPr lang="en-US" dirty="0"/>
-              <a:t> </a:t>
-            </a:r>
-            <a:r>
-              <a:rPr lang="en-US" dirty="0" smtClean="0"/>
-              <a:t>Selection Control</a:t>
-            </a:r>
-          </a:p>
-          <a:p>
-            <a:pPr>
-              <a:buFont typeface="Wingdings" panose="05000000000000000000" pitchFamily="2" charset="2"/>
-              <a:buChar char="v"/>
-            </a:pPr>
-            <a:r>
-              <a:rPr lang="en-US" dirty="0"/>
-              <a:t> </a:t>
-            </a:r>
-            <a:r>
-              <a:rPr lang="en-US" dirty="0" smtClean="0"/>
-              <a:t>Unconditional-if</a:t>
-            </a:r>
-          </a:p>
-          <a:p>
-            <a:pPr>
-              <a:buFont typeface="Wingdings" panose="05000000000000000000" pitchFamily="2" charset="2"/>
-              <a:buChar char="v"/>
-            </a:pPr>
-            <a:r>
-              <a:rPr lang="en-US" dirty="0"/>
-              <a:t> </a:t>
-            </a:r>
-            <a:r>
-              <a:rPr lang="en-US" dirty="0" smtClean="0"/>
-              <a:t>Conditional-if</a:t>
-            </a:r>
-          </a:p>
-          <a:p>
-            <a:pPr>
-              <a:buFont typeface="Wingdings" panose="05000000000000000000" pitchFamily="2" charset="2"/>
-              <a:buChar char="v"/>
-            </a:pPr>
-            <a:r>
-              <a:rPr lang="en-US" dirty="0"/>
-              <a:t> </a:t>
-            </a:r>
-            <a:r>
-              <a:rPr lang="en-US" dirty="0" smtClean="0"/>
-              <a:t>Bi-conditional if</a:t>
-            </a:r>
-          </a:p>
-          <a:p>
-            <a:pPr>
-              <a:buFont typeface="Wingdings" panose="05000000000000000000" pitchFamily="2" charset="2"/>
-              <a:buChar char="v"/>
-            </a:pPr>
-            <a:r>
-              <a:rPr lang="en-US" dirty="0"/>
-              <a:t> </a:t>
-            </a:r>
-            <a:r>
-              <a:rPr lang="en-US" dirty="0" smtClean="0"/>
-              <a:t>Cascaded-if</a:t>
-            </a:r>
-          </a:p>
-          <a:p>
-            <a:pPr>
-              <a:buFont typeface="Wingdings" panose="05000000000000000000" pitchFamily="2" charset="2"/>
-              <a:buChar char="v"/>
-            </a:pPr>
-            <a:r>
-              <a:rPr lang="en-US" dirty="0"/>
-              <a:t> </a:t>
-            </a:r>
-            <a:r>
-              <a:rPr lang="en-US" dirty="0" smtClean="0"/>
-              <a:t>Nested-if</a:t>
-            </a:r>
-            <a:endParaRPr lang="en-GB" dirty="0"/>
-          </a:p>
-          <a:p>
-            <a:endParaRPr lang="en-GB" dirty="0"/>
-          </a:p>
-        </p:txBody>
-      </p:sp>
-      <p:sp>
-        <p:nvSpPr>
-          <p:cNvPr id="4" name="Content Placeholder 2">
-            <a:extLst>
-              <a:ext uri="{FF2B5EF4-FFF2-40B4-BE49-F238E27FC236}">
-                <a16:creationId xmlns:a16="http://schemas.microsoft.com/office/drawing/2014/main" id="{3AB586B9-467B-4F63-B336-2E9D19321584}"/>
-              </a:ext>
-            </a:extLst>
-          </p:cNvPr>
-          <p:cNvSpPr txBox="1">
-            <a:spLocks/>
-          </p:cNvSpPr>
-          <p:nvPr/>
-        </p:nvSpPr>
-        <p:spPr>
-          <a:xfrm>
-            <a:off x="4922520" y="1845734"/>
-            <a:ext cx="3444240" cy="4023360"/>
-          </a:xfrm>
-          <a:prstGeom prst="rect">
-            <a:avLst/>
-          </a:prstGeom>
-        </p:spPr>
-        <p:txBody>
-          <a:bodyPr vert="horz" lIns="0" tIns="45720" rIns="0" bIns="45720" rtlCol="0">
-            <a:normAutofit/>
-          </a:bodyPr>
-          <a:lstStyle>
-            <a:lvl1pPr marL="91440" indent="-91440" algn="l" defTabSz="914400" rtl="0" eaLnBrk="1" latinLnBrk="0" hangingPunct="1">
-              <a:lnSpc>
-                <a:spcPct val="90000"/>
-              </a:lnSpc>
-              <a:spcBef>
-                <a:spcPts val="1200"/>
-              </a:spcBef>
-              <a:spcAft>
-                <a:spcPts val="200"/>
-              </a:spcAft>
-              <a:buClr>
-                <a:schemeClr val="accent1"/>
-              </a:buClr>
-              <a:buSzPct val="100000"/>
-              <a:buFont typeface="Calibri" panose="020F0502020204030204" pitchFamily="34" charset="0"/>
-              <a:buChar char=" "/>
-              <a:defRPr sz="2000" kern="1200">
-                <a:solidFill>
-                  <a:schemeClr val="tx1">
-                    <a:lumMod val="75000"/>
-                    <a:lumOff val="25000"/>
-                  </a:schemeClr>
-                </a:solidFill>
-                <a:latin typeface="+mn-lt"/>
-                <a:ea typeface="+mn-ea"/>
-                <a:cs typeface="+mn-cs"/>
-              </a:defRPr>
-            </a:lvl1pPr>
-            <a:lvl2pPr marL="384048" indent="-182880" algn="l" defTabSz="914400" rtl="0" eaLnBrk="1" latinLnBrk="0" hangingPunct="1">
-              <a:lnSpc>
-                <a:spcPct val="90000"/>
-              </a:lnSpc>
-              <a:spcBef>
-                <a:spcPts val="200"/>
-              </a:spcBef>
-              <a:spcAft>
-                <a:spcPts val="400"/>
-              </a:spcAft>
-              <a:buClr>
-                <a:schemeClr val="accent1"/>
-              </a:buClr>
-              <a:buFont typeface="Calibri" pitchFamily="34" charset="0"/>
-              <a:buChar char="◦"/>
-              <a:defRPr sz="1800" kern="1200">
-                <a:solidFill>
-                  <a:schemeClr val="tx1">
-                    <a:lumMod val="75000"/>
-                    <a:lumOff val="25000"/>
-                  </a:schemeClr>
-                </a:solidFill>
-                <a:latin typeface="+mn-lt"/>
-                <a:ea typeface="+mn-ea"/>
-                <a:cs typeface="+mn-cs"/>
-              </a:defRPr>
-            </a:lvl2pPr>
-            <a:lvl3pPr marL="566928" indent="-182880" algn="l" defTabSz="914400" rtl="0" eaLnBrk="1" latinLnBrk="0" hangingPunct="1">
-              <a:lnSpc>
-                <a:spcPct val="90000"/>
-              </a:lnSpc>
-              <a:spcBef>
-                <a:spcPts val="200"/>
-              </a:spcBef>
-              <a:spcAft>
-                <a:spcPts val="400"/>
-              </a:spcAft>
-              <a:buClr>
-                <a:schemeClr val="accent1"/>
-              </a:buClr>
-              <a:buFont typeface="Calibri" pitchFamily="34" charset="0"/>
-              <a:buChar char="◦"/>
-              <a:defRPr sz="1400" kern="1200">
-                <a:solidFill>
-                  <a:schemeClr val="tx1">
-                    <a:lumMod val="75000"/>
-                    <a:lumOff val="25000"/>
-                  </a:schemeClr>
-                </a:solidFill>
-                <a:latin typeface="+mn-lt"/>
-                <a:ea typeface="+mn-ea"/>
-                <a:cs typeface="+mn-cs"/>
-              </a:defRPr>
-            </a:lvl3pPr>
-            <a:lvl4pPr marL="749808" indent="-182880" algn="l" defTabSz="914400" rtl="0" eaLnBrk="1" latinLnBrk="0" hangingPunct="1">
-              <a:lnSpc>
-                <a:spcPct val="90000"/>
-              </a:lnSpc>
-              <a:spcBef>
-                <a:spcPts val="200"/>
-              </a:spcBef>
-              <a:spcAft>
-                <a:spcPts val="400"/>
-              </a:spcAft>
-              <a:buClr>
-                <a:schemeClr val="accent1"/>
-              </a:buClr>
-              <a:buFont typeface="Calibri" pitchFamily="34" charset="0"/>
-              <a:buChar char="◦"/>
-              <a:defRPr sz="1400" kern="1200">
-                <a:solidFill>
-                  <a:schemeClr val="tx1">
-                    <a:lumMod val="75000"/>
-                    <a:lumOff val="25000"/>
-                  </a:schemeClr>
-                </a:solidFill>
-                <a:latin typeface="+mn-lt"/>
-                <a:ea typeface="+mn-ea"/>
-                <a:cs typeface="+mn-cs"/>
-              </a:defRPr>
-            </a:lvl4pPr>
-            <a:lvl5pPr marL="932688" indent="-182880" algn="l" defTabSz="914400" rtl="0" eaLnBrk="1" latinLnBrk="0" hangingPunct="1">
-              <a:lnSpc>
-                <a:spcPct val="90000"/>
-              </a:lnSpc>
-              <a:spcBef>
-                <a:spcPts val="200"/>
-              </a:spcBef>
-              <a:spcAft>
-                <a:spcPts val="400"/>
-              </a:spcAft>
-              <a:buClr>
-                <a:schemeClr val="accent1"/>
-              </a:buClr>
-              <a:buFont typeface="Calibri" pitchFamily="34" charset="0"/>
-              <a:buChar char="◦"/>
-              <a:defRPr sz="1400" kern="1200">
-                <a:solidFill>
-                  <a:schemeClr val="tx1">
-                    <a:lumMod val="75000"/>
-                    <a:lumOff val="25000"/>
-                  </a:schemeClr>
-                </a:solidFill>
-                <a:latin typeface="+mn-lt"/>
-                <a:ea typeface="+mn-ea"/>
-                <a:cs typeface="+mn-cs"/>
-              </a:defRPr>
-            </a:lvl5pPr>
-            <a:lvl6pPr marL="1100000" indent="-228600" algn="l" defTabSz="914400" rtl="0" eaLnBrk="1" latinLnBrk="0" hangingPunct="1">
-              <a:lnSpc>
-                <a:spcPct val="90000"/>
-              </a:lnSpc>
-              <a:spcBef>
-                <a:spcPts val="200"/>
-              </a:spcBef>
-              <a:spcAft>
-                <a:spcPts val="400"/>
-              </a:spcAft>
-              <a:buClr>
-                <a:schemeClr val="accent1"/>
-              </a:buClr>
-              <a:buFont typeface="Calibri" pitchFamily="34" charset="0"/>
-              <a:buChar char="◦"/>
-              <a:defRPr sz="1400" kern="1200">
-                <a:solidFill>
-                  <a:schemeClr val="tx1">
-                    <a:lumMod val="75000"/>
-                    <a:lumOff val="25000"/>
-                  </a:schemeClr>
-                </a:solidFill>
-                <a:latin typeface="+mn-lt"/>
-                <a:ea typeface="+mn-ea"/>
-                <a:cs typeface="+mn-cs"/>
-              </a:defRPr>
-            </a:lvl6pPr>
-            <a:lvl7pPr marL="1300000" indent="-228600" algn="l" defTabSz="914400" rtl="0" eaLnBrk="1" latinLnBrk="0" hangingPunct="1">
-              <a:lnSpc>
-                <a:spcPct val="90000"/>
-              </a:lnSpc>
-              <a:spcBef>
-                <a:spcPts val="200"/>
-              </a:spcBef>
-              <a:spcAft>
-                <a:spcPts val="400"/>
-              </a:spcAft>
-              <a:buClr>
-                <a:schemeClr val="accent1"/>
-              </a:buClr>
-              <a:buFont typeface="Calibri" pitchFamily="34" charset="0"/>
-              <a:buChar char="◦"/>
-              <a:defRPr sz="1400" kern="1200">
-                <a:solidFill>
-                  <a:schemeClr val="tx1">
-                    <a:lumMod val="75000"/>
-                    <a:lumOff val="25000"/>
-                  </a:schemeClr>
-                </a:solidFill>
-                <a:latin typeface="+mn-lt"/>
-                <a:ea typeface="+mn-ea"/>
-                <a:cs typeface="+mn-cs"/>
-              </a:defRPr>
-            </a:lvl7pPr>
-            <a:lvl8pPr marL="1500000" indent="-228600" algn="l" defTabSz="914400" rtl="0" eaLnBrk="1" latinLnBrk="0" hangingPunct="1">
-              <a:lnSpc>
-                <a:spcPct val="90000"/>
-              </a:lnSpc>
-              <a:spcBef>
-                <a:spcPts val="200"/>
-              </a:spcBef>
-              <a:spcAft>
-                <a:spcPts val="400"/>
-              </a:spcAft>
-              <a:buClr>
-                <a:schemeClr val="accent1"/>
-              </a:buClr>
-              <a:buFont typeface="Calibri" pitchFamily="34" charset="0"/>
-              <a:buChar char="◦"/>
-              <a:defRPr sz="1400" kern="1200">
-                <a:solidFill>
-                  <a:schemeClr val="tx1">
-                    <a:lumMod val="75000"/>
-                    <a:lumOff val="25000"/>
-                  </a:schemeClr>
-                </a:solidFill>
-                <a:latin typeface="+mn-lt"/>
-                <a:ea typeface="+mn-ea"/>
-                <a:cs typeface="+mn-cs"/>
-              </a:defRPr>
-            </a:lvl8pPr>
-            <a:lvl9pPr marL="1700000" indent="-228600" algn="l" defTabSz="914400" rtl="0" eaLnBrk="1" latinLnBrk="0" hangingPunct="1">
-              <a:lnSpc>
-                <a:spcPct val="90000"/>
-              </a:lnSpc>
-              <a:spcBef>
-                <a:spcPts val="200"/>
-              </a:spcBef>
-              <a:spcAft>
-                <a:spcPts val="400"/>
-              </a:spcAft>
-              <a:buClr>
-                <a:schemeClr val="accent1"/>
-              </a:buClr>
-              <a:buFont typeface="Calibri" pitchFamily="34" charset="0"/>
-              <a:buChar char="◦"/>
-              <a:defRPr sz="1400" kern="1200">
-                <a:solidFill>
-                  <a:schemeClr val="tx1">
-                    <a:lumMod val="75000"/>
-                    <a:lumOff val="25000"/>
-                  </a:schemeClr>
-                </a:solidFill>
-                <a:latin typeface="+mn-lt"/>
-                <a:ea typeface="+mn-ea"/>
-                <a:cs typeface="+mn-cs"/>
-              </a:defRPr>
-            </a:lvl9pPr>
-          </a:lstStyle>
-          <a:p>
-            <a:pPr>
-              <a:buFont typeface="Wingdings" panose="05000000000000000000" pitchFamily="2" charset="2"/>
-              <a:buChar char="v"/>
-            </a:pPr>
-            <a:r>
-              <a:rPr lang="en-GB" dirty="0" smtClean="0"/>
-              <a:t> </a:t>
-            </a:r>
-            <a:r>
-              <a:rPr lang="en-US" dirty="0" smtClean="0"/>
-              <a:t>Switch-statements</a:t>
-            </a:r>
-          </a:p>
-          <a:p>
-            <a:pPr>
-              <a:buFont typeface="Wingdings" panose="05000000000000000000" pitchFamily="2" charset="2"/>
-              <a:buChar char="v"/>
-            </a:pPr>
-            <a:r>
-              <a:rPr lang="en-US" dirty="0"/>
-              <a:t> </a:t>
-            </a:r>
-            <a:r>
-              <a:rPr lang="en-US" dirty="0" smtClean="0"/>
-              <a:t>Iteration Control</a:t>
-            </a:r>
-          </a:p>
-          <a:p>
-            <a:pPr>
-              <a:buFont typeface="Wingdings" panose="05000000000000000000" pitchFamily="2" charset="2"/>
-              <a:buChar char="v"/>
-            </a:pPr>
-            <a:r>
-              <a:rPr lang="en-US" dirty="0"/>
-              <a:t> </a:t>
-            </a:r>
-            <a:r>
-              <a:rPr lang="en-US" dirty="0" smtClean="0"/>
-              <a:t>Types of loops</a:t>
-            </a:r>
-          </a:p>
-          <a:p>
-            <a:pPr>
-              <a:buFont typeface="Wingdings" panose="05000000000000000000" pitchFamily="2" charset="2"/>
-              <a:buChar char="v"/>
-            </a:pPr>
-            <a:r>
-              <a:rPr lang="en-US" dirty="0"/>
-              <a:t> </a:t>
-            </a:r>
-            <a:r>
-              <a:rPr lang="en-US" dirty="0" smtClean="0"/>
-              <a:t>While</a:t>
-            </a:r>
-          </a:p>
-          <a:p>
-            <a:pPr>
-              <a:buFont typeface="Wingdings" panose="05000000000000000000" pitchFamily="2" charset="2"/>
-              <a:buChar char="v"/>
-            </a:pPr>
-            <a:r>
-              <a:rPr lang="en-US" dirty="0"/>
-              <a:t> </a:t>
-            </a:r>
-            <a:r>
-              <a:rPr lang="en-US" dirty="0" smtClean="0"/>
-              <a:t>do-while</a:t>
-            </a:r>
-          </a:p>
-          <a:p>
-            <a:pPr>
-              <a:buFont typeface="Wingdings" panose="05000000000000000000" pitchFamily="2" charset="2"/>
-              <a:buChar char="v"/>
-            </a:pPr>
-            <a:r>
-              <a:rPr lang="en-US" dirty="0"/>
-              <a:t> </a:t>
-            </a:r>
-            <a:r>
-              <a:rPr lang="en-US" dirty="0" smtClean="0"/>
-              <a:t>for-loop</a:t>
-            </a:r>
-          </a:p>
-          <a:p>
-            <a:pPr>
-              <a:buFont typeface="Wingdings" panose="05000000000000000000" pitchFamily="2" charset="2"/>
-              <a:buChar char="v"/>
-            </a:pPr>
-            <a:r>
-              <a:rPr lang="en-US" dirty="0"/>
-              <a:t> </a:t>
-            </a:r>
-            <a:r>
-              <a:rPr lang="en-US" dirty="0" smtClean="0"/>
-              <a:t>Nested-Loops</a:t>
-            </a:r>
-          </a:p>
-          <a:p>
-            <a:pPr>
-              <a:buFont typeface="Wingdings" panose="05000000000000000000" pitchFamily="2" charset="2"/>
-              <a:buChar char="v"/>
-            </a:pPr>
-            <a:r>
-              <a:rPr lang="en-US" dirty="0"/>
-              <a:t> </a:t>
-            </a:r>
-            <a:r>
-              <a:rPr lang="en-US" dirty="0" smtClean="0"/>
-              <a:t>Arrays</a:t>
-            </a:r>
-          </a:p>
-          <a:p>
-            <a:pPr>
-              <a:buFont typeface="Wingdings" panose="05000000000000000000" pitchFamily="2" charset="2"/>
-              <a:buChar char="v"/>
-            </a:pPr>
-            <a:r>
-              <a:rPr lang="en-US"/>
-              <a:t> </a:t>
-            </a:r>
-            <a:r>
-              <a:rPr lang="en-US" smtClean="0"/>
-              <a:t>Exercises</a:t>
-            </a:r>
-            <a:endParaRPr lang="en-GB" dirty="0" smtClean="0"/>
-          </a:p>
-          <a:p>
+            <a:pPr marL="0" indent="0">
+              <a:buNone/>
+            </a:pPr>
+            <a:r>
+              <a:rPr lang="en-US" sz="2800" dirty="0"/>
+              <a:t>public class Selection{</a:t>
+            </a:r>
+          </a:p>
+          <a:p>
+            <a:pPr marL="0" indent="0">
+              <a:buNone/>
+            </a:pPr>
+            <a:r>
+              <a:rPr lang="en-US" sz="2800" dirty="0"/>
+              <a:t>    public static void main (String[] a){</a:t>
+            </a:r>
+          </a:p>
+          <a:p>
+            <a:pPr marL="0" indent="0">
+              <a:buNone/>
+            </a:pPr>
+            <a:r>
+              <a:rPr lang="en-US" sz="2800" dirty="0"/>
+              <a:t>        int A=5; //  A is going to be temperature in degrees C</a:t>
+            </a:r>
+          </a:p>
+          <a:p>
+            <a:pPr marL="0" indent="0">
+              <a:buNone/>
+            </a:pPr>
+            <a:r>
+              <a:rPr lang="en-US" sz="2800" dirty="0"/>
+              <a:t>        if(A==0){</a:t>
+            </a:r>
+          </a:p>
+          <a:p>
+            <a:pPr marL="0" indent="0">
+              <a:buNone/>
+            </a:pPr>
+            <a:r>
+              <a:rPr lang="en-US" sz="2800" dirty="0"/>
+              <a:t>            </a:t>
+            </a:r>
+            <a:r>
+              <a:rPr lang="en-US" sz="2800" dirty="0" err="1"/>
+              <a:t>System.out.println</a:t>
+            </a:r>
+            <a:r>
+              <a:rPr lang="en-US" sz="2800" dirty="0"/>
+              <a:t>( " Freezing! " ); //</a:t>
+            </a:r>
+          </a:p>
+          <a:p>
+            <a:pPr marL="0" indent="0">
+              <a:buNone/>
+            </a:pPr>
+            <a:r>
+              <a:rPr lang="en-US" sz="2800" dirty="0"/>
+              <a:t>        }else if(A&lt;0){</a:t>
+            </a:r>
+          </a:p>
+          <a:p>
+            <a:pPr marL="0" indent="0">
+              <a:buNone/>
+            </a:pPr>
+            <a:r>
+              <a:rPr lang="en-US" sz="2800" dirty="0"/>
+              <a:t>            </a:t>
+            </a:r>
+            <a:r>
+              <a:rPr lang="en-US" sz="2800" dirty="0" err="1"/>
+              <a:t>System.out.println</a:t>
+            </a:r>
+            <a:r>
+              <a:rPr lang="en-US" sz="2800" dirty="0"/>
+              <a:t>( " Sub Zero " ); //</a:t>
+            </a:r>
+          </a:p>
+          <a:p>
+            <a:pPr marL="0" indent="0">
+              <a:buNone/>
+            </a:pPr>
+            <a:r>
+              <a:rPr lang="en-US" sz="2800" dirty="0"/>
+              <a:t>        }else{</a:t>
+            </a:r>
+          </a:p>
+          <a:p>
+            <a:pPr marL="0" indent="0">
+              <a:buNone/>
+            </a:pPr>
+            <a:r>
+              <a:rPr lang="en-US" sz="2800" dirty="0"/>
+              <a:t>            </a:t>
+            </a:r>
+            <a:r>
+              <a:rPr lang="en-US" sz="2800" dirty="0" err="1"/>
+              <a:t>System.out.println</a:t>
+            </a:r>
+            <a:r>
+              <a:rPr lang="en-US" sz="2800" dirty="0"/>
+              <a:t>( " Above zero " );</a:t>
+            </a:r>
+          </a:p>
+          <a:p>
+            <a:pPr marL="0" indent="0">
+              <a:buNone/>
+            </a:pPr>
+            <a:r>
+              <a:rPr lang="en-US" sz="2800" dirty="0"/>
+              <a:t>        }</a:t>
+            </a:r>
+          </a:p>
+          <a:p>
+            <a:pPr marL="0" indent="0">
+              <a:buNone/>
+            </a:pPr>
+            <a:r>
+              <a:rPr lang="en-US" sz="2800" dirty="0"/>
+              <a:t>    }</a:t>
+            </a:r>
+          </a:p>
+          <a:p>
+            <a:pPr marL="0" indent="0">
+              <a:buNone/>
+            </a:pPr>
+            <a:r>
+              <a:rPr lang="en-US" sz="2800" dirty="0"/>
+              <a:t>}</a:t>
+            </a:r>
             <a:endParaRPr lang="en-GB" dirty="0"/>
           </a:p>
         </p:txBody>
@@ -6291,7 +5760,7 @@
     </p:spTree>
     <p:extLst>
       <p:ext uri="{BB962C8B-B14F-4D97-AF65-F5344CB8AC3E}">
-        <p14:creationId xmlns:p14="http://schemas.microsoft.com/office/powerpoint/2010/main" val="3169508725"/>
+        <p14:creationId xmlns:p14="http://schemas.microsoft.com/office/powerpoint/2010/main" val="1917498381"/>
       </p:ext>
     </p:extLst>
   </p:cSld>
@@ -6340,8 +5809,8 @@
           <a:lstStyle/>
           <a:p>
             <a:r>
-              <a:rPr lang="en-GB" dirty="0" smtClean="0"/>
-              <a:t>Iteration (Loop) control</a:t>
+              <a:rPr lang="en-US" dirty="0"/>
+              <a:t>Switch cascade example</a:t>
             </a:r>
             <a:endParaRPr lang="en-GB" dirty="0"/>
           </a:p>
@@ -6366,545 +5835,145 @@
         <p:spPr>
           <a:xfrm>
             <a:off x="822960" y="1845734"/>
-            <a:ext cx="3444240" cy="4023360"/>
+            <a:ext cx="8035290" cy="4023360"/>
           </a:xfrm>
         </p:spPr>
         <p:txBody>
-          <a:bodyPr/>
+          <a:bodyPr>
+            <a:normAutofit fontScale="55000" lnSpcReduction="20000"/>
+          </a:bodyPr>
           <a:lstStyle/>
           <a:p>
-            <a:pPr>
-              <a:buFont typeface="Wingdings" panose="05000000000000000000" pitchFamily="2" charset="2"/>
-              <a:buChar char="v"/>
-            </a:pPr>
-            <a:r>
-              <a:rPr lang="en-GB" dirty="0"/>
-              <a:t> </a:t>
-            </a:r>
-            <a:r>
-              <a:rPr lang="en-US" dirty="0" smtClean="0"/>
-              <a:t>Types of Control Structure</a:t>
-            </a:r>
-          </a:p>
-          <a:p>
-            <a:pPr>
-              <a:buFont typeface="Wingdings" panose="05000000000000000000" pitchFamily="2" charset="2"/>
-              <a:buChar char="v"/>
-            </a:pPr>
-            <a:r>
-              <a:rPr lang="en-US" dirty="0"/>
-              <a:t> </a:t>
-            </a:r>
-            <a:r>
-              <a:rPr lang="en-US" dirty="0" smtClean="0"/>
-              <a:t>Sequential Control</a:t>
-            </a:r>
-          </a:p>
-          <a:p>
-            <a:pPr>
-              <a:buFont typeface="Wingdings" panose="05000000000000000000" pitchFamily="2" charset="2"/>
-              <a:buChar char="v"/>
-            </a:pPr>
-            <a:r>
-              <a:rPr lang="en-US" dirty="0"/>
-              <a:t> </a:t>
-            </a:r>
-            <a:r>
-              <a:rPr lang="en-US" dirty="0" smtClean="0"/>
-              <a:t>Expression types</a:t>
-            </a:r>
-          </a:p>
-          <a:p>
-            <a:pPr>
-              <a:buFont typeface="Wingdings" panose="05000000000000000000" pitchFamily="2" charset="2"/>
-              <a:buChar char="v"/>
-            </a:pPr>
-            <a:r>
-              <a:rPr lang="en-US" dirty="0"/>
-              <a:t> </a:t>
-            </a:r>
-            <a:r>
-              <a:rPr lang="en-US" dirty="0" smtClean="0"/>
-              <a:t>Selection Control</a:t>
-            </a:r>
-          </a:p>
-          <a:p>
-            <a:pPr>
-              <a:buFont typeface="Wingdings" panose="05000000000000000000" pitchFamily="2" charset="2"/>
-              <a:buChar char="v"/>
-            </a:pPr>
-            <a:r>
-              <a:rPr lang="en-US" dirty="0"/>
-              <a:t> </a:t>
-            </a:r>
-            <a:r>
-              <a:rPr lang="en-US" dirty="0" smtClean="0"/>
-              <a:t>Unconditional-if</a:t>
-            </a:r>
-          </a:p>
-          <a:p>
-            <a:pPr>
-              <a:buFont typeface="Wingdings" panose="05000000000000000000" pitchFamily="2" charset="2"/>
-              <a:buChar char="v"/>
-            </a:pPr>
-            <a:r>
-              <a:rPr lang="en-US" dirty="0"/>
-              <a:t> </a:t>
-            </a:r>
-            <a:r>
-              <a:rPr lang="en-US" dirty="0" smtClean="0"/>
-              <a:t>Conditional-if</a:t>
-            </a:r>
-          </a:p>
-          <a:p>
-            <a:pPr>
-              <a:buFont typeface="Wingdings" panose="05000000000000000000" pitchFamily="2" charset="2"/>
-              <a:buChar char="v"/>
-            </a:pPr>
-            <a:r>
-              <a:rPr lang="en-US" dirty="0"/>
-              <a:t> </a:t>
-            </a:r>
-            <a:r>
-              <a:rPr lang="en-US" dirty="0" smtClean="0"/>
-              <a:t>Bi-conditional if</a:t>
-            </a:r>
-          </a:p>
-          <a:p>
-            <a:pPr>
-              <a:buFont typeface="Wingdings" panose="05000000000000000000" pitchFamily="2" charset="2"/>
-              <a:buChar char="v"/>
-            </a:pPr>
-            <a:r>
-              <a:rPr lang="en-US" dirty="0"/>
-              <a:t> </a:t>
-            </a:r>
-            <a:r>
-              <a:rPr lang="en-US" dirty="0" smtClean="0"/>
-              <a:t>Cascaded-if</a:t>
-            </a:r>
-          </a:p>
-          <a:p>
-            <a:pPr>
-              <a:buFont typeface="Wingdings" panose="05000000000000000000" pitchFamily="2" charset="2"/>
-              <a:buChar char="v"/>
-            </a:pPr>
-            <a:r>
-              <a:rPr lang="en-US" dirty="0"/>
-              <a:t> </a:t>
-            </a:r>
-            <a:r>
-              <a:rPr lang="en-US" dirty="0" smtClean="0"/>
-              <a:t>Nested-if</a:t>
-            </a:r>
-            <a:endParaRPr lang="en-GB" dirty="0"/>
-          </a:p>
-          <a:p>
-            <a:endParaRPr lang="en-GB" dirty="0"/>
-          </a:p>
-        </p:txBody>
-      </p:sp>
-      <p:sp>
-        <p:nvSpPr>
-          <p:cNvPr id="4" name="Content Placeholder 2">
-            <a:extLst>
-              <a:ext uri="{FF2B5EF4-FFF2-40B4-BE49-F238E27FC236}">
-                <a16:creationId xmlns:a16="http://schemas.microsoft.com/office/drawing/2014/main" id="{3AB586B9-467B-4F63-B336-2E9D19321584}"/>
-              </a:ext>
-            </a:extLst>
-          </p:cNvPr>
-          <p:cNvSpPr txBox="1">
-            <a:spLocks/>
-          </p:cNvSpPr>
-          <p:nvPr/>
-        </p:nvSpPr>
-        <p:spPr>
-          <a:xfrm>
-            <a:off x="4922520" y="1845734"/>
-            <a:ext cx="3444240" cy="4023360"/>
-          </a:xfrm>
-          <a:prstGeom prst="rect">
-            <a:avLst/>
-          </a:prstGeom>
-        </p:spPr>
-        <p:txBody>
-          <a:bodyPr vert="horz" lIns="0" tIns="45720" rIns="0" bIns="45720" rtlCol="0">
-            <a:normAutofit/>
-          </a:bodyPr>
-          <a:lstStyle>
-            <a:lvl1pPr marL="91440" indent="-91440" algn="l" defTabSz="914400" rtl="0" eaLnBrk="1" latinLnBrk="0" hangingPunct="1">
-              <a:lnSpc>
-                <a:spcPct val="90000"/>
-              </a:lnSpc>
-              <a:spcBef>
-                <a:spcPts val="1200"/>
-              </a:spcBef>
-              <a:spcAft>
-                <a:spcPts val="200"/>
-              </a:spcAft>
-              <a:buClr>
-                <a:schemeClr val="accent1"/>
-              </a:buClr>
-              <a:buSzPct val="100000"/>
-              <a:buFont typeface="Calibri" panose="020F0502020204030204" pitchFamily="34" charset="0"/>
-              <a:buChar char=" "/>
-              <a:defRPr sz="2000" kern="1200">
-                <a:solidFill>
-                  <a:schemeClr val="tx1">
-                    <a:lumMod val="75000"/>
-                    <a:lumOff val="25000"/>
-                  </a:schemeClr>
-                </a:solidFill>
-                <a:latin typeface="+mn-lt"/>
-                <a:ea typeface="+mn-ea"/>
-                <a:cs typeface="+mn-cs"/>
-              </a:defRPr>
-            </a:lvl1pPr>
-            <a:lvl2pPr marL="384048" indent="-182880" algn="l" defTabSz="914400" rtl="0" eaLnBrk="1" latinLnBrk="0" hangingPunct="1">
-              <a:lnSpc>
-                <a:spcPct val="90000"/>
-              </a:lnSpc>
-              <a:spcBef>
-                <a:spcPts val="200"/>
-              </a:spcBef>
-              <a:spcAft>
-                <a:spcPts val="400"/>
-              </a:spcAft>
-              <a:buClr>
-                <a:schemeClr val="accent1"/>
-              </a:buClr>
-              <a:buFont typeface="Calibri" pitchFamily="34" charset="0"/>
-              <a:buChar char="◦"/>
-              <a:defRPr sz="1800" kern="1200">
-                <a:solidFill>
-                  <a:schemeClr val="tx1">
-                    <a:lumMod val="75000"/>
-                    <a:lumOff val="25000"/>
-                  </a:schemeClr>
-                </a:solidFill>
-                <a:latin typeface="+mn-lt"/>
-                <a:ea typeface="+mn-ea"/>
-                <a:cs typeface="+mn-cs"/>
-              </a:defRPr>
-            </a:lvl2pPr>
-            <a:lvl3pPr marL="566928" indent="-182880" algn="l" defTabSz="914400" rtl="0" eaLnBrk="1" latinLnBrk="0" hangingPunct="1">
-              <a:lnSpc>
-                <a:spcPct val="90000"/>
-              </a:lnSpc>
-              <a:spcBef>
-                <a:spcPts val="200"/>
-              </a:spcBef>
-              <a:spcAft>
-                <a:spcPts val="400"/>
-              </a:spcAft>
-              <a:buClr>
-                <a:schemeClr val="accent1"/>
-              </a:buClr>
-              <a:buFont typeface="Calibri" pitchFamily="34" charset="0"/>
-              <a:buChar char="◦"/>
-              <a:defRPr sz="1400" kern="1200">
-                <a:solidFill>
-                  <a:schemeClr val="tx1">
-                    <a:lumMod val="75000"/>
-                    <a:lumOff val="25000"/>
-                  </a:schemeClr>
-                </a:solidFill>
-                <a:latin typeface="+mn-lt"/>
-                <a:ea typeface="+mn-ea"/>
-                <a:cs typeface="+mn-cs"/>
-              </a:defRPr>
-            </a:lvl3pPr>
-            <a:lvl4pPr marL="749808" indent="-182880" algn="l" defTabSz="914400" rtl="0" eaLnBrk="1" latinLnBrk="0" hangingPunct="1">
-              <a:lnSpc>
-                <a:spcPct val="90000"/>
-              </a:lnSpc>
-              <a:spcBef>
-                <a:spcPts val="200"/>
-              </a:spcBef>
-              <a:spcAft>
-                <a:spcPts val="400"/>
-              </a:spcAft>
-              <a:buClr>
-                <a:schemeClr val="accent1"/>
-              </a:buClr>
-              <a:buFont typeface="Calibri" pitchFamily="34" charset="0"/>
-              <a:buChar char="◦"/>
-              <a:defRPr sz="1400" kern="1200">
-                <a:solidFill>
-                  <a:schemeClr val="tx1">
-                    <a:lumMod val="75000"/>
-                    <a:lumOff val="25000"/>
-                  </a:schemeClr>
-                </a:solidFill>
-                <a:latin typeface="+mn-lt"/>
-                <a:ea typeface="+mn-ea"/>
-                <a:cs typeface="+mn-cs"/>
-              </a:defRPr>
-            </a:lvl4pPr>
-            <a:lvl5pPr marL="932688" indent="-182880" algn="l" defTabSz="914400" rtl="0" eaLnBrk="1" latinLnBrk="0" hangingPunct="1">
-              <a:lnSpc>
-                <a:spcPct val="90000"/>
-              </a:lnSpc>
-              <a:spcBef>
-                <a:spcPts val="200"/>
-              </a:spcBef>
-              <a:spcAft>
-                <a:spcPts val="400"/>
-              </a:spcAft>
-              <a:buClr>
-                <a:schemeClr val="accent1"/>
-              </a:buClr>
-              <a:buFont typeface="Calibri" pitchFamily="34" charset="0"/>
-              <a:buChar char="◦"/>
-              <a:defRPr sz="1400" kern="1200">
-                <a:solidFill>
-                  <a:schemeClr val="tx1">
-                    <a:lumMod val="75000"/>
-                    <a:lumOff val="25000"/>
-                  </a:schemeClr>
-                </a:solidFill>
-                <a:latin typeface="+mn-lt"/>
-                <a:ea typeface="+mn-ea"/>
-                <a:cs typeface="+mn-cs"/>
-              </a:defRPr>
-            </a:lvl5pPr>
-            <a:lvl6pPr marL="1100000" indent="-228600" algn="l" defTabSz="914400" rtl="0" eaLnBrk="1" latinLnBrk="0" hangingPunct="1">
-              <a:lnSpc>
-                <a:spcPct val="90000"/>
-              </a:lnSpc>
-              <a:spcBef>
-                <a:spcPts val="200"/>
-              </a:spcBef>
-              <a:spcAft>
-                <a:spcPts val="400"/>
-              </a:spcAft>
-              <a:buClr>
-                <a:schemeClr val="accent1"/>
-              </a:buClr>
-              <a:buFont typeface="Calibri" pitchFamily="34" charset="0"/>
-              <a:buChar char="◦"/>
-              <a:defRPr sz="1400" kern="1200">
-                <a:solidFill>
-                  <a:schemeClr val="tx1">
-                    <a:lumMod val="75000"/>
-                    <a:lumOff val="25000"/>
-                  </a:schemeClr>
-                </a:solidFill>
-                <a:latin typeface="+mn-lt"/>
-                <a:ea typeface="+mn-ea"/>
-                <a:cs typeface="+mn-cs"/>
-              </a:defRPr>
-            </a:lvl6pPr>
-            <a:lvl7pPr marL="1300000" indent="-228600" algn="l" defTabSz="914400" rtl="0" eaLnBrk="1" latinLnBrk="0" hangingPunct="1">
-              <a:lnSpc>
-                <a:spcPct val="90000"/>
-              </a:lnSpc>
-              <a:spcBef>
-                <a:spcPts val="200"/>
-              </a:spcBef>
-              <a:spcAft>
-                <a:spcPts val="400"/>
-              </a:spcAft>
-              <a:buClr>
-                <a:schemeClr val="accent1"/>
-              </a:buClr>
-              <a:buFont typeface="Calibri" pitchFamily="34" charset="0"/>
-              <a:buChar char="◦"/>
-              <a:defRPr sz="1400" kern="1200">
-                <a:solidFill>
-                  <a:schemeClr val="tx1">
-                    <a:lumMod val="75000"/>
-                    <a:lumOff val="25000"/>
-                  </a:schemeClr>
-                </a:solidFill>
-                <a:latin typeface="+mn-lt"/>
-                <a:ea typeface="+mn-ea"/>
-                <a:cs typeface="+mn-cs"/>
-              </a:defRPr>
-            </a:lvl7pPr>
-            <a:lvl8pPr marL="1500000" indent="-228600" algn="l" defTabSz="914400" rtl="0" eaLnBrk="1" latinLnBrk="0" hangingPunct="1">
-              <a:lnSpc>
-                <a:spcPct val="90000"/>
-              </a:lnSpc>
-              <a:spcBef>
-                <a:spcPts val="200"/>
-              </a:spcBef>
-              <a:spcAft>
-                <a:spcPts val="400"/>
-              </a:spcAft>
-              <a:buClr>
-                <a:schemeClr val="accent1"/>
-              </a:buClr>
-              <a:buFont typeface="Calibri" pitchFamily="34" charset="0"/>
-              <a:buChar char="◦"/>
-              <a:defRPr sz="1400" kern="1200">
-                <a:solidFill>
-                  <a:schemeClr val="tx1">
-                    <a:lumMod val="75000"/>
-                    <a:lumOff val="25000"/>
-                  </a:schemeClr>
-                </a:solidFill>
-                <a:latin typeface="+mn-lt"/>
-                <a:ea typeface="+mn-ea"/>
-                <a:cs typeface="+mn-cs"/>
-              </a:defRPr>
-            </a:lvl8pPr>
-            <a:lvl9pPr marL="1700000" indent="-228600" algn="l" defTabSz="914400" rtl="0" eaLnBrk="1" latinLnBrk="0" hangingPunct="1">
-              <a:lnSpc>
-                <a:spcPct val="90000"/>
-              </a:lnSpc>
-              <a:spcBef>
-                <a:spcPts val="200"/>
-              </a:spcBef>
-              <a:spcAft>
-                <a:spcPts val="400"/>
-              </a:spcAft>
-              <a:buClr>
-                <a:schemeClr val="accent1"/>
-              </a:buClr>
-              <a:buFont typeface="Calibri" pitchFamily="34" charset="0"/>
-              <a:buChar char="◦"/>
-              <a:defRPr sz="1400" kern="1200">
-                <a:solidFill>
-                  <a:schemeClr val="tx1">
-                    <a:lumMod val="75000"/>
-                    <a:lumOff val="25000"/>
-                  </a:schemeClr>
-                </a:solidFill>
-                <a:latin typeface="+mn-lt"/>
-                <a:ea typeface="+mn-ea"/>
-                <a:cs typeface="+mn-cs"/>
-              </a:defRPr>
-            </a:lvl9pPr>
-          </a:lstStyle>
-          <a:p>
-            <a:pPr>
-              <a:buFont typeface="Wingdings" panose="05000000000000000000" pitchFamily="2" charset="2"/>
-              <a:buChar char="v"/>
-            </a:pPr>
-            <a:r>
-              <a:rPr lang="en-GB" dirty="0" smtClean="0"/>
-              <a:t> </a:t>
-            </a:r>
-            <a:r>
-              <a:rPr lang="en-US" dirty="0" smtClean="0"/>
-              <a:t>Switch-statements</a:t>
-            </a:r>
-          </a:p>
-          <a:p>
-            <a:pPr>
-              <a:buFont typeface="Wingdings" panose="05000000000000000000" pitchFamily="2" charset="2"/>
-              <a:buChar char="v"/>
-            </a:pPr>
-            <a:r>
-              <a:rPr lang="en-US" dirty="0"/>
-              <a:t> </a:t>
-            </a:r>
-            <a:r>
-              <a:rPr lang="en-US" dirty="0" smtClean="0"/>
-              <a:t>Iteration Control</a:t>
-            </a:r>
-          </a:p>
-          <a:p>
-            <a:pPr>
-              <a:buFont typeface="Wingdings" panose="05000000000000000000" pitchFamily="2" charset="2"/>
-              <a:buChar char="v"/>
-            </a:pPr>
-            <a:r>
-              <a:rPr lang="en-US" dirty="0"/>
-              <a:t> </a:t>
-            </a:r>
-            <a:r>
-              <a:rPr lang="en-US" dirty="0" smtClean="0"/>
-              <a:t>Types of loops</a:t>
-            </a:r>
-          </a:p>
-          <a:p>
-            <a:pPr>
-              <a:buFont typeface="Wingdings" panose="05000000000000000000" pitchFamily="2" charset="2"/>
-              <a:buChar char="v"/>
-            </a:pPr>
-            <a:r>
-              <a:rPr lang="en-US" dirty="0"/>
-              <a:t> </a:t>
-            </a:r>
-            <a:r>
-              <a:rPr lang="en-US" dirty="0" smtClean="0"/>
-              <a:t>While</a:t>
-            </a:r>
-          </a:p>
-          <a:p>
-            <a:pPr>
-              <a:buFont typeface="Wingdings" panose="05000000000000000000" pitchFamily="2" charset="2"/>
-              <a:buChar char="v"/>
-            </a:pPr>
-            <a:r>
-              <a:rPr lang="en-US" dirty="0"/>
-              <a:t> </a:t>
-            </a:r>
-            <a:r>
-              <a:rPr lang="en-US" dirty="0" smtClean="0"/>
-              <a:t>do-while</a:t>
-            </a:r>
-          </a:p>
-          <a:p>
-            <a:pPr>
-              <a:buFont typeface="Wingdings" panose="05000000000000000000" pitchFamily="2" charset="2"/>
-              <a:buChar char="v"/>
-            </a:pPr>
-            <a:r>
-              <a:rPr lang="en-US" dirty="0"/>
-              <a:t> </a:t>
-            </a:r>
-            <a:r>
-              <a:rPr lang="en-US" dirty="0" smtClean="0"/>
-              <a:t>for-loop</a:t>
-            </a:r>
-          </a:p>
-          <a:p>
-            <a:pPr>
-              <a:buFont typeface="Wingdings" panose="05000000000000000000" pitchFamily="2" charset="2"/>
-              <a:buChar char="v"/>
-            </a:pPr>
-            <a:r>
-              <a:rPr lang="en-US" dirty="0"/>
-              <a:t> </a:t>
-            </a:r>
-            <a:r>
-              <a:rPr lang="en-US" dirty="0" smtClean="0"/>
-              <a:t>Nested-Loops</a:t>
-            </a:r>
-          </a:p>
-          <a:p>
-            <a:pPr>
-              <a:buFont typeface="Wingdings" panose="05000000000000000000" pitchFamily="2" charset="2"/>
-              <a:buChar char="v"/>
-            </a:pPr>
-            <a:r>
-              <a:rPr lang="en-US" dirty="0"/>
-              <a:t> </a:t>
-            </a:r>
-            <a:r>
-              <a:rPr lang="en-US" dirty="0" smtClean="0"/>
-              <a:t>Arrays</a:t>
-            </a:r>
-          </a:p>
-          <a:p>
-            <a:pPr>
-              <a:buFont typeface="Wingdings" panose="05000000000000000000" pitchFamily="2" charset="2"/>
-              <a:buChar char="v"/>
-            </a:pPr>
-            <a:r>
-              <a:rPr lang="en-US"/>
-              <a:t> </a:t>
-            </a:r>
-            <a:r>
-              <a:rPr lang="en-US" smtClean="0"/>
-              <a:t>Exercises</a:t>
-            </a:r>
-            <a:endParaRPr lang="en-GB" dirty="0" smtClean="0"/>
-          </a:p>
-          <a:p>
+            <a:pPr marL="0" indent="0">
+              <a:buNone/>
+            </a:pPr>
+            <a:r>
+              <a:rPr lang="en-US" sz="2800" dirty="0"/>
+              <a:t>public class Selection{</a:t>
+            </a:r>
+          </a:p>
+          <a:p>
+            <a:pPr marL="0" indent="0">
+              <a:buNone/>
+            </a:pPr>
+            <a:r>
+              <a:rPr lang="en-US" sz="2800" dirty="0"/>
+              <a:t>    public static void main (String[] a){</a:t>
+            </a:r>
+          </a:p>
+          <a:p>
+            <a:pPr marL="0" indent="0">
+              <a:buNone/>
+            </a:pPr>
+            <a:r>
+              <a:rPr lang="en-US" sz="2800" dirty="0"/>
+              <a:t>        int A=5; //  A is going to be temperature in degrees C</a:t>
+            </a:r>
+          </a:p>
+          <a:p>
+            <a:pPr marL="0" indent="0">
+              <a:buNone/>
+            </a:pPr>
+            <a:r>
+              <a:rPr lang="en-US" sz="2800" dirty="0"/>
+              <a:t>        if(A==0){</a:t>
+            </a:r>
+          </a:p>
+          <a:p>
+            <a:pPr marL="0" indent="0">
+              <a:buNone/>
+            </a:pPr>
+            <a:r>
+              <a:rPr lang="en-US" sz="2800" dirty="0"/>
+              <a:t>            </a:t>
+            </a:r>
+            <a:r>
+              <a:rPr lang="en-US" sz="2800" dirty="0" err="1"/>
+              <a:t>System.out.println</a:t>
+            </a:r>
+            <a:r>
+              <a:rPr lang="en-US" sz="2800" dirty="0"/>
+              <a:t>( " Freezing! " ); //</a:t>
+            </a:r>
+          </a:p>
+          <a:p>
+            <a:pPr marL="0" indent="0">
+              <a:buNone/>
+            </a:pPr>
+            <a:r>
+              <a:rPr lang="en-US" sz="2800" dirty="0"/>
+              <a:t>        }else if(A&lt;0){</a:t>
+            </a:r>
+          </a:p>
+          <a:p>
+            <a:pPr marL="0" indent="0">
+              <a:buNone/>
+            </a:pPr>
+            <a:r>
+              <a:rPr lang="en-US" sz="2800" dirty="0"/>
+              <a:t>            </a:t>
+            </a:r>
+            <a:r>
+              <a:rPr lang="en-US" sz="2800" dirty="0" err="1"/>
+              <a:t>System.out.println</a:t>
+            </a:r>
+            <a:r>
+              <a:rPr lang="en-US" sz="2800" dirty="0"/>
+              <a:t>( " Sub Zero " ); //</a:t>
+            </a:r>
+          </a:p>
+          <a:p>
+            <a:pPr marL="0" indent="0">
+              <a:buNone/>
+            </a:pPr>
+            <a:r>
+              <a:rPr lang="en-US" sz="2800" dirty="0"/>
+              <a:t>        }else{</a:t>
+            </a:r>
+          </a:p>
+          <a:p>
+            <a:pPr marL="0" indent="0">
+              <a:buNone/>
+            </a:pPr>
+            <a:r>
+              <a:rPr lang="en-US" sz="2800" dirty="0"/>
+              <a:t>            </a:t>
+            </a:r>
+            <a:r>
+              <a:rPr lang="en-US" sz="2800" dirty="0" err="1"/>
+              <a:t>System.out.println</a:t>
+            </a:r>
+            <a:r>
+              <a:rPr lang="en-US" sz="2800" dirty="0"/>
+              <a:t>( " Above zero " );</a:t>
+            </a:r>
+          </a:p>
+          <a:p>
+            <a:pPr marL="0" indent="0">
+              <a:buNone/>
+            </a:pPr>
+            <a:r>
+              <a:rPr lang="en-US" sz="2800" dirty="0"/>
+              <a:t>        }</a:t>
+            </a:r>
+          </a:p>
+          <a:p>
+            <a:pPr marL="0" indent="0">
+              <a:buNone/>
+            </a:pPr>
+            <a:r>
+              <a:rPr lang="en-US" sz="2800" dirty="0"/>
+              <a:t>    }</a:t>
+            </a:r>
+          </a:p>
+          <a:p>
+            <a:pPr marL="0" indent="0">
+              <a:buNone/>
+            </a:pPr>
+            <a:r>
+              <a:rPr lang="en-US" sz="2800" dirty="0"/>
+              <a:t>}</a:t>
+            </a:r>
             <a:endParaRPr lang="en-GB" dirty="0"/>
           </a:p>
         </p:txBody>
@@ -6912,7 +5981,7 @@
     </p:spTree>
     <p:extLst>
       <p:ext uri="{BB962C8B-B14F-4D97-AF65-F5344CB8AC3E}">
-        <p14:creationId xmlns:p14="http://schemas.microsoft.com/office/powerpoint/2010/main" val="2083310612"/>
+        <p14:creationId xmlns:p14="http://schemas.microsoft.com/office/powerpoint/2010/main" val="2218360414"/>
       </p:ext>
     </p:extLst>
   </p:cSld>
@@ -6944,7 +6013,7 @@
           <p:cNvPr id="2" name="Title 1">
             <a:extLst>
               <a:ext uri="{FF2B5EF4-FFF2-40B4-BE49-F238E27FC236}">
-                <a16:creationId xmlns:a16="http://schemas.microsoft.com/office/drawing/2014/main" id="{1624039E-A568-49E5-A9D9-054972372D7B}"/>
+                <a16:creationId xmlns:a16="http://schemas.microsoft.com/office/drawing/2014/main" id="{7304BBA7-9D5E-4B9A-95AF-2E54F4B41C0E}"/>
               </a:ext>
             </a:extLst>
           </p:cNvPr>
@@ -6961,9 +6030,10 @@
           <a:lstStyle/>
           <a:p>
             <a:r>
-              <a:rPr lang="en-GB" dirty="0"/>
-              <a:t>Terms Used in Object-oriented Design.</a:t>
-            </a:r>
+              <a:rPr lang="en-US" dirty="0"/>
+              <a:t>Iteration (Loop) control</a:t>
+            </a:r>
+            <a:endParaRPr lang="en-GB" dirty="0"/>
           </a:p>
         </p:txBody>
       </p:sp>
@@ -6972,7 +6042,7 @@
           <p:cNvPr id="3" name="Content Placeholder 2">
             <a:extLst>
               <a:ext uri="{FF2B5EF4-FFF2-40B4-BE49-F238E27FC236}">
-                <a16:creationId xmlns:a16="http://schemas.microsoft.com/office/drawing/2014/main" id="{2F94C1BE-791F-41D9-89DD-955BE565CD1B}"/>
+                <a16:creationId xmlns:a16="http://schemas.microsoft.com/office/drawing/2014/main" id="{3AB586B9-467B-4F63-B336-2E9D19321584}"/>
               </a:ext>
             </a:extLst>
           </p:cNvPr>
@@ -6985,254 +6055,65 @@
         </p:nvSpPr>
         <p:spPr>
           <a:xfrm>
-            <a:off x="822959" y="1845733"/>
-            <a:ext cx="8053186" cy="2596957"/>
+            <a:off x="822960" y="1845734"/>
+            <a:ext cx="8035290" cy="4023360"/>
           </a:xfrm>
         </p:spPr>
         <p:txBody>
           <a:bodyPr>
-            <a:normAutofit fontScale="92500" lnSpcReduction="20000"/>
+            <a:normAutofit lnSpcReduction="10000"/>
           </a:bodyPr>
           <a:lstStyle/>
           <a:p>
-            <a:pPr marL="0" lvl="0" indent="0">
-              <a:buClr>
-                <a:srgbClr val="E48312"/>
-              </a:buClr>
-              <a:buNone/>
-            </a:pPr>
-            <a:r>
-              <a:rPr lang="en-GB" b="1" dirty="0">
-                <a:solidFill>
-                  <a:srgbClr val="000000">
-                    <a:lumMod val="75000"/>
-                    <a:lumOff val="25000"/>
-                  </a:srgbClr>
-                </a:solidFill>
-              </a:rPr>
-              <a:t> Object</a:t>
-            </a:r>
-            <a:r>
-              <a:rPr lang="en-GB" dirty="0">
-                <a:solidFill>
-                  <a:srgbClr val="000000">
-                    <a:lumMod val="75000"/>
-                    <a:lumOff val="25000"/>
-                  </a:srgbClr>
-                </a:solidFill>
-              </a:rPr>
-              <a:t> – A person, place, thing, event, concept, screen or report.</a:t>
-            </a:r>
-          </a:p>
-          <a:p>
             <a:pPr>
-              <a:buClr>
-                <a:srgbClr val="E48312"/>
-              </a:buClr>
               <a:buFont typeface="Wingdings" panose="05000000000000000000" pitchFamily="2" charset="2"/>
               <a:buChar char="v"/>
             </a:pPr>
             <a:r>
-              <a:rPr lang="en-GB" b="1" dirty="0"/>
-              <a:t> Class</a:t>
-            </a:r>
-            <a:r>
-              <a:rPr lang="en-GB" dirty="0"/>
-              <a:t> – A template from which objects are created, it is a software </a:t>
-            </a:r>
-            <a:r>
-              <a:rPr lang="en-GB" b="1" i="1" dirty="0"/>
-              <a:t>abstraction</a:t>
-            </a:r>
-            <a:r>
-              <a:rPr lang="en-GB" dirty="0"/>
-              <a:t> of a group of </a:t>
-            </a:r>
-            <a:r>
-              <a:rPr lang="en-GB" i="1" dirty="0"/>
-              <a:t>objects</a:t>
-            </a:r>
-            <a:r>
-              <a:rPr lang="en-GB" dirty="0"/>
-              <a:t> with common properties (</a:t>
-            </a:r>
-            <a:r>
-              <a:rPr lang="en-GB" b="1" i="1" dirty="0"/>
-              <a:t>Attributes</a:t>
-            </a:r>
-            <a:r>
-              <a:rPr lang="en-GB" dirty="0"/>
-              <a:t>), behaviour (</a:t>
-            </a:r>
-            <a:r>
-              <a:rPr lang="en-GB" b="1" i="1" dirty="0"/>
-              <a:t>operations</a:t>
-            </a:r>
-            <a:r>
-              <a:rPr lang="en-GB" dirty="0"/>
-              <a:t>).</a:t>
-            </a:r>
-          </a:p>
-          <a:p>
-            <a:pPr lvl="0">
-              <a:buClr>
-                <a:srgbClr val="E48312"/>
-              </a:buClr>
+              <a:rPr lang="en-US" sz="2800" dirty="0"/>
+              <a:t> Control structures that are not sequential in nature by default will contain a condition statement. </a:t>
+            </a:r>
+          </a:p>
+          <a:p>
+            <a:pPr>
               <a:buFont typeface="Wingdings" panose="05000000000000000000" pitchFamily="2" charset="2"/>
               <a:buChar char="v"/>
             </a:pPr>
             <a:r>
-              <a:rPr lang="en-GB" b="1" dirty="0">
-                <a:solidFill>
-                  <a:srgbClr val="000000">
-                    <a:lumMod val="75000"/>
-                    <a:lumOff val="25000"/>
-                  </a:srgbClr>
-                </a:solidFill>
-              </a:rPr>
-              <a:t>Subclass</a:t>
-            </a:r>
-            <a:r>
-              <a:rPr lang="en-GB" dirty="0">
-                <a:solidFill>
-                  <a:srgbClr val="000000">
-                    <a:lumMod val="75000"/>
-                    <a:lumOff val="25000"/>
-                  </a:srgbClr>
-                </a:solidFill>
-              </a:rPr>
-              <a:t> – If class “B” inherits from class “A”, class “B” is a subclass of “A” and “A” is a </a:t>
-            </a:r>
-            <a:r>
-              <a:rPr lang="en-GB" b="1" i="1" dirty="0">
-                <a:solidFill>
-                  <a:srgbClr val="000000">
-                    <a:lumMod val="75000"/>
-                    <a:lumOff val="25000"/>
-                  </a:srgbClr>
-                </a:solidFill>
-              </a:rPr>
-              <a:t>superclass</a:t>
-            </a:r>
-            <a:r>
-              <a:rPr lang="en-GB" dirty="0">
-                <a:solidFill>
-                  <a:srgbClr val="000000">
-                    <a:lumMod val="75000"/>
-                    <a:lumOff val="25000"/>
-                  </a:srgbClr>
-                </a:solidFill>
-              </a:rPr>
-              <a:t> of “B”.</a:t>
-            </a:r>
-          </a:p>
-          <a:p>
-            <a:pPr lvl="0">
-              <a:buClr>
-                <a:srgbClr val="E48312"/>
-              </a:buClr>
+              <a:rPr lang="en-US" sz="2800" dirty="0"/>
+              <a:t> That is, execution will follow two or more different paths.</a:t>
+            </a:r>
+          </a:p>
+          <a:p>
+            <a:pPr>
               <a:buFont typeface="Wingdings" panose="05000000000000000000" pitchFamily="2" charset="2"/>
               <a:buChar char="v"/>
             </a:pPr>
             <a:r>
-              <a:rPr lang="en-GB" b="1" dirty="0">
-                <a:solidFill>
-                  <a:srgbClr val="000000">
-                    <a:lumMod val="75000"/>
-                    <a:lumOff val="25000"/>
-                  </a:srgbClr>
-                </a:solidFill>
-              </a:rPr>
-              <a:t>Abstract class </a:t>
-            </a:r>
-            <a:r>
-              <a:rPr lang="en-GB" dirty="0">
-                <a:solidFill>
-                  <a:srgbClr val="000000">
-                    <a:lumMod val="75000"/>
-                    <a:lumOff val="25000"/>
-                  </a:srgbClr>
-                </a:solidFill>
-              </a:rPr>
-              <a:t>– A class that does not have objects created from it.</a:t>
-            </a:r>
-          </a:p>
-          <a:p>
-            <a:pPr lvl="0">
-              <a:buClr>
-                <a:srgbClr val="E48312"/>
-              </a:buClr>
+              <a:rPr lang="en-US" sz="2800" dirty="0"/>
+              <a:t> Any condition that all paths never lead to previously executed statements is a selection. </a:t>
+            </a:r>
+          </a:p>
+          <a:p>
+            <a:pPr>
               <a:buFont typeface="Wingdings" panose="05000000000000000000" pitchFamily="2" charset="2"/>
               <a:buChar char="v"/>
             </a:pPr>
             <a:r>
-              <a:rPr lang="en-GB" b="1" dirty="0">
-                <a:solidFill>
-                  <a:srgbClr val="000000">
-                    <a:lumMod val="75000"/>
-                    <a:lumOff val="25000"/>
-                  </a:srgbClr>
-                </a:solidFill>
-              </a:rPr>
-              <a:t>Association</a:t>
-            </a:r>
-            <a:r>
-              <a:rPr lang="en-GB" dirty="0">
-                <a:solidFill>
-                  <a:srgbClr val="000000">
-                    <a:lumMod val="75000"/>
-                    <a:lumOff val="25000"/>
-                  </a:srgbClr>
-                </a:solidFill>
-              </a:rPr>
-              <a:t> – Relationship between objects.</a:t>
-            </a:r>
+              <a:rPr lang="en-US" sz="2800" dirty="0"/>
+              <a:t> However, if any path returns back to a previously executed statement those set of statements are in a loop control.</a:t>
+            </a:r>
+            <a:endParaRPr lang="en-GB" sz="2800" dirty="0"/>
           </a:p>
           <a:p>
             <a:endParaRPr lang="en-GB" dirty="0"/>
           </a:p>
         </p:txBody>
       </p:sp>
-      <p:pic>
-        <p:nvPicPr>
-          <p:cNvPr id="5" name="Picture 4">
-            <a:extLst>
-              <a:ext uri="{FF2B5EF4-FFF2-40B4-BE49-F238E27FC236}">
-                <a16:creationId xmlns:a16="http://schemas.microsoft.com/office/drawing/2014/main" id="{7D15E461-50E1-4CFB-BD49-33439C33F075}"/>
-              </a:ext>
-            </a:extLst>
-          </p:cNvPr>
-          <p:cNvPicPr>
-            <a:picLocks noChangeAspect="1"/>
-          </p:cNvPicPr>
-          <p:nvPr/>
-        </p:nvPicPr>
-        <p:blipFill>
-          <a:blip r:embed="rId2">
-            <a:extLst>
-              <a:ext uri="{28A0092B-C50C-407E-A947-70E740481C1C}">
-                <a14:useLocalDpi xmlns:a14="http://schemas.microsoft.com/office/drawing/2010/main" val="0"/>
-              </a:ext>
-            </a:extLst>
-          </a:blip>
-          <a:stretch>
-            <a:fillRect/>
-          </a:stretch>
-        </p:blipFill>
-        <p:spPr>
-          <a:xfrm>
-            <a:off x="822959" y="4442690"/>
-            <a:ext cx="7749310" cy="1814946"/>
-          </a:xfrm>
-          <a:prstGeom prst="rect">
-            <a:avLst/>
-          </a:prstGeom>
-        </p:spPr>
-      </p:pic>
     </p:spTree>
     <p:extLst>
       <p:ext uri="{BB962C8B-B14F-4D97-AF65-F5344CB8AC3E}">
-        <p14:creationId xmlns:p14="http://schemas.microsoft.com/office/powerpoint/2010/main" val="968198619"/>
+        <p14:creationId xmlns:p14="http://schemas.microsoft.com/office/powerpoint/2010/main" val="4002642425"/>
       </p:ext>
     </p:extLst>
   </p:cSld>
@@ -7264,7 +6145,7 @@
           <p:cNvPr id="2" name="Title 1">
             <a:extLst>
               <a:ext uri="{FF2B5EF4-FFF2-40B4-BE49-F238E27FC236}">
-                <a16:creationId xmlns:a16="http://schemas.microsoft.com/office/drawing/2014/main" id="{E442D7E5-9A39-481B-84EA-78130CEE5C35}"/>
+                <a16:creationId xmlns:a16="http://schemas.microsoft.com/office/drawing/2014/main" id="{7304BBA7-9D5E-4B9A-95AF-2E54F4B41C0E}"/>
               </a:ext>
             </a:extLst>
           </p:cNvPr>
@@ -7281,9 +6162,10 @@
           <a:lstStyle/>
           <a:p>
             <a:r>
-              <a:rPr lang="en-GB" dirty="0"/>
-              <a:t>Unified Modeling Language (UML).</a:t>
-            </a:r>
+              <a:rPr lang="en-US" dirty="0"/>
+              <a:t>Loop Structure can have any of the following</a:t>
+            </a:r>
+            <a:endParaRPr lang="en-GB" dirty="0"/>
           </a:p>
         </p:txBody>
       </p:sp>
@@ -7292,7 +6174,7 @@
           <p:cNvPr id="3" name="Content Placeholder 2">
             <a:extLst>
               <a:ext uri="{FF2B5EF4-FFF2-40B4-BE49-F238E27FC236}">
-                <a16:creationId xmlns:a16="http://schemas.microsoft.com/office/drawing/2014/main" id="{036D72EA-F7A6-41E8-B004-26630DFF0829}"/>
+                <a16:creationId xmlns:a16="http://schemas.microsoft.com/office/drawing/2014/main" id="{3AB586B9-467B-4F63-B336-2E9D19321584}"/>
               </a:ext>
             </a:extLst>
           </p:cNvPr>
@@ -7305,12 +6187,14 @@
         </p:nvSpPr>
         <p:spPr>
           <a:xfrm>
-            <a:off x="822959" y="1845734"/>
-            <a:ext cx="7543801" cy="1193030"/>
+            <a:off x="822960" y="1845734"/>
+            <a:ext cx="8035290" cy="4023360"/>
           </a:xfrm>
         </p:spPr>
         <p:txBody>
-          <a:bodyPr/>
+          <a:bodyPr>
+            <a:normAutofit/>
+          </a:bodyPr>
           <a:lstStyle/>
           <a:p>
             <a:pPr>
@@ -7318,18 +6202,12 @@
               <a:buChar char="v"/>
             </a:pPr>
             <a:r>
-              <a:rPr lang="en-GB" dirty="0"/>
-              <a:t> Go to </a:t>
-            </a:r>
-            <a:r>
-              <a:rPr lang="en-GB" dirty="0">
-                <a:hlinkClick r:id="rId2"/>
-              </a:rPr>
-              <a:t>www.draw.io</a:t>
-            </a:r>
-            <a:r>
-              <a:rPr lang="en-GB" dirty="0"/>
-              <a:t> &gt;&gt; choose “save diagrams to device” &gt;&gt; click “create new diagram” &gt;&gt; select “Class Diagram”.</a:t>
+              <a:rPr lang="en-US" sz="2800" dirty="0"/>
+              <a:t> Count </a:t>
+            </a:r>
+            <a:r>
+              <a:rPr lang="en-GB" sz="2800" dirty="0"/>
+              <a:t>Initializer </a:t>
             </a:r>
           </a:p>
           <a:p>
@@ -7338,46 +6216,39 @@
               <a:buChar char="v"/>
             </a:pPr>
             <a:r>
-              <a:rPr lang="en-GB" dirty="0"/>
-              <a:t> The following example should be shown on your screen:</a:t>
-            </a:r>
-          </a:p>
-        </p:txBody>
-      </p:sp>
-      <p:pic>
-        <p:nvPicPr>
-          <p:cNvPr id="4" name="Picture 3">
-            <a:extLst>
-              <a:ext uri="{FF2B5EF4-FFF2-40B4-BE49-F238E27FC236}">
-                <a16:creationId xmlns:a16="http://schemas.microsoft.com/office/drawing/2014/main" id="{2712BFF2-30B4-4CBB-8012-C4D8CD84091E}"/>
-              </a:ext>
-            </a:extLst>
-          </p:cNvPr>
-          <p:cNvPicPr>
-            <a:picLocks noChangeAspect="1"/>
-          </p:cNvPicPr>
-          <p:nvPr/>
-        </p:nvPicPr>
-        <p:blipFill>
-          <a:blip r:embed="rId3"/>
-          <a:stretch>
-            <a:fillRect/>
-          </a:stretch>
-        </p:blipFill>
-        <p:spPr>
-          <a:xfrm>
-            <a:off x="1764146" y="2933167"/>
-            <a:ext cx="4812145" cy="3375237"/>
-          </a:xfrm>
-          <a:prstGeom prst="rect">
-            <a:avLst/>
-          </a:prstGeom>
-        </p:spPr>
-      </p:pic>
+              <a:rPr lang="en-GB" sz="2800" dirty="0"/>
+              <a:t> Stop condition</a:t>
+            </a:r>
+          </a:p>
+          <a:p>
+            <a:pPr>
+              <a:buFont typeface="Wingdings" panose="05000000000000000000" pitchFamily="2" charset="2"/>
+              <a:buChar char="v"/>
+            </a:pPr>
+            <a:r>
+              <a:rPr lang="en-GB" sz="2800" dirty="0"/>
+              <a:t> Loop body</a:t>
+            </a:r>
+          </a:p>
+          <a:p>
+            <a:pPr>
+              <a:buFont typeface="Wingdings" panose="05000000000000000000" pitchFamily="2" charset="2"/>
+              <a:buChar char="v"/>
+            </a:pPr>
+            <a:r>
+              <a:rPr lang="en-GB" sz="2800" dirty="0"/>
+              <a:t> count update statement</a:t>
+            </a:r>
+          </a:p>
+          <a:p>
+            <a:endParaRPr lang="en-GB" dirty="0"/>
+          </a:p>
+        </p:txBody>
+      </p:sp>
     </p:spTree>
     <p:extLst>
       <p:ext uri="{BB962C8B-B14F-4D97-AF65-F5344CB8AC3E}">
-        <p14:creationId xmlns:p14="http://schemas.microsoft.com/office/powerpoint/2010/main" val="3286001143"/>
+        <p14:creationId xmlns:p14="http://schemas.microsoft.com/office/powerpoint/2010/main" val="374425794"/>
       </p:ext>
     </p:extLst>
   </p:cSld>
@@ -7409,7 +6280,7 @@
           <p:cNvPr id="2" name="Title 1">
             <a:extLst>
               <a:ext uri="{FF2B5EF4-FFF2-40B4-BE49-F238E27FC236}">
-                <a16:creationId xmlns:a16="http://schemas.microsoft.com/office/drawing/2014/main" id="{5BDCA054-9342-44AE-A971-9A61E8772B32}"/>
+                <a16:creationId xmlns:a16="http://schemas.microsoft.com/office/drawing/2014/main" id="{7304BBA7-9D5E-4B9A-95AF-2E54F4B41C0E}"/>
               </a:ext>
             </a:extLst>
           </p:cNvPr>
@@ -7426,487 +6297,112 @@
           <a:lstStyle/>
           <a:p>
             <a:r>
-              <a:rPr lang="en-GB" dirty="0"/>
-              <a:t>Representations in UML.</a:t>
-            </a:r>
-          </a:p>
-        </p:txBody>
-      </p:sp>
-      <p:pic>
-        <p:nvPicPr>
-          <p:cNvPr id="4" name="Content Placeholder 3">
+              <a:rPr lang="en-US" dirty="0"/>
+              <a:t>Loop Classes</a:t>
+            </a:r>
+            <a:endParaRPr lang="en-GB" dirty="0"/>
+          </a:p>
+        </p:txBody>
+      </p:sp>
+      <p:sp>
+        <p:nvSpPr>
+          <p:cNvPr id="3" name="Content Placeholder 2">
             <a:extLst>
               <a:ext uri="{FF2B5EF4-FFF2-40B4-BE49-F238E27FC236}">
-                <a16:creationId xmlns:a16="http://schemas.microsoft.com/office/drawing/2014/main" id="{97005B22-17A7-4343-ADFC-926619C465F9}"/>
+                <a16:creationId xmlns:a16="http://schemas.microsoft.com/office/drawing/2014/main" id="{3AB586B9-467B-4F63-B336-2E9D19321584}"/>
               </a:ext>
             </a:extLst>
           </p:cNvPr>
-          <p:cNvPicPr>
-            <a:picLocks noGrp="1" noChangeAspect="1"/>
-          </p:cNvPicPr>
+          <p:cNvSpPr>
+            <a:spLocks noGrp="1"/>
+          </p:cNvSpPr>
           <p:nvPr>
             <p:ph idx="1"/>
           </p:nvPr>
-        </p:nvPicPr>
-        <p:blipFill>
-          <a:blip r:embed="rId2"/>
-          <a:stretch>
-            <a:fillRect/>
-          </a:stretch>
-        </p:blipFill>
+        </p:nvSpPr>
         <p:spPr>
           <a:xfrm>
-            <a:off x="822960" y="2550679"/>
-            <a:ext cx="2478454" cy="1614920"/>
+            <a:off x="822960" y="1845734"/>
+            <a:ext cx="8035290" cy="4023360"/>
           </a:xfrm>
-          <a:prstGeom prst="rect">
-            <a:avLst/>
-          </a:prstGeom>
         </p:spPr>
-      </p:pic>
-      <p:sp>
-        <p:nvSpPr>
-          <p:cNvPr id="5" name="TextBox 4">
-            <a:extLst>
-              <a:ext uri="{FF2B5EF4-FFF2-40B4-BE49-F238E27FC236}">
-                <a16:creationId xmlns:a16="http://schemas.microsoft.com/office/drawing/2014/main" id="{10265021-64DD-4C56-81E6-B8AAE49E1250}"/>
-              </a:ext>
-            </a:extLst>
-          </p:cNvPr>
-          <p:cNvSpPr txBox="1"/>
-          <p:nvPr/>
-        </p:nvSpPr>
-        <p:spPr>
-          <a:xfrm>
-            <a:off x="3509818" y="2292060"/>
-            <a:ext cx="1357746" cy="369332"/>
-          </a:xfrm>
-          <a:prstGeom prst="rect">
-            <a:avLst/>
-          </a:prstGeom>
-          <a:noFill/>
-          <a:ln>
-            <a:solidFill>
-              <a:schemeClr val="tx1"/>
-            </a:solidFill>
-          </a:ln>
-        </p:spPr>
-        <p:txBody>
-          <a:bodyPr wrap="square" rtlCol="0">
-            <a:spAutoFit/>
+        <p:txBody>
+          <a:bodyPr>
+            <a:normAutofit/>
           </a:bodyPr>
           <a:lstStyle/>
           <a:p>
-            <a:r>
-              <a:rPr lang="en-GB" dirty="0"/>
-              <a:t>Class name</a:t>
-            </a:r>
-          </a:p>
-        </p:txBody>
-      </p:sp>
-      <p:cxnSp>
-        <p:nvCxnSpPr>
-          <p:cNvPr id="7" name="Straight Arrow Connector 6">
-            <a:extLst>
-              <a:ext uri="{FF2B5EF4-FFF2-40B4-BE49-F238E27FC236}">
-                <a16:creationId xmlns:a16="http://schemas.microsoft.com/office/drawing/2014/main" id="{7461CF7D-90BF-44B1-AD77-BD88028091DC}"/>
-              </a:ext>
-            </a:extLst>
-          </p:cNvPr>
-          <p:cNvCxnSpPr>
-            <a:cxnSpLocks/>
-          </p:cNvCxnSpPr>
-          <p:nvPr/>
-        </p:nvCxnSpPr>
-        <p:spPr>
-          <a:xfrm flipH="1">
-            <a:off x="3205018" y="2476726"/>
-            <a:ext cx="304801" cy="184666"/>
-          </a:xfrm>
-          <a:prstGeom prst="straightConnector1">
-            <a:avLst/>
-          </a:prstGeom>
-          <a:ln>
-            <a:solidFill>
-              <a:schemeClr val="tx1"/>
-            </a:solidFill>
-            <a:tailEnd type="triangle"/>
-          </a:ln>
-        </p:spPr>
-        <p:style>
-          <a:lnRef idx="1">
-            <a:schemeClr val="accent1"/>
-          </a:lnRef>
-          <a:fillRef idx="0">
-            <a:schemeClr val="accent1"/>
-          </a:fillRef>
-          <a:effectRef idx="0">
-            <a:schemeClr val="accent1"/>
-          </a:effectRef>
-          <a:fontRef idx="minor">
-            <a:schemeClr val="tx1"/>
-          </a:fontRef>
-        </p:style>
-      </p:cxnSp>
-      <p:sp>
-        <p:nvSpPr>
-          <p:cNvPr id="10" name="TextBox 9">
-            <a:extLst>
-              <a:ext uri="{FF2B5EF4-FFF2-40B4-BE49-F238E27FC236}">
-                <a16:creationId xmlns:a16="http://schemas.microsoft.com/office/drawing/2014/main" id="{8F284DDB-0843-4EC8-85EA-2AF9FEDC0220}"/>
-              </a:ext>
-            </a:extLst>
-          </p:cNvPr>
-          <p:cNvSpPr txBox="1"/>
-          <p:nvPr/>
-        </p:nvSpPr>
-        <p:spPr>
-          <a:xfrm>
-            <a:off x="3509818" y="2883644"/>
-            <a:ext cx="1357746" cy="646331"/>
-          </a:xfrm>
-          <a:prstGeom prst="rect">
-            <a:avLst/>
-          </a:prstGeom>
-          <a:noFill/>
-          <a:ln>
-            <a:solidFill>
-              <a:schemeClr val="tx1"/>
-            </a:solidFill>
-          </a:ln>
-        </p:spPr>
-        <p:txBody>
-          <a:bodyPr wrap="square" rtlCol="0">
-            <a:spAutoFit/>
-          </a:bodyPr>
-          <a:lstStyle/>
-          <a:p>
-            <a:r>
-              <a:rPr lang="en-GB" dirty="0"/>
-              <a:t>Class attributes</a:t>
-            </a:r>
-          </a:p>
-        </p:txBody>
-      </p:sp>
-      <p:cxnSp>
-        <p:nvCxnSpPr>
-          <p:cNvPr id="11" name="Straight Arrow Connector 10">
-            <a:extLst>
-              <a:ext uri="{FF2B5EF4-FFF2-40B4-BE49-F238E27FC236}">
-                <a16:creationId xmlns:a16="http://schemas.microsoft.com/office/drawing/2014/main" id="{2048E0B2-F90A-40B2-8B48-F71F23E9256D}"/>
-              </a:ext>
-            </a:extLst>
-          </p:cNvPr>
-          <p:cNvCxnSpPr>
-            <a:cxnSpLocks/>
-          </p:cNvCxnSpPr>
-          <p:nvPr/>
-        </p:nvCxnSpPr>
-        <p:spPr>
-          <a:xfrm flipH="1">
-            <a:off x="3205018" y="3068310"/>
-            <a:ext cx="304801" cy="184666"/>
-          </a:xfrm>
-          <a:prstGeom prst="straightConnector1">
-            <a:avLst/>
-          </a:prstGeom>
-          <a:ln>
-            <a:solidFill>
-              <a:schemeClr val="tx1"/>
-            </a:solidFill>
-            <a:tailEnd type="triangle"/>
-          </a:ln>
-        </p:spPr>
-        <p:style>
-          <a:lnRef idx="1">
-            <a:schemeClr val="accent1"/>
-          </a:lnRef>
-          <a:fillRef idx="0">
-            <a:schemeClr val="accent1"/>
-          </a:fillRef>
-          <a:effectRef idx="0">
-            <a:schemeClr val="accent1"/>
-          </a:effectRef>
-          <a:fontRef idx="minor">
-            <a:schemeClr val="tx1"/>
-          </a:fontRef>
-        </p:style>
-      </p:cxnSp>
-      <p:sp>
-        <p:nvSpPr>
-          <p:cNvPr id="12" name="TextBox 11">
-            <a:extLst>
-              <a:ext uri="{FF2B5EF4-FFF2-40B4-BE49-F238E27FC236}">
-                <a16:creationId xmlns:a16="http://schemas.microsoft.com/office/drawing/2014/main" id="{D69190A3-BAF9-4DB6-AA2B-8E966FB03A01}"/>
-              </a:ext>
-            </a:extLst>
-          </p:cNvPr>
-          <p:cNvSpPr txBox="1"/>
-          <p:nvPr/>
-        </p:nvSpPr>
-        <p:spPr>
-          <a:xfrm>
-            <a:off x="3509818" y="3622308"/>
-            <a:ext cx="1357746" cy="646331"/>
-          </a:xfrm>
-          <a:prstGeom prst="rect">
-            <a:avLst/>
-          </a:prstGeom>
-          <a:noFill/>
-          <a:ln>
-            <a:solidFill>
-              <a:schemeClr val="tx1"/>
-            </a:solidFill>
-          </a:ln>
-        </p:spPr>
-        <p:txBody>
-          <a:bodyPr wrap="square" rtlCol="0">
-            <a:spAutoFit/>
-          </a:bodyPr>
-          <a:lstStyle/>
-          <a:p>
-            <a:r>
-              <a:rPr lang="en-GB" dirty="0"/>
-              <a:t>Class methods</a:t>
-            </a:r>
-          </a:p>
-        </p:txBody>
-      </p:sp>
-      <p:cxnSp>
-        <p:nvCxnSpPr>
-          <p:cNvPr id="13" name="Straight Arrow Connector 12">
-            <a:extLst>
-              <a:ext uri="{FF2B5EF4-FFF2-40B4-BE49-F238E27FC236}">
-                <a16:creationId xmlns:a16="http://schemas.microsoft.com/office/drawing/2014/main" id="{442EC587-F806-420E-875C-2F2BC7212C8E}"/>
-              </a:ext>
-            </a:extLst>
-          </p:cNvPr>
-          <p:cNvCxnSpPr>
-            <a:cxnSpLocks/>
-          </p:cNvCxnSpPr>
-          <p:nvPr/>
-        </p:nvCxnSpPr>
-        <p:spPr>
-          <a:xfrm flipH="1">
-            <a:off x="3218871" y="3760807"/>
-            <a:ext cx="304801" cy="184666"/>
-          </a:xfrm>
-          <a:prstGeom prst="straightConnector1">
-            <a:avLst/>
-          </a:prstGeom>
-          <a:ln>
-            <a:solidFill>
-              <a:schemeClr val="tx1"/>
-            </a:solidFill>
-            <a:tailEnd type="triangle"/>
-          </a:ln>
-        </p:spPr>
-        <p:style>
-          <a:lnRef idx="1">
-            <a:schemeClr val="accent1"/>
-          </a:lnRef>
-          <a:fillRef idx="0">
-            <a:schemeClr val="accent1"/>
-          </a:fillRef>
-          <a:effectRef idx="0">
-            <a:schemeClr val="accent1"/>
-          </a:effectRef>
-          <a:fontRef idx="minor">
-            <a:schemeClr val="tx1"/>
-          </a:fontRef>
-        </p:style>
-      </p:cxnSp>
-      <p:sp>
-        <p:nvSpPr>
-          <p:cNvPr id="14" name="TextBox 13">
-            <a:extLst>
-              <a:ext uri="{FF2B5EF4-FFF2-40B4-BE49-F238E27FC236}">
-                <a16:creationId xmlns:a16="http://schemas.microsoft.com/office/drawing/2014/main" id="{651442E4-2AC1-438D-BC01-C36B0E5340B8}"/>
-              </a:ext>
-            </a:extLst>
-          </p:cNvPr>
-          <p:cNvSpPr txBox="1"/>
-          <p:nvPr/>
-        </p:nvSpPr>
-        <p:spPr>
-          <a:xfrm>
-            <a:off x="822960" y="2105830"/>
-            <a:ext cx="2603731" cy="369332"/>
-          </a:xfrm>
-          <a:prstGeom prst="rect">
-            <a:avLst/>
-          </a:prstGeom>
-          <a:noFill/>
-        </p:spPr>
-        <p:txBody>
-          <a:bodyPr wrap="square" rtlCol="0">
-            <a:spAutoFit/>
-          </a:bodyPr>
-          <a:lstStyle/>
-          <a:p>
-            <a:r>
-              <a:rPr lang="en-GB" dirty="0"/>
-              <a:t>Class Representation</a:t>
-            </a:r>
-          </a:p>
-        </p:txBody>
-      </p:sp>
-      <p:pic>
-        <p:nvPicPr>
-          <p:cNvPr id="15" name="Picture 14">
-            <a:extLst>
-              <a:ext uri="{FF2B5EF4-FFF2-40B4-BE49-F238E27FC236}">
-                <a16:creationId xmlns:a16="http://schemas.microsoft.com/office/drawing/2014/main" id="{7F9FDA3B-CF6B-4CC4-99FB-5C7B7C138D8F}"/>
-              </a:ext>
-            </a:extLst>
-          </p:cNvPr>
-          <p:cNvPicPr>
-            <a:picLocks noChangeAspect="1"/>
-          </p:cNvPicPr>
-          <p:nvPr/>
-        </p:nvPicPr>
-        <p:blipFill>
-          <a:blip r:embed="rId3"/>
-          <a:stretch>
-            <a:fillRect/>
-          </a:stretch>
-        </p:blipFill>
-        <p:spPr>
-          <a:xfrm>
-            <a:off x="5226709" y="2339089"/>
-            <a:ext cx="3509881" cy="2179821"/>
-          </a:xfrm>
-          <a:prstGeom prst="rect">
-            <a:avLst/>
-          </a:prstGeom>
-        </p:spPr>
-      </p:pic>
-      <p:sp>
-        <p:nvSpPr>
-          <p:cNvPr id="16" name="TextBox 15">
-            <a:extLst>
-              <a:ext uri="{FF2B5EF4-FFF2-40B4-BE49-F238E27FC236}">
-                <a16:creationId xmlns:a16="http://schemas.microsoft.com/office/drawing/2014/main" id="{E6A0AE91-0537-4FEF-AA50-3A43F0BBBFAB}"/>
-              </a:ext>
-            </a:extLst>
-          </p:cNvPr>
-          <p:cNvSpPr txBox="1"/>
-          <p:nvPr/>
-        </p:nvSpPr>
-        <p:spPr>
-          <a:xfrm>
-            <a:off x="5226709" y="1921164"/>
-            <a:ext cx="3509881" cy="369332"/>
-          </a:xfrm>
-          <a:prstGeom prst="rect">
-            <a:avLst/>
-          </a:prstGeom>
-          <a:noFill/>
-        </p:spPr>
-        <p:txBody>
-          <a:bodyPr wrap="square" rtlCol="0">
-            <a:spAutoFit/>
-          </a:bodyPr>
-          <a:lstStyle/>
-          <a:p>
-            <a:r>
-              <a:rPr lang="en-GB" dirty="0"/>
-              <a:t>Visibility of class members</a:t>
-            </a:r>
-          </a:p>
-        </p:txBody>
-      </p:sp>
-      <p:pic>
-        <p:nvPicPr>
-          <p:cNvPr id="17" name="Picture 16">
-            <a:extLst>
-              <a:ext uri="{FF2B5EF4-FFF2-40B4-BE49-F238E27FC236}">
-                <a16:creationId xmlns:a16="http://schemas.microsoft.com/office/drawing/2014/main" id="{24030782-55E7-49C9-BDF7-06C51E0C4999}"/>
-              </a:ext>
-            </a:extLst>
-          </p:cNvPr>
-          <p:cNvPicPr>
-            <a:picLocks noChangeAspect="1"/>
-          </p:cNvPicPr>
-          <p:nvPr/>
-        </p:nvPicPr>
-        <p:blipFill>
-          <a:blip r:embed="rId4"/>
-          <a:stretch>
-            <a:fillRect/>
-          </a:stretch>
-        </p:blipFill>
-        <p:spPr>
-          <a:xfrm>
-            <a:off x="5742422" y="4656520"/>
-            <a:ext cx="2478454" cy="1624764"/>
-          </a:xfrm>
-          <a:prstGeom prst="rect">
-            <a:avLst/>
-          </a:prstGeom>
-        </p:spPr>
-      </p:pic>
-      <p:pic>
-        <p:nvPicPr>
-          <p:cNvPr id="18" name="Picture 17">
-            <a:extLst>
-              <a:ext uri="{FF2B5EF4-FFF2-40B4-BE49-F238E27FC236}">
-                <a16:creationId xmlns:a16="http://schemas.microsoft.com/office/drawing/2014/main" id="{2104D945-5E62-4954-9537-2F01BEF15398}"/>
-              </a:ext>
-            </a:extLst>
-          </p:cNvPr>
-          <p:cNvPicPr>
-            <a:picLocks noChangeAspect="1"/>
-          </p:cNvPicPr>
-          <p:nvPr/>
-        </p:nvPicPr>
-        <p:blipFill>
-          <a:blip r:embed="rId5"/>
-          <a:stretch>
-            <a:fillRect/>
-          </a:stretch>
-        </p:blipFill>
-        <p:spPr>
-          <a:xfrm>
-            <a:off x="1449597" y="4656520"/>
-            <a:ext cx="2321091" cy="1624764"/>
-          </a:xfrm>
-          <a:prstGeom prst="rect">
-            <a:avLst/>
-          </a:prstGeom>
-        </p:spPr>
-      </p:pic>
-      <p:sp>
-        <p:nvSpPr>
-          <p:cNvPr id="19" name="TextBox 18">
-            <a:extLst>
-              <a:ext uri="{FF2B5EF4-FFF2-40B4-BE49-F238E27FC236}">
-                <a16:creationId xmlns:a16="http://schemas.microsoft.com/office/drawing/2014/main" id="{E15CC634-2B03-467D-A646-B8C5E64587B5}"/>
-              </a:ext>
-            </a:extLst>
-          </p:cNvPr>
-          <p:cNvSpPr txBox="1"/>
-          <p:nvPr/>
-        </p:nvSpPr>
-        <p:spPr>
-          <a:xfrm>
-            <a:off x="1903152" y="4351764"/>
-            <a:ext cx="2603731" cy="369332"/>
-          </a:xfrm>
-          <a:prstGeom prst="rect">
-            <a:avLst/>
-          </a:prstGeom>
-          <a:noFill/>
-        </p:spPr>
-        <p:txBody>
-          <a:bodyPr wrap="square" rtlCol="0">
-            <a:spAutoFit/>
-          </a:bodyPr>
-          <a:lstStyle/>
-          <a:p>
-            <a:r>
-              <a:rPr lang="en-GB" dirty="0"/>
-              <a:t>Relationships</a:t>
+            <a:pPr>
+              <a:buFont typeface="Wingdings" panose="05000000000000000000" pitchFamily="2" charset="2"/>
+              <a:buChar char="v"/>
+            </a:pPr>
+            <a:r>
+              <a:rPr lang="en-US" sz="2800" dirty="0"/>
+              <a:t> </a:t>
+            </a:r>
+            <a:r>
+              <a:rPr lang="en-GB" sz="2800" dirty="0"/>
+              <a:t>Deterministic</a:t>
+            </a:r>
+          </a:p>
+          <a:p>
+            <a:pPr>
+              <a:buFont typeface="Wingdings" panose="05000000000000000000" pitchFamily="2" charset="2"/>
+              <a:buChar char="v"/>
+            </a:pPr>
+            <a:r>
+              <a:rPr lang="en-GB" sz="2800" dirty="0"/>
+              <a:t> Non-deterministic</a:t>
+            </a:r>
+          </a:p>
+          <a:p>
+            <a:pPr>
+              <a:buFont typeface="Wingdings" panose="05000000000000000000" pitchFamily="2" charset="2"/>
+              <a:buChar char="v"/>
+            </a:pPr>
+            <a:r>
+              <a:rPr lang="en-GB" sz="2800" dirty="0"/>
+              <a:t> Pre-condition (for, and while loops)</a:t>
+            </a:r>
+          </a:p>
+          <a:p>
+            <a:pPr>
+              <a:buFont typeface="Wingdings" panose="05000000000000000000" pitchFamily="2" charset="2"/>
+              <a:buChar char="v"/>
+            </a:pPr>
+            <a:r>
+              <a:rPr lang="en-GB" sz="2800" dirty="0"/>
+              <a:t> Post-condition (do-while loop)</a:t>
+            </a:r>
+          </a:p>
+          <a:p>
+            <a:pPr>
+              <a:buFont typeface="Wingdings" panose="05000000000000000000" pitchFamily="2" charset="2"/>
+              <a:buChar char="v"/>
+            </a:pPr>
+            <a:r>
+              <a:rPr lang="en-GB" sz="2800" dirty="0"/>
+              <a:t> Infinite</a:t>
+            </a:r>
+          </a:p>
+          <a:p>
+            <a:pPr>
+              <a:buFont typeface="Wingdings" panose="05000000000000000000" pitchFamily="2" charset="2"/>
+              <a:buChar char="v"/>
+            </a:pPr>
+            <a:r>
+              <a:rPr lang="en-GB" sz="2800" dirty="0"/>
+              <a:t> finite</a:t>
+            </a:r>
+          </a:p>
+          <a:p>
+            <a:pPr>
+              <a:buFont typeface="Wingdings" panose="05000000000000000000" pitchFamily="2" charset="2"/>
+              <a:buChar char="v"/>
+            </a:pPr>
+            <a:r>
+              <a:rPr lang="en-GB" sz="2800" dirty="0"/>
+              <a:t> Nested</a:t>
             </a:r>
           </a:p>
         </p:txBody>
@@ -7914,7 +6410,7 @@
     </p:spTree>
     <p:extLst>
       <p:ext uri="{BB962C8B-B14F-4D97-AF65-F5344CB8AC3E}">
-        <p14:creationId xmlns:p14="http://schemas.microsoft.com/office/powerpoint/2010/main" val="733225213"/>
+        <p14:creationId xmlns:p14="http://schemas.microsoft.com/office/powerpoint/2010/main" val="21758069"/>
       </p:ext>
     </p:extLst>
   </p:cSld>
@@ -7963,10 +6459,9 @@
           <a:lstStyle/>
           <a:p>
             <a:r>
-              <a:rPr lang="en-GB" dirty="0" smtClean="0"/>
+              <a:rPr lang="en-GB" dirty="0"/>
               <a:t>Outline</a:t>
             </a:r>
-            <a:endParaRPr lang="en-GB" dirty="0"/>
           </a:p>
         </p:txBody>
       </p:sp>
@@ -8005,7 +6500,7 @@
               <a:t> </a:t>
             </a:r>
             <a:r>
-              <a:rPr lang="en-US" dirty="0" smtClean="0"/>
+              <a:rPr lang="en-US" dirty="0"/>
               <a:t>Types of Control Structure</a:t>
             </a:r>
           </a:p>
@@ -8016,11 +6511,7 @@
             </a:pPr>
             <a:r>
               <a:rPr lang="en-US" dirty="0"/>
-              <a:t> </a:t>
-            </a:r>
-            <a:r>
-              <a:rPr lang="en-US" dirty="0" smtClean="0"/>
-              <a:t>Sequential Control</a:t>
+              <a:t> Sequential Control</a:t>
             </a:r>
           </a:p>
           <a:p>
@@ -8030,11 +6521,7 @@
             </a:pPr>
             <a:r>
               <a:rPr lang="en-US" dirty="0"/>
-              <a:t> </a:t>
-            </a:r>
-            <a:r>
-              <a:rPr lang="en-US" dirty="0" smtClean="0"/>
-              <a:t>Expression types</a:t>
+              <a:t> Expression types</a:t>
             </a:r>
           </a:p>
           <a:p>
@@ -8044,11 +6531,7 @@
             </a:pPr>
             <a:r>
               <a:rPr lang="en-US" dirty="0"/>
-              <a:t> </a:t>
-            </a:r>
-            <a:r>
-              <a:rPr lang="en-US" dirty="0" smtClean="0"/>
-              <a:t>Selection Control</a:t>
+              <a:t> Selection Control</a:t>
             </a:r>
           </a:p>
           <a:p>
@@ -8058,11 +6541,7 @@
             </a:pPr>
             <a:r>
               <a:rPr lang="en-US" dirty="0"/>
-              <a:t> </a:t>
-            </a:r>
-            <a:r>
-              <a:rPr lang="en-US" dirty="0" smtClean="0"/>
-              <a:t>Unconditional-if</a:t>
+              <a:t> Unconditional-if</a:t>
             </a:r>
           </a:p>
           <a:p>
@@ -8072,11 +6551,7 @@
             </a:pPr>
             <a:r>
               <a:rPr lang="en-US" dirty="0"/>
-              <a:t> </a:t>
-            </a:r>
-            <a:r>
-              <a:rPr lang="en-US" dirty="0" smtClean="0"/>
-              <a:t>Conditional-if</a:t>
+              <a:t> Conditional-if</a:t>
             </a:r>
           </a:p>
           <a:p>
@@ -8086,11 +6561,7 @@
             </a:pPr>
             <a:r>
               <a:rPr lang="en-US" dirty="0"/>
-              <a:t> </a:t>
-            </a:r>
-            <a:r>
-              <a:rPr lang="en-US" dirty="0" smtClean="0"/>
-              <a:t>Bi-conditional if</a:t>
+              <a:t> Bi-conditional if</a:t>
             </a:r>
           </a:p>
           <a:p>
@@ -8100,11 +6571,7 @@
             </a:pPr>
             <a:r>
               <a:rPr lang="en-US" dirty="0"/>
-              <a:t> </a:t>
-            </a:r>
-            <a:r>
-              <a:rPr lang="en-US" dirty="0" smtClean="0"/>
-              <a:t>Cascaded-if</a:t>
+              <a:t> Cascaded-if</a:t>
             </a:r>
           </a:p>
           <a:p>
@@ -8114,11 +6581,7 @@
             </a:pPr>
             <a:r>
               <a:rPr lang="en-US" dirty="0"/>
-              <a:t> </a:t>
-            </a:r>
-            <a:r>
-              <a:rPr lang="en-US" dirty="0" smtClean="0"/>
-              <a:t>Nested-if</a:t>
+              <a:t> Nested-if</a:t>
             </a:r>
             <a:endParaRPr lang="en-GB" dirty="0"/>
           </a:p>
@@ -8406,11 +6869,11 @@
               <a:buChar char="v"/>
             </a:pPr>
             <a:r>
-              <a:rPr lang="en-GB" dirty="0" smtClean="0"/>
+              <a:rPr lang="en-GB" dirty="0"/>
               <a:t> </a:t>
             </a:r>
             <a:r>
-              <a:rPr lang="en-US" dirty="0" smtClean="0"/>
+              <a:rPr lang="en-US" dirty="0"/>
               <a:t>Switch-statements</a:t>
             </a:r>
           </a:p>
@@ -8421,11 +6884,7 @@
             </a:pPr>
             <a:r>
               <a:rPr lang="en-US" dirty="0"/>
-              <a:t> </a:t>
-            </a:r>
-            <a:r>
-              <a:rPr lang="en-US" dirty="0" smtClean="0"/>
-              <a:t>Iteration Control</a:t>
+              <a:t> Iteration Control</a:t>
             </a:r>
           </a:p>
           <a:p>
@@ -8435,11 +6894,7 @@
             </a:pPr>
             <a:r>
               <a:rPr lang="en-US" dirty="0"/>
-              <a:t> </a:t>
-            </a:r>
-            <a:r>
-              <a:rPr lang="en-US" dirty="0" smtClean="0"/>
-              <a:t>Types of loops</a:t>
+              <a:t> Classes of loops</a:t>
             </a:r>
           </a:p>
           <a:p>
@@ -8449,11 +6904,7 @@
             </a:pPr>
             <a:r>
               <a:rPr lang="en-US" dirty="0"/>
-              <a:t> </a:t>
-            </a:r>
-            <a:r>
-              <a:rPr lang="en-US" dirty="0" smtClean="0"/>
-              <a:t>While</a:t>
+              <a:t> While</a:t>
             </a:r>
           </a:p>
           <a:p>
@@ -8463,11 +6914,7 @@
             </a:pPr>
             <a:r>
               <a:rPr lang="en-US" dirty="0"/>
-              <a:t> </a:t>
-            </a:r>
-            <a:r>
-              <a:rPr lang="en-US" dirty="0" smtClean="0"/>
-              <a:t>do-while</a:t>
+              <a:t> do-while</a:t>
             </a:r>
           </a:p>
           <a:p>
@@ -8477,11 +6924,7 @@
             </a:pPr>
             <a:r>
               <a:rPr lang="en-US" dirty="0"/>
-              <a:t> </a:t>
-            </a:r>
-            <a:r>
-              <a:rPr lang="en-US" dirty="0" smtClean="0"/>
-              <a:t>for-loop</a:t>
+              <a:t> for-loop</a:t>
             </a:r>
           </a:p>
           <a:p>
@@ -8491,11 +6934,7 @@
             </a:pPr>
             <a:r>
               <a:rPr lang="en-US" dirty="0"/>
-              <a:t> </a:t>
-            </a:r>
-            <a:r>
-              <a:rPr lang="en-US" dirty="0" smtClean="0"/>
-              <a:t>Nested-Loops</a:t>
+              <a:t> Nested-Loops</a:t>
             </a:r>
           </a:p>
           <a:p>
@@ -8505,11 +6944,7 @@
             </a:pPr>
             <a:r>
               <a:rPr lang="en-US" dirty="0"/>
-              <a:t> </a:t>
-            </a:r>
-            <a:r>
-              <a:rPr lang="en-US" dirty="0" smtClean="0"/>
-              <a:t>Arrays</a:t>
+              <a:t> Arrays</a:t>
             </a:r>
           </a:p>
           <a:p>
@@ -8518,14 +6953,10 @@
               <a:buChar char="v"/>
             </a:pPr>
             <a:r>
-              <a:rPr lang="en-US"/>
-              <a:t> </a:t>
-            </a:r>
-            <a:r>
-              <a:rPr lang="en-US" smtClean="0"/>
-              <a:t>Exercises</a:t>
-            </a:r>
-            <a:endParaRPr lang="en-GB" dirty="0" smtClean="0"/>
+              <a:rPr lang="en-US" dirty="0"/>
+              <a:t> Exercises</a:t>
+            </a:r>
+            <a:endParaRPr lang="en-GB" dirty="0"/>
           </a:p>
           <a:p>
             <a:endParaRPr lang="en-GB" dirty="0"/>
@@ -8567,7 +6998,7 @@
           <p:cNvPr id="2" name="Title 1">
             <a:extLst>
               <a:ext uri="{FF2B5EF4-FFF2-40B4-BE49-F238E27FC236}">
-                <a16:creationId xmlns:a16="http://schemas.microsoft.com/office/drawing/2014/main" id="{039A1D65-6877-4E0D-AAED-136EB4DA660C}"/>
+                <a16:creationId xmlns:a16="http://schemas.microsoft.com/office/drawing/2014/main" id="{7304BBA7-9D5E-4B9A-95AF-2E54F4B41C0E}"/>
               </a:ext>
             </a:extLst>
           </p:cNvPr>
@@ -8584,83 +7015,618 @@
           <a:lstStyle/>
           <a:p>
             <a:r>
-              <a:rPr lang="en-GB" dirty="0"/>
-              <a:t>Class Diagram – Example.</a:t>
-            </a:r>
-          </a:p>
-        </p:txBody>
-      </p:sp>
-      <p:pic>
-        <p:nvPicPr>
-          <p:cNvPr id="4" name="Content Placeholder 3">
+              <a:rPr lang="en-US" dirty="0"/>
+              <a:t>Loop characteristics</a:t>
+            </a:r>
+            <a:endParaRPr lang="en-GB" dirty="0"/>
+          </a:p>
+        </p:txBody>
+      </p:sp>
+      <p:graphicFrame>
+        <p:nvGraphicFramePr>
+          <p:cNvPr id="4" name="Table 4">
             <a:extLst>
               <a:ext uri="{FF2B5EF4-FFF2-40B4-BE49-F238E27FC236}">
-                <a16:creationId xmlns:a16="http://schemas.microsoft.com/office/drawing/2014/main" id="{BE171412-B5F4-461C-AFB9-44BF743CA717}"/>
+                <a16:creationId xmlns:a16="http://schemas.microsoft.com/office/drawing/2014/main" id="{D4CAC45A-14DF-44DB-9A20-38B823E17AC7}"/>
               </a:ext>
             </a:extLst>
           </p:cNvPr>
-          <p:cNvPicPr>
-            <a:picLocks noGrp="1" noChangeAspect="1"/>
-          </p:cNvPicPr>
+          <p:cNvGraphicFramePr>
+            <a:graphicFrameLocks noGrp="1"/>
+          </p:cNvGraphicFramePr>
           <p:nvPr>
             <p:ph idx="1"/>
-          </p:nvPr>
-        </p:nvPicPr>
-        <p:blipFill>
-          <a:blip r:embed="rId2"/>
-          <a:stretch>
-            <a:fillRect/>
-          </a:stretch>
-        </p:blipFill>
-        <p:spPr>
-          <a:xfrm>
-            <a:off x="1274618" y="1828937"/>
-            <a:ext cx="5874328" cy="2996415"/>
-          </a:xfrm>
-          <a:prstGeom prst="rect">
-            <a:avLst/>
-          </a:prstGeom>
-        </p:spPr>
-      </p:pic>
-      <p:sp>
-        <p:nvSpPr>
-          <p:cNvPr id="5" name="TextBox 4">
-            <a:extLst>
-              <a:ext uri="{FF2B5EF4-FFF2-40B4-BE49-F238E27FC236}">
-                <a16:creationId xmlns:a16="http://schemas.microsoft.com/office/drawing/2014/main" id="{0313F0B1-4FAD-4465-95FB-8B718016DA91}"/>
-              </a:ext>
-            </a:extLst>
-          </p:cNvPr>
-          <p:cNvSpPr txBox="1"/>
-          <p:nvPr/>
-        </p:nvSpPr>
-        <p:spPr>
-          <a:xfrm>
-            <a:off x="1095087" y="5070764"/>
-            <a:ext cx="7543800" cy="923330"/>
-          </a:xfrm>
-          <a:prstGeom prst="rect">
-            <a:avLst/>
-          </a:prstGeom>
-          <a:noFill/>
-        </p:spPr>
-        <p:txBody>
-          <a:bodyPr wrap="square" rtlCol="0">
-            <a:spAutoFit/>
-          </a:bodyPr>
-          <a:lstStyle/>
-          <a:p>
-            <a:r>
-              <a:rPr lang="en-GB" dirty="0"/>
-              <a:t>Animal is the super class. Duck, Fish, and Zebra are subclasses and they inherit all the members from the superclass.  The subclasses also have their own attributes and methods. </a:t>
-            </a:r>
-          </a:p>
-        </p:txBody>
-      </p:sp>
+            <p:extLst>
+              <p:ext uri="{D42A27DB-BD31-4B8C-83A1-F6EECF244321}">
+                <p14:modId xmlns:p14="http://schemas.microsoft.com/office/powerpoint/2010/main" val="3956080982"/>
+              </p:ext>
+            </p:extLst>
+          </p:nvPr>
+        </p:nvGraphicFramePr>
+        <p:xfrm>
+          <a:off x="822324" y="2072505"/>
+          <a:ext cx="7803200" cy="2595880"/>
+        </p:xfrm>
+        <a:graphic>
+          <a:graphicData uri="http://schemas.openxmlformats.org/drawingml/2006/table">
+            <a:tbl>
+              <a:tblPr firstRow="1" bandRow="1">
+                <a:tableStyleId>{5C22544A-7EE6-4342-B048-85BDC9FD1C3A}</a:tableStyleId>
+              </a:tblPr>
+              <a:tblGrid>
+                <a:gridCol w="1986864">
+                  <a:extLst>
+                    <a:ext uri="{9D8B030D-6E8A-4147-A177-3AD203B41FA5}">
+                      <a16:colId xmlns:a16="http://schemas.microsoft.com/office/drawing/2014/main" val="2155783226"/>
+                    </a:ext>
+                  </a:extLst>
+                </a:gridCol>
+                <a:gridCol w="1366886">
+                  <a:extLst>
+                    <a:ext uri="{9D8B030D-6E8A-4147-A177-3AD203B41FA5}">
+                      <a16:colId xmlns:a16="http://schemas.microsoft.com/office/drawing/2014/main" val="2514555291"/>
+                    </a:ext>
+                  </a:extLst>
+                </a:gridCol>
+                <a:gridCol w="1328170">
+                  <a:extLst>
+                    <a:ext uri="{9D8B030D-6E8A-4147-A177-3AD203B41FA5}">
+                      <a16:colId xmlns:a16="http://schemas.microsoft.com/office/drawing/2014/main" val="629643606"/>
+                    </a:ext>
+                  </a:extLst>
+                </a:gridCol>
+                <a:gridCol w="1396177">
+                  <a:extLst>
+                    <a:ext uri="{9D8B030D-6E8A-4147-A177-3AD203B41FA5}">
+                      <a16:colId xmlns:a16="http://schemas.microsoft.com/office/drawing/2014/main" val="302354819"/>
+                    </a:ext>
+                  </a:extLst>
+                </a:gridCol>
+                <a:gridCol w="1725103">
+                  <a:extLst>
+                    <a:ext uri="{9D8B030D-6E8A-4147-A177-3AD203B41FA5}">
+                      <a16:colId xmlns:a16="http://schemas.microsoft.com/office/drawing/2014/main" val="2887274464"/>
+                    </a:ext>
+                  </a:extLst>
+                </a:gridCol>
+              </a:tblGrid>
+              <a:tr h="370840">
+                <a:tc>
+                  <a:txBody>
+                    <a:bodyPr/>
+                    <a:lstStyle/>
+                    <a:p>
+                      <a:r>
+                        <a:rPr lang="en-GB" dirty="0"/>
+                        <a:t>Loop Class</a:t>
+                      </a:r>
+                    </a:p>
+                  </a:txBody>
+                  <a:tcPr/>
+                </a:tc>
+                <a:tc>
+                  <a:txBody>
+                    <a:bodyPr/>
+                    <a:lstStyle/>
+                    <a:p>
+                      <a:pPr algn="ctr"/>
+                      <a:r>
+                        <a:rPr lang="en-GB" dirty="0"/>
+                        <a:t>Initialiser</a:t>
+                      </a:r>
+                    </a:p>
+                  </a:txBody>
+                  <a:tcPr/>
+                </a:tc>
+                <a:tc>
+                  <a:txBody>
+                    <a:bodyPr/>
+                    <a:lstStyle/>
+                    <a:p>
+                      <a:pPr algn="ctr"/>
+                      <a:r>
+                        <a:rPr lang="en-GB" dirty="0"/>
+                        <a:t>Update</a:t>
+                      </a:r>
+                    </a:p>
+                  </a:txBody>
+                  <a:tcPr/>
+                </a:tc>
+                <a:tc>
+                  <a:txBody>
+                    <a:bodyPr/>
+                    <a:lstStyle/>
+                    <a:p>
+                      <a:pPr algn="ctr"/>
+                      <a:r>
+                        <a:rPr lang="en-GB" dirty="0"/>
+                        <a:t>Loop Body</a:t>
+                      </a:r>
+                    </a:p>
+                  </a:txBody>
+                  <a:tcPr/>
+                </a:tc>
+                <a:tc>
+                  <a:txBody>
+                    <a:bodyPr/>
+                    <a:lstStyle/>
+                    <a:p>
+                      <a:pPr algn="ctr"/>
+                      <a:r>
+                        <a:rPr lang="en-GB" dirty="0"/>
+                        <a:t>Stop condition</a:t>
+                      </a:r>
+                    </a:p>
+                  </a:txBody>
+                  <a:tcPr/>
+                </a:tc>
+                <a:extLst>
+                  <a:ext uri="{0D108BD9-81ED-4DB2-BD59-A6C34878D82A}">
+                    <a16:rowId xmlns:a16="http://schemas.microsoft.com/office/drawing/2014/main" val="3516563723"/>
+                  </a:ext>
+                </a:extLst>
+              </a:tr>
+              <a:tr h="370840">
+                <a:tc>
+                  <a:txBody>
+                    <a:bodyPr/>
+                    <a:lstStyle/>
+                    <a:p>
+                      <a:pPr>
+                        <a:buFont typeface="Wingdings" panose="05000000000000000000" pitchFamily="2" charset="2"/>
+                        <a:buNone/>
+                      </a:pPr>
+                      <a:r>
+                        <a:rPr lang="en-US" sz="1800" dirty="0"/>
+                        <a:t> </a:t>
+                      </a:r>
+                      <a:r>
+                        <a:rPr lang="en-GB" sz="1800" dirty="0"/>
+                        <a:t>Deterministic</a:t>
+                      </a:r>
+                    </a:p>
+                  </a:txBody>
+                  <a:tcPr/>
+                </a:tc>
+                <a:tc>
+                  <a:txBody>
+                    <a:bodyPr/>
+                    <a:lstStyle/>
+                    <a:p>
+                      <a:pPr algn="ctr"/>
+                      <a:r>
+                        <a:rPr lang="en-GB" dirty="0">
+                          <a:sym typeface="Wingdings" panose="05000000000000000000" pitchFamily="2" charset="2"/>
+                        </a:rPr>
+                        <a:t></a:t>
+                      </a:r>
+                      <a:endParaRPr lang="en-GB" dirty="0"/>
+                    </a:p>
+                  </a:txBody>
+                  <a:tcPr/>
+                </a:tc>
+                <a:tc>
+                  <a:txBody>
+                    <a:bodyPr/>
+                    <a:lstStyle/>
+                    <a:p>
+                      <a:pPr algn="ctr"/>
+                      <a:endParaRPr lang="en-GB" dirty="0"/>
+                    </a:p>
+                  </a:txBody>
+                  <a:tcPr/>
+                </a:tc>
+                <a:tc>
+                  <a:txBody>
+                    <a:bodyPr/>
+                    <a:lstStyle/>
+                    <a:p>
+                      <a:pPr algn="ctr"/>
+                      <a:endParaRPr lang="en-GB" dirty="0"/>
+                    </a:p>
+                  </a:txBody>
+                  <a:tcPr/>
+                </a:tc>
+                <a:tc>
+                  <a:txBody>
+                    <a:bodyPr/>
+                    <a:lstStyle/>
+                    <a:p>
+                      <a:pPr algn="ctr"/>
+                      <a:endParaRPr lang="en-GB" dirty="0"/>
+                    </a:p>
+                  </a:txBody>
+                  <a:tcPr/>
+                </a:tc>
+                <a:extLst>
+                  <a:ext uri="{0D108BD9-81ED-4DB2-BD59-A6C34878D82A}">
+                    <a16:rowId xmlns:a16="http://schemas.microsoft.com/office/drawing/2014/main" val="890885591"/>
+                  </a:ext>
+                </a:extLst>
+              </a:tr>
+              <a:tr h="370840">
+                <a:tc>
+                  <a:txBody>
+                    <a:bodyPr/>
+                    <a:lstStyle/>
+                    <a:p>
+                      <a:pPr>
+                        <a:buFont typeface="Wingdings" panose="05000000000000000000" pitchFamily="2" charset="2"/>
+                        <a:buNone/>
+                      </a:pPr>
+                      <a:r>
+                        <a:rPr lang="en-GB" sz="1800" dirty="0"/>
+                        <a:t>Non-deterministic</a:t>
+                      </a:r>
+                    </a:p>
+                  </a:txBody>
+                  <a:tcPr/>
+                </a:tc>
+                <a:tc>
+                  <a:txBody>
+                    <a:bodyPr/>
+                    <a:lstStyle/>
+                    <a:p>
+                      <a:pPr marL="0" marR="0" lvl="0" indent="0" algn="ctr" defTabSz="914400" rtl="0" eaLnBrk="1" fontAlgn="auto" latinLnBrk="0" hangingPunct="1">
+                        <a:lnSpc>
+                          <a:spcPct val="100000"/>
+                        </a:lnSpc>
+                        <a:spcBef>
+                          <a:spcPts val="0"/>
+                        </a:spcBef>
+                        <a:spcAft>
+                          <a:spcPts val="0"/>
+                        </a:spcAft>
+                        <a:buClrTx/>
+                        <a:buSzTx/>
+                        <a:buFontTx/>
+                        <a:buNone/>
+                        <a:tabLst/>
+                        <a:defRPr/>
+                      </a:pPr>
+                      <a:r>
+                        <a:rPr lang="en-GB" dirty="0">
+                          <a:sym typeface="Wingdings" panose="05000000000000000000" pitchFamily="2" charset="2"/>
+                        </a:rPr>
+                        <a:t></a:t>
+                      </a:r>
+                      <a:endParaRPr lang="en-GB" dirty="0"/>
+                    </a:p>
+                  </a:txBody>
+                  <a:tcPr/>
+                </a:tc>
+                <a:tc>
+                  <a:txBody>
+                    <a:bodyPr/>
+                    <a:lstStyle/>
+                    <a:p>
+                      <a:pPr algn="ctr"/>
+                      <a:endParaRPr lang="en-GB" dirty="0"/>
+                    </a:p>
+                  </a:txBody>
+                  <a:tcPr/>
+                </a:tc>
+                <a:tc>
+                  <a:txBody>
+                    <a:bodyPr/>
+                    <a:lstStyle/>
+                    <a:p>
+                      <a:pPr algn="ctr"/>
+                      <a:endParaRPr lang="en-GB" dirty="0"/>
+                    </a:p>
+                  </a:txBody>
+                  <a:tcPr/>
+                </a:tc>
+                <a:tc>
+                  <a:txBody>
+                    <a:bodyPr/>
+                    <a:lstStyle/>
+                    <a:p>
+                      <a:pPr algn="ctr"/>
+                      <a:endParaRPr lang="en-GB" dirty="0"/>
+                    </a:p>
+                  </a:txBody>
+                  <a:tcPr/>
+                </a:tc>
+                <a:extLst>
+                  <a:ext uri="{0D108BD9-81ED-4DB2-BD59-A6C34878D82A}">
+                    <a16:rowId xmlns:a16="http://schemas.microsoft.com/office/drawing/2014/main" val="730601423"/>
+                  </a:ext>
+                </a:extLst>
+              </a:tr>
+              <a:tr h="370840">
+                <a:tc>
+                  <a:txBody>
+                    <a:bodyPr/>
+                    <a:lstStyle/>
+                    <a:p>
+                      <a:pPr>
+                        <a:buFont typeface="Wingdings" panose="05000000000000000000" pitchFamily="2" charset="2"/>
+                        <a:buNone/>
+                      </a:pPr>
+                      <a:r>
+                        <a:rPr lang="en-GB" sz="1800" dirty="0"/>
+                        <a:t>Pre-condition</a:t>
+                      </a:r>
+                    </a:p>
+                  </a:txBody>
+                  <a:tcPr/>
+                </a:tc>
+                <a:tc>
+                  <a:txBody>
+                    <a:bodyPr/>
+                    <a:lstStyle/>
+                    <a:p>
+                      <a:pPr algn="ctr"/>
+                      <a:endParaRPr lang="en-GB" dirty="0"/>
+                    </a:p>
+                  </a:txBody>
+                  <a:tcPr/>
+                </a:tc>
+                <a:tc>
+                  <a:txBody>
+                    <a:bodyPr/>
+                    <a:lstStyle/>
+                    <a:p>
+                      <a:pPr algn="ctr"/>
+                      <a:endParaRPr lang="en-GB" dirty="0"/>
+                    </a:p>
+                  </a:txBody>
+                  <a:tcPr/>
+                </a:tc>
+                <a:tc>
+                  <a:txBody>
+                    <a:bodyPr/>
+                    <a:lstStyle/>
+                    <a:p>
+                      <a:pPr algn="ctr"/>
+                      <a:endParaRPr lang="en-GB" dirty="0"/>
+                    </a:p>
+                  </a:txBody>
+                  <a:tcPr/>
+                </a:tc>
+                <a:tc>
+                  <a:txBody>
+                    <a:bodyPr/>
+                    <a:lstStyle/>
+                    <a:p>
+                      <a:pPr algn="ctr"/>
+                      <a:endParaRPr lang="en-GB" dirty="0"/>
+                    </a:p>
+                  </a:txBody>
+                  <a:tcPr/>
+                </a:tc>
+                <a:extLst>
+                  <a:ext uri="{0D108BD9-81ED-4DB2-BD59-A6C34878D82A}">
+                    <a16:rowId xmlns:a16="http://schemas.microsoft.com/office/drawing/2014/main" val="4129780287"/>
+                  </a:ext>
+                </a:extLst>
+              </a:tr>
+              <a:tr h="370840">
+                <a:tc>
+                  <a:txBody>
+                    <a:bodyPr/>
+                    <a:lstStyle/>
+                    <a:p>
+                      <a:pPr>
+                        <a:buFont typeface="Wingdings" panose="05000000000000000000" pitchFamily="2" charset="2"/>
+                        <a:buNone/>
+                      </a:pPr>
+                      <a:r>
+                        <a:rPr lang="en-GB" sz="1800" dirty="0"/>
+                        <a:t>Post-condition</a:t>
+                      </a:r>
+                    </a:p>
+                  </a:txBody>
+                  <a:tcPr/>
+                </a:tc>
+                <a:tc>
+                  <a:txBody>
+                    <a:bodyPr/>
+                    <a:lstStyle/>
+                    <a:p>
+                      <a:pPr algn="ctr"/>
+                      <a:endParaRPr lang="en-GB" dirty="0"/>
+                    </a:p>
+                  </a:txBody>
+                  <a:tcPr/>
+                </a:tc>
+                <a:tc>
+                  <a:txBody>
+                    <a:bodyPr/>
+                    <a:lstStyle/>
+                    <a:p>
+                      <a:pPr algn="ctr"/>
+                      <a:endParaRPr lang="en-GB" dirty="0"/>
+                    </a:p>
+                  </a:txBody>
+                  <a:tcPr/>
+                </a:tc>
+                <a:tc>
+                  <a:txBody>
+                    <a:bodyPr/>
+                    <a:lstStyle/>
+                    <a:p>
+                      <a:pPr algn="ctr"/>
+                      <a:endParaRPr lang="en-GB" dirty="0"/>
+                    </a:p>
+                  </a:txBody>
+                  <a:tcPr/>
+                </a:tc>
+                <a:tc>
+                  <a:txBody>
+                    <a:bodyPr/>
+                    <a:lstStyle/>
+                    <a:p>
+                      <a:pPr algn="ctr"/>
+                      <a:endParaRPr lang="en-GB" dirty="0"/>
+                    </a:p>
+                  </a:txBody>
+                  <a:tcPr/>
+                </a:tc>
+                <a:extLst>
+                  <a:ext uri="{0D108BD9-81ED-4DB2-BD59-A6C34878D82A}">
+                    <a16:rowId xmlns:a16="http://schemas.microsoft.com/office/drawing/2014/main" val="1908000450"/>
+                  </a:ext>
+                </a:extLst>
+              </a:tr>
+              <a:tr h="370840">
+                <a:tc>
+                  <a:txBody>
+                    <a:bodyPr/>
+                    <a:lstStyle/>
+                    <a:p>
+                      <a:pPr>
+                        <a:buFont typeface="Wingdings" panose="05000000000000000000" pitchFamily="2" charset="2"/>
+                        <a:buNone/>
+                      </a:pPr>
+                      <a:r>
+                        <a:rPr lang="en-GB" sz="1800" dirty="0"/>
+                        <a:t>Infinite</a:t>
+                      </a:r>
+                    </a:p>
+                  </a:txBody>
+                  <a:tcPr/>
+                </a:tc>
+                <a:tc>
+                  <a:txBody>
+                    <a:bodyPr/>
+                    <a:lstStyle/>
+                    <a:p>
+                      <a:pPr algn="ctr"/>
+                      <a:endParaRPr lang="en-GB" dirty="0"/>
+                    </a:p>
+                  </a:txBody>
+                  <a:tcPr/>
+                </a:tc>
+                <a:tc>
+                  <a:txBody>
+                    <a:bodyPr/>
+                    <a:lstStyle/>
+                    <a:p>
+                      <a:pPr algn="ctr"/>
+                      <a:endParaRPr lang="en-GB" dirty="0"/>
+                    </a:p>
+                  </a:txBody>
+                  <a:tcPr/>
+                </a:tc>
+                <a:tc>
+                  <a:txBody>
+                    <a:bodyPr/>
+                    <a:lstStyle/>
+                    <a:p>
+                      <a:pPr algn="ctr"/>
+                      <a:endParaRPr lang="en-GB" dirty="0"/>
+                    </a:p>
+                  </a:txBody>
+                  <a:tcPr/>
+                </a:tc>
+                <a:tc>
+                  <a:txBody>
+                    <a:bodyPr/>
+                    <a:lstStyle/>
+                    <a:p>
+                      <a:pPr algn="ctr"/>
+                      <a:endParaRPr lang="en-GB" dirty="0"/>
+                    </a:p>
+                  </a:txBody>
+                  <a:tcPr/>
+                </a:tc>
+                <a:extLst>
+                  <a:ext uri="{0D108BD9-81ED-4DB2-BD59-A6C34878D82A}">
+                    <a16:rowId xmlns:a16="http://schemas.microsoft.com/office/drawing/2014/main" val="3714730306"/>
+                  </a:ext>
+                </a:extLst>
+              </a:tr>
+              <a:tr h="370840">
+                <a:tc>
+                  <a:txBody>
+                    <a:bodyPr/>
+                    <a:lstStyle/>
+                    <a:p>
+                      <a:pPr marL="0" marR="0" lvl="0" indent="0" algn="l" defTabSz="914400" rtl="0" eaLnBrk="1" fontAlgn="auto" latinLnBrk="0" hangingPunct="1">
+                        <a:lnSpc>
+                          <a:spcPct val="100000"/>
+                        </a:lnSpc>
+                        <a:spcBef>
+                          <a:spcPts val="0"/>
+                        </a:spcBef>
+                        <a:spcAft>
+                          <a:spcPts val="0"/>
+                        </a:spcAft>
+                        <a:buClrTx/>
+                        <a:buSzTx/>
+                        <a:buFont typeface="Wingdings" panose="05000000000000000000" pitchFamily="2" charset="2"/>
+                        <a:buNone/>
+                        <a:tabLst/>
+                        <a:defRPr/>
+                      </a:pPr>
+                      <a:r>
+                        <a:rPr lang="en-GB" sz="1800" dirty="0"/>
+                        <a:t> finite</a:t>
+                      </a:r>
+                    </a:p>
+                  </a:txBody>
+                  <a:tcPr/>
+                </a:tc>
+                <a:tc>
+                  <a:txBody>
+                    <a:bodyPr/>
+                    <a:lstStyle/>
+                    <a:p>
+                      <a:pPr algn="ctr"/>
+                      <a:endParaRPr lang="en-GB" dirty="0"/>
+                    </a:p>
+                  </a:txBody>
+                  <a:tcPr/>
+                </a:tc>
+                <a:tc>
+                  <a:txBody>
+                    <a:bodyPr/>
+                    <a:lstStyle/>
+                    <a:p>
+                      <a:pPr algn="ctr"/>
+                      <a:endParaRPr lang="en-GB" dirty="0"/>
+                    </a:p>
+                  </a:txBody>
+                  <a:tcPr/>
+                </a:tc>
+                <a:tc>
+                  <a:txBody>
+                    <a:bodyPr/>
+                    <a:lstStyle/>
+                    <a:p>
+                      <a:pPr algn="ctr"/>
+                      <a:endParaRPr lang="en-GB" dirty="0"/>
+                    </a:p>
+                  </a:txBody>
+                  <a:tcPr/>
+                </a:tc>
+                <a:tc>
+                  <a:txBody>
+                    <a:bodyPr/>
+                    <a:lstStyle/>
+                    <a:p>
+                      <a:pPr algn="ctr"/>
+                      <a:endParaRPr lang="en-GB" dirty="0"/>
+                    </a:p>
+                  </a:txBody>
+                  <a:tcPr/>
+                </a:tc>
+                <a:extLst>
+                  <a:ext uri="{0D108BD9-81ED-4DB2-BD59-A6C34878D82A}">
+                    <a16:rowId xmlns:a16="http://schemas.microsoft.com/office/drawing/2014/main" val="1963816910"/>
+                  </a:ext>
+                </a:extLst>
+              </a:tr>
+            </a:tbl>
+          </a:graphicData>
+        </a:graphic>
+      </p:graphicFrame>
     </p:spTree>
     <p:extLst>
       <p:ext uri="{BB962C8B-B14F-4D97-AF65-F5344CB8AC3E}">
-        <p14:creationId xmlns:p14="http://schemas.microsoft.com/office/powerpoint/2010/main" val="383230086"/>
+        <p14:creationId xmlns:p14="http://schemas.microsoft.com/office/powerpoint/2010/main" val="2689909925"/>
       </p:ext>
     </p:extLst>
   </p:cSld>
@@ -8692,7 +7658,7 @@
           <p:cNvPr id="2" name="Title 1">
             <a:extLst>
               <a:ext uri="{FF2B5EF4-FFF2-40B4-BE49-F238E27FC236}">
-                <a16:creationId xmlns:a16="http://schemas.microsoft.com/office/drawing/2014/main" id="{7EBF46A5-ACAD-42D2-A1A6-ADC1140D4C5E}"/>
+                <a16:creationId xmlns:a16="http://schemas.microsoft.com/office/drawing/2014/main" id="{7304BBA7-9D5E-4B9A-95AF-2E54F4B41C0E}"/>
               </a:ext>
             </a:extLst>
           </p:cNvPr>
@@ -8710,94 +7676,862 @@
           <a:p>
             <a:r>
               <a:rPr lang="en-GB" dirty="0"/>
-              <a:t>Drawing of Basic Class Diagram - Exercise</a:t>
-            </a:r>
-          </a:p>
-        </p:txBody>
-      </p:sp>
-      <p:sp>
-        <p:nvSpPr>
-          <p:cNvPr id="3" name="Content Placeholder 2">
+              <a:t>Loop Example</a:t>
+            </a:r>
+          </a:p>
+        </p:txBody>
+      </p:sp>
+      <p:sp>
+        <p:nvSpPr>
+          <p:cNvPr id="7" name="Rectangle 1">
             <a:extLst>
               <a:ext uri="{FF2B5EF4-FFF2-40B4-BE49-F238E27FC236}">
-                <a16:creationId xmlns:a16="http://schemas.microsoft.com/office/drawing/2014/main" id="{6F758064-4DD8-4663-BB30-51A3BFEDCA46}"/>
+                <a16:creationId xmlns:a16="http://schemas.microsoft.com/office/drawing/2014/main" id="{201B9A85-BF92-437C-96DA-99480A69754D}"/>
               </a:ext>
             </a:extLst>
           </p:cNvPr>
           <p:cNvSpPr>
-            <a:spLocks noGrp="1"/>
+            <a:spLocks noGrp="1" noChangeArrowheads="1"/>
           </p:cNvSpPr>
           <p:nvPr>
             <p:ph idx="1"/>
           </p:nvPr>
         </p:nvSpPr>
-        <p:spPr/>
-        <p:txBody>
-          <a:bodyPr/>
+        <p:spPr bwMode="auto">
+          <a:xfrm>
+            <a:off x="822959" y="1964588"/>
+            <a:ext cx="3926524" cy="3785652"/>
+          </a:xfrm>
+          <a:prstGeom prst="rect">
+            <a:avLst/>
+          </a:prstGeom>
+          <a:solidFill>
+            <a:srgbClr val="2B2B2B"/>
+          </a:solidFill>
+          <a:ln>
+            <a:noFill/>
+          </a:ln>
+          <a:effectLst/>
+          <a:extLst>
+            <a:ext uri="{91240B29-F687-4F45-9708-019B960494DF}">
+              <a14:hiddenLine xmlns:a14="http://schemas.microsoft.com/office/drawing/2010/main" w="9525">
+                <a:solidFill>
+                  <a:schemeClr val="tx1"/>
+                </a:solidFill>
+                <a:miter lim="800000"/>
+                <a:headEnd/>
+                <a:tailEnd/>
+              </a14:hiddenLine>
+            </a:ext>
+            <a:ext uri="{AF507438-7753-43E0-B8FC-AC1667EBCBE1}">
+              <a14:hiddenEffects xmlns:a14="http://schemas.microsoft.com/office/drawing/2010/main">
+                <a:effectLst>
+                  <a:outerShdw dist="35921" dir="2700000" algn="ctr" rotWithShape="0">
+                    <a:schemeClr val="bg2"/>
+                  </a:outerShdw>
+                </a:effectLst>
+              </a14:hiddenEffects>
+            </a:ext>
+          </a:extLst>
+        </p:spPr>
+        <p:txBody>
+          <a:bodyPr vert="horz" wrap="none" lIns="91440" tIns="45720" rIns="91440" bIns="45720" numCol="1" anchor="ctr" anchorCtr="0" compatLnSpc="1">
+            <a:prstTxWarp prst="textNoShape">
+              <a:avLst/>
+            </a:prstTxWarp>
+            <a:spAutoFit/>
+          </a:bodyPr>
           <a:lstStyle/>
           <a:p>
-            <a:pPr>
-              <a:buFont typeface="Wingdings" panose="05000000000000000000" pitchFamily="2" charset="2"/>
-              <a:buChar char="v"/>
-            </a:pPr>
-            <a:r>
-              <a:rPr lang="en-GB" dirty="0"/>
-              <a:t> Create a class diagram representing the transport options available for moving from Manchester to London using draw draw.io.</a:t>
-            </a:r>
-          </a:p>
-          <a:p>
-            <a:pPr>
-              <a:buFont typeface="Wingdings" panose="05000000000000000000" pitchFamily="2" charset="2"/>
-              <a:buChar char="v"/>
-            </a:pPr>
-            <a:r>
-              <a:rPr lang="en-GB" dirty="0"/>
-              <a:t> It should include a superclass whose fields can be inherited by other classes.</a:t>
-            </a:r>
-          </a:p>
-          <a:p>
-            <a:pPr>
-              <a:buFont typeface="Wingdings" panose="05000000000000000000" pitchFamily="2" charset="2"/>
-              <a:buChar char="v"/>
-            </a:pPr>
-            <a:r>
-              <a:rPr lang="en-GB" dirty="0"/>
-              <a:t> Create three subclasses representing the means of transportation with their own unique fields in addition to those inherited from the superclass.</a:t>
-            </a:r>
-          </a:p>
-          <a:p>
-            <a:pPr>
-              <a:buFont typeface="Wingdings" panose="05000000000000000000" pitchFamily="2" charset="2"/>
-              <a:buChar char="v"/>
-            </a:pPr>
-            <a:r>
-              <a:rPr lang="en-GB" dirty="0"/>
-              <a:t> Ensure that class name, attributes, methods, visibility and relationship are covered in your diagram.</a:t>
-            </a:r>
-          </a:p>
-          <a:p>
-            <a:pPr>
-              <a:buFont typeface="Wingdings" panose="05000000000000000000" pitchFamily="2" charset="2"/>
-              <a:buChar char="v"/>
-            </a:pPr>
-            <a:r>
-              <a:rPr lang="en-GB" dirty="0"/>
-              <a:t> Final model should be submitted on Brightspace. </a:t>
-            </a:r>
-          </a:p>
-          <a:p>
-            <a:pPr>
-              <a:buFont typeface="Wingdings" panose="05000000000000000000" pitchFamily="2" charset="2"/>
-              <a:buChar char="v"/>
-            </a:pPr>
-            <a:endParaRPr lang="en-GB" dirty="0"/>
+            <a:pPr marL="0" marR="0" lvl="0" indent="0" algn="l" defTabSz="914400" rtl="0" eaLnBrk="0" fontAlgn="base" latinLnBrk="0" hangingPunct="0">
+              <a:lnSpc>
+                <a:spcPct val="100000"/>
+              </a:lnSpc>
+              <a:spcBef>
+                <a:spcPct val="0"/>
+              </a:spcBef>
+              <a:spcAft>
+                <a:spcPct val="0"/>
+              </a:spcAft>
+              <a:buClrTx/>
+              <a:buSzTx/>
+              <a:buFontTx/>
+              <a:buNone/>
+              <a:tabLst/>
+            </a:pPr>
+            <a:r>
+              <a:rPr kumimoji="0" lang="en-US" altLang="en-US" b="0" i="0" u="none" strike="noStrike" cap="none" normalizeH="0" baseline="0" dirty="0">
+                <a:ln>
+                  <a:noFill/>
+                </a:ln>
+                <a:solidFill>
+                  <a:srgbClr val="CC7832"/>
+                </a:solidFill>
+                <a:effectLst/>
+                <a:latin typeface="JetBrains Mono"/>
+              </a:rPr>
+              <a:t>public class </a:t>
+            </a:r>
+            <a:r>
+              <a:rPr kumimoji="0" lang="en-US" altLang="en-US" b="0" i="0" u="none" strike="noStrike" cap="none" normalizeH="0" baseline="0" dirty="0">
+                <a:ln>
+                  <a:noFill/>
+                </a:ln>
+                <a:solidFill>
+                  <a:srgbClr val="A9B7C6"/>
+                </a:solidFill>
+                <a:effectLst/>
+                <a:latin typeface="JetBrains Mono"/>
+              </a:rPr>
+              <a:t>Control{</a:t>
+            </a:r>
+            <a:br>
+              <a:rPr kumimoji="0" lang="en-US" altLang="en-US" b="0" i="0" u="none" strike="noStrike" cap="none" normalizeH="0" baseline="0" dirty="0">
+                <a:ln>
+                  <a:noFill/>
+                </a:ln>
+                <a:solidFill>
+                  <a:srgbClr val="A9B7C6"/>
+                </a:solidFill>
+                <a:effectLst/>
+                <a:latin typeface="JetBrains Mono"/>
+              </a:rPr>
+            </a:br>
+            <a:r>
+              <a:rPr kumimoji="0" lang="en-US" altLang="en-US" b="0" i="0" u="none" strike="noStrike" cap="none" normalizeH="0" baseline="0" dirty="0">
+                <a:ln>
+                  <a:noFill/>
+                </a:ln>
+                <a:solidFill>
+                  <a:srgbClr val="A9B7C6"/>
+                </a:solidFill>
+                <a:effectLst/>
+                <a:latin typeface="JetBrains Mono"/>
+              </a:rPr>
+              <a:t>    </a:t>
+            </a:r>
+            <a:r>
+              <a:rPr kumimoji="0" lang="en-US" altLang="en-US" b="0" i="0" u="none" strike="noStrike" cap="none" normalizeH="0" baseline="0" dirty="0">
+                <a:ln>
+                  <a:noFill/>
+                </a:ln>
+                <a:solidFill>
+                  <a:srgbClr val="CC7832"/>
+                </a:solidFill>
+                <a:effectLst/>
+                <a:latin typeface="JetBrains Mono"/>
+              </a:rPr>
+              <a:t>public static void </a:t>
+            </a:r>
+            <a:r>
+              <a:rPr kumimoji="0" lang="en-US" altLang="en-US" b="0" i="0" u="none" strike="noStrike" cap="none" normalizeH="0" baseline="0" dirty="0">
+                <a:ln>
+                  <a:noFill/>
+                </a:ln>
+                <a:solidFill>
+                  <a:srgbClr val="A9B7C6"/>
+                </a:solidFill>
+                <a:effectLst/>
+                <a:latin typeface="JetBrains Mono"/>
+              </a:rPr>
+              <a:t>main(String []a){</a:t>
+            </a:r>
+            <a:br>
+              <a:rPr kumimoji="0" lang="en-US" altLang="en-US" b="0" i="0" u="none" strike="noStrike" cap="none" normalizeH="0" baseline="0" dirty="0">
+                <a:ln>
+                  <a:noFill/>
+                </a:ln>
+                <a:solidFill>
+                  <a:srgbClr val="A9B7C6"/>
+                </a:solidFill>
+                <a:effectLst/>
+                <a:latin typeface="JetBrains Mono"/>
+              </a:rPr>
+            </a:br>
+            <a:r>
+              <a:rPr kumimoji="0" lang="en-US" altLang="en-US" b="0" i="0" u="none" strike="noStrike" cap="none" normalizeH="0" baseline="0" dirty="0">
+                <a:ln>
+                  <a:noFill/>
+                </a:ln>
+                <a:solidFill>
+                  <a:srgbClr val="A9B7C6"/>
+                </a:solidFill>
+                <a:effectLst/>
+                <a:latin typeface="JetBrains Mono"/>
+              </a:rPr>
+              <a:t>        </a:t>
+            </a:r>
+            <a:r>
+              <a:rPr kumimoji="0" lang="en-US" altLang="en-US" b="0" i="0" u="none" strike="noStrike" cap="none" normalizeH="0" baseline="0" dirty="0">
+                <a:ln>
+                  <a:noFill/>
+                </a:ln>
+                <a:solidFill>
+                  <a:srgbClr val="CC7832"/>
+                </a:solidFill>
+                <a:effectLst/>
+                <a:latin typeface="JetBrains Mono"/>
+              </a:rPr>
+              <a:t>int </a:t>
+            </a:r>
+            <a:r>
+              <a:rPr kumimoji="0" lang="en-US" altLang="en-US" b="0" i="0" u="none" strike="noStrike" cap="none" normalizeH="0" baseline="0" dirty="0">
+                <a:ln>
+                  <a:noFill/>
+                </a:ln>
+                <a:solidFill>
+                  <a:srgbClr val="A9B7C6"/>
+                </a:solidFill>
+                <a:effectLst/>
+                <a:latin typeface="JetBrains Mono"/>
+              </a:rPr>
+              <a:t>length</a:t>
+            </a:r>
+            <a:r>
+              <a:rPr kumimoji="0" lang="en-US" altLang="en-US" b="0" i="0" u="none" strike="noStrike" cap="none" normalizeH="0" baseline="0" dirty="0">
+                <a:ln>
+                  <a:noFill/>
+                </a:ln>
+                <a:solidFill>
+                  <a:srgbClr val="CC7832"/>
+                </a:solidFill>
+                <a:effectLst/>
+                <a:latin typeface="JetBrains Mono"/>
+              </a:rPr>
+              <a:t>;</a:t>
+            </a:r>
+            <a:br>
+              <a:rPr kumimoji="0" lang="en-US" altLang="en-US" b="0" i="0" u="none" strike="noStrike" cap="none" normalizeH="0" baseline="0" dirty="0">
+                <a:ln>
+                  <a:noFill/>
+                </a:ln>
+                <a:solidFill>
+                  <a:srgbClr val="CC7832"/>
+                </a:solidFill>
+                <a:effectLst/>
+                <a:latin typeface="JetBrains Mono"/>
+              </a:rPr>
+            </a:br>
+            <a:r>
+              <a:rPr kumimoji="0" lang="en-US" altLang="en-US" b="0" i="0" u="none" strike="noStrike" cap="none" normalizeH="0" baseline="0" dirty="0">
+                <a:ln>
+                  <a:noFill/>
+                </a:ln>
+                <a:solidFill>
+                  <a:srgbClr val="CC7832"/>
+                </a:solidFill>
+                <a:effectLst/>
+                <a:latin typeface="JetBrains Mono"/>
+              </a:rPr>
+              <a:t>        int </a:t>
+            </a:r>
+            <a:r>
+              <a:rPr kumimoji="0" lang="en-US" altLang="en-US" b="0" i="0" u="none" strike="noStrike" cap="none" normalizeH="0" baseline="0" dirty="0">
+                <a:ln>
+                  <a:noFill/>
+                </a:ln>
+                <a:solidFill>
+                  <a:srgbClr val="A9B7C6"/>
+                </a:solidFill>
+                <a:effectLst/>
+                <a:latin typeface="JetBrains Mono"/>
+              </a:rPr>
+              <a:t>width</a:t>
+            </a:r>
+            <a:r>
+              <a:rPr kumimoji="0" lang="en-US" altLang="en-US" b="0" i="0" u="none" strike="noStrike" cap="none" normalizeH="0" baseline="0" dirty="0">
+                <a:ln>
+                  <a:noFill/>
+                </a:ln>
+                <a:solidFill>
+                  <a:srgbClr val="CC7832"/>
+                </a:solidFill>
+                <a:effectLst/>
+                <a:latin typeface="JetBrains Mono"/>
+              </a:rPr>
+              <a:t>;</a:t>
+            </a:r>
+            <a:br>
+              <a:rPr kumimoji="0" lang="en-US" altLang="en-US" b="0" i="0" u="none" strike="noStrike" cap="none" normalizeH="0" baseline="0" dirty="0">
+                <a:ln>
+                  <a:noFill/>
+                </a:ln>
+                <a:solidFill>
+                  <a:srgbClr val="CC7832"/>
+                </a:solidFill>
+                <a:effectLst/>
+                <a:latin typeface="JetBrains Mono"/>
+              </a:rPr>
+            </a:br>
+            <a:r>
+              <a:rPr kumimoji="0" lang="en-US" altLang="en-US" b="0" i="0" u="none" strike="noStrike" cap="none" normalizeH="0" baseline="0" dirty="0">
+                <a:ln>
+                  <a:noFill/>
+                </a:ln>
+                <a:solidFill>
+                  <a:srgbClr val="CC7832"/>
+                </a:solidFill>
+                <a:effectLst/>
+                <a:latin typeface="JetBrains Mono"/>
+              </a:rPr>
+              <a:t>        for</a:t>
+            </a:r>
+            <a:r>
+              <a:rPr kumimoji="0" lang="en-US" altLang="en-US" b="0" i="0" u="none" strike="noStrike" cap="none" normalizeH="0" baseline="0" dirty="0">
+                <a:ln>
+                  <a:noFill/>
+                </a:ln>
+                <a:solidFill>
+                  <a:srgbClr val="A9B7C6"/>
+                </a:solidFill>
+                <a:effectLst/>
+                <a:latin typeface="JetBrains Mono"/>
+              </a:rPr>
+              <a:t>(</a:t>
+            </a:r>
+            <a:r>
+              <a:rPr kumimoji="0" lang="en-US" altLang="en-US" b="0" i="0" u="none" strike="noStrike" cap="none" normalizeH="0" baseline="0" dirty="0">
+                <a:ln>
+                  <a:noFill/>
+                </a:ln>
+                <a:solidFill>
+                  <a:srgbClr val="CC7832"/>
+                </a:solidFill>
+                <a:effectLst/>
+                <a:latin typeface="JetBrains Mono"/>
+              </a:rPr>
+              <a:t>int </a:t>
+            </a:r>
+            <a:r>
+              <a:rPr kumimoji="0" lang="en-US" altLang="en-US" b="0" i="0" u="none" strike="noStrike" cap="none" normalizeH="0" baseline="0" dirty="0" err="1">
+                <a:ln>
+                  <a:noFill/>
+                </a:ln>
+                <a:solidFill>
+                  <a:srgbClr val="A9B7C6"/>
+                </a:solidFill>
+                <a:effectLst/>
+                <a:latin typeface="JetBrains Mono"/>
+              </a:rPr>
+              <a:t>i</a:t>
+            </a:r>
+            <a:r>
+              <a:rPr kumimoji="0" lang="en-US" altLang="en-US" b="0" i="0" u="none" strike="noStrike" cap="none" normalizeH="0" baseline="0" dirty="0">
+                <a:ln>
+                  <a:noFill/>
+                </a:ln>
+                <a:solidFill>
+                  <a:srgbClr val="A9B7C6"/>
+                </a:solidFill>
+                <a:effectLst/>
+                <a:latin typeface="JetBrains Mono"/>
+              </a:rPr>
+              <a:t>=</a:t>
+            </a:r>
+            <a:r>
+              <a:rPr kumimoji="0" lang="en-US" altLang="en-US" b="0" i="0" u="none" strike="noStrike" cap="none" normalizeH="0" baseline="0" dirty="0">
+                <a:ln>
+                  <a:noFill/>
+                </a:ln>
+                <a:solidFill>
+                  <a:srgbClr val="6897BB"/>
+                </a:solidFill>
+                <a:effectLst/>
+                <a:latin typeface="JetBrains Mono"/>
+              </a:rPr>
+              <a:t>0</a:t>
+            </a:r>
+            <a:r>
+              <a:rPr kumimoji="0" lang="en-US" altLang="en-US" b="0" i="0" u="none" strike="noStrike" cap="none" normalizeH="0" baseline="0" dirty="0">
+                <a:ln>
+                  <a:noFill/>
+                </a:ln>
+                <a:solidFill>
+                  <a:srgbClr val="CC7832"/>
+                </a:solidFill>
+                <a:effectLst/>
+                <a:latin typeface="JetBrains Mono"/>
+              </a:rPr>
+              <a:t>;</a:t>
+            </a:r>
+            <a:r>
+              <a:rPr kumimoji="0" lang="en-US" altLang="en-US" b="0" i="0" u="none" strike="noStrike" cap="none" normalizeH="0" baseline="0" dirty="0">
+                <a:ln>
+                  <a:noFill/>
+                </a:ln>
+                <a:solidFill>
+                  <a:srgbClr val="A9B7C6"/>
+                </a:solidFill>
+                <a:effectLst/>
+                <a:latin typeface="JetBrains Mono"/>
+              </a:rPr>
+              <a:t>i&lt;length</a:t>
+            </a:r>
+            <a:r>
+              <a:rPr kumimoji="0" lang="en-US" altLang="en-US" b="0" i="0" u="none" strike="noStrike" cap="none" normalizeH="0" baseline="0" dirty="0">
+                <a:ln>
+                  <a:noFill/>
+                </a:ln>
+                <a:solidFill>
+                  <a:srgbClr val="CC7832"/>
+                </a:solidFill>
+                <a:effectLst/>
+                <a:latin typeface="JetBrains Mono"/>
+              </a:rPr>
+              <a:t>;</a:t>
+            </a:r>
+            <a:r>
+              <a:rPr kumimoji="0" lang="en-US" altLang="en-US" b="0" i="0" u="none" strike="noStrike" cap="none" normalizeH="0" baseline="0" dirty="0">
+                <a:ln>
+                  <a:noFill/>
+                </a:ln>
+                <a:solidFill>
+                  <a:srgbClr val="A9B7C6"/>
+                </a:solidFill>
+                <a:effectLst/>
+                <a:latin typeface="JetBrains Mono"/>
+              </a:rPr>
+              <a:t>i++){</a:t>
+            </a:r>
+            <a:br>
+              <a:rPr kumimoji="0" lang="en-US" altLang="en-US" b="0" i="0" u="none" strike="noStrike" cap="none" normalizeH="0" baseline="0" dirty="0">
+                <a:ln>
+                  <a:noFill/>
+                </a:ln>
+                <a:solidFill>
+                  <a:srgbClr val="A9B7C6"/>
+                </a:solidFill>
+                <a:effectLst/>
+                <a:latin typeface="JetBrains Mono"/>
+              </a:rPr>
+            </a:br>
+            <a:r>
+              <a:rPr kumimoji="0" lang="en-US" altLang="en-US" b="0" i="0" u="none" strike="noStrike" cap="none" normalizeH="0" baseline="0" dirty="0">
+                <a:ln>
+                  <a:noFill/>
+                </a:ln>
+                <a:solidFill>
+                  <a:srgbClr val="A9B7C6"/>
+                </a:solidFill>
+                <a:effectLst/>
+                <a:latin typeface="JetBrains Mono"/>
+              </a:rPr>
+              <a:t>            </a:t>
+            </a:r>
+            <a:r>
+              <a:rPr kumimoji="0" lang="en-US" altLang="en-US" b="0" i="0" u="none" strike="noStrike" cap="none" normalizeH="0" baseline="0" dirty="0">
+                <a:ln>
+                  <a:noFill/>
+                </a:ln>
+                <a:solidFill>
+                  <a:srgbClr val="CC7832"/>
+                </a:solidFill>
+                <a:effectLst/>
+                <a:latin typeface="JetBrains Mono"/>
+              </a:rPr>
+              <a:t>for</a:t>
+            </a:r>
+            <a:r>
+              <a:rPr kumimoji="0" lang="en-US" altLang="en-US" b="0" i="0" u="none" strike="noStrike" cap="none" normalizeH="0" baseline="0" dirty="0">
+                <a:ln>
+                  <a:noFill/>
+                </a:ln>
+                <a:solidFill>
+                  <a:srgbClr val="A9B7C6"/>
+                </a:solidFill>
+                <a:effectLst/>
+                <a:latin typeface="JetBrains Mono"/>
+              </a:rPr>
+              <a:t>(</a:t>
+            </a:r>
+            <a:r>
+              <a:rPr kumimoji="0" lang="en-US" altLang="en-US" b="0" i="0" u="none" strike="noStrike" cap="none" normalizeH="0" baseline="0" dirty="0">
+                <a:ln>
+                  <a:noFill/>
+                </a:ln>
+                <a:solidFill>
+                  <a:srgbClr val="CC7832"/>
+                </a:solidFill>
+                <a:effectLst/>
+                <a:latin typeface="JetBrains Mono"/>
+              </a:rPr>
+              <a:t>int </a:t>
+            </a:r>
+            <a:r>
+              <a:rPr kumimoji="0" lang="en-US" altLang="en-US" b="0" i="0" u="none" strike="noStrike" cap="none" normalizeH="0" baseline="0" dirty="0">
+                <a:ln>
+                  <a:noFill/>
+                </a:ln>
+                <a:solidFill>
+                  <a:srgbClr val="A9B7C6"/>
+                </a:solidFill>
+                <a:effectLst/>
+                <a:latin typeface="JetBrains Mono"/>
+              </a:rPr>
+              <a:t>j=</a:t>
+            </a:r>
+            <a:r>
+              <a:rPr kumimoji="0" lang="en-US" altLang="en-US" b="0" i="0" u="none" strike="noStrike" cap="none" normalizeH="0" baseline="0" dirty="0">
+                <a:ln>
+                  <a:noFill/>
+                </a:ln>
+                <a:solidFill>
+                  <a:srgbClr val="6897BB"/>
+                </a:solidFill>
+                <a:effectLst/>
+                <a:latin typeface="JetBrains Mono"/>
+              </a:rPr>
+              <a:t>0</a:t>
+            </a:r>
+            <a:r>
+              <a:rPr kumimoji="0" lang="en-US" altLang="en-US" b="0" i="0" u="none" strike="noStrike" cap="none" normalizeH="0" baseline="0" dirty="0">
+                <a:ln>
+                  <a:noFill/>
+                </a:ln>
+                <a:solidFill>
+                  <a:srgbClr val="CC7832"/>
+                </a:solidFill>
+                <a:effectLst/>
+                <a:latin typeface="JetBrains Mono"/>
+              </a:rPr>
+              <a:t>;</a:t>
+            </a:r>
+            <a:r>
+              <a:rPr kumimoji="0" lang="en-US" altLang="en-US" b="0" i="0" u="none" strike="noStrike" cap="none" normalizeH="0" baseline="0" dirty="0">
+                <a:ln>
+                  <a:noFill/>
+                </a:ln>
+                <a:solidFill>
+                  <a:srgbClr val="A9B7C6"/>
+                </a:solidFill>
+                <a:effectLst/>
+                <a:latin typeface="JetBrains Mono"/>
+              </a:rPr>
+              <a:t>j&lt;width</a:t>
+            </a:r>
+            <a:r>
+              <a:rPr kumimoji="0" lang="en-US" altLang="en-US" b="0" i="0" u="none" strike="noStrike" cap="none" normalizeH="0" baseline="0" dirty="0">
+                <a:ln>
+                  <a:noFill/>
+                </a:ln>
+                <a:solidFill>
+                  <a:srgbClr val="CC7832"/>
+                </a:solidFill>
+                <a:effectLst/>
+                <a:latin typeface="JetBrains Mono"/>
+              </a:rPr>
+              <a:t>;</a:t>
+            </a:r>
+            <a:r>
+              <a:rPr kumimoji="0" lang="en-US" altLang="en-US" b="0" i="0" u="none" strike="noStrike" cap="none" normalizeH="0" baseline="0" dirty="0">
+                <a:ln>
+                  <a:noFill/>
+                </a:ln>
+                <a:solidFill>
+                  <a:srgbClr val="A9B7C6"/>
+                </a:solidFill>
+                <a:effectLst/>
+                <a:latin typeface="JetBrains Mono"/>
+              </a:rPr>
+              <a:t>j++){</a:t>
+            </a:r>
+            <a:br>
+              <a:rPr kumimoji="0" lang="en-US" altLang="en-US" b="0" i="0" u="none" strike="noStrike" cap="none" normalizeH="0" baseline="0" dirty="0">
+                <a:ln>
+                  <a:noFill/>
+                </a:ln>
+                <a:solidFill>
+                  <a:srgbClr val="A9B7C6"/>
+                </a:solidFill>
+                <a:effectLst/>
+                <a:latin typeface="JetBrains Mono"/>
+              </a:rPr>
+            </a:br>
+            <a:r>
+              <a:rPr kumimoji="0" lang="en-US" altLang="en-US" b="0" i="0" u="none" strike="noStrike" cap="none" normalizeH="0" baseline="0" dirty="0">
+                <a:ln>
+                  <a:noFill/>
+                </a:ln>
+                <a:solidFill>
+                  <a:srgbClr val="A9B7C6"/>
+                </a:solidFill>
+                <a:effectLst/>
+                <a:latin typeface="JetBrains Mono"/>
+              </a:rPr>
+              <a:t>                System.out.print(</a:t>
+            </a:r>
+            <a:r>
+              <a:rPr kumimoji="0" lang="en-US" altLang="en-US" b="0" i="0" u="none" strike="noStrike" cap="none" normalizeH="0" baseline="0" dirty="0">
+                <a:ln>
+                  <a:noFill/>
+                </a:ln>
+                <a:solidFill>
+                  <a:srgbClr val="6A8759"/>
+                </a:solidFill>
+                <a:effectLst/>
+                <a:latin typeface="JetBrains Mono"/>
+              </a:rPr>
+              <a:t>"*"</a:t>
+            </a:r>
+            <a:r>
+              <a:rPr kumimoji="0" lang="en-US" altLang="en-US" b="0" i="0" u="none" strike="noStrike" cap="none" normalizeH="0" baseline="0" dirty="0">
+                <a:ln>
+                  <a:noFill/>
+                </a:ln>
+                <a:solidFill>
+                  <a:srgbClr val="A9B7C6"/>
+                </a:solidFill>
+                <a:effectLst/>
+                <a:latin typeface="JetBrains Mono"/>
+              </a:rPr>
+              <a:t>)</a:t>
+            </a:r>
+            <a:r>
+              <a:rPr kumimoji="0" lang="en-US" altLang="en-US" b="0" i="0" u="none" strike="noStrike" cap="none" normalizeH="0" baseline="0" dirty="0">
+                <a:ln>
+                  <a:noFill/>
+                </a:ln>
+                <a:solidFill>
+                  <a:srgbClr val="CC7832"/>
+                </a:solidFill>
+                <a:effectLst/>
+                <a:latin typeface="JetBrains Mono"/>
+              </a:rPr>
+              <a:t>;</a:t>
+            </a:r>
+            <a:br>
+              <a:rPr kumimoji="0" lang="en-US" altLang="en-US" b="0" i="0" u="none" strike="noStrike" cap="none" normalizeH="0" baseline="0" dirty="0">
+                <a:ln>
+                  <a:noFill/>
+                </a:ln>
+                <a:solidFill>
+                  <a:srgbClr val="CC7832"/>
+                </a:solidFill>
+                <a:effectLst/>
+                <a:latin typeface="JetBrains Mono"/>
+              </a:rPr>
+            </a:br>
+            <a:r>
+              <a:rPr kumimoji="0" lang="en-US" altLang="en-US" b="0" i="0" u="none" strike="noStrike" cap="none" normalizeH="0" baseline="0" dirty="0">
+                <a:ln>
+                  <a:noFill/>
+                </a:ln>
+                <a:solidFill>
+                  <a:srgbClr val="CC7832"/>
+                </a:solidFill>
+                <a:effectLst/>
+                <a:latin typeface="JetBrains Mono"/>
+              </a:rPr>
+              <a:t>            </a:t>
+            </a:r>
+            <a:r>
+              <a:rPr kumimoji="0" lang="en-US" altLang="en-US" b="0" i="0" u="none" strike="noStrike" cap="none" normalizeH="0" baseline="0" dirty="0">
+                <a:ln>
+                  <a:noFill/>
+                </a:ln>
+                <a:solidFill>
+                  <a:srgbClr val="A9B7C6"/>
+                </a:solidFill>
+                <a:effectLst/>
+                <a:latin typeface="JetBrains Mono"/>
+              </a:rPr>
+              <a:t>}</a:t>
+            </a:r>
+            <a:br>
+              <a:rPr kumimoji="0" lang="en-US" altLang="en-US" b="0" i="0" u="none" strike="noStrike" cap="none" normalizeH="0" baseline="0" dirty="0">
+                <a:ln>
+                  <a:noFill/>
+                </a:ln>
+                <a:solidFill>
+                  <a:srgbClr val="A9B7C6"/>
+                </a:solidFill>
+                <a:effectLst/>
+                <a:latin typeface="JetBrains Mono"/>
+              </a:rPr>
+            </a:br>
+            <a:r>
+              <a:rPr kumimoji="0" lang="en-US" altLang="en-US" b="0" i="0" u="none" strike="noStrike" cap="none" normalizeH="0" baseline="0" dirty="0">
+                <a:ln>
+                  <a:noFill/>
+                </a:ln>
+                <a:solidFill>
+                  <a:srgbClr val="A9B7C6"/>
+                </a:solidFill>
+                <a:effectLst/>
+                <a:latin typeface="JetBrains Mono"/>
+              </a:rPr>
+              <a:t>            system.out.println(</a:t>
+            </a:r>
+            <a:r>
+              <a:rPr kumimoji="0" lang="en-US" altLang="en-US" b="0" i="0" u="none" strike="noStrike" cap="none" normalizeH="0" baseline="0" dirty="0">
+                <a:ln>
+                  <a:noFill/>
+                </a:ln>
+                <a:solidFill>
+                  <a:srgbClr val="6A8759"/>
+                </a:solidFill>
+                <a:effectLst/>
+                <a:latin typeface="JetBrains Mono"/>
+              </a:rPr>
+              <a:t>"</a:t>
+            </a:r>
+            <a:r>
+              <a:rPr kumimoji="0" lang="en-US" altLang="en-US" b="0" i="0" u="none" strike="noStrike" cap="none" normalizeH="0" baseline="0" dirty="0">
+                <a:ln>
+                  <a:noFill/>
+                </a:ln>
+                <a:solidFill>
+                  <a:srgbClr val="CC7832"/>
+                </a:solidFill>
+                <a:effectLst/>
+                <a:latin typeface="JetBrains Mono"/>
+              </a:rPr>
+              <a:t>\n</a:t>
+            </a:r>
+            <a:r>
+              <a:rPr kumimoji="0" lang="en-US" altLang="en-US" b="0" i="0" u="none" strike="noStrike" cap="none" normalizeH="0" baseline="0" dirty="0">
+                <a:ln>
+                  <a:noFill/>
+                </a:ln>
+                <a:solidFill>
+                  <a:srgbClr val="6A8759"/>
+                </a:solidFill>
+                <a:effectLst/>
+                <a:latin typeface="JetBrains Mono"/>
+              </a:rPr>
+              <a:t>"</a:t>
+            </a:r>
+            <a:r>
+              <a:rPr kumimoji="0" lang="en-US" altLang="en-US" b="0" i="0" u="none" strike="noStrike" cap="none" normalizeH="0" baseline="0" dirty="0">
+                <a:ln>
+                  <a:noFill/>
+                </a:ln>
+                <a:solidFill>
+                  <a:srgbClr val="A9B7C6"/>
+                </a:solidFill>
+                <a:effectLst/>
+                <a:latin typeface="JetBrains Mono"/>
+              </a:rPr>
+              <a:t>)</a:t>
+            </a:r>
+            <a:r>
+              <a:rPr kumimoji="0" lang="en-US" altLang="en-US" b="0" i="0" u="none" strike="noStrike" cap="none" normalizeH="0" baseline="0" dirty="0">
+                <a:ln>
+                  <a:noFill/>
+                </a:ln>
+                <a:solidFill>
+                  <a:srgbClr val="CC7832"/>
+                </a:solidFill>
+                <a:effectLst/>
+                <a:latin typeface="JetBrains Mono"/>
+              </a:rPr>
+              <a:t>;</a:t>
+            </a:r>
+            <a:br>
+              <a:rPr kumimoji="0" lang="en-US" altLang="en-US" b="0" i="0" u="none" strike="noStrike" cap="none" normalizeH="0" baseline="0" dirty="0">
+                <a:ln>
+                  <a:noFill/>
+                </a:ln>
+                <a:solidFill>
+                  <a:srgbClr val="CC7832"/>
+                </a:solidFill>
+                <a:effectLst/>
+                <a:latin typeface="JetBrains Mono"/>
+              </a:rPr>
+            </a:br>
+            <a:r>
+              <a:rPr kumimoji="0" lang="en-US" altLang="en-US" b="0" i="0" u="none" strike="noStrike" cap="none" normalizeH="0" baseline="0" dirty="0">
+                <a:ln>
+                  <a:noFill/>
+                </a:ln>
+                <a:solidFill>
+                  <a:srgbClr val="CC7832"/>
+                </a:solidFill>
+                <a:effectLst/>
+                <a:latin typeface="JetBrains Mono"/>
+              </a:rPr>
+              <a:t>        </a:t>
+            </a:r>
+            <a:r>
+              <a:rPr kumimoji="0" lang="en-US" altLang="en-US" b="0" i="0" u="none" strike="noStrike" cap="none" normalizeH="0" baseline="0" dirty="0">
+                <a:ln>
+                  <a:noFill/>
+                </a:ln>
+                <a:solidFill>
+                  <a:srgbClr val="A9B7C6"/>
+                </a:solidFill>
+                <a:effectLst/>
+                <a:latin typeface="JetBrains Mono"/>
+              </a:rPr>
+              <a:t>}</a:t>
+            </a:r>
+            <a:br>
+              <a:rPr kumimoji="0" lang="en-US" altLang="en-US" b="0" i="0" u="none" strike="noStrike" cap="none" normalizeH="0" baseline="0" dirty="0">
+                <a:ln>
+                  <a:noFill/>
+                </a:ln>
+                <a:solidFill>
+                  <a:srgbClr val="A9B7C6"/>
+                </a:solidFill>
+                <a:effectLst/>
+                <a:latin typeface="JetBrains Mono"/>
+              </a:rPr>
+            </a:br>
+            <a:r>
+              <a:rPr kumimoji="0" lang="en-US" altLang="en-US" b="0" i="0" u="none" strike="noStrike" cap="none" normalizeH="0" baseline="0" dirty="0">
+                <a:ln>
+                  <a:noFill/>
+                </a:ln>
+                <a:solidFill>
+                  <a:srgbClr val="A9B7C6"/>
+                </a:solidFill>
+                <a:effectLst/>
+                <a:latin typeface="JetBrains Mono"/>
+              </a:rPr>
+              <a:t>    }</a:t>
+            </a:r>
+            <a:br>
+              <a:rPr kumimoji="0" lang="en-US" altLang="en-US" b="0" i="0" u="none" strike="noStrike" cap="none" normalizeH="0" baseline="0" dirty="0">
+                <a:ln>
+                  <a:noFill/>
+                </a:ln>
+                <a:solidFill>
+                  <a:srgbClr val="A9B7C6"/>
+                </a:solidFill>
+                <a:effectLst/>
+                <a:latin typeface="JetBrains Mono"/>
+              </a:rPr>
+            </a:br>
+            <a:r>
+              <a:rPr kumimoji="0" lang="en-US" altLang="en-US" b="0" i="0" u="none" strike="noStrike" cap="none" normalizeH="0" baseline="0" dirty="0">
+                <a:ln>
+                  <a:noFill/>
+                </a:ln>
+                <a:solidFill>
+                  <a:srgbClr val="A9B7C6"/>
+                </a:solidFill>
+                <a:effectLst/>
+                <a:latin typeface="JetBrains Mono"/>
+              </a:rPr>
+              <a:t>}</a:t>
+            </a:r>
+            <a:endParaRPr kumimoji="0" lang="en-US" altLang="en-US" b="0" i="0" u="none" strike="noStrike" cap="none" normalizeH="0" baseline="0" dirty="0">
+              <a:ln>
+                <a:noFill/>
+              </a:ln>
+              <a:solidFill>
+                <a:schemeClr val="tx1"/>
+              </a:solidFill>
+              <a:effectLst/>
+              <a:latin typeface="Arial" panose="020B0604020202020204" pitchFamily="34" charset="0"/>
+            </a:endParaRPr>
           </a:p>
         </p:txBody>
       </p:sp>
     </p:spTree>
     <p:extLst>
       <p:ext uri="{BB962C8B-B14F-4D97-AF65-F5344CB8AC3E}">
-        <p14:creationId xmlns:p14="http://schemas.microsoft.com/office/powerpoint/2010/main" val="3444286743"/>
+        <p14:creationId xmlns:p14="http://schemas.microsoft.com/office/powerpoint/2010/main" val="2694975838"/>
       </p:ext>
     </p:extLst>
   </p:cSld>
@@ -8829,7 +8563,7 @@
           <p:cNvPr id="2" name="Title 1">
             <a:extLst>
               <a:ext uri="{FF2B5EF4-FFF2-40B4-BE49-F238E27FC236}">
-                <a16:creationId xmlns:a16="http://schemas.microsoft.com/office/drawing/2014/main" id="{FA9B9E85-705F-41AD-8CDF-369FC49B7A65}"/>
+                <a16:creationId xmlns:a16="http://schemas.microsoft.com/office/drawing/2014/main" id="{7304BBA7-9D5E-4B9A-95AF-2E54F4B41C0E}"/>
               </a:ext>
             </a:extLst>
           </p:cNvPr>
@@ -8847,17 +8581,17 @@
           <a:p>
             <a:r>
               <a:rPr lang="en-GB" dirty="0"/>
-              <a:t>Use Case Diagrams</a:t>
-            </a:r>
-          </a:p>
-        </p:txBody>
-      </p:sp>
-      <p:sp>
-        <p:nvSpPr>
-          <p:cNvPr id="3" name="Content Placeholder 2">
+              <a:t>Arrays</a:t>
+            </a:r>
+          </a:p>
+        </p:txBody>
+      </p:sp>
+      <p:sp>
+        <p:nvSpPr>
+          <p:cNvPr id="6" name="Content Placeholder 5">
             <a:extLst>
               <a:ext uri="{FF2B5EF4-FFF2-40B4-BE49-F238E27FC236}">
-                <a16:creationId xmlns:a16="http://schemas.microsoft.com/office/drawing/2014/main" id="{9640A5AE-3E75-4FC4-AD1B-8E9CD93F0CC3}"/>
+                <a16:creationId xmlns:a16="http://schemas.microsoft.com/office/drawing/2014/main" id="{986286F5-7094-4136-8F8B-BF5DD43A24AC}"/>
               </a:ext>
             </a:extLst>
           </p:cNvPr>
@@ -8868,16 +8602,9 @@
             <p:ph idx="1"/>
           </p:nvPr>
         </p:nvSpPr>
-        <p:spPr>
-          <a:xfrm>
-            <a:off x="822959" y="1845733"/>
-            <a:ext cx="7543801" cy="1848812"/>
-          </a:xfrm>
-        </p:spPr>
-        <p:txBody>
-          <a:bodyPr>
-            <a:normAutofit fontScale="85000" lnSpcReduction="20000"/>
-          </a:bodyPr>
+        <p:spPr/>
+        <p:txBody>
+          <a:bodyPr/>
           <a:lstStyle/>
           <a:p>
             <a:pPr>
@@ -8886,7 +8613,7 @@
             </a:pPr>
             <a:r>
               <a:rPr lang="en-GB" dirty="0"/>
-              <a:t> A UML use-case diagram is used to provide an overview of all or part of the usage requirements in the form of a model.</a:t>
+              <a:t>Storage for a collection of similar types (primitive or advanced) defined with a single variable known as an array. </a:t>
             </a:r>
           </a:p>
           <a:p>
@@ -8896,7 +8623,7 @@
             </a:pPr>
             <a:r>
               <a:rPr lang="en-GB" dirty="0"/>
-              <a:t> It shows the relationship among actors and use cases within a system.</a:t>
+              <a:t>Arrays are indexed collections where each element within the array is accessed using an ordered sequence of positive whole numbers starting from zero.</a:t>
             </a:r>
           </a:p>
           <a:p>
@@ -8906,7 +8633,7 @@
             </a:pPr>
             <a:r>
               <a:rPr lang="en-GB" dirty="0"/>
-              <a:t> An actor is a person, organization, local processes ( e.g. system clock), or external system that plays a role in one or more interactions with your system.</a:t>
+              <a:t> Can be iterated (accessed sequentially in order) using a deterministic loop.</a:t>
             </a:r>
           </a:p>
           <a:p>
@@ -8916,57 +8643,35 @@
             </a:pPr>
             <a:r>
               <a:rPr lang="en-GB" dirty="0"/>
-              <a:t>Actors are drawn as stick figures</a:t>
-            </a:r>
-          </a:p>
-          <a:p>
-            <a:endParaRPr lang="en-GB" dirty="0"/>
-          </a:p>
-          <a:p>
-            <a:endParaRPr lang="en-GB" dirty="0"/>
-          </a:p>
-        </p:txBody>
-      </p:sp>
-      <p:pic>
-        <p:nvPicPr>
-          <p:cNvPr id="5" name="Picture 4">
-            <a:extLst>
-              <a:ext uri="{FF2B5EF4-FFF2-40B4-BE49-F238E27FC236}">
-                <a16:creationId xmlns:a16="http://schemas.microsoft.com/office/drawing/2014/main" id="{407822FF-B483-4F6F-ABA6-9FBE37857A54}"/>
-              </a:ext>
-            </a:extLst>
-          </p:cNvPr>
-          <p:cNvPicPr>
-            <a:picLocks noChangeAspect="1"/>
-          </p:cNvPicPr>
-          <p:nvPr/>
-        </p:nvPicPr>
-        <p:blipFill>
-          <a:blip r:embed="rId2">
-            <a:extLst>
-              <a:ext uri="{28A0092B-C50C-407E-A947-70E740481C1C}">
-                <a14:useLocalDpi xmlns:a14="http://schemas.microsoft.com/office/drawing/2010/main" val="0"/>
-              </a:ext>
-            </a:extLst>
-          </a:blip>
-          <a:stretch>
-            <a:fillRect/>
-          </a:stretch>
-        </p:blipFill>
-        <p:spPr>
-          <a:xfrm>
-            <a:off x="2045854" y="3611419"/>
-            <a:ext cx="4727257" cy="2531052"/>
-          </a:xfrm>
-          <a:prstGeom prst="rect">
-            <a:avLst/>
-          </a:prstGeom>
-        </p:spPr>
-      </p:pic>
+              <a:t> Arrays in themselves are objects.  They need to be instantiated using the “new” keyword.</a:t>
+            </a:r>
+          </a:p>
+          <a:p>
+            <a:pPr>
+              <a:buFont typeface="Wingdings" panose="05000000000000000000" pitchFamily="2" charset="2"/>
+              <a:buChar char="v"/>
+            </a:pPr>
+            <a:r>
+              <a:rPr lang="en-GB" dirty="0"/>
+              <a:t> n-dimensional arrays can be iterated using nested loops.</a:t>
+            </a:r>
+          </a:p>
+          <a:p>
+            <a:pPr>
+              <a:buFont typeface="Wingdings" panose="05000000000000000000" pitchFamily="2" charset="2"/>
+              <a:buChar char="v"/>
+            </a:pPr>
+            <a:r>
+              <a:rPr lang="en-GB" dirty="0"/>
+              <a:t> Values of arrays for primitive types are defaulted to 0 </a:t>
+            </a:r>
+          </a:p>
+        </p:txBody>
+      </p:sp>
     </p:spTree>
     <p:extLst>
       <p:ext uri="{BB962C8B-B14F-4D97-AF65-F5344CB8AC3E}">
-        <p14:creationId xmlns:p14="http://schemas.microsoft.com/office/powerpoint/2010/main" val="3969889544"/>
+        <p14:creationId xmlns:p14="http://schemas.microsoft.com/office/powerpoint/2010/main" val="3169508725"/>
       </p:ext>
     </p:extLst>
   </p:cSld>
@@ -8998,7 +8703,7 @@
           <p:cNvPr id="2" name="Title 1">
             <a:extLst>
               <a:ext uri="{FF2B5EF4-FFF2-40B4-BE49-F238E27FC236}">
-                <a16:creationId xmlns:a16="http://schemas.microsoft.com/office/drawing/2014/main" id="{93A9E1EF-E3F0-4AA8-9EAF-C9FB1371ECAB}"/>
+                <a16:creationId xmlns:a16="http://schemas.microsoft.com/office/drawing/2014/main" id="{7304BBA7-9D5E-4B9A-95AF-2E54F4B41C0E}"/>
               </a:ext>
             </a:extLst>
           </p:cNvPr>
@@ -9009,24 +8714,31 @@
             <p:ph type="title"/>
           </p:nvPr>
         </p:nvSpPr>
-        <p:spPr/>
-        <p:txBody>
-          <a:bodyPr/>
+        <p:spPr>
+          <a:xfrm>
+            <a:off x="822960" y="286605"/>
+            <a:ext cx="7543800" cy="283468"/>
+          </a:xfrm>
+        </p:spPr>
+        <p:txBody>
+          <a:bodyPr>
+            <a:normAutofit fontScale="90000"/>
+          </a:bodyPr>
           <a:lstStyle/>
           <a:p>
             <a:r>
               <a:rPr lang="en-GB" dirty="0"/>
-              <a:t>Use Case Diagrams – Relationship Guidelines</a:t>
-            </a:r>
-          </a:p>
-        </p:txBody>
-      </p:sp>
-      <p:sp>
-        <p:nvSpPr>
-          <p:cNvPr id="3" name="Content Placeholder 2">
+              <a:t>Using arrays</a:t>
+            </a:r>
+          </a:p>
+        </p:txBody>
+      </p:sp>
+      <p:sp>
+        <p:nvSpPr>
+          <p:cNvPr id="6" name="Content Placeholder 5">
             <a:extLst>
               <a:ext uri="{FF2B5EF4-FFF2-40B4-BE49-F238E27FC236}">
-                <a16:creationId xmlns:a16="http://schemas.microsoft.com/office/drawing/2014/main" id="{AC09147C-8B4C-48B6-810A-685E35B43689}"/>
+                <a16:creationId xmlns:a16="http://schemas.microsoft.com/office/drawing/2014/main" id="{986286F5-7094-4136-8F8B-BF5DD43A24AC}"/>
               </a:ext>
             </a:extLst>
           </p:cNvPr>
@@ -9039,107 +8751,248 @@
         </p:nvSpPr>
         <p:spPr>
           <a:xfrm>
-            <a:off x="4064001" y="1874982"/>
-            <a:ext cx="4302760" cy="3994112"/>
+            <a:off x="822959" y="1055802"/>
+            <a:ext cx="7543801" cy="3629320"/>
           </a:xfrm>
         </p:spPr>
         <p:txBody>
           <a:bodyPr>
-            <a:normAutofit lnSpcReduction="10000"/>
+            <a:normAutofit/>
           </a:bodyPr>
           <a:lstStyle/>
           <a:p>
-            <a:pPr>
-              <a:buFont typeface="Wingdings" panose="05000000000000000000" pitchFamily="2" charset="2"/>
-              <a:buChar char="v"/>
+            <a:pPr marL="0" indent="0">
+              <a:spcBef>
+                <a:spcPts val="0"/>
+              </a:spcBef>
+              <a:buNone/>
             </a:pPr>
             <a:r>
               <a:rPr lang="en-GB" dirty="0"/>
-              <a:t>  Solid lines are used when an actor supplies or receives information or initiates the use case</a:t>
-            </a:r>
-          </a:p>
-          <a:p>
-            <a:pPr>
-              <a:buFont typeface="Wingdings" panose="05000000000000000000" pitchFamily="2" charset="2"/>
-              <a:buChar char="v"/>
+              <a:t>//Store 3 Numbers using an integer variable; </a:t>
+            </a:r>
+          </a:p>
+          <a:p>
+            <a:pPr marL="0" indent="0">
+              <a:spcBef>
+                <a:spcPts val="0"/>
+              </a:spcBef>
+              <a:buNone/>
             </a:pPr>
             <a:r>
               <a:rPr lang="en-GB" dirty="0"/>
-              <a:t>Used case description is represented in an oval.</a:t>
-            </a:r>
-          </a:p>
-          <a:p>
-            <a:pPr>
-              <a:buFont typeface="Wingdings" panose="05000000000000000000" pitchFamily="2" charset="2"/>
-              <a:buChar char="v"/>
-            </a:pPr>
+              <a:t>int </a:t>
+            </a:r>
+            <a:r>
+              <a:rPr lang="en-GB" dirty="0" err="1"/>
+              <a:t>i</a:t>
+            </a:r>
             <a:r>
               <a:rPr lang="en-GB" dirty="0"/>
-              <a:t> </a:t>
-            </a:r>
-            <a:r>
-              <a:rPr lang="en-GB" i="1" dirty="0"/>
-              <a:t>Include</a:t>
+              <a:t>=5;</a:t>
+            </a:r>
+          </a:p>
+          <a:p>
+            <a:pPr marL="0" indent="0">
+              <a:spcBef>
+                <a:spcPts val="0"/>
+              </a:spcBef>
+              <a:buNone/>
+            </a:pPr>
+            <a:r>
+              <a:rPr lang="en-GB" dirty="0" err="1"/>
+              <a:t>i</a:t>
             </a:r>
             <a:r>
               <a:rPr lang="en-GB" dirty="0"/>
-              <a:t> is used to attach a smaller use case to a base use case, this makes them more manageable.</a:t>
-            </a:r>
-          </a:p>
-          <a:p>
-            <a:pPr>
-              <a:buFont typeface="Wingdings" panose="05000000000000000000" pitchFamily="2" charset="2"/>
-              <a:buChar char="v"/>
-            </a:pPr>
+              <a:t>=6;</a:t>
+            </a:r>
+          </a:p>
+          <a:p>
+            <a:pPr marL="0" indent="0">
+              <a:spcBef>
+                <a:spcPts val="0"/>
+              </a:spcBef>
+              <a:buNone/>
+            </a:pPr>
+            <a:r>
+              <a:rPr lang="en-GB" dirty="0" err="1"/>
+              <a:t>i</a:t>
+            </a:r>
             <a:r>
               <a:rPr lang="en-GB" dirty="0"/>
-              <a:t> </a:t>
-            </a:r>
-            <a:r>
-              <a:rPr lang="en-GB" i="1" dirty="0"/>
-              <a:t>Extend </a:t>
+              <a:t>=7;</a:t>
+            </a:r>
+          </a:p>
+          <a:p>
+            <a:pPr marL="0" indent="0">
+              <a:spcBef>
+                <a:spcPts val="0"/>
+              </a:spcBef>
+              <a:buNone/>
+            </a:pPr>
+            <a:r>
+              <a:rPr lang="en-GB" dirty="0" err="1"/>
+              <a:t>System.out.println</a:t>
             </a:r>
             <a:r>
               <a:rPr lang="en-GB" dirty="0"/>
-              <a:t>is used when an optional use case is needed under certain conditions.</a:t>
-            </a:r>
-          </a:p>
-          <a:p>
-            <a:pPr>
-              <a:buFont typeface="Wingdings" panose="05000000000000000000" pitchFamily="2" charset="2"/>
-              <a:buChar char="v"/>
-            </a:pPr>
-            <a:r>
-              <a:rPr lang="en-GB" i="1" dirty="0"/>
-              <a:t>Include </a:t>
+              <a:t>(“”+</a:t>
+            </a:r>
+            <a:r>
+              <a:rPr lang="en-GB" dirty="0" err="1"/>
+              <a:t>i</a:t>
             </a:r>
             <a:r>
               <a:rPr lang="en-GB" dirty="0"/>
-              <a:t>and </a:t>
-            </a:r>
-            <a:r>
-              <a:rPr lang="en-GB" i="1" dirty="0"/>
-              <a:t>extend </a:t>
-            </a:r>
+              <a:t>); //only stores the most recent value</a:t>
+            </a:r>
+          </a:p>
+          <a:p>
+            <a:pPr marL="0" indent="0">
+              <a:spcBef>
+                <a:spcPts val="0"/>
+              </a:spcBef>
+              <a:buNone/>
+            </a:pPr>
             <a:r>
               <a:rPr lang="en-GB" dirty="0"/>
-              <a:t> are represented with dashed arrows.</a:t>
-            </a:r>
-            <a:endParaRPr lang="en-GB" i="1" dirty="0"/>
+              <a:t>int i1=5,i2=6,i3=7;</a:t>
+            </a:r>
+          </a:p>
+          <a:p>
+            <a:pPr marL="0" indent="0">
+              <a:spcBef>
+                <a:spcPts val="0"/>
+              </a:spcBef>
+              <a:buNone/>
+            </a:pPr>
+            <a:r>
+              <a:rPr lang="en-GB" dirty="0" err="1"/>
+              <a:t>System.out.println</a:t>
+            </a:r>
+            <a:r>
+              <a:rPr lang="en-GB" dirty="0"/>
+              <a:t>(“”+i1+” “+i2+” “+i3); //works but will be difficult for storing large number of values</a:t>
+            </a:r>
+          </a:p>
+          <a:p>
+            <a:pPr marL="0" indent="0">
+              <a:spcBef>
+                <a:spcPts val="0"/>
+              </a:spcBef>
+              <a:buNone/>
+            </a:pPr>
+            <a:r>
+              <a:rPr lang="en-GB" dirty="0"/>
+              <a:t>int [] </a:t>
+            </a:r>
+            <a:r>
+              <a:rPr lang="en-GB" dirty="0" err="1"/>
+              <a:t>arr</a:t>
+            </a:r>
+            <a:r>
+              <a:rPr lang="en-GB" dirty="0"/>
+              <a:t>=new int[3]; //declare array</a:t>
+            </a:r>
+          </a:p>
+          <a:p>
+            <a:pPr marL="0" indent="0">
+              <a:spcBef>
+                <a:spcPts val="0"/>
+              </a:spcBef>
+              <a:buNone/>
+            </a:pPr>
+            <a:r>
+              <a:rPr lang="en-GB" dirty="0" err="1"/>
+              <a:t>arr</a:t>
+            </a:r>
+            <a:r>
+              <a:rPr lang="en-GB" dirty="0"/>
+              <a:t>[0]=5; </a:t>
+            </a:r>
+            <a:r>
+              <a:rPr lang="en-GB" dirty="0" err="1"/>
+              <a:t>arr</a:t>
+            </a:r>
+            <a:r>
+              <a:rPr lang="en-GB" dirty="0"/>
+              <a:t>[1]=6; </a:t>
+            </a:r>
+            <a:r>
+              <a:rPr lang="en-GB" dirty="0" err="1"/>
+              <a:t>arr</a:t>
+            </a:r>
+            <a:r>
+              <a:rPr lang="en-GB" dirty="0"/>
+              <a:t>[2]=7;//array assignment starting from zero.</a:t>
+            </a:r>
+          </a:p>
+          <a:p>
+            <a:pPr marL="0" indent="0">
+              <a:spcBef>
+                <a:spcPts val="0"/>
+              </a:spcBef>
+              <a:buNone/>
+            </a:pPr>
+            <a:r>
+              <a:rPr lang="en-GB" dirty="0"/>
+              <a:t>for(int </a:t>
+            </a:r>
+            <a:r>
+              <a:rPr lang="en-GB" dirty="0" err="1"/>
+              <a:t>i</a:t>
+            </a:r>
+            <a:r>
+              <a:rPr lang="en-GB" dirty="0"/>
+              <a:t>=0;i&lt;</a:t>
+            </a:r>
+            <a:r>
+              <a:rPr lang="en-GB" dirty="0" err="1"/>
+              <a:t>arr.length;i</a:t>
+            </a:r>
+            <a:r>
+              <a:rPr lang="en-GB" dirty="0"/>
+              <a:t>++)</a:t>
+            </a:r>
+            <a:r>
+              <a:rPr lang="en-GB" dirty="0" err="1"/>
+              <a:t>System.out.print</a:t>
+            </a:r>
+            <a:r>
+              <a:rPr lang="en-GB" dirty="0"/>
+              <a:t>(</a:t>
+            </a:r>
+            <a:r>
+              <a:rPr lang="en-GB" dirty="0" err="1"/>
+              <a:t>arr</a:t>
+            </a:r>
+            <a:r>
+              <a:rPr lang="en-GB" dirty="0"/>
+              <a:t>[</a:t>
+            </a:r>
+            <a:r>
+              <a:rPr lang="en-GB" dirty="0" err="1"/>
+              <a:t>i</a:t>
+            </a:r>
+            <a:r>
+              <a:rPr lang="en-GB" dirty="0"/>
+              <a:t>]);//iterating an array</a:t>
+            </a:r>
           </a:p>
         </p:txBody>
       </p:sp>
       <p:pic>
         <p:nvPicPr>
-          <p:cNvPr id="5" name="Picture 4">
+          <p:cNvPr id="3076" name="Picture 4" descr="illustration of an array of 5 ints">
             <a:extLst>
               <a:ext uri="{FF2B5EF4-FFF2-40B4-BE49-F238E27FC236}">
-                <a16:creationId xmlns:a16="http://schemas.microsoft.com/office/drawing/2014/main" id="{13E04619-F647-4700-A476-8E3EAE1A2063}"/>
+                <a16:creationId xmlns:a16="http://schemas.microsoft.com/office/drawing/2014/main" id="{3FAEC01F-9301-4382-A7FC-DF45977C8FB0}"/>
               </a:ext>
             </a:extLst>
           </p:cNvPr>
           <p:cNvPicPr>
-            <a:picLocks noChangeAspect="1"/>
+            <a:picLocks noChangeAspect="1" noChangeArrowheads="1"/>
           </p:cNvPicPr>
           <p:nvPr/>
         </p:nvPicPr>
@@ -9151,29 +9004,78 @@
               </a:ext>
             </a:extLst>
           </a:blip>
+          <a:srcRect/>
           <a:stretch>
             <a:fillRect/>
           </a:stretch>
         </p:blipFill>
-        <p:spPr>
+        <p:spPr bwMode="auto">
           <a:xfrm>
-            <a:off x="483634" y="2224132"/>
-            <a:ext cx="3399651" cy="2409736"/>
+            <a:off x="2719780" y="4868703"/>
+            <a:ext cx="5457825" cy="1419225"/>
           </a:xfrm>
           <a:prstGeom prst="rect">
             <a:avLst/>
           </a:prstGeom>
-          <a:ln>
-            <a:solidFill>
-              <a:schemeClr val="tx1"/>
-            </a:solidFill>
-          </a:ln>
+          <a:noFill/>
+          <a:extLst>
+            <a:ext uri="{909E8E84-426E-40DD-AFC4-6F175D3DCCD1}">
+              <a14:hiddenFill xmlns:a14="http://schemas.microsoft.com/office/drawing/2010/main">
+                <a:solidFill>
+                  <a:srgbClr val="FFFFFF"/>
+                </a:solidFill>
+              </a14:hiddenFill>
+            </a:ext>
+          </a:extLst>
         </p:spPr>
       </p:pic>
+      <p:sp>
+        <p:nvSpPr>
+          <p:cNvPr id="3" name="TextBox 2">
+            <a:extLst>
+              <a:ext uri="{FF2B5EF4-FFF2-40B4-BE49-F238E27FC236}">
+                <a16:creationId xmlns:a16="http://schemas.microsoft.com/office/drawing/2014/main" id="{9A5C252D-194D-43CD-A343-98B1FD5A3FD5}"/>
+              </a:ext>
+            </a:extLst>
+          </p:cNvPr>
+          <p:cNvSpPr txBox="1"/>
+          <p:nvPr/>
+        </p:nvSpPr>
+        <p:spPr>
+          <a:xfrm>
+            <a:off x="3651854" y="6386730"/>
+            <a:ext cx="3593676" cy="369332"/>
+          </a:xfrm>
+          <a:prstGeom prst="rect">
+            <a:avLst/>
+          </a:prstGeom>
+          <a:noFill/>
+        </p:spPr>
+        <p:txBody>
+          <a:bodyPr wrap="none" rtlCol="0">
+            <a:spAutoFit/>
+          </a:bodyPr>
+          <a:lstStyle/>
+          <a:p>
+            <a:r>
+              <a:rPr lang="en-GB" dirty="0"/>
+              <a:t>math.hws.edu/</a:t>
+            </a:r>
+            <a:r>
+              <a:rPr lang="en-GB" dirty="0" err="1"/>
+              <a:t>javanotes</a:t>
+            </a:r>
+            <a:r>
+              <a:rPr lang="en-GB" dirty="0"/>
+              <a:t>/c3/s8.html</a:t>
+            </a:r>
+          </a:p>
+        </p:txBody>
+      </p:sp>
     </p:spTree>
     <p:extLst>
       <p:ext uri="{BB962C8B-B14F-4D97-AF65-F5344CB8AC3E}">
-        <p14:creationId xmlns:p14="http://schemas.microsoft.com/office/powerpoint/2010/main" val="2228244434"/>
+        <p14:creationId xmlns:p14="http://schemas.microsoft.com/office/powerpoint/2010/main" val="2864755964"/>
       </p:ext>
     </p:extLst>
   </p:cSld>
@@ -9205,7 +9107,7 @@
           <p:cNvPr id="2" name="Title 1">
             <a:extLst>
               <a:ext uri="{FF2B5EF4-FFF2-40B4-BE49-F238E27FC236}">
-                <a16:creationId xmlns:a16="http://schemas.microsoft.com/office/drawing/2014/main" id="{4DD0466D-37E0-4EE2-AE8B-91DBCDEE171A}"/>
+                <a16:creationId xmlns:a16="http://schemas.microsoft.com/office/drawing/2014/main" id="{7304BBA7-9D5E-4B9A-95AF-2E54F4B41C0E}"/>
               </a:ext>
             </a:extLst>
           </p:cNvPr>
@@ -9216,24 +9118,31 @@
             <p:ph type="title"/>
           </p:nvPr>
         </p:nvSpPr>
-        <p:spPr/>
-        <p:txBody>
-          <a:bodyPr/>
+        <p:spPr>
+          <a:xfrm>
+            <a:off x="822960" y="286605"/>
+            <a:ext cx="7543800" cy="283468"/>
+          </a:xfrm>
+        </p:spPr>
+        <p:txBody>
+          <a:bodyPr>
+            <a:normAutofit fontScale="90000"/>
+          </a:bodyPr>
           <a:lstStyle/>
           <a:p>
             <a:r>
               <a:rPr lang="en-GB" dirty="0"/>
-              <a:t>Use Case Diagram – Exercise </a:t>
-            </a:r>
-          </a:p>
-        </p:txBody>
-      </p:sp>
-      <p:sp>
-        <p:nvSpPr>
-          <p:cNvPr id="3" name="Content Placeholder 2">
+              <a:t>Array Methods</a:t>
+            </a:r>
+          </a:p>
+        </p:txBody>
+      </p:sp>
+      <p:sp>
+        <p:nvSpPr>
+          <p:cNvPr id="6" name="Content Placeholder 5">
             <a:extLst>
               <a:ext uri="{FF2B5EF4-FFF2-40B4-BE49-F238E27FC236}">
-                <a16:creationId xmlns:a16="http://schemas.microsoft.com/office/drawing/2014/main" id="{27BF4531-EE01-4075-9661-FC2CD1C514C3}"/>
+                <a16:creationId xmlns:a16="http://schemas.microsoft.com/office/drawing/2014/main" id="{986286F5-7094-4136-8F8B-BF5DD43A24AC}"/>
               </a:ext>
             </a:extLst>
           </p:cNvPr>
@@ -9246,61 +9155,299 @@
         </p:nvSpPr>
         <p:spPr>
           <a:xfrm>
-            <a:off x="800099" y="2279843"/>
-            <a:ext cx="7543801" cy="3095721"/>
+            <a:off x="822959" y="1055802"/>
+            <a:ext cx="7543801" cy="3629320"/>
           </a:xfrm>
         </p:spPr>
         <p:txBody>
-          <a:bodyPr/>
+          <a:bodyPr>
+            <a:normAutofit/>
+          </a:bodyPr>
           <a:lstStyle/>
           <a:p>
-            <a:pPr>
-              <a:buFont typeface="Wingdings" panose="05000000000000000000" pitchFamily="2" charset="2"/>
-              <a:buChar char="v"/>
+            <a:pPr marL="0" indent="0">
+              <a:spcBef>
+                <a:spcPts val="0"/>
+              </a:spcBef>
+              <a:buNone/>
             </a:pPr>
             <a:r>
               <a:rPr lang="en-GB" dirty="0"/>
-              <a:t> Create a use case diagram on </a:t>
-            </a:r>
-            <a:r>
-              <a:rPr lang="en-GB" dirty="0">
-                <a:hlinkClick r:id="rId2"/>
-              </a:rPr>
-              <a:t>www.draw.io</a:t>
-            </a:r>
+              <a:t>//Store 3 Numbers using an integer variable; </a:t>
+            </a:r>
+          </a:p>
+          <a:p>
+            <a:pPr marL="0" indent="0">
+              <a:spcBef>
+                <a:spcPts val="0"/>
+              </a:spcBef>
+              <a:buNone/>
+            </a:pPr>
             <a:r>
               <a:rPr lang="en-GB" dirty="0"/>
-              <a:t> that represents students and teacher’s interaction with the Software Design Module Brightspace Page.</a:t>
-            </a:r>
-          </a:p>
-          <a:p>
-            <a:pPr>
-              <a:buFont typeface="Wingdings" panose="05000000000000000000" pitchFamily="2" charset="2"/>
-              <a:buChar char="v"/>
-            </a:pPr>
+              <a:t>int </a:t>
+            </a:r>
+            <a:r>
+              <a:rPr lang="en-GB" dirty="0" err="1"/>
+              <a:t>i</a:t>
+            </a:r>
             <a:r>
               <a:rPr lang="en-GB" dirty="0"/>
-              <a:t> It should show the actors.</a:t>
-            </a:r>
-          </a:p>
-          <a:p>
-            <a:pPr>
-              <a:buFont typeface="Wingdings" panose="05000000000000000000" pitchFamily="2" charset="2"/>
-              <a:buChar char="v"/>
-            </a:pPr>
+              <a:t>=5;</a:t>
+            </a:r>
+          </a:p>
+          <a:p>
+            <a:pPr marL="0" indent="0">
+              <a:spcBef>
+                <a:spcPts val="0"/>
+              </a:spcBef>
+              <a:buNone/>
+            </a:pPr>
+            <a:r>
+              <a:rPr lang="en-GB" dirty="0" err="1"/>
+              <a:t>i</a:t>
+            </a:r>
             <a:r>
               <a:rPr lang="en-GB" dirty="0"/>
-              <a:t> Think of a minimum of four use cases that involves at least one of the actors and include these in your diagram.</a:t>
-            </a:r>
-          </a:p>
-          <a:p>
-            <a:pPr>
-              <a:buFont typeface="Wingdings" panose="05000000000000000000" pitchFamily="2" charset="2"/>
-              <a:buChar char="v"/>
-            </a:pPr>
+              <a:t>=6;</a:t>
+            </a:r>
+          </a:p>
+          <a:p>
+            <a:pPr marL="0" indent="0">
+              <a:spcBef>
+                <a:spcPts val="0"/>
+              </a:spcBef>
+              <a:buNone/>
+            </a:pPr>
+            <a:r>
+              <a:rPr lang="en-GB" dirty="0" err="1"/>
+              <a:t>i</a:t>
+            </a:r>
             <a:r>
               <a:rPr lang="en-GB" dirty="0"/>
-              <a:t> Think of one use case that involves two of the actors and represent this as well.</a:t>
+              <a:t>=7;</a:t>
+            </a:r>
+          </a:p>
+          <a:p>
+            <a:pPr marL="0" indent="0">
+              <a:spcBef>
+                <a:spcPts val="0"/>
+              </a:spcBef>
+              <a:buNone/>
+            </a:pPr>
+            <a:r>
+              <a:rPr lang="en-GB" dirty="0" err="1"/>
+              <a:t>System.out.println</a:t>
+            </a:r>
+            <a:r>
+              <a:rPr lang="en-GB" dirty="0"/>
+              <a:t>(“”+</a:t>
+            </a:r>
+            <a:r>
+              <a:rPr lang="en-GB" dirty="0" err="1"/>
+              <a:t>i</a:t>
+            </a:r>
+            <a:r>
+              <a:rPr lang="en-GB" dirty="0"/>
+              <a:t>); //only stores the most recent value</a:t>
+            </a:r>
+          </a:p>
+          <a:p>
+            <a:pPr marL="0" indent="0">
+              <a:spcBef>
+                <a:spcPts val="0"/>
+              </a:spcBef>
+              <a:buNone/>
+            </a:pPr>
+            <a:r>
+              <a:rPr lang="en-GB" dirty="0"/>
+              <a:t>int i1=5,i2=6,i3=7;</a:t>
+            </a:r>
+          </a:p>
+          <a:p>
+            <a:pPr marL="0" indent="0">
+              <a:spcBef>
+                <a:spcPts val="0"/>
+              </a:spcBef>
+              <a:buNone/>
+            </a:pPr>
+            <a:r>
+              <a:rPr lang="en-GB" dirty="0" err="1"/>
+              <a:t>System.out.println</a:t>
+            </a:r>
+            <a:r>
+              <a:rPr lang="en-GB" dirty="0"/>
+              <a:t>(“”+i1+” “+i2+” “+i3); //works but will be difficult for storing large number of values</a:t>
+            </a:r>
+          </a:p>
+          <a:p>
+            <a:pPr marL="0" indent="0">
+              <a:spcBef>
+                <a:spcPts val="0"/>
+              </a:spcBef>
+              <a:buNone/>
+            </a:pPr>
+            <a:r>
+              <a:rPr lang="en-GB" dirty="0"/>
+              <a:t>int [] </a:t>
+            </a:r>
+            <a:r>
+              <a:rPr lang="en-GB" dirty="0" err="1"/>
+              <a:t>arr</a:t>
+            </a:r>
+            <a:r>
+              <a:rPr lang="en-GB" dirty="0"/>
+              <a:t>=new int[3]; //declare array</a:t>
+            </a:r>
+          </a:p>
+          <a:p>
+            <a:pPr marL="0" indent="0">
+              <a:spcBef>
+                <a:spcPts val="0"/>
+              </a:spcBef>
+              <a:buNone/>
+            </a:pPr>
+            <a:r>
+              <a:rPr lang="en-GB" dirty="0" err="1"/>
+              <a:t>arr</a:t>
+            </a:r>
+            <a:r>
+              <a:rPr lang="en-GB" dirty="0"/>
+              <a:t>[0]=5; </a:t>
+            </a:r>
+            <a:r>
+              <a:rPr lang="en-GB" dirty="0" err="1"/>
+              <a:t>arr</a:t>
+            </a:r>
+            <a:r>
+              <a:rPr lang="en-GB" dirty="0"/>
+              <a:t>[1]=6; </a:t>
+            </a:r>
+            <a:r>
+              <a:rPr lang="en-GB" dirty="0" err="1"/>
+              <a:t>arr</a:t>
+            </a:r>
+            <a:r>
+              <a:rPr lang="en-GB" dirty="0"/>
+              <a:t>[2]=7;//array assignment starting from zero.</a:t>
+            </a:r>
+          </a:p>
+          <a:p>
+            <a:pPr marL="0" indent="0">
+              <a:spcBef>
+                <a:spcPts val="0"/>
+              </a:spcBef>
+              <a:buNone/>
+            </a:pPr>
+            <a:r>
+              <a:rPr lang="en-GB" dirty="0"/>
+              <a:t>for(</a:t>
+            </a:r>
+            <a:r>
+              <a:rPr lang="en-GB" dirty="0" err="1"/>
+              <a:t>i</a:t>
+            </a:r>
+            <a:r>
+              <a:rPr lang="en-GB" dirty="0"/>
+              <a:t>=0;i&lt;</a:t>
+            </a:r>
+            <a:r>
+              <a:rPr lang="en-GB" dirty="0" err="1"/>
+              <a:t>arr.length</a:t>
+            </a:r>
+            <a:r>
+              <a:rPr lang="en-GB" dirty="0"/>
+              <a:t>;</a:t>
+            </a:r>
+          </a:p>
+        </p:txBody>
+      </p:sp>
+      <p:pic>
+        <p:nvPicPr>
+          <p:cNvPr id="3076" name="Picture 4" descr="illustration of an array of 5 ints">
+            <a:extLst>
+              <a:ext uri="{FF2B5EF4-FFF2-40B4-BE49-F238E27FC236}">
+                <a16:creationId xmlns:a16="http://schemas.microsoft.com/office/drawing/2014/main" id="{3FAEC01F-9301-4382-A7FC-DF45977C8FB0}"/>
+              </a:ext>
+            </a:extLst>
+          </p:cNvPr>
+          <p:cNvPicPr>
+            <a:picLocks noChangeAspect="1" noChangeArrowheads="1"/>
+          </p:cNvPicPr>
+          <p:nvPr/>
+        </p:nvPicPr>
+        <p:blipFill>
+          <a:blip r:embed="rId2">
+            <a:extLst>
+              <a:ext uri="{28A0092B-C50C-407E-A947-70E740481C1C}">
+                <a14:useLocalDpi xmlns:a14="http://schemas.microsoft.com/office/drawing/2010/main" val="0"/>
+              </a:ext>
+            </a:extLst>
+          </a:blip>
+          <a:srcRect/>
+          <a:stretch>
+            <a:fillRect/>
+          </a:stretch>
+        </p:blipFill>
+        <p:spPr bwMode="auto">
+          <a:xfrm>
+            <a:off x="2719780" y="4868703"/>
+            <a:ext cx="5457825" cy="1419225"/>
+          </a:xfrm>
+          <a:prstGeom prst="rect">
+            <a:avLst/>
+          </a:prstGeom>
+          <a:noFill/>
+          <a:extLst>
+            <a:ext uri="{909E8E84-426E-40DD-AFC4-6F175D3DCCD1}">
+              <a14:hiddenFill xmlns:a14="http://schemas.microsoft.com/office/drawing/2010/main">
+                <a:solidFill>
+                  <a:srgbClr val="FFFFFF"/>
+                </a:solidFill>
+              </a14:hiddenFill>
+            </a:ext>
+          </a:extLst>
+        </p:spPr>
+      </p:pic>
+      <p:sp>
+        <p:nvSpPr>
+          <p:cNvPr id="3" name="TextBox 2">
+            <a:extLst>
+              <a:ext uri="{FF2B5EF4-FFF2-40B4-BE49-F238E27FC236}">
+                <a16:creationId xmlns:a16="http://schemas.microsoft.com/office/drawing/2014/main" id="{9A5C252D-194D-43CD-A343-98B1FD5A3FD5}"/>
+              </a:ext>
+            </a:extLst>
+          </p:cNvPr>
+          <p:cNvSpPr txBox="1"/>
+          <p:nvPr/>
+        </p:nvSpPr>
+        <p:spPr>
+          <a:xfrm>
+            <a:off x="3651854" y="6386730"/>
+            <a:ext cx="3593676" cy="369332"/>
+          </a:xfrm>
+          <a:prstGeom prst="rect">
+            <a:avLst/>
+          </a:prstGeom>
+          <a:noFill/>
+        </p:spPr>
+        <p:txBody>
+          <a:bodyPr wrap="none" rtlCol="0">
+            <a:spAutoFit/>
+          </a:bodyPr>
+          <a:lstStyle/>
+          <a:p>
+            <a:r>
+              <a:rPr lang="en-GB" dirty="0"/>
+              <a:t>math.hws.edu/</a:t>
+            </a:r>
+            <a:r>
+              <a:rPr lang="en-GB" dirty="0" err="1"/>
+              <a:t>javanotes</a:t>
+            </a:r>
+            <a:r>
+              <a:rPr lang="en-GB" dirty="0"/>
+              <a:t>/c3/s8.html</a:t>
             </a:r>
           </a:p>
         </p:txBody>
@@ -9308,7 +9455,261 @@
     </p:spTree>
     <p:extLst>
       <p:ext uri="{BB962C8B-B14F-4D97-AF65-F5344CB8AC3E}">
-        <p14:creationId xmlns:p14="http://schemas.microsoft.com/office/powerpoint/2010/main" val="4259390979"/>
+        <p14:creationId xmlns:p14="http://schemas.microsoft.com/office/powerpoint/2010/main" val="3255979285"/>
+      </p:ext>
+    </p:extLst>
+  </p:cSld>
+  <p:clrMapOvr>
+    <a:masterClrMapping/>
+  </p:clrMapOvr>
+</p:sld>
+</file>
+
+<file path=ppt/slides/slide25.xml><?xml version="1.0" encoding="utf-8"?>
+<p:sld xmlns:a="http://schemas.openxmlformats.org/drawingml/2006/main" xmlns:r="http://schemas.openxmlformats.org/officeDocument/2006/relationships" xmlns:p="http://schemas.openxmlformats.org/presentationml/2006/main">
+  <p:cSld>
+    <p:spTree>
+      <p:nvGrpSpPr>
+        <p:cNvPr id="1" name=""/>
+        <p:cNvGrpSpPr/>
+        <p:nvPr/>
+      </p:nvGrpSpPr>
+      <p:grpSpPr>
+        <a:xfrm>
+          <a:off x="0" y="0"/>
+          <a:ext cx="0" cy="0"/>
+          <a:chOff x="0" y="0"/>
+          <a:chExt cx="0" cy="0"/>
+        </a:xfrm>
+      </p:grpSpPr>
+      <p:sp>
+        <p:nvSpPr>
+          <p:cNvPr id="2" name="Title 1">
+            <a:extLst>
+              <a:ext uri="{FF2B5EF4-FFF2-40B4-BE49-F238E27FC236}">
+                <a16:creationId xmlns:a16="http://schemas.microsoft.com/office/drawing/2014/main" id="{7304BBA7-9D5E-4B9A-95AF-2E54F4B41C0E}"/>
+              </a:ext>
+            </a:extLst>
+          </p:cNvPr>
+          <p:cNvSpPr>
+            <a:spLocks noGrp="1"/>
+          </p:cNvSpPr>
+          <p:nvPr>
+            <p:ph type="title"/>
+          </p:nvPr>
+        </p:nvSpPr>
+        <p:spPr/>
+        <p:txBody>
+          <a:bodyPr/>
+          <a:lstStyle/>
+          <a:p>
+            <a:r>
+              <a:rPr lang="en-GB" dirty="0"/>
+              <a:t>Exercises</a:t>
+            </a:r>
+          </a:p>
+        </p:txBody>
+      </p:sp>
+      <p:sp>
+        <p:nvSpPr>
+          <p:cNvPr id="6" name="Content Placeholder 5">
+            <a:extLst>
+              <a:ext uri="{FF2B5EF4-FFF2-40B4-BE49-F238E27FC236}">
+                <a16:creationId xmlns:a16="http://schemas.microsoft.com/office/drawing/2014/main" id="{986286F5-7094-4136-8F8B-BF5DD43A24AC}"/>
+              </a:ext>
+            </a:extLst>
+          </p:cNvPr>
+          <p:cNvSpPr>
+            <a:spLocks noGrp="1"/>
+          </p:cNvSpPr>
+          <p:nvPr>
+            <p:ph idx="1"/>
+          </p:nvPr>
+        </p:nvSpPr>
+        <p:spPr/>
+        <p:txBody>
+          <a:bodyPr/>
+          <a:lstStyle/>
+          <a:p>
+            <a:pPr marL="457200" indent="-457200">
+              <a:buFont typeface="+mj-lt"/>
+              <a:buAutoNum type="arabicPeriod"/>
+            </a:pPr>
+            <a:r>
+              <a:rPr lang="en-GB" dirty="0"/>
+              <a:t>A) Write a program to determine whether the value of an integer variable initialised with the name temp is sub-zero, above zero degrees, exactly zero degrees.  If above zero it should display “Above Zero”.  If exactly zero it should display “Freezing” and if under zero should display “Sub zero”.</a:t>
+            </a:r>
+          </a:p>
+          <a:p>
+            <a:pPr marL="292608" lvl="1" indent="0">
+              <a:buNone/>
+            </a:pPr>
+            <a:r>
+              <a:rPr lang="en-GB" dirty="0"/>
+              <a:t>B) What type of branch control structure is this program?</a:t>
+            </a:r>
+          </a:p>
+          <a:p>
+            <a:pPr marL="457200" indent="-457200">
+              <a:buFont typeface="+mj-lt"/>
+              <a:buAutoNum type="arabicPeriod"/>
+            </a:pPr>
+            <a:r>
+              <a:rPr lang="en-US" dirty="0"/>
+              <a:t>Write a Java program that will output the grade of an integer score entered into the program.  70-100 is a </a:t>
+            </a:r>
+            <a:r>
+              <a:rPr lang="en-US" dirty="0" err="1"/>
+              <a:t>A</a:t>
+            </a:r>
+            <a:r>
+              <a:rPr lang="en-US" dirty="0"/>
+              <a:t>, 60-69 is a B, 50-59 is a C, 45-49 is a D, 40-44 is an E, and 0-39 is a R.  The program should only exit when a value outside these ranges is entered.</a:t>
+            </a:r>
+          </a:p>
+          <a:p>
+            <a:pPr marL="292608" lvl="1" indent="0">
+              <a:buNone/>
+            </a:pPr>
+            <a:r>
+              <a:rPr lang="en-US" dirty="0"/>
+              <a:t>B) What type of loop control structure is this program?</a:t>
+            </a:r>
+            <a:endParaRPr lang="en-GB" dirty="0"/>
+          </a:p>
+        </p:txBody>
+      </p:sp>
+    </p:spTree>
+    <p:extLst>
+      <p:ext uri="{BB962C8B-B14F-4D97-AF65-F5344CB8AC3E}">
+        <p14:creationId xmlns:p14="http://schemas.microsoft.com/office/powerpoint/2010/main" val="843286765"/>
+      </p:ext>
+    </p:extLst>
+  </p:cSld>
+  <p:clrMapOvr>
+    <a:masterClrMapping/>
+  </p:clrMapOvr>
+</p:sld>
+</file>
+
+<file path=ppt/slides/slide26.xml><?xml version="1.0" encoding="utf-8"?>
+<p:sld xmlns:a="http://schemas.openxmlformats.org/drawingml/2006/main" xmlns:r="http://schemas.openxmlformats.org/officeDocument/2006/relationships" xmlns:p="http://schemas.openxmlformats.org/presentationml/2006/main">
+  <p:cSld>
+    <p:spTree>
+      <p:nvGrpSpPr>
+        <p:cNvPr id="1" name=""/>
+        <p:cNvGrpSpPr/>
+        <p:nvPr/>
+      </p:nvGrpSpPr>
+      <p:grpSpPr>
+        <a:xfrm>
+          <a:off x="0" y="0"/>
+          <a:ext cx="0" cy="0"/>
+          <a:chOff x="0" y="0"/>
+          <a:chExt cx="0" cy="0"/>
+        </a:xfrm>
+      </p:grpSpPr>
+      <p:sp>
+        <p:nvSpPr>
+          <p:cNvPr id="2" name="Title 1">
+            <a:extLst>
+              <a:ext uri="{FF2B5EF4-FFF2-40B4-BE49-F238E27FC236}">
+                <a16:creationId xmlns:a16="http://schemas.microsoft.com/office/drawing/2014/main" id="{7304BBA7-9D5E-4B9A-95AF-2E54F4B41C0E}"/>
+              </a:ext>
+            </a:extLst>
+          </p:cNvPr>
+          <p:cNvSpPr>
+            <a:spLocks noGrp="1"/>
+          </p:cNvSpPr>
+          <p:nvPr>
+            <p:ph type="title"/>
+          </p:nvPr>
+        </p:nvSpPr>
+        <p:spPr/>
+        <p:txBody>
+          <a:bodyPr/>
+          <a:lstStyle/>
+          <a:p>
+            <a:r>
+              <a:rPr lang="en-GB" dirty="0"/>
+              <a:t>Exercises</a:t>
+            </a:r>
+          </a:p>
+        </p:txBody>
+      </p:sp>
+      <p:sp>
+        <p:nvSpPr>
+          <p:cNvPr id="6" name="Content Placeholder 5">
+            <a:extLst>
+              <a:ext uri="{FF2B5EF4-FFF2-40B4-BE49-F238E27FC236}">
+                <a16:creationId xmlns:a16="http://schemas.microsoft.com/office/drawing/2014/main" id="{986286F5-7094-4136-8F8B-BF5DD43A24AC}"/>
+              </a:ext>
+            </a:extLst>
+          </p:cNvPr>
+          <p:cNvSpPr>
+            <a:spLocks noGrp="1"/>
+          </p:cNvSpPr>
+          <p:nvPr>
+            <p:ph idx="1"/>
+          </p:nvPr>
+        </p:nvSpPr>
+        <p:spPr/>
+        <p:txBody>
+          <a:bodyPr/>
+          <a:lstStyle/>
+          <a:p>
+            <a:pPr marL="457200" indent="-457200">
+              <a:buFont typeface="+mj-lt"/>
+              <a:buAutoNum type="arabicPeriod"/>
+            </a:pPr>
+            <a:r>
+              <a:rPr lang="en-GB" dirty="0"/>
+              <a:t>A) Write a program to determine whether the value of an integer variable initialised with the name temp is sub-zero, above zero degrees, exactly zero degrees.  If above zero it should display “Above Zero”.  If exactly zero it should display “Freezing” and if under zero should display “Sub zero”.</a:t>
+            </a:r>
+          </a:p>
+          <a:p>
+            <a:pPr marL="292608" lvl="1" indent="0">
+              <a:buNone/>
+            </a:pPr>
+            <a:r>
+              <a:rPr lang="en-GB" dirty="0"/>
+              <a:t>B) What type of branch control structure is this program?</a:t>
+            </a:r>
+          </a:p>
+          <a:p>
+            <a:pPr marL="457200" indent="-457200">
+              <a:buFont typeface="+mj-lt"/>
+              <a:buAutoNum type="arabicPeriod"/>
+            </a:pPr>
+            <a:r>
+              <a:rPr lang="en-US" dirty="0"/>
+              <a:t>Write a Java program that will output the grade of an integer score entered into the program.  70-100 is a </a:t>
+            </a:r>
+            <a:r>
+              <a:rPr lang="en-US" dirty="0" err="1"/>
+              <a:t>A</a:t>
+            </a:r>
+            <a:r>
+              <a:rPr lang="en-US" dirty="0"/>
+              <a:t>, 60-69 is a B, 50-59 is a C, 45-49 is a D, 40-44 is an E, and 0-39 is a R.  The program should only exit when a value outside these ranges is entered.</a:t>
+            </a:r>
+          </a:p>
+          <a:p>
+            <a:pPr marL="292608" lvl="1" indent="0">
+              <a:buNone/>
+            </a:pPr>
+            <a:r>
+              <a:rPr lang="en-US" dirty="0"/>
+              <a:t>B) What type of loop control structure is this program?</a:t>
+            </a:r>
+            <a:endParaRPr lang="en-GB" dirty="0"/>
+          </a:p>
+        </p:txBody>
+      </p:sp>
+    </p:spTree>
+    <p:extLst>
+      <p:ext uri="{BB962C8B-B14F-4D97-AF65-F5344CB8AC3E}">
+        <p14:creationId xmlns:p14="http://schemas.microsoft.com/office/powerpoint/2010/main" val="1502426162"/>
       </p:ext>
     </p:extLst>
   </p:cSld>
@@ -9357,10 +9758,9 @@
           <a:lstStyle/>
           <a:p>
             <a:r>
-              <a:rPr lang="en-GB" dirty="0" smtClean="0"/>
+              <a:rPr lang="en-GB" dirty="0"/>
               <a:t>Types of control Structures</a:t>
             </a:r>
-            <a:endParaRPr lang="en-GB" dirty="0"/>
           </a:p>
         </p:txBody>
       </p:sp>
@@ -9386,7 +9786,7 @@
               <a:buChar char="v"/>
             </a:pPr>
             <a:r>
-              <a:rPr lang="en-US" sz="3600" dirty="0" smtClean="0"/>
+              <a:rPr lang="en-US" sz="3600" dirty="0"/>
               <a:t>Sequential</a:t>
             </a:r>
           </a:p>
@@ -9396,7 +9796,7 @@
               <a:buChar char="v"/>
             </a:pPr>
             <a:r>
-              <a:rPr lang="en-US" sz="3600" dirty="0" smtClean="0"/>
+              <a:rPr lang="en-US" sz="3600" dirty="0"/>
               <a:t>Selection (branch)</a:t>
             </a:r>
           </a:p>
@@ -9406,7 +9806,7 @@
               <a:buChar char="v"/>
             </a:pPr>
             <a:r>
-              <a:rPr lang="en-US" sz="3600" dirty="0" smtClean="0"/>
+              <a:rPr lang="en-US" sz="3600" dirty="0"/>
               <a:t>Iteration (loop)</a:t>
             </a:r>
             <a:endParaRPr lang="en-GB" sz="3600" dirty="0"/>
@@ -9465,7 +9865,7 @@
           <a:lstStyle/>
           <a:p>
             <a:r>
-              <a:rPr lang="en-US" dirty="0" smtClean="0"/>
+              <a:rPr lang="en-US" dirty="0"/>
               <a:t>Sequential Statements</a:t>
             </a:r>
             <a:endParaRPr lang="en-GB" dirty="0"/>
@@ -9494,7 +9894,7 @@
               <a:buChar char="v"/>
             </a:pPr>
             <a:r>
-              <a:rPr lang="en-US" sz="3600" dirty="0" smtClean="0"/>
+              <a:rPr lang="en-US" sz="3600" dirty="0"/>
               <a:t>Commands</a:t>
             </a:r>
           </a:p>
@@ -9504,23 +9904,23 @@
               <a:buChar char="v"/>
             </a:pPr>
             <a:r>
-              <a:rPr lang="en-US" sz="3600" dirty="0" smtClean="0"/>
+              <a:rPr lang="en-US" sz="3600" dirty="0"/>
               <a:t>Declaration </a:t>
             </a:r>
             <a:r>
-              <a:rPr lang="en-US" sz="3600" dirty="0" err="1" smtClean="0"/>
+              <a:rPr lang="en-US" sz="3600" dirty="0" err="1"/>
               <a:t>e.g</a:t>
             </a:r>
             <a:r>
-              <a:rPr lang="en-US" sz="3600" dirty="0" smtClean="0"/>
+              <a:rPr lang="en-US" sz="3600" dirty="0"/>
               <a:t>:   </a:t>
             </a:r>
             <a:r>
-              <a:rPr lang="en-US" sz="3600" dirty="0" err="1" smtClean="0"/>
+              <a:rPr lang="en-US" sz="3600" dirty="0" err="1"/>
               <a:t>int</a:t>
             </a:r>
             <a:r>
-              <a:rPr lang="en-US" sz="3600" dirty="0" smtClean="0"/>
+              <a:rPr lang="en-US" sz="3600" dirty="0"/>
               <a:t> x;</a:t>
             </a:r>
           </a:p>
@@ -9530,15 +9930,15 @@
               <a:buChar char="v"/>
             </a:pPr>
             <a:r>
-              <a:rPr lang="en-US" sz="3600" dirty="0" smtClean="0"/>
+              <a:rPr lang="en-US" sz="3600" dirty="0"/>
               <a:t>Assignment e.g.  </a:t>
             </a:r>
             <a:r>
-              <a:rPr lang="en-US" sz="3600" dirty="0" err="1" smtClean="0"/>
+              <a:rPr lang="en-US" sz="3600" dirty="0" err="1"/>
               <a:t>int</a:t>
             </a:r>
             <a:r>
-              <a:rPr lang="en-US" sz="3600" dirty="0" smtClean="0"/>
+              <a:rPr lang="en-US" sz="3600" dirty="0"/>
               <a:t> x=45;</a:t>
             </a:r>
           </a:p>
@@ -9548,16 +9948,34 @@
               <a:buChar char="v"/>
             </a:pPr>
             <a:r>
-              <a:rPr lang="en-US" sz="3600" dirty="0" smtClean="0"/>
+              <a:rPr lang="en-US" sz="3600" dirty="0"/>
               <a:t>Expressions e.g.  z= </a:t>
             </a:r>
             <a:r>
-              <a:rPr lang="en-US" sz="3600" dirty="0" err="1" smtClean="0"/>
+              <a:rPr lang="en-US" sz="3600" dirty="0" err="1"/>
               <a:t>x+y</a:t>
             </a:r>
             <a:r>
-              <a:rPr lang="en-US" sz="3600" dirty="0" smtClean="0"/>
+              <a:rPr lang="en-US" sz="3600" dirty="0"/>
               <a:t>;</a:t>
+            </a:r>
+          </a:p>
+          <a:p>
+            <a:pPr>
+              <a:buFont typeface="Wingdings" panose="05000000000000000000" pitchFamily="2" charset="2"/>
+              <a:buChar char="v"/>
+            </a:pPr>
+            <a:r>
+              <a:rPr lang="en-US" sz="3600" dirty="0"/>
+              <a:t> Method calls e.g. </a:t>
+            </a:r>
+            <a:r>
+              <a:rPr lang="en-US" sz="3600" dirty="0" err="1"/>
+              <a:t>Math.sin</a:t>
+            </a:r>
+            <a:r>
+              <a:rPr lang="en-US" sz="3600" dirty="0"/>
+              <a:t>(x);</a:t>
             </a:r>
           </a:p>
         </p:txBody>
@@ -9687,7 +10105,7 @@
           <a:lstStyle/>
           <a:p>
             <a:r>
-              <a:rPr lang="en-US" dirty="0" smtClean="0"/>
+              <a:rPr lang="en-US" dirty="0"/>
               <a:t>Selection (Branch) control</a:t>
             </a:r>
             <a:endParaRPr lang="en-GB" dirty="0"/>
@@ -9728,11 +10146,7 @@
             </a:pPr>
             <a:r>
               <a:rPr lang="en-US" sz="2800" dirty="0"/>
-              <a:t> </a:t>
-            </a:r>
-            <a:r>
-              <a:rPr lang="en-US" sz="2800" dirty="0" smtClean="0"/>
-              <a:t>Control structures that are not sequential in nature by default will contain a condition statement. </a:t>
+              <a:t> Control structures that are not sequential in nature by default will contain a condition statement. </a:t>
             </a:r>
           </a:p>
           <a:p>
@@ -9742,11 +10156,7 @@
             </a:pPr>
             <a:r>
               <a:rPr lang="en-US" sz="2800" dirty="0"/>
-              <a:t> </a:t>
-            </a:r>
-            <a:r>
-              <a:rPr lang="en-US" sz="2800" dirty="0" smtClean="0"/>
-              <a:t>That is, execution will follow two or more different paths.</a:t>
+              <a:t> That is, execution will follow two or more different paths.</a:t>
             </a:r>
           </a:p>
           <a:p>
@@ -9756,11 +10166,7 @@
             </a:pPr>
             <a:r>
               <a:rPr lang="en-US" sz="2800" dirty="0"/>
-              <a:t> </a:t>
-            </a:r>
-            <a:r>
-              <a:rPr lang="en-US" sz="2800" dirty="0" smtClean="0"/>
-              <a:t>Any condition that all paths never lead to previously executed statements is a selection. </a:t>
+              <a:t> Any condition that all paths never lead to previously executed statements is a selection. </a:t>
             </a:r>
           </a:p>
           <a:p>
@@ -9770,11 +10176,7 @@
             </a:pPr>
             <a:r>
               <a:rPr lang="en-US" sz="2800" dirty="0"/>
-              <a:t> </a:t>
-            </a:r>
-            <a:r>
-              <a:rPr lang="en-US" sz="2800" dirty="0" smtClean="0"/>
-              <a:t>However, if any path returns back to a previously executed statement those set of statements are in a loop control.</a:t>
+              <a:t> However, if any path returns back to a previously executed statement those set of statements are in a loop control.</a:t>
             </a:r>
             <a:endParaRPr lang="en-GB" sz="2800" dirty="0"/>
           </a:p>
@@ -9835,10 +10237,9 @@
           <a:lstStyle/>
           <a:p>
             <a:r>
-              <a:rPr lang="en-GB" dirty="0" smtClean="0"/>
+              <a:rPr lang="en-GB" dirty="0"/>
               <a:t>Selection types</a:t>
             </a:r>
-            <a:endParaRPr lang="en-GB" dirty="0"/>
           </a:p>
         </p:txBody>
       </p:sp>
@@ -9868,7 +10269,7 @@
               <a:buAutoNum type="arabicPeriod"/>
             </a:pPr>
             <a:r>
-              <a:rPr lang="en-US" b="1" dirty="0" smtClean="0"/>
+              <a:rPr lang="en-US" b="1" dirty="0"/>
               <a:t>Unconditional if</a:t>
             </a:r>
           </a:p>
@@ -9878,7 +10279,7 @@
               <a:buAutoNum type="arabicPeriod"/>
             </a:pPr>
             <a:r>
-              <a:rPr lang="en-US" b="1" dirty="0" smtClean="0"/>
+              <a:rPr lang="en-US" b="1" dirty="0"/>
               <a:t>Conditional-if</a:t>
             </a:r>
           </a:p>
@@ -9888,7 +10289,7 @@
               <a:buAutoNum type="arabicPeriod"/>
             </a:pPr>
             <a:r>
-              <a:rPr lang="en-US" b="1" dirty="0" smtClean="0"/>
+              <a:rPr lang="en-US" b="1" dirty="0"/>
               <a:t>Bi-conditional if</a:t>
             </a:r>
           </a:p>
@@ -9898,7 +10299,7 @@
               <a:buAutoNum type="arabicPeriod"/>
             </a:pPr>
             <a:r>
-              <a:rPr lang="en-US" b="1" dirty="0" smtClean="0"/>
+              <a:rPr lang="en-US" b="1" dirty="0"/>
               <a:t>Cascaded-if</a:t>
             </a:r>
           </a:p>
@@ -9908,7 +10309,7 @@
               <a:buAutoNum type="arabicPeriod"/>
             </a:pPr>
             <a:r>
-              <a:rPr lang="en-US" b="1" dirty="0" smtClean="0"/>
+              <a:rPr lang="en-US" b="1" dirty="0"/>
               <a:t>Nested-if</a:t>
             </a:r>
           </a:p>
@@ -9918,7 +10319,7 @@
               <a:buAutoNum type="arabicPeriod"/>
             </a:pPr>
             <a:r>
-              <a:rPr lang="en-US" b="1" dirty="0" smtClean="0"/>
+              <a:rPr lang="en-US" b="1" dirty="0"/>
               <a:t>Switch statement</a:t>
             </a:r>
             <a:endParaRPr lang="en-GB" dirty="0"/>
@@ -9990,10 +10391,9 @@
           <a:lstStyle/>
           <a:p>
             <a:r>
-              <a:rPr lang="en-GB" dirty="0" smtClean="0"/>
+              <a:rPr lang="en-GB" dirty="0"/>
               <a:t>Unconditional-if</a:t>
             </a:r>
-            <a:endParaRPr lang="en-GB" dirty="0"/>
           </a:p>
         </p:txBody>
       </p:sp>
@@ -10023,7 +10423,7 @@
               <a:buAutoNum type="arabicPeriod"/>
             </a:pPr>
             <a:r>
-              <a:rPr lang="en-US" b="1" dirty="0" smtClean="0"/>
+              <a:rPr lang="en-US" b="1" dirty="0"/>
               <a:t>Unconditional if</a:t>
             </a:r>
           </a:p>
@@ -10033,7 +10433,7 @@
               <a:buAutoNum type="arabicPeriod"/>
             </a:pPr>
             <a:r>
-              <a:rPr lang="en-US" b="1" dirty="0" smtClean="0"/>
+              <a:rPr lang="en-US" b="1" dirty="0"/>
               <a:t>Conditional-if</a:t>
             </a:r>
           </a:p>
@@ -10043,7 +10443,7 @@
               <a:buAutoNum type="arabicPeriod"/>
             </a:pPr>
             <a:r>
-              <a:rPr lang="en-US" b="1" dirty="0" smtClean="0"/>
+              <a:rPr lang="en-US" b="1" dirty="0"/>
               <a:t>Bi-conditional if</a:t>
             </a:r>
           </a:p>
@@ -10053,7 +10453,7 @@
               <a:buAutoNum type="arabicPeriod"/>
             </a:pPr>
             <a:r>
-              <a:rPr lang="en-US" b="1" dirty="0" smtClean="0"/>
+              <a:rPr lang="en-US" b="1" dirty="0"/>
               <a:t>Cascaded-if</a:t>
             </a:r>
           </a:p>
@@ -10063,7 +10463,7 @@
               <a:buAutoNum type="arabicPeriod"/>
             </a:pPr>
             <a:r>
-              <a:rPr lang="en-US" b="1" dirty="0" smtClean="0"/>
+              <a:rPr lang="en-US" b="1" dirty="0"/>
               <a:t>Nested-if</a:t>
             </a:r>
           </a:p>
@@ -10073,7 +10473,7 @@
               <a:buAutoNum type="arabicPeriod"/>
             </a:pPr>
             <a:r>
-              <a:rPr lang="en-US" b="1" dirty="0" smtClean="0"/>
+              <a:rPr lang="en-US" b="1" dirty="0"/>
               <a:t>Switch statement</a:t>
             </a:r>
             <a:endParaRPr lang="en-GB" dirty="0"/>
@@ -10145,10 +10545,9 @@
           <a:lstStyle/>
           <a:p>
             <a:r>
-              <a:rPr lang="en-GB" dirty="0" smtClean="0"/>
+              <a:rPr lang="en-GB" dirty="0"/>
               <a:t>Conditional-if</a:t>
             </a:r>
-            <a:endParaRPr lang="en-GB" dirty="0"/>
           </a:p>
         </p:txBody>
       </p:sp>
@@ -10178,7 +10577,7 @@
               <a:buAutoNum type="arabicPeriod"/>
             </a:pPr>
             <a:r>
-              <a:rPr lang="en-US" b="1" dirty="0" smtClean="0"/>
+              <a:rPr lang="en-US" b="1" dirty="0"/>
               <a:t>Unconditional if</a:t>
             </a:r>
           </a:p>
@@ -10188,7 +10587,7 @@
               <a:buAutoNum type="arabicPeriod"/>
             </a:pPr>
             <a:r>
-              <a:rPr lang="en-US" b="1" dirty="0" smtClean="0"/>
+              <a:rPr lang="en-US" b="1" dirty="0"/>
               <a:t>Conditional-if</a:t>
             </a:r>
           </a:p>
@@ -10198,7 +10597,7 @@
               <a:buAutoNum type="arabicPeriod"/>
             </a:pPr>
             <a:r>
-              <a:rPr lang="en-US" b="1" dirty="0" smtClean="0"/>
+              <a:rPr lang="en-US" b="1" dirty="0"/>
               <a:t>Bi-conditional if</a:t>
             </a:r>
           </a:p>
@@ -10208,7 +10607,7 @@
               <a:buAutoNum type="arabicPeriod"/>
             </a:pPr>
             <a:r>
-              <a:rPr lang="en-US" b="1" dirty="0" smtClean="0"/>
+              <a:rPr lang="en-US" b="1" dirty="0"/>
               <a:t>Cascaded-if</a:t>
             </a:r>
           </a:p>
@@ -10218,7 +10617,7 @@
               <a:buAutoNum type="arabicPeriod"/>
             </a:pPr>
             <a:r>
-              <a:rPr lang="en-US" b="1" dirty="0" smtClean="0"/>
+              <a:rPr lang="en-US" b="1" dirty="0"/>
               <a:t>Nested-if</a:t>
             </a:r>
           </a:p>
@@ -10228,7 +10627,7 @@
               <a:buAutoNum type="arabicPeriod"/>
             </a:pPr>
             <a:r>
-              <a:rPr lang="en-US" b="1" dirty="0" smtClean="0"/>
+              <a:rPr lang="en-US" b="1" dirty="0"/>
               <a:t>Switch statement</a:t>
             </a:r>
             <a:endParaRPr lang="en-GB" dirty="0"/>
@@ -10545,6 +10944,21 @@
 </file>
 
 <file path=customXml/item1.xml><?xml version="1.0" encoding="utf-8"?>
+<p:properties xmlns:p="http://schemas.microsoft.com/office/2006/metadata/properties" xmlns:xsi="http://www.w3.org/2001/XMLSchema-instance" xmlns:pc="http://schemas.microsoft.com/office/infopath/2007/PartnerControls">
+  <documentManagement/>
+</p:properties>
+</file>
+
+<file path=customXml/item2.xml><?xml version="1.0" encoding="utf-8"?>
+<?mso-contentType ?>
+<FormTemplates xmlns="http://schemas.microsoft.com/sharepoint/v3/contenttype/forms">
+  <Display>DocumentLibraryForm</Display>
+  <Edit>DocumentLibraryForm</Edit>
+  <New>DocumentLibraryForm</New>
+</FormTemplates>
+</file>
+
+<file path=customXml/item3.xml><?xml version="1.0" encoding="utf-8"?>
 <ct:contentTypeSchema xmlns:ct="http://schemas.microsoft.com/office/2006/metadata/contentType" xmlns:ma="http://schemas.microsoft.com/office/2006/metadata/properties/metaAttributes" ct:_="" ma:_="" ma:contentTypeName="Document" ma:contentTypeID="0x010100062A1965C0ED8D4B93D90EC9097FB304" ma:contentTypeVersion="13" ma:contentTypeDescription="Create a new document." ma:contentTypeScope="" ma:versionID="ad8c00255a362f38b965062bb6973433">
   <xsd:schema xmlns:xsd="http://www.w3.org/2001/XMLSchema" xmlns:xs="http://www.w3.org/2001/XMLSchema" xmlns:p="http://schemas.microsoft.com/office/2006/metadata/properties" xmlns:ns3="cab83b3b-4db3-4a13-8dd4-e60be6d87cf5" xmlns:ns4="c2e86655-d7ed-4420-bc92-1b9547829f54" targetNamespace="http://schemas.microsoft.com/office/2006/metadata/properties" ma:root="true" ma:fieldsID="d47f86c9060cacabc5fb99b2dd628c7d" ns3:_="" ns4:_="">
     <xsd:import namespace="cab83b3b-4db3-4a13-8dd4-e60be6d87cf5"/>
@@ -10767,22 +11181,32 @@
 </ct:contentTypeSchema>
 </file>
 
-<file path=customXml/item2.xml><?xml version="1.0" encoding="utf-8"?>
-<p:properties xmlns:p="http://schemas.microsoft.com/office/2006/metadata/properties" xmlns:xsi="http://www.w3.org/2001/XMLSchema-instance" xmlns:pc="http://schemas.microsoft.com/office/infopath/2007/PartnerControls">
-  <documentManagement/>
-</p:properties>
+<file path=customXml/itemProps1.xml><?xml version="1.0" encoding="utf-8"?>
+<ds:datastoreItem xmlns:ds="http://schemas.openxmlformats.org/officeDocument/2006/customXml" ds:itemID="{1B174DBE-1AD7-495B-B168-212A7EE723A6}">
+  <ds:schemaRefs>
+    <ds:schemaRef ds:uri="http://schemas.microsoft.com/office/2006/documentManagement/types"/>
+    <ds:schemaRef ds:uri="cab83b3b-4db3-4a13-8dd4-e60be6d87cf5"/>
+    <ds:schemaRef ds:uri="c2e86655-d7ed-4420-bc92-1b9547829f54"/>
+    <ds:schemaRef ds:uri="http://purl.org/dc/elements/1.1/"/>
+    <ds:schemaRef ds:uri="http://schemas.microsoft.com/office/2006/metadata/properties"/>
+    <ds:schemaRef ds:uri="http://purl.org/dc/terms/"/>
+    <ds:schemaRef ds:uri="http://schemas.microsoft.com/office/infopath/2007/PartnerControls"/>
+    <ds:schemaRef ds:uri="http://schemas.openxmlformats.org/package/2006/metadata/core-properties"/>
+    <ds:schemaRef ds:uri="http://www.w3.org/XML/1998/namespace"/>
+    <ds:schemaRef ds:uri="http://purl.org/dc/dcmitype/"/>
+  </ds:schemaRefs>
+</ds:datastoreItem>
 </file>
 
-<file path=customXml/item3.xml><?xml version="1.0" encoding="utf-8"?>
-<?mso-contentType ?>
-<FormTemplates xmlns="http://schemas.microsoft.com/sharepoint/v3/contenttype/forms">
-  <Display>DocumentLibraryForm</Display>
-  <Edit>DocumentLibraryForm</Edit>
-  <New>DocumentLibraryForm</New>
-</FormTemplates>
+<file path=customXml/itemProps2.xml><?xml version="1.0" encoding="utf-8"?>
+<ds:datastoreItem xmlns:ds="http://schemas.openxmlformats.org/officeDocument/2006/customXml" ds:itemID="{07A05CC1-FF68-453F-AE9C-352B80151440}">
+  <ds:schemaRefs>
+    <ds:schemaRef ds:uri="http://schemas.microsoft.com/sharepoint/v3/contenttype/forms"/>
+  </ds:schemaRefs>
+</ds:datastoreItem>
 </file>
 
-<file path=customXml/itemProps1.xml><?xml version="1.0" encoding="utf-8"?>
+<file path=customXml/itemProps3.xml><?xml version="1.0" encoding="utf-8"?>
 <ds:datastoreItem xmlns:ds="http://schemas.openxmlformats.org/officeDocument/2006/customXml" ds:itemID="{03233C07-2685-44F7-9601-FF64EA49BA1B}">
   <ds:schemaRefs>
     <ds:schemaRef ds:uri="http://schemas.microsoft.com/office/2006/metadata/contentType"/>
@@ -10799,29 +11223,4 @@
     <ds:schemaRef ds:uri="http://schemas.microsoft.com/internal/obd"/>
   </ds:schemaRefs>
 </ds:datastoreItem>
-</file>
-
-<file path=customXml/itemProps2.xml><?xml version="1.0" encoding="utf-8"?>
-<ds:datastoreItem xmlns:ds="http://schemas.openxmlformats.org/officeDocument/2006/customXml" ds:itemID="{1B174DBE-1AD7-495B-B168-212A7EE723A6}">
-  <ds:schemaRefs>
-    <ds:schemaRef ds:uri="http://schemas.microsoft.com/office/2006/documentManagement/types"/>
-    <ds:schemaRef ds:uri="cab83b3b-4db3-4a13-8dd4-e60be6d87cf5"/>
-    <ds:schemaRef ds:uri="c2e86655-d7ed-4420-bc92-1b9547829f54"/>
-    <ds:schemaRef ds:uri="http://purl.org/dc/elements/1.1/"/>
-    <ds:schemaRef ds:uri="http://schemas.microsoft.com/office/2006/metadata/properties"/>
-    <ds:schemaRef ds:uri="http://purl.org/dc/terms/"/>
-    <ds:schemaRef ds:uri="http://schemas.microsoft.com/office/infopath/2007/PartnerControls"/>
-    <ds:schemaRef ds:uri="http://schemas.openxmlformats.org/package/2006/metadata/core-properties"/>
-    <ds:schemaRef ds:uri="http://www.w3.org/XML/1998/namespace"/>
-    <ds:schemaRef ds:uri="http://purl.org/dc/dcmitype/"/>
-  </ds:schemaRefs>
-</ds:datastoreItem>
-</file>
-
-<file path=customXml/itemProps3.xml><?xml version="1.0" encoding="utf-8"?>
-<ds:datastoreItem xmlns:ds="http://schemas.openxmlformats.org/officeDocument/2006/customXml" ds:itemID="{07A05CC1-FF68-453F-AE9C-352B80151440}">
-  <ds:schemaRefs>
-    <ds:schemaRef ds:uri="http://schemas.microsoft.com/sharepoint/v3/contenttype/forms"/>
-  </ds:schemaRefs>
-</ds:datastoreItem>
 </file>
--- a/thesis/ukapp2/wqu_isc/sofware_design/Lesson 2 - Java.pptx
+++ b/thesis/ukapp2/wqu_isc/sofware_design/Lesson 2 - Java.pptx
@@ -28,9 +28,8 @@
     <p:sldId id="280" r:id="rId25"/>
     <p:sldId id="281" r:id="rId26"/>
     <p:sldId id="291" r:id="rId27"/>
-    <p:sldId id="293" r:id="rId28"/>
-    <p:sldId id="290" r:id="rId29"/>
-    <p:sldId id="289" r:id="rId30"/>
+    <p:sldId id="290" r:id="rId28"/>
+    <p:sldId id="289" r:id="rId29"/>
   </p:sldIdLst>
   <p:sldSz cx="9144000" cy="6858000" type="screen4x3"/>
   <p:notesSz cx="6858000" cy="9144000"/>
@@ -4033,86 +4032,92 @@
             <a:spLocks noGrp="1"/>
           </p:cNvSpPr>
           <p:nvPr>
-            <p:ph idx="1"/>
+            <p:ph sz="half" idx="1"/>
           </p:nvPr>
         </p:nvSpPr>
         <p:spPr/>
         <p:txBody>
-          <a:bodyPr/>
+          <a:bodyPr>
+            <a:normAutofit/>
+          </a:bodyPr>
           <a:lstStyle/>
           <a:p>
-            <a:pPr marL="457200" indent="-457200">
-              <a:buFont typeface="+mj-lt"/>
-              <a:buAutoNum type="arabicPeriod"/>
-            </a:pPr>
-            <a:r>
-              <a:rPr lang="en-US" b="1" dirty="0"/>
-              <a:t>Unconditional if</a:t>
-            </a:r>
-          </a:p>
-          <a:p>
-            <a:pPr marL="457200" indent="-457200">
-              <a:buFont typeface="+mj-lt"/>
-              <a:buAutoNum type="arabicPeriod"/>
-            </a:pPr>
-            <a:r>
-              <a:rPr lang="en-US" b="1" dirty="0"/>
-              <a:t>Conditional-if</a:t>
-            </a:r>
-          </a:p>
-          <a:p>
-            <a:pPr marL="457200" indent="-457200">
-              <a:buFont typeface="+mj-lt"/>
-              <a:buAutoNum type="arabicPeriod"/>
-            </a:pPr>
-            <a:r>
-              <a:rPr lang="en-US" b="1" dirty="0"/>
-              <a:t>Bi-conditional if</a:t>
-            </a:r>
-          </a:p>
-          <a:p>
-            <a:pPr marL="457200" indent="-457200">
-              <a:buFont typeface="+mj-lt"/>
-              <a:buAutoNum type="arabicPeriod"/>
-            </a:pPr>
-            <a:r>
-              <a:rPr lang="en-US" b="1" dirty="0"/>
-              <a:t>Cascaded-if</a:t>
-            </a:r>
-          </a:p>
-          <a:p>
-            <a:pPr marL="457200" indent="-457200">
-              <a:buFont typeface="+mj-lt"/>
-              <a:buAutoNum type="arabicPeriod"/>
-            </a:pPr>
-            <a:r>
-              <a:rPr lang="en-US" b="1" dirty="0"/>
-              <a:t>Nested-if</a:t>
-            </a:r>
-          </a:p>
-          <a:p>
-            <a:pPr marL="457200" indent="-457200">
-              <a:buFont typeface="+mj-lt"/>
-              <a:buAutoNum type="arabicPeriod"/>
-            </a:pPr>
-            <a:r>
-              <a:rPr lang="en-US" b="1" dirty="0"/>
-              <a:t>Switch statement</a:t>
-            </a:r>
-            <a:endParaRPr lang="en-GB" dirty="0"/>
-          </a:p>
-          <a:p>
             <a:pPr marL="0" indent="0">
               <a:buNone/>
             </a:pPr>
-            <a:endParaRPr lang="en-GB" dirty="0"/>
+            <a:r>
+              <a:rPr lang="en-US" sz="3200" b="1" dirty="0"/>
+              <a:t>Has</a:t>
+            </a:r>
           </a:p>
           <a:p>
             <a:pPr>
               <a:buFont typeface="Wingdings" panose="05000000000000000000" pitchFamily="2" charset="2"/>
               <a:buChar char="v"/>
             </a:pPr>
-            <a:endParaRPr lang="en-GB" dirty="0"/>
+            <a:r>
+              <a:rPr lang="en-US" sz="3200" b="1" dirty="0"/>
+              <a:t>2 Conditions</a:t>
+            </a:r>
+          </a:p>
+          <a:p>
+            <a:pPr>
+              <a:buFont typeface="Wingdings" panose="05000000000000000000" pitchFamily="2" charset="2"/>
+              <a:buChar char="v"/>
+            </a:pPr>
+            <a:r>
+              <a:rPr lang="en-US" sz="3200" b="1" dirty="0"/>
+              <a:t>3 Branches</a:t>
+            </a:r>
+          </a:p>
+          <a:p>
+            <a:pPr>
+              <a:buFont typeface="Wingdings" panose="05000000000000000000" pitchFamily="2" charset="2"/>
+              <a:buChar char="v"/>
+            </a:pPr>
+            <a:r>
+              <a:rPr lang="en-US" sz="3200" b="1" dirty="0"/>
+              <a:t>1 cascade</a:t>
+            </a:r>
+            <a:endParaRPr lang="en-GB" sz="3200" dirty="0"/>
+          </a:p>
+          <a:p>
+            <a:pPr marL="0" indent="0">
+              <a:buNone/>
+            </a:pPr>
+            <a:endParaRPr lang="en-GB" sz="3200" dirty="0"/>
+          </a:p>
+          <a:p>
+            <a:pPr>
+              <a:buFont typeface="Wingdings" panose="05000000000000000000" pitchFamily="2" charset="2"/>
+              <a:buChar char="v"/>
+            </a:pPr>
+            <a:endParaRPr lang="en-GB" sz="3200" dirty="0"/>
+          </a:p>
+        </p:txBody>
+      </p:sp>
+      <p:sp>
+        <p:nvSpPr>
+          <p:cNvPr id="4" name="Content Placeholder 3">
+            <a:extLst>
+              <a:ext uri="{FF2B5EF4-FFF2-40B4-BE49-F238E27FC236}">
+                <a16:creationId xmlns:a16="http://schemas.microsoft.com/office/drawing/2014/main" id="{8AA50161-3325-43D7-A4CD-DE7BC3B679A5}"/>
+              </a:ext>
+            </a:extLst>
+          </p:cNvPr>
+          <p:cNvSpPr>
+            <a:spLocks noGrp="1"/>
+          </p:cNvSpPr>
+          <p:nvPr>
+            <p:ph sz="half" idx="2"/>
+          </p:nvPr>
+        </p:nvSpPr>
+        <p:spPr/>
+        <p:txBody>
+          <a:bodyPr/>
+          <a:lstStyle/>
+          <a:p>
+            <a:endParaRPr lang="en-GB"/>
           </a:p>
         </p:txBody>
       </p:sp>
@@ -4187,7 +4192,7 @@
             <a:spLocks noGrp="1"/>
           </p:cNvSpPr>
           <p:nvPr>
-            <p:ph idx="1"/>
+            <p:ph sz="half" idx="1"/>
           </p:nvPr>
         </p:nvSpPr>
         <p:spPr/>
@@ -4195,78 +4200,77 @@
           <a:bodyPr/>
           <a:lstStyle/>
           <a:p>
-            <a:pPr marL="457200" indent="-457200">
-              <a:buFont typeface="+mj-lt"/>
-              <a:buAutoNum type="arabicPeriod"/>
-            </a:pPr>
-            <a:r>
-              <a:rPr lang="en-US" b="1" dirty="0"/>
-              <a:t>Unconditional if</a:t>
-            </a:r>
-          </a:p>
-          <a:p>
-            <a:pPr marL="457200" indent="-457200">
-              <a:buFont typeface="+mj-lt"/>
-              <a:buAutoNum type="arabicPeriod"/>
-            </a:pPr>
-            <a:r>
-              <a:rPr lang="en-US" b="1" dirty="0"/>
-              <a:t>Conditional-if</a:t>
-            </a:r>
-          </a:p>
-          <a:p>
-            <a:pPr marL="457200" indent="-457200">
-              <a:buFont typeface="+mj-lt"/>
-              <a:buAutoNum type="arabicPeriod"/>
-            </a:pPr>
-            <a:r>
-              <a:rPr lang="en-US" b="1" dirty="0"/>
-              <a:t>Bi-conditional if</a:t>
-            </a:r>
-          </a:p>
-          <a:p>
-            <a:pPr marL="457200" indent="-457200">
-              <a:buFont typeface="+mj-lt"/>
-              <a:buAutoNum type="arabicPeriod"/>
-            </a:pPr>
-            <a:r>
-              <a:rPr lang="en-US" b="1" dirty="0"/>
-              <a:t>Cascaded-if</a:t>
-            </a:r>
-          </a:p>
-          <a:p>
-            <a:pPr marL="457200" indent="-457200">
-              <a:buFont typeface="+mj-lt"/>
-              <a:buAutoNum type="arabicPeriod"/>
-            </a:pPr>
-            <a:r>
-              <a:rPr lang="en-US" b="1" dirty="0"/>
-              <a:t>Nested-if</a:t>
-            </a:r>
-          </a:p>
-          <a:p>
-            <a:pPr marL="457200" indent="-457200">
-              <a:buFont typeface="+mj-lt"/>
-              <a:buAutoNum type="arabicPeriod"/>
-            </a:pPr>
-            <a:r>
-              <a:rPr lang="en-US" b="1" dirty="0"/>
-              <a:t>Switch statement</a:t>
-            </a:r>
-            <a:endParaRPr lang="en-GB" dirty="0"/>
-          </a:p>
-          <a:p>
             <a:pPr marL="0" indent="0">
               <a:buNone/>
             </a:pPr>
-            <a:endParaRPr lang="en-GB" dirty="0"/>
+            <a:r>
+              <a:rPr lang="en-US" sz="2000" b="1" dirty="0"/>
+              <a:t>Has</a:t>
+            </a:r>
           </a:p>
           <a:p>
             <a:pPr>
               <a:buFont typeface="Wingdings" panose="05000000000000000000" pitchFamily="2" charset="2"/>
               <a:buChar char="v"/>
             </a:pPr>
-            <a:endParaRPr lang="en-GB" dirty="0"/>
+            <a:r>
+              <a:rPr lang="en-US" sz="2000" b="1" dirty="0"/>
+              <a:t>3+ Conditions</a:t>
+            </a:r>
+          </a:p>
+          <a:p>
+            <a:pPr>
+              <a:buFont typeface="Wingdings" panose="05000000000000000000" pitchFamily="2" charset="2"/>
+              <a:buChar char="v"/>
+            </a:pPr>
+            <a:r>
+              <a:rPr lang="en-US" b="1" dirty="0"/>
+              <a:t>4+</a:t>
+            </a:r>
+            <a:r>
+              <a:rPr lang="en-US" sz="2000" b="1" dirty="0"/>
+              <a:t> Branches</a:t>
+            </a:r>
+          </a:p>
+          <a:p>
+            <a:pPr>
+              <a:buFont typeface="Wingdings" panose="05000000000000000000" pitchFamily="2" charset="2"/>
+              <a:buChar char="v"/>
+            </a:pPr>
+            <a:r>
+              <a:rPr lang="en-US" b="1" dirty="0"/>
+              <a:t>2+</a:t>
+            </a:r>
+            <a:r>
+              <a:rPr lang="en-US" sz="2000" b="1" dirty="0"/>
+              <a:t> cascade</a:t>
+            </a:r>
+            <a:endParaRPr lang="en-GB" sz="2000" dirty="0"/>
+          </a:p>
+        </p:txBody>
+      </p:sp>
+      <p:sp>
+        <p:nvSpPr>
+          <p:cNvPr id="4" name="Content Placeholder 3">
+            <a:extLst>
+              <a:ext uri="{FF2B5EF4-FFF2-40B4-BE49-F238E27FC236}">
+                <a16:creationId xmlns:a16="http://schemas.microsoft.com/office/drawing/2014/main" id="{4BD96215-25DC-4120-BCFB-747374DDD31A}"/>
+              </a:ext>
+            </a:extLst>
+          </p:cNvPr>
+          <p:cNvSpPr>
+            <a:spLocks noGrp="1"/>
+          </p:cNvSpPr>
+          <p:nvPr>
+            <p:ph sz="half" idx="2"/>
+          </p:nvPr>
+        </p:nvSpPr>
+        <p:spPr/>
+        <p:txBody>
+          <a:bodyPr/>
+          <a:lstStyle/>
+          <a:p>
+            <a:endParaRPr lang="en-GB"/>
           </a:p>
         </p:txBody>
       </p:sp>
@@ -4341,7 +4345,7 @@
             <a:spLocks noGrp="1"/>
           </p:cNvSpPr>
           <p:nvPr>
-            <p:ph idx="1"/>
+            <p:ph sz="half" idx="1"/>
           </p:nvPr>
         </p:nvSpPr>
         <p:spPr/>
@@ -4354,58 +4358,8 @@
               <a:buAutoNum type="arabicPeriod"/>
             </a:pPr>
             <a:r>
-              <a:rPr lang="en-US" b="1" dirty="0"/>
-              <a:t>Unconditional if</a:t>
-            </a:r>
-          </a:p>
-          <a:p>
-            <a:pPr marL="457200" indent="-457200">
-              <a:buFont typeface="+mj-lt"/>
-              <a:buAutoNum type="arabicPeriod"/>
-            </a:pPr>
-            <a:r>
-              <a:rPr lang="en-US" b="1" dirty="0"/>
-              <a:t>Conditional-if</a:t>
-            </a:r>
-          </a:p>
-          <a:p>
-            <a:pPr marL="457200" indent="-457200">
-              <a:buFont typeface="+mj-lt"/>
-              <a:buAutoNum type="arabicPeriod"/>
-            </a:pPr>
-            <a:r>
-              <a:rPr lang="en-US" b="1" dirty="0"/>
-              <a:t>Bi-conditional if</a:t>
-            </a:r>
-          </a:p>
-          <a:p>
-            <a:pPr marL="457200" indent="-457200">
-              <a:buFont typeface="+mj-lt"/>
-              <a:buAutoNum type="arabicPeriod"/>
-            </a:pPr>
-            <a:r>
-              <a:rPr lang="en-US" b="1" dirty="0"/>
-              <a:t>Cascaded-if</a:t>
-            </a:r>
-          </a:p>
-          <a:p>
-            <a:pPr marL="457200" indent="-457200">
-              <a:buFont typeface="+mj-lt"/>
-              <a:buAutoNum type="arabicPeriod"/>
-            </a:pPr>
-            <a:r>
-              <a:rPr lang="en-US" b="1" dirty="0"/>
-              <a:t>Nested-if</a:t>
-            </a:r>
-          </a:p>
-          <a:p>
-            <a:pPr marL="457200" indent="-457200">
-              <a:buFont typeface="+mj-lt"/>
-              <a:buAutoNum type="arabicPeriod"/>
-            </a:pPr>
-            <a:r>
-              <a:rPr lang="en-US" b="1" dirty="0"/>
-              <a:t>Switch statement</a:t>
+              <a:rPr lang="en-GB" b="1" dirty="0"/>
+              <a:t>The difference between nested and cascaded-if is that for a nested--if Post-condition is predicated on precondition being true while for the cascaded if, post condition is predicated on the precondition being false</a:t>
             </a:r>
             <a:endParaRPr lang="en-GB" dirty="0"/>
           </a:p>
@@ -4421,6 +4375,31 @@
               <a:buChar char="v"/>
             </a:pPr>
             <a:endParaRPr lang="en-GB" dirty="0"/>
+          </a:p>
+        </p:txBody>
+      </p:sp>
+      <p:sp>
+        <p:nvSpPr>
+          <p:cNvPr id="4" name="Content Placeholder 3">
+            <a:extLst>
+              <a:ext uri="{FF2B5EF4-FFF2-40B4-BE49-F238E27FC236}">
+                <a16:creationId xmlns:a16="http://schemas.microsoft.com/office/drawing/2014/main" id="{96262A77-AB32-4A65-AC9E-2B4E159B95AE}"/>
+              </a:ext>
+            </a:extLst>
+          </p:cNvPr>
+          <p:cNvSpPr>
+            <a:spLocks noGrp="1"/>
+          </p:cNvSpPr>
+          <p:nvPr>
+            <p:ph sz="half" idx="2"/>
+          </p:nvPr>
+        </p:nvSpPr>
+        <p:spPr/>
+        <p:txBody>
+          <a:bodyPr/>
+          <a:lstStyle/>
+          <a:p>
+            <a:endParaRPr lang="en-GB"/>
           </a:p>
         </p:txBody>
       </p:sp>
@@ -4484,499 +4463,907 @@
       </p:sp>
       <p:sp>
         <p:nvSpPr>
-          <p:cNvPr id="3" name="Content Placeholder 2">
+          <p:cNvPr id="5" name="Rectangle 1">
             <a:extLst>
               <a:ext uri="{FF2B5EF4-FFF2-40B4-BE49-F238E27FC236}">
-                <a16:creationId xmlns:a16="http://schemas.microsoft.com/office/drawing/2014/main" id="{3AB586B9-467B-4F63-B336-2E9D19321584}"/>
+                <a16:creationId xmlns:a16="http://schemas.microsoft.com/office/drawing/2014/main" id="{332D9ACD-0CF7-4E4E-8773-07D152DA46F9}"/>
               </a:ext>
             </a:extLst>
           </p:cNvPr>
           <p:cNvSpPr>
-            <a:spLocks noGrp="1"/>
+            <a:spLocks noGrp="1" noChangeArrowheads="1"/>
           </p:cNvSpPr>
           <p:nvPr>
             <p:ph idx="1"/>
           </p:nvPr>
         </p:nvSpPr>
-        <p:spPr>
+        <p:spPr bwMode="auto">
           <a:xfrm>
-            <a:off x="822960" y="1845734"/>
-            <a:ext cx="3444240" cy="4023360"/>
-          </a:xfrm>
-        </p:spPr>
-        <p:txBody>
-          <a:bodyPr/>
-          <a:lstStyle/>
-          <a:p>
-            <a:pPr>
-              <a:buFont typeface="Wingdings" panose="05000000000000000000" pitchFamily="2" charset="2"/>
-              <a:buChar char="v"/>
-            </a:pPr>
-            <a:r>
-              <a:rPr lang="en-GB" dirty="0"/>
-              <a:t> </a:t>
-            </a:r>
-            <a:r>
-              <a:rPr lang="en-US" dirty="0"/>
-              <a:t>Types of Control Structure</a:t>
-            </a:r>
-          </a:p>
-          <a:p>
-            <a:pPr>
-              <a:buFont typeface="Wingdings" panose="05000000000000000000" pitchFamily="2" charset="2"/>
-              <a:buChar char="v"/>
-            </a:pPr>
-            <a:r>
-              <a:rPr lang="en-US" dirty="0"/>
-              <a:t> Sequential Control</a:t>
-            </a:r>
-          </a:p>
-          <a:p>
-            <a:pPr>
-              <a:buFont typeface="Wingdings" panose="05000000000000000000" pitchFamily="2" charset="2"/>
-              <a:buChar char="v"/>
-            </a:pPr>
-            <a:r>
-              <a:rPr lang="en-US" dirty="0"/>
-              <a:t> Expression types</a:t>
-            </a:r>
-          </a:p>
-          <a:p>
-            <a:pPr>
-              <a:buFont typeface="Wingdings" panose="05000000000000000000" pitchFamily="2" charset="2"/>
-              <a:buChar char="v"/>
-            </a:pPr>
-            <a:r>
-              <a:rPr lang="en-US" dirty="0"/>
-              <a:t> Selection Control</a:t>
-            </a:r>
-          </a:p>
-          <a:p>
-            <a:pPr>
-              <a:buFont typeface="Wingdings" panose="05000000000000000000" pitchFamily="2" charset="2"/>
-              <a:buChar char="v"/>
-            </a:pPr>
-            <a:r>
-              <a:rPr lang="en-US" dirty="0"/>
-              <a:t> Unconditional-if</a:t>
-            </a:r>
-          </a:p>
-          <a:p>
-            <a:pPr>
-              <a:buFont typeface="Wingdings" panose="05000000000000000000" pitchFamily="2" charset="2"/>
-              <a:buChar char="v"/>
-            </a:pPr>
-            <a:r>
-              <a:rPr lang="en-US" dirty="0"/>
-              <a:t> Conditional-if</a:t>
-            </a:r>
-          </a:p>
-          <a:p>
-            <a:pPr>
-              <a:buFont typeface="Wingdings" panose="05000000000000000000" pitchFamily="2" charset="2"/>
-              <a:buChar char="v"/>
-            </a:pPr>
-            <a:r>
-              <a:rPr lang="en-US" dirty="0"/>
-              <a:t> Bi-conditional if</a:t>
-            </a:r>
-          </a:p>
-          <a:p>
-            <a:pPr>
-              <a:buFont typeface="Wingdings" panose="05000000000000000000" pitchFamily="2" charset="2"/>
-              <a:buChar char="v"/>
-            </a:pPr>
-            <a:r>
-              <a:rPr lang="en-US" dirty="0"/>
-              <a:t> Cascaded-if</a:t>
-            </a:r>
-          </a:p>
-          <a:p>
-            <a:pPr>
-              <a:buFont typeface="Wingdings" panose="05000000000000000000" pitchFamily="2" charset="2"/>
-              <a:buChar char="v"/>
-            </a:pPr>
-            <a:r>
-              <a:rPr lang="en-US" dirty="0"/>
-              <a:t> Nested-if</a:t>
-            </a:r>
-            <a:endParaRPr lang="en-GB" dirty="0"/>
-          </a:p>
-          <a:p>
-            <a:endParaRPr lang="en-GB" dirty="0"/>
-          </a:p>
-        </p:txBody>
-      </p:sp>
-      <p:sp>
-        <p:nvSpPr>
-          <p:cNvPr id="4" name="Content Placeholder 2">
-            <a:extLst>
-              <a:ext uri="{FF2B5EF4-FFF2-40B4-BE49-F238E27FC236}">
-                <a16:creationId xmlns:a16="http://schemas.microsoft.com/office/drawing/2014/main" id="{3AB586B9-467B-4F63-B336-2E9D19321584}"/>
-              </a:ext>
-            </a:extLst>
-          </p:cNvPr>
-          <p:cNvSpPr txBox="1">
-            <a:spLocks/>
-          </p:cNvSpPr>
-          <p:nvPr/>
-        </p:nvSpPr>
-        <p:spPr>
-          <a:xfrm>
-            <a:off x="4922520" y="1845734"/>
-            <a:ext cx="3444240" cy="4023360"/>
+            <a:off x="822325" y="1872467"/>
+            <a:ext cx="2863797" cy="3970318"/>
           </a:xfrm>
           <a:prstGeom prst="rect">
             <a:avLst/>
           </a:prstGeom>
+          <a:solidFill>
+            <a:srgbClr val="2B2B2B"/>
+          </a:solidFill>
+          <a:ln>
+            <a:noFill/>
+          </a:ln>
+          <a:effectLst/>
+          <a:extLst>
+            <a:ext uri="{91240B29-F687-4F45-9708-019B960494DF}">
+              <a14:hiddenLine xmlns:a14="http://schemas.microsoft.com/office/drawing/2010/main" w="9525">
+                <a:solidFill>
+                  <a:schemeClr val="tx1"/>
+                </a:solidFill>
+                <a:miter lim="800000"/>
+                <a:headEnd/>
+                <a:tailEnd/>
+              </a14:hiddenLine>
+            </a:ext>
+            <a:ext uri="{AF507438-7753-43E0-B8FC-AC1667EBCBE1}">
+              <a14:hiddenEffects xmlns:a14="http://schemas.microsoft.com/office/drawing/2010/main">
+                <a:effectLst>
+                  <a:outerShdw dist="35921" dir="2700000" algn="ctr" rotWithShape="0">
+                    <a:schemeClr val="bg2"/>
+                  </a:outerShdw>
+                </a:effectLst>
+              </a14:hiddenEffects>
+            </a:ext>
+          </a:extLst>
         </p:spPr>
         <p:txBody>
-          <a:bodyPr vert="horz" lIns="0" tIns="45720" rIns="0" bIns="45720" rtlCol="0">
-            <a:normAutofit/>
+          <a:bodyPr vert="horz" wrap="none" lIns="91440" tIns="45720" rIns="91440" bIns="45720" numCol="1" anchor="ctr" anchorCtr="0" compatLnSpc="1">
+            <a:prstTxWarp prst="textNoShape">
+              <a:avLst/>
+            </a:prstTxWarp>
+            <a:spAutoFit/>
           </a:bodyPr>
-          <a:lstStyle>
-            <a:lvl1pPr marL="91440" indent="-91440" algn="l" defTabSz="914400" rtl="0" eaLnBrk="1" latinLnBrk="0" hangingPunct="1">
+          <a:lstStyle/>
+          <a:p>
+            <a:pPr marL="0" marR="0" lvl="0" indent="0" algn="l" defTabSz="914400" rtl="0" eaLnBrk="0" fontAlgn="base" latinLnBrk="0" hangingPunct="0">
               <a:lnSpc>
-                <a:spcPct val="90000"/>
+                <a:spcPct val="100000"/>
               </a:lnSpc>
               <a:spcBef>
-                <a:spcPts val="1200"/>
+                <a:spcPct val="0"/>
               </a:spcBef>
               <a:spcAft>
-                <a:spcPts val="200"/>
+                <a:spcPct val="0"/>
               </a:spcAft>
-              <a:buClr>
-                <a:schemeClr val="accent1"/>
-              </a:buClr>
-              <a:buSzPct val="100000"/>
-              <a:buFont typeface="Calibri" panose="020F0502020204030204" pitchFamily="34" charset="0"/>
-              <a:buChar char=" "/>
-              <a:defRPr sz="2000" kern="1200">
-                <a:solidFill>
-                  <a:schemeClr val="tx1">
-                    <a:lumMod val="75000"/>
-                    <a:lumOff val="25000"/>
-                  </a:schemeClr>
-                </a:solidFill>
-                <a:latin typeface="+mn-lt"/>
-                <a:ea typeface="+mn-ea"/>
-                <a:cs typeface="+mn-cs"/>
-              </a:defRPr>
-            </a:lvl1pPr>
-            <a:lvl2pPr marL="384048" indent="-182880" algn="l" defTabSz="914400" rtl="0" eaLnBrk="1" latinLnBrk="0" hangingPunct="1">
-              <a:lnSpc>
-                <a:spcPct val="90000"/>
-              </a:lnSpc>
-              <a:spcBef>
-                <a:spcPts val="200"/>
-              </a:spcBef>
-              <a:spcAft>
-                <a:spcPts val="400"/>
-              </a:spcAft>
-              <a:buClr>
-                <a:schemeClr val="accent1"/>
-              </a:buClr>
-              <a:buFont typeface="Calibri" pitchFamily="34" charset="0"/>
-              <a:buChar char="◦"/>
-              <a:defRPr sz="1800" kern="1200">
-                <a:solidFill>
-                  <a:schemeClr val="tx1">
-                    <a:lumMod val="75000"/>
-                    <a:lumOff val="25000"/>
-                  </a:schemeClr>
-                </a:solidFill>
-                <a:latin typeface="+mn-lt"/>
-                <a:ea typeface="+mn-ea"/>
-                <a:cs typeface="+mn-cs"/>
-              </a:defRPr>
-            </a:lvl2pPr>
-            <a:lvl3pPr marL="566928" indent="-182880" algn="l" defTabSz="914400" rtl="0" eaLnBrk="1" latinLnBrk="0" hangingPunct="1">
-              <a:lnSpc>
-                <a:spcPct val="90000"/>
-              </a:lnSpc>
-              <a:spcBef>
-                <a:spcPts val="200"/>
-              </a:spcBef>
-              <a:spcAft>
-                <a:spcPts val="400"/>
-              </a:spcAft>
-              <a:buClr>
-                <a:schemeClr val="accent1"/>
-              </a:buClr>
-              <a:buFont typeface="Calibri" pitchFamily="34" charset="0"/>
-              <a:buChar char="◦"/>
-              <a:defRPr sz="1400" kern="1200">
-                <a:solidFill>
-                  <a:schemeClr val="tx1">
-                    <a:lumMod val="75000"/>
-                    <a:lumOff val="25000"/>
-                  </a:schemeClr>
-                </a:solidFill>
-                <a:latin typeface="+mn-lt"/>
-                <a:ea typeface="+mn-ea"/>
-                <a:cs typeface="+mn-cs"/>
-              </a:defRPr>
-            </a:lvl3pPr>
-            <a:lvl4pPr marL="749808" indent="-182880" algn="l" defTabSz="914400" rtl="0" eaLnBrk="1" latinLnBrk="0" hangingPunct="1">
-              <a:lnSpc>
-                <a:spcPct val="90000"/>
-              </a:lnSpc>
-              <a:spcBef>
-                <a:spcPts val="200"/>
-              </a:spcBef>
-              <a:spcAft>
-                <a:spcPts val="400"/>
-              </a:spcAft>
-              <a:buClr>
-                <a:schemeClr val="accent1"/>
-              </a:buClr>
-              <a:buFont typeface="Calibri" pitchFamily="34" charset="0"/>
-              <a:buChar char="◦"/>
-              <a:defRPr sz="1400" kern="1200">
-                <a:solidFill>
-                  <a:schemeClr val="tx1">
-                    <a:lumMod val="75000"/>
-                    <a:lumOff val="25000"/>
-                  </a:schemeClr>
-                </a:solidFill>
-                <a:latin typeface="+mn-lt"/>
-                <a:ea typeface="+mn-ea"/>
-                <a:cs typeface="+mn-cs"/>
-              </a:defRPr>
-            </a:lvl4pPr>
-            <a:lvl5pPr marL="932688" indent="-182880" algn="l" defTabSz="914400" rtl="0" eaLnBrk="1" latinLnBrk="0" hangingPunct="1">
-              <a:lnSpc>
-                <a:spcPct val="90000"/>
-              </a:lnSpc>
-              <a:spcBef>
-                <a:spcPts val="200"/>
-              </a:spcBef>
-              <a:spcAft>
-                <a:spcPts val="400"/>
-              </a:spcAft>
-              <a:buClr>
-                <a:schemeClr val="accent1"/>
-              </a:buClr>
-              <a:buFont typeface="Calibri" pitchFamily="34" charset="0"/>
-              <a:buChar char="◦"/>
-              <a:defRPr sz="1400" kern="1200">
-                <a:solidFill>
-                  <a:schemeClr val="tx1">
-                    <a:lumMod val="75000"/>
-                    <a:lumOff val="25000"/>
-                  </a:schemeClr>
-                </a:solidFill>
-                <a:latin typeface="+mn-lt"/>
-                <a:ea typeface="+mn-ea"/>
-                <a:cs typeface="+mn-cs"/>
-              </a:defRPr>
-            </a:lvl5pPr>
-            <a:lvl6pPr marL="1100000" indent="-228600" algn="l" defTabSz="914400" rtl="0" eaLnBrk="1" latinLnBrk="0" hangingPunct="1">
-              <a:lnSpc>
-                <a:spcPct val="90000"/>
-              </a:lnSpc>
-              <a:spcBef>
-                <a:spcPts val="200"/>
-              </a:spcBef>
-              <a:spcAft>
-                <a:spcPts val="400"/>
-              </a:spcAft>
-              <a:buClr>
-                <a:schemeClr val="accent1"/>
-              </a:buClr>
-              <a:buFont typeface="Calibri" pitchFamily="34" charset="0"/>
-              <a:buChar char="◦"/>
-              <a:defRPr sz="1400" kern="1200">
-                <a:solidFill>
-                  <a:schemeClr val="tx1">
-                    <a:lumMod val="75000"/>
-                    <a:lumOff val="25000"/>
-                  </a:schemeClr>
-                </a:solidFill>
-                <a:latin typeface="+mn-lt"/>
-                <a:ea typeface="+mn-ea"/>
-                <a:cs typeface="+mn-cs"/>
-              </a:defRPr>
-            </a:lvl6pPr>
-            <a:lvl7pPr marL="1300000" indent="-228600" algn="l" defTabSz="914400" rtl="0" eaLnBrk="1" latinLnBrk="0" hangingPunct="1">
-              <a:lnSpc>
-                <a:spcPct val="90000"/>
-              </a:lnSpc>
-              <a:spcBef>
-                <a:spcPts val="200"/>
-              </a:spcBef>
-              <a:spcAft>
-                <a:spcPts val="400"/>
-              </a:spcAft>
-              <a:buClr>
-                <a:schemeClr val="accent1"/>
-              </a:buClr>
-              <a:buFont typeface="Calibri" pitchFamily="34" charset="0"/>
-              <a:buChar char="◦"/>
-              <a:defRPr sz="1400" kern="1200">
-                <a:solidFill>
-                  <a:schemeClr val="tx1">
-                    <a:lumMod val="75000"/>
-                    <a:lumOff val="25000"/>
-                  </a:schemeClr>
-                </a:solidFill>
-                <a:latin typeface="+mn-lt"/>
-                <a:ea typeface="+mn-ea"/>
-                <a:cs typeface="+mn-cs"/>
-              </a:defRPr>
-            </a:lvl7pPr>
-            <a:lvl8pPr marL="1500000" indent="-228600" algn="l" defTabSz="914400" rtl="0" eaLnBrk="1" latinLnBrk="0" hangingPunct="1">
-              <a:lnSpc>
-                <a:spcPct val="90000"/>
-              </a:lnSpc>
-              <a:spcBef>
-                <a:spcPts val="200"/>
-              </a:spcBef>
-              <a:spcAft>
-                <a:spcPts val="400"/>
-              </a:spcAft>
-              <a:buClr>
-                <a:schemeClr val="accent1"/>
-              </a:buClr>
-              <a:buFont typeface="Calibri" pitchFamily="34" charset="0"/>
-              <a:buChar char="◦"/>
-              <a:defRPr sz="1400" kern="1200">
-                <a:solidFill>
-                  <a:schemeClr val="tx1">
-                    <a:lumMod val="75000"/>
-                    <a:lumOff val="25000"/>
-                  </a:schemeClr>
-                </a:solidFill>
-                <a:latin typeface="+mn-lt"/>
-                <a:ea typeface="+mn-ea"/>
-                <a:cs typeface="+mn-cs"/>
-              </a:defRPr>
-            </a:lvl8pPr>
-            <a:lvl9pPr marL="1700000" indent="-228600" algn="l" defTabSz="914400" rtl="0" eaLnBrk="1" latinLnBrk="0" hangingPunct="1">
-              <a:lnSpc>
-                <a:spcPct val="90000"/>
-              </a:lnSpc>
-              <a:spcBef>
-                <a:spcPts val="200"/>
-              </a:spcBef>
-              <a:spcAft>
-                <a:spcPts val="400"/>
-              </a:spcAft>
-              <a:buClr>
-                <a:schemeClr val="accent1"/>
-              </a:buClr>
-              <a:buFont typeface="Calibri" pitchFamily="34" charset="0"/>
-              <a:buChar char="◦"/>
-              <a:defRPr sz="1400" kern="1200">
-                <a:solidFill>
-                  <a:schemeClr val="tx1">
-                    <a:lumMod val="75000"/>
-                    <a:lumOff val="25000"/>
-                  </a:schemeClr>
-                </a:solidFill>
-                <a:latin typeface="+mn-lt"/>
-                <a:ea typeface="+mn-ea"/>
-                <a:cs typeface="+mn-cs"/>
-              </a:defRPr>
-            </a:lvl9pPr>
-          </a:lstStyle>
-          <a:p>
-            <a:pPr>
-              <a:buFont typeface="Wingdings" panose="05000000000000000000" pitchFamily="2" charset="2"/>
-              <a:buChar char="v"/>
-            </a:pPr>
-            <a:r>
-              <a:rPr lang="en-GB" dirty="0"/>
-              <a:t> </a:t>
-            </a:r>
-            <a:r>
-              <a:rPr lang="en-US" dirty="0"/>
-              <a:t>Switch-statements</a:t>
-            </a:r>
-          </a:p>
-          <a:p>
-            <a:pPr>
-              <a:buFont typeface="Wingdings" panose="05000000000000000000" pitchFamily="2" charset="2"/>
-              <a:buChar char="v"/>
-            </a:pPr>
-            <a:r>
-              <a:rPr lang="en-US" dirty="0"/>
-              <a:t> Iteration Control</a:t>
-            </a:r>
-          </a:p>
-          <a:p>
-            <a:pPr>
-              <a:buFont typeface="Wingdings" panose="05000000000000000000" pitchFamily="2" charset="2"/>
-              <a:buChar char="v"/>
-            </a:pPr>
-            <a:r>
-              <a:rPr lang="en-US" dirty="0"/>
-              <a:t> Types of loops</a:t>
-            </a:r>
-          </a:p>
-          <a:p>
-            <a:pPr>
-              <a:buFont typeface="Wingdings" panose="05000000000000000000" pitchFamily="2" charset="2"/>
-              <a:buChar char="v"/>
-            </a:pPr>
-            <a:r>
-              <a:rPr lang="en-US" dirty="0"/>
-              <a:t> While</a:t>
-            </a:r>
-          </a:p>
-          <a:p>
-            <a:pPr>
-              <a:buFont typeface="Wingdings" panose="05000000000000000000" pitchFamily="2" charset="2"/>
-              <a:buChar char="v"/>
-            </a:pPr>
-            <a:r>
-              <a:rPr lang="en-US" dirty="0"/>
-              <a:t> do-while</a:t>
-            </a:r>
-          </a:p>
-          <a:p>
-            <a:pPr>
-              <a:buFont typeface="Wingdings" panose="05000000000000000000" pitchFamily="2" charset="2"/>
-              <a:buChar char="v"/>
-            </a:pPr>
-            <a:r>
-              <a:rPr lang="en-US" dirty="0"/>
-              <a:t> for-loop</a:t>
-            </a:r>
-          </a:p>
-          <a:p>
-            <a:pPr>
-              <a:buFont typeface="Wingdings" panose="05000000000000000000" pitchFamily="2" charset="2"/>
-              <a:buChar char="v"/>
-            </a:pPr>
-            <a:r>
-              <a:rPr lang="en-US" dirty="0"/>
-              <a:t> Nested-Loops</a:t>
-            </a:r>
-          </a:p>
-          <a:p>
-            <a:pPr>
-              <a:buFont typeface="Wingdings" panose="05000000000000000000" pitchFamily="2" charset="2"/>
-              <a:buChar char="v"/>
-            </a:pPr>
-            <a:r>
-              <a:rPr lang="en-US" dirty="0"/>
-              <a:t> Arrays</a:t>
-            </a:r>
-          </a:p>
-          <a:p>
-            <a:pPr>
-              <a:buFont typeface="Wingdings" panose="05000000000000000000" pitchFamily="2" charset="2"/>
-              <a:buChar char="v"/>
-            </a:pPr>
-            <a:r>
-              <a:rPr lang="en-US"/>
-              <a:t> Exercises</a:t>
-            </a:r>
-            <a:endParaRPr lang="en-GB" dirty="0"/>
-          </a:p>
-          <a:p>
-            <a:endParaRPr lang="en-GB" dirty="0"/>
+              <a:buClrTx/>
+              <a:buSzTx/>
+              <a:buFontTx/>
+              <a:buNone/>
+              <a:tabLst/>
+            </a:pPr>
+            <a:r>
+              <a:rPr kumimoji="0" lang="en-US" altLang="en-US" sz="1400" b="0" i="0" u="none" strike="noStrike" cap="none" normalizeH="0" baseline="0">
+                <a:ln>
+                  <a:noFill/>
+                </a:ln>
+                <a:solidFill>
+                  <a:srgbClr val="CC7832"/>
+                </a:solidFill>
+                <a:effectLst/>
+                <a:latin typeface="JetBrains Mono"/>
+              </a:rPr>
+              <a:t>public class </a:t>
+            </a:r>
+            <a:r>
+              <a:rPr kumimoji="0" lang="en-US" altLang="en-US" sz="1400" b="0" i="0" u="none" strike="noStrike" cap="none" normalizeH="0" baseline="0">
+                <a:ln>
+                  <a:noFill/>
+                </a:ln>
+                <a:solidFill>
+                  <a:srgbClr val="A9B7C6"/>
+                </a:solidFill>
+                <a:effectLst/>
+                <a:latin typeface="JetBrains Mono"/>
+              </a:rPr>
+              <a:t>Cascade{</a:t>
+            </a:r>
+            <a:br>
+              <a:rPr kumimoji="0" lang="en-US" altLang="en-US" sz="1400" b="0" i="0" u="none" strike="noStrike" cap="none" normalizeH="0" baseline="0">
+                <a:ln>
+                  <a:noFill/>
+                </a:ln>
+                <a:solidFill>
+                  <a:srgbClr val="A9B7C6"/>
+                </a:solidFill>
+                <a:effectLst/>
+                <a:latin typeface="JetBrains Mono"/>
+              </a:rPr>
+            </a:br>
+            <a:r>
+              <a:rPr kumimoji="0" lang="en-US" altLang="en-US" sz="1400" b="0" i="0" u="none" strike="noStrike" cap="none" normalizeH="0" baseline="0">
+                <a:ln>
+                  <a:noFill/>
+                </a:ln>
+                <a:solidFill>
+                  <a:srgbClr val="A9B7C6"/>
+                </a:solidFill>
+                <a:effectLst/>
+                <a:latin typeface="JetBrains Mono"/>
+              </a:rPr>
+              <a:t>    </a:t>
+            </a:r>
+            <a:r>
+              <a:rPr kumimoji="0" lang="en-US" altLang="en-US" sz="1400" b="0" i="0" u="none" strike="noStrike" cap="none" normalizeH="0" baseline="0">
+                <a:ln>
+                  <a:noFill/>
+                </a:ln>
+                <a:solidFill>
+                  <a:srgbClr val="CC7832"/>
+                </a:solidFill>
+                <a:effectLst/>
+                <a:latin typeface="JetBrains Mono"/>
+              </a:rPr>
+              <a:t>public static void </a:t>
+            </a:r>
+            <a:r>
+              <a:rPr kumimoji="0" lang="en-US" altLang="en-US" sz="1400" b="0" i="0" u="none" strike="noStrike" cap="none" normalizeH="0" baseline="0">
+                <a:ln>
+                  <a:noFill/>
+                </a:ln>
+                <a:solidFill>
+                  <a:srgbClr val="A9B7C6"/>
+                </a:solidFill>
+                <a:effectLst/>
+                <a:latin typeface="JetBrains Mono"/>
+              </a:rPr>
+              <a:t>main(String []ar){</a:t>
+            </a:r>
+            <a:br>
+              <a:rPr kumimoji="0" lang="en-US" altLang="en-US" sz="1400" b="0" i="0" u="none" strike="noStrike" cap="none" normalizeH="0" baseline="0">
+                <a:ln>
+                  <a:noFill/>
+                </a:ln>
+                <a:solidFill>
+                  <a:srgbClr val="A9B7C6"/>
+                </a:solidFill>
+                <a:effectLst/>
+                <a:latin typeface="JetBrains Mono"/>
+              </a:rPr>
+            </a:br>
+            <a:r>
+              <a:rPr kumimoji="0" lang="en-US" altLang="en-US" sz="1400" b="0" i="0" u="none" strike="noStrike" cap="none" normalizeH="0" baseline="0">
+                <a:ln>
+                  <a:noFill/>
+                </a:ln>
+                <a:solidFill>
+                  <a:srgbClr val="A9B7C6"/>
+                </a:solidFill>
+                <a:effectLst/>
+                <a:latin typeface="JetBrains Mono"/>
+              </a:rPr>
+              <a:t>        </a:t>
+            </a:r>
+            <a:r>
+              <a:rPr kumimoji="0" lang="en-US" altLang="en-US" sz="1400" b="0" i="0" u="none" strike="noStrike" cap="none" normalizeH="0" baseline="0">
+                <a:ln>
+                  <a:noFill/>
+                </a:ln>
+                <a:solidFill>
+                  <a:srgbClr val="CC7832"/>
+                </a:solidFill>
+                <a:effectLst/>
+                <a:latin typeface="JetBrains Mono"/>
+              </a:rPr>
+              <a:t>int </a:t>
+            </a:r>
+            <a:r>
+              <a:rPr kumimoji="0" lang="en-US" altLang="en-US" sz="1400" b="0" i="0" u="none" strike="noStrike" cap="none" normalizeH="0" baseline="0">
+                <a:ln>
+                  <a:noFill/>
+                </a:ln>
+                <a:solidFill>
+                  <a:srgbClr val="A9B7C6"/>
+                </a:solidFill>
+                <a:effectLst/>
+                <a:latin typeface="JetBrains Mono"/>
+              </a:rPr>
+              <a:t>a=</a:t>
+            </a:r>
+            <a:r>
+              <a:rPr kumimoji="0" lang="en-US" altLang="en-US" sz="1400" b="0" i="0" u="none" strike="noStrike" cap="none" normalizeH="0" baseline="0">
+                <a:ln>
+                  <a:noFill/>
+                </a:ln>
+                <a:solidFill>
+                  <a:srgbClr val="6897BB"/>
+                </a:solidFill>
+                <a:effectLst/>
+                <a:latin typeface="JetBrains Mono"/>
+              </a:rPr>
+              <a:t>10</a:t>
+            </a:r>
+            <a:r>
+              <a:rPr kumimoji="0" lang="en-US" altLang="en-US" sz="1400" b="0" i="0" u="none" strike="noStrike" cap="none" normalizeH="0" baseline="0">
+                <a:ln>
+                  <a:noFill/>
+                </a:ln>
+                <a:solidFill>
+                  <a:srgbClr val="CC7832"/>
+                </a:solidFill>
+                <a:effectLst/>
+                <a:latin typeface="JetBrains Mono"/>
+              </a:rPr>
+              <a:t>, </a:t>
+            </a:r>
+            <a:r>
+              <a:rPr kumimoji="0" lang="en-US" altLang="en-US" sz="1400" b="0" i="0" u="none" strike="noStrike" cap="none" normalizeH="0" baseline="0">
+                <a:ln>
+                  <a:noFill/>
+                </a:ln>
+                <a:solidFill>
+                  <a:srgbClr val="A9B7C6"/>
+                </a:solidFill>
+                <a:effectLst/>
+                <a:latin typeface="JetBrains Mono"/>
+              </a:rPr>
+              <a:t>b=</a:t>
+            </a:r>
+            <a:r>
+              <a:rPr kumimoji="0" lang="en-US" altLang="en-US" sz="1400" b="0" i="0" u="none" strike="noStrike" cap="none" normalizeH="0" baseline="0">
+                <a:ln>
+                  <a:noFill/>
+                </a:ln>
+                <a:solidFill>
+                  <a:srgbClr val="6897BB"/>
+                </a:solidFill>
+                <a:effectLst/>
+                <a:latin typeface="JetBrains Mono"/>
+              </a:rPr>
+              <a:t>20</a:t>
+            </a:r>
+            <a:r>
+              <a:rPr kumimoji="0" lang="en-US" altLang="en-US" sz="1400" b="0" i="0" u="none" strike="noStrike" cap="none" normalizeH="0" baseline="0">
+                <a:ln>
+                  <a:noFill/>
+                </a:ln>
+                <a:solidFill>
+                  <a:srgbClr val="CC7832"/>
+                </a:solidFill>
+                <a:effectLst/>
+                <a:latin typeface="JetBrains Mono"/>
+              </a:rPr>
+              <a:t>;</a:t>
+            </a:r>
+            <a:br>
+              <a:rPr kumimoji="0" lang="en-US" altLang="en-US" sz="1400" b="0" i="0" u="none" strike="noStrike" cap="none" normalizeH="0" baseline="0">
+                <a:ln>
+                  <a:noFill/>
+                </a:ln>
+                <a:solidFill>
+                  <a:srgbClr val="CC7832"/>
+                </a:solidFill>
+                <a:effectLst/>
+                <a:latin typeface="JetBrains Mono"/>
+              </a:rPr>
+            </a:br>
+            <a:r>
+              <a:rPr kumimoji="0" lang="en-US" altLang="en-US" sz="1400" b="0" i="0" u="none" strike="noStrike" cap="none" normalizeH="0" baseline="0">
+                <a:ln>
+                  <a:noFill/>
+                </a:ln>
+                <a:solidFill>
+                  <a:srgbClr val="CC7832"/>
+                </a:solidFill>
+                <a:effectLst/>
+                <a:latin typeface="JetBrains Mono"/>
+              </a:rPr>
+              <a:t>        char </a:t>
+            </a:r>
+            <a:r>
+              <a:rPr kumimoji="0" lang="en-US" altLang="en-US" sz="1400" b="0" i="0" u="none" strike="noStrike" cap="none" normalizeH="0" baseline="0">
+                <a:ln>
+                  <a:noFill/>
+                </a:ln>
+                <a:solidFill>
+                  <a:srgbClr val="A9B7C6"/>
+                </a:solidFill>
+                <a:effectLst/>
+                <a:latin typeface="JetBrains Mono"/>
+              </a:rPr>
+              <a:t>op=</a:t>
+            </a:r>
+            <a:r>
+              <a:rPr kumimoji="0" lang="en-US" altLang="en-US" sz="1400" b="0" i="0" u="none" strike="noStrike" cap="none" normalizeH="0" baseline="0">
+                <a:ln>
+                  <a:noFill/>
+                </a:ln>
+                <a:solidFill>
+                  <a:srgbClr val="6A8759"/>
+                </a:solidFill>
+                <a:effectLst/>
+                <a:latin typeface="JetBrains Mono"/>
+              </a:rPr>
+              <a:t>'+'</a:t>
+            </a:r>
+            <a:r>
+              <a:rPr kumimoji="0" lang="en-US" altLang="en-US" sz="1400" b="0" i="0" u="none" strike="noStrike" cap="none" normalizeH="0" baseline="0">
+                <a:ln>
+                  <a:noFill/>
+                </a:ln>
+                <a:solidFill>
+                  <a:srgbClr val="CC7832"/>
+                </a:solidFill>
+                <a:effectLst/>
+                <a:latin typeface="JetBrains Mono"/>
+              </a:rPr>
+              <a:t>;</a:t>
+            </a:r>
+            <a:br>
+              <a:rPr kumimoji="0" lang="en-US" altLang="en-US" sz="1400" b="0" i="0" u="none" strike="noStrike" cap="none" normalizeH="0" baseline="0">
+                <a:ln>
+                  <a:noFill/>
+                </a:ln>
+                <a:solidFill>
+                  <a:srgbClr val="CC7832"/>
+                </a:solidFill>
+                <a:effectLst/>
+                <a:latin typeface="JetBrains Mono"/>
+              </a:rPr>
+            </a:br>
+            <a:r>
+              <a:rPr kumimoji="0" lang="en-US" altLang="en-US" sz="1400" b="0" i="0" u="none" strike="noStrike" cap="none" normalizeH="0" baseline="0">
+                <a:ln>
+                  <a:noFill/>
+                </a:ln>
+                <a:solidFill>
+                  <a:srgbClr val="CC7832"/>
+                </a:solidFill>
+                <a:effectLst/>
+                <a:latin typeface="JetBrains Mono"/>
+              </a:rPr>
+              <a:t>        int </a:t>
+            </a:r>
+            <a:r>
+              <a:rPr kumimoji="0" lang="en-US" altLang="en-US" sz="1400" b="0" i="0" u="none" strike="noStrike" cap="none" normalizeH="0" baseline="0">
+                <a:ln>
+                  <a:noFill/>
+                </a:ln>
+                <a:solidFill>
+                  <a:srgbClr val="A9B7C6"/>
+                </a:solidFill>
+                <a:effectLst/>
+                <a:latin typeface="JetBrains Mono"/>
+              </a:rPr>
+              <a:t>c=</a:t>
+            </a:r>
+            <a:r>
+              <a:rPr kumimoji="0" lang="en-US" altLang="en-US" sz="1400" b="0" i="0" u="none" strike="noStrike" cap="none" normalizeH="0" baseline="0">
+                <a:ln>
+                  <a:noFill/>
+                </a:ln>
+                <a:solidFill>
+                  <a:srgbClr val="6897BB"/>
+                </a:solidFill>
+                <a:effectLst/>
+                <a:latin typeface="JetBrains Mono"/>
+              </a:rPr>
+              <a:t>0</a:t>
+            </a:r>
+            <a:r>
+              <a:rPr kumimoji="0" lang="en-US" altLang="en-US" sz="1400" b="0" i="0" u="none" strike="noStrike" cap="none" normalizeH="0" baseline="0">
+                <a:ln>
+                  <a:noFill/>
+                </a:ln>
+                <a:solidFill>
+                  <a:srgbClr val="CC7832"/>
+                </a:solidFill>
+                <a:effectLst/>
+                <a:latin typeface="JetBrains Mono"/>
+              </a:rPr>
+              <a:t>;</a:t>
+            </a:r>
+            <a:br>
+              <a:rPr kumimoji="0" lang="en-US" altLang="en-US" sz="1400" b="0" i="0" u="none" strike="noStrike" cap="none" normalizeH="0" baseline="0">
+                <a:ln>
+                  <a:noFill/>
+                </a:ln>
+                <a:solidFill>
+                  <a:srgbClr val="CC7832"/>
+                </a:solidFill>
+                <a:effectLst/>
+                <a:latin typeface="JetBrains Mono"/>
+              </a:rPr>
+            </a:br>
+            <a:r>
+              <a:rPr kumimoji="0" lang="en-US" altLang="en-US" sz="1400" b="0" i="0" u="none" strike="noStrike" cap="none" normalizeH="0" baseline="0">
+                <a:ln>
+                  <a:noFill/>
+                </a:ln>
+                <a:solidFill>
+                  <a:srgbClr val="CC7832"/>
+                </a:solidFill>
+                <a:effectLst/>
+                <a:latin typeface="JetBrains Mono"/>
+              </a:rPr>
+              <a:t>        switch</a:t>
+            </a:r>
+            <a:r>
+              <a:rPr kumimoji="0" lang="en-US" altLang="en-US" sz="1400" b="0" i="0" u="none" strike="noStrike" cap="none" normalizeH="0" baseline="0">
+                <a:ln>
+                  <a:noFill/>
+                </a:ln>
+                <a:solidFill>
+                  <a:srgbClr val="A9B7C6"/>
+                </a:solidFill>
+                <a:effectLst/>
+                <a:latin typeface="JetBrains Mono"/>
+              </a:rPr>
+              <a:t>(op) {</a:t>
+            </a:r>
+            <a:br>
+              <a:rPr kumimoji="0" lang="en-US" altLang="en-US" sz="1400" b="0" i="0" u="none" strike="noStrike" cap="none" normalizeH="0" baseline="0">
+                <a:ln>
+                  <a:noFill/>
+                </a:ln>
+                <a:solidFill>
+                  <a:srgbClr val="A9B7C6"/>
+                </a:solidFill>
+                <a:effectLst/>
+                <a:latin typeface="JetBrains Mono"/>
+              </a:rPr>
+            </a:br>
+            <a:r>
+              <a:rPr kumimoji="0" lang="en-US" altLang="en-US" sz="1400" b="0" i="0" u="none" strike="noStrike" cap="none" normalizeH="0" baseline="0">
+                <a:ln>
+                  <a:noFill/>
+                </a:ln>
+                <a:solidFill>
+                  <a:srgbClr val="A9B7C6"/>
+                </a:solidFill>
+                <a:effectLst/>
+                <a:latin typeface="JetBrains Mono"/>
+              </a:rPr>
+              <a:t>            </a:t>
+            </a:r>
+            <a:r>
+              <a:rPr kumimoji="0" lang="en-US" altLang="en-US" sz="1400" b="0" i="0" u="none" strike="noStrike" cap="none" normalizeH="0" baseline="0">
+                <a:ln>
+                  <a:noFill/>
+                </a:ln>
+                <a:solidFill>
+                  <a:srgbClr val="CC7832"/>
+                </a:solidFill>
+                <a:effectLst/>
+                <a:latin typeface="JetBrains Mono"/>
+              </a:rPr>
+              <a:t>case </a:t>
+            </a:r>
+            <a:r>
+              <a:rPr kumimoji="0" lang="en-US" altLang="en-US" sz="1400" b="0" i="0" u="none" strike="noStrike" cap="none" normalizeH="0" baseline="0">
+                <a:ln>
+                  <a:noFill/>
+                </a:ln>
+                <a:solidFill>
+                  <a:srgbClr val="6A8759"/>
+                </a:solidFill>
+                <a:effectLst/>
+                <a:latin typeface="JetBrains Mono"/>
+              </a:rPr>
+              <a:t>'+'</a:t>
+            </a:r>
+            <a:r>
+              <a:rPr kumimoji="0" lang="en-US" altLang="en-US" sz="1400" b="0" i="0" u="none" strike="noStrike" cap="none" normalizeH="0" baseline="0">
+                <a:ln>
+                  <a:noFill/>
+                </a:ln>
+                <a:solidFill>
+                  <a:srgbClr val="A9B7C6"/>
+                </a:solidFill>
+                <a:effectLst/>
+                <a:latin typeface="JetBrains Mono"/>
+              </a:rPr>
+              <a:t>:</a:t>
+            </a:r>
+            <a:br>
+              <a:rPr kumimoji="0" lang="en-US" altLang="en-US" sz="1400" b="0" i="0" u="none" strike="noStrike" cap="none" normalizeH="0" baseline="0">
+                <a:ln>
+                  <a:noFill/>
+                </a:ln>
+                <a:solidFill>
+                  <a:srgbClr val="A9B7C6"/>
+                </a:solidFill>
+                <a:effectLst/>
+                <a:latin typeface="JetBrains Mono"/>
+              </a:rPr>
+            </a:br>
+            <a:r>
+              <a:rPr kumimoji="0" lang="en-US" altLang="en-US" sz="1400" b="0" i="0" u="none" strike="noStrike" cap="none" normalizeH="0" baseline="0">
+                <a:ln>
+                  <a:noFill/>
+                </a:ln>
+                <a:solidFill>
+                  <a:srgbClr val="A9B7C6"/>
+                </a:solidFill>
+                <a:effectLst/>
+                <a:latin typeface="JetBrains Mono"/>
+              </a:rPr>
+              <a:t>                c = a + b</a:t>
+            </a:r>
+            <a:r>
+              <a:rPr kumimoji="0" lang="en-US" altLang="en-US" sz="1400" b="0" i="0" u="none" strike="noStrike" cap="none" normalizeH="0" baseline="0">
+                <a:ln>
+                  <a:noFill/>
+                </a:ln>
+                <a:solidFill>
+                  <a:srgbClr val="CC7832"/>
+                </a:solidFill>
+                <a:effectLst/>
+                <a:latin typeface="JetBrains Mono"/>
+              </a:rPr>
+              <a:t>;</a:t>
+            </a:r>
+            <a:br>
+              <a:rPr kumimoji="0" lang="en-US" altLang="en-US" sz="1400" b="0" i="0" u="none" strike="noStrike" cap="none" normalizeH="0" baseline="0">
+                <a:ln>
+                  <a:noFill/>
+                </a:ln>
+                <a:solidFill>
+                  <a:srgbClr val="CC7832"/>
+                </a:solidFill>
+                <a:effectLst/>
+                <a:latin typeface="JetBrains Mono"/>
+              </a:rPr>
+            </a:br>
+            <a:r>
+              <a:rPr kumimoji="0" lang="en-US" altLang="en-US" sz="1400" b="0" i="0" u="none" strike="noStrike" cap="none" normalizeH="0" baseline="0">
+                <a:ln>
+                  <a:noFill/>
+                </a:ln>
+                <a:solidFill>
+                  <a:srgbClr val="CC7832"/>
+                </a:solidFill>
+                <a:effectLst/>
+                <a:latin typeface="JetBrains Mono"/>
+              </a:rPr>
+              <a:t>                break;</a:t>
+            </a:r>
+            <a:br>
+              <a:rPr kumimoji="0" lang="en-US" altLang="en-US" sz="1400" b="0" i="0" u="none" strike="noStrike" cap="none" normalizeH="0" baseline="0">
+                <a:ln>
+                  <a:noFill/>
+                </a:ln>
+                <a:solidFill>
+                  <a:srgbClr val="CC7832"/>
+                </a:solidFill>
+                <a:effectLst/>
+                <a:latin typeface="JetBrains Mono"/>
+              </a:rPr>
+            </a:br>
+            <a:r>
+              <a:rPr kumimoji="0" lang="en-US" altLang="en-US" sz="1400" b="0" i="0" u="none" strike="noStrike" cap="none" normalizeH="0" baseline="0">
+                <a:ln>
+                  <a:noFill/>
+                </a:ln>
+                <a:solidFill>
+                  <a:srgbClr val="CC7832"/>
+                </a:solidFill>
+                <a:effectLst/>
+                <a:latin typeface="JetBrains Mono"/>
+              </a:rPr>
+              <a:t>            case </a:t>
+            </a:r>
+            <a:r>
+              <a:rPr kumimoji="0" lang="en-US" altLang="en-US" sz="1400" b="0" i="0" u="none" strike="noStrike" cap="none" normalizeH="0" baseline="0">
+                <a:ln>
+                  <a:noFill/>
+                </a:ln>
+                <a:solidFill>
+                  <a:srgbClr val="6A8759"/>
+                </a:solidFill>
+                <a:effectLst/>
+                <a:latin typeface="JetBrains Mono"/>
+              </a:rPr>
+              <a:t>'-'</a:t>
+            </a:r>
+            <a:r>
+              <a:rPr kumimoji="0" lang="en-US" altLang="en-US" sz="1400" b="0" i="0" u="none" strike="noStrike" cap="none" normalizeH="0" baseline="0">
+                <a:ln>
+                  <a:noFill/>
+                </a:ln>
+                <a:solidFill>
+                  <a:srgbClr val="A9B7C6"/>
+                </a:solidFill>
+                <a:effectLst/>
+                <a:latin typeface="JetBrains Mono"/>
+              </a:rPr>
+              <a:t>:</a:t>
+            </a:r>
+            <a:br>
+              <a:rPr kumimoji="0" lang="en-US" altLang="en-US" sz="1400" b="0" i="0" u="none" strike="noStrike" cap="none" normalizeH="0" baseline="0">
+                <a:ln>
+                  <a:noFill/>
+                </a:ln>
+                <a:solidFill>
+                  <a:srgbClr val="A9B7C6"/>
+                </a:solidFill>
+                <a:effectLst/>
+                <a:latin typeface="JetBrains Mono"/>
+              </a:rPr>
+            </a:br>
+            <a:r>
+              <a:rPr kumimoji="0" lang="en-US" altLang="en-US" sz="1400" b="0" i="0" u="none" strike="noStrike" cap="none" normalizeH="0" baseline="0">
+                <a:ln>
+                  <a:noFill/>
+                </a:ln>
+                <a:solidFill>
+                  <a:srgbClr val="A9B7C6"/>
+                </a:solidFill>
+                <a:effectLst/>
+                <a:latin typeface="JetBrains Mono"/>
+              </a:rPr>
+              <a:t>                c = a - b</a:t>
+            </a:r>
+            <a:r>
+              <a:rPr kumimoji="0" lang="en-US" altLang="en-US" sz="1400" b="0" i="0" u="none" strike="noStrike" cap="none" normalizeH="0" baseline="0">
+                <a:ln>
+                  <a:noFill/>
+                </a:ln>
+                <a:solidFill>
+                  <a:srgbClr val="CC7832"/>
+                </a:solidFill>
+                <a:effectLst/>
+                <a:latin typeface="JetBrains Mono"/>
+              </a:rPr>
+              <a:t>;</a:t>
+            </a:r>
+            <a:br>
+              <a:rPr kumimoji="0" lang="en-US" altLang="en-US" sz="1400" b="0" i="0" u="none" strike="noStrike" cap="none" normalizeH="0" baseline="0">
+                <a:ln>
+                  <a:noFill/>
+                </a:ln>
+                <a:solidFill>
+                  <a:srgbClr val="CC7832"/>
+                </a:solidFill>
+                <a:effectLst/>
+                <a:latin typeface="JetBrains Mono"/>
+              </a:rPr>
+            </a:br>
+            <a:r>
+              <a:rPr kumimoji="0" lang="en-US" altLang="en-US" sz="1400" b="0" i="0" u="none" strike="noStrike" cap="none" normalizeH="0" baseline="0">
+                <a:ln>
+                  <a:noFill/>
+                </a:ln>
+                <a:solidFill>
+                  <a:srgbClr val="CC7832"/>
+                </a:solidFill>
+                <a:effectLst/>
+                <a:latin typeface="JetBrains Mono"/>
+              </a:rPr>
+              <a:t>                break;</a:t>
+            </a:r>
+            <a:br>
+              <a:rPr kumimoji="0" lang="en-US" altLang="en-US" sz="1400" b="0" i="0" u="none" strike="noStrike" cap="none" normalizeH="0" baseline="0">
+                <a:ln>
+                  <a:noFill/>
+                </a:ln>
+                <a:solidFill>
+                  <a:srgbClr val="CC7832"/>
+                </a:solidFill>
+                <a:effectLst/>
+                <a:latin typeface="JetBrains Mono"/>
+              </a:rPr>
+            </a:br>
+            <a:r>
+              <a:rPr kumimoji="0" lang="en-US" altLang="en-US" sz="1400" b="0" i="0" u="none" strike="noStrike" cap="none" normalizeH="0" baseline="0">
+                <a:ln>
+                  <a:noFill/>
+                </a:ln>
+                <a:solidFill>
+                  <a:srgbClr val="CC7832"/>
+                </a:solidFill>
+                <a:effectLst/>
+                <a:latin typeface="JetBrains Mono"/>
+              </a:rPr>
+              <a:t>            default</a:t>
+            </a:r>
+            <a:r>
+              <a:rPr kumimoji="0" lang="en-US" altLang="en-US" sz="1400" b="0" i="0" u="none" strike="noStrike" cap="none" normalizeH="0" baseline="0">
+                <a:ln>
+                  <a:noFill/>
+                </a:ln>
+                <a:solidFill>
+                  <a:srgbClr val="A9B7C6"/>
+                </a:solidFill>
+                <a:effectLst/>
+                <a:latin typeface="JetBrains Mono"/>
+              </a:rPr>
+              <a:t>:</a:t>
+            </a:r>
+            <a:br>
+              <a:rPr kumimoji="0" lang="en-US" altLang="en-US" sz="1400" b="0" i="0" u="none" strike="noStrike" cap="none" normalizeH="0" baseline="0">
+                <a:ln>
+                  <a:noFill/>
+                </a:ln>
+                <a:solidFill>
+                  <a:srgbClr val="A9B7C6"/>
+                </a:solidFill>
+                <a:effectLst/>
+                <a:latin typeface="JetBrains Mono"/>
+              </a:rPr>
+            </a:br>
+            <a:r>
+              <a:rPr kumimoji="0" lang="en-US" altLang="en-US" sz="1400" b="0" i="0" u="none" strike="noStrike" cap="none" normalizeH="0" baseline="0">
+                <a:ln>
+                  <a:noFill/>
+                </a:ln>
+                <a:solidFill>
+                  <a:srgbClr val="A9B7C6"/>
+                </a:solidFill>
+                <a:effectLst/>
+                <a:latin typeface="JetBrains Mono"/>
+              </a:rPr>
+              <a:t>                </a:t>
+            </a:r>
+            <a:r>
+              <a:rPr kumimoji="0" lang="en-US" altLang="en-US" sz="1400" b="0" i="0" u="none" strike="noStrike" cap="none" normalizeH="0" baseline="0">
+                <a:ln>
+                  <a:noFill/>
+                </a:ln>
+                <a:solidFill>
+                  <a:srgbClr val="CC7832"/>
+                </a:solidFill>
+                <a:effectLst/>
+                <a:latin typeface="JetBrains Mono"/>
+              </a:rPr>
+              <a:t>break;</a:t>
+            </a:r>
+            <a:br>
+              <a:rPr kumimoji="0" lang="en-US" altLang="en-US" sz="1400" b="0" i="0" u="none" strike="noStrike" cap="none" normalizeH="0" baseline="0">
+                <a:ln>
+                  <a:noFill/>
+                </a:ln>
+                <a:solidFill>
+                  <a:srgbClr val="CC7832"/>
+                </a:solidFill>
+                <a:effectLst/>
+                <a:latin typeface="JetBrains Mono"/>
+              </a:rPr>
+            </a:br>
+            <a:r>
+              <a:rPr kumimoji="0" lang="en-US" altLang="en-US" sz="1400" b="0" i="0" u="none" strike="noStrike" cap="none" normalizeH="0" baseline="0">
+                <a:ln>
+                  <a:noFill/>
+                </a:ln>
+                <a:solidFill>
+                  <a:srgbClr val="CC7832"/>
+                </a:solidFill>
+                <a:effectLst/>
+                <a:latin typeface="JetBrains Mono"/>
+              </a:rPr>
+              <a:t>        </a:t>
+            </a:r>
+            <a:r>
+              <a:rPr kumimoji="0" lang="en-US" altLang="en-US" sz="1400" b="0" i="0" u="none" strike="noStrike" cap="none" normalizeH="0" baseline="0">
+                <a:ln>
+                  <a:noFill/>
+                </a:ln>
+                <a:solidFill>
+                  <a:srgbClr val="A9B7C6"/>
+                </a:solidFill>
+                <a:effectLst/>
+                <a:latin typeface="JetBrains Mono"/>
+              </a:rPr>
+              <a:t>}</a:t>
+            </a:r>
+            <a:br>
+              <a:rPr kumimoji="0" lang="en-US" altLang="en-US" sz="1400" b="0" i="0" u="none" strike="noStrike" cap="none" normalizeH="0" baseline="0">
+                <a:ln>
+                  <a:noFill/>
+                </a:ln>
+                <a:solidFill>
+                  <a:srgbClr val="A9B7C6"/>
+                </a:solidFill>
+                <a:effectLst/>
+                <a:latin typeface="JetBrains Mono"/>
+              </a:rPr>
+            </a:br>
+            <a:r>
+              <a:rPr kumimoji="0" lang="en-US" altLang="en-US" sz="1400" b="0" i="0" u="none" strike="noStrike" cap="none" normalizeH="0" baseline="0">
+                <a:ln>
+                  <a:noFill/>
+                </a:ln>
+                <a:solidFill>
+                  <a:srgbClr val="A9B7C6"/>
+                </a:solidFill>
+                <a:effectLst/>
+                <a:latin typeface="JetBrains Mono"/>
+              </a:rPr>
+              <a:t>        System.out.println(c)</a:t>
+            </a:r>
+            <a:r>
+              <a:rPr kumimoji="0" lang="en-US" altLang="en-US" sz="1400" b="0" i="0" u="none" strike="noStrike" cap="none" normalizeH="0" baseline="0">
+                <a:ln>
+                  <a:noFill/>
+                </a:ln>
+                <a:solidFill>
+                  <a:srgbClr val="CC7832"/>
+                </a:solidFill>
+                <a:effectLst/>
+                <a:latin typeface="JetBrains Mono"/>
+              </a:rPr>
+              <a:t>;</a:t>
+            </a:r>
+            <a:br>
+              <a:rPr kumimoji="0" lang="en-US" altLang="en-US" sz="1400" b="0" i="0" u="none" strike="noStrike" cap="none" normalizeH="0" baseline="0">
+                <a:ln>
+                  <a:noFill/>
+                </a:ln>
+                <a:solidFill>
+                  <a:srgbClr val="CC7832"/>
+                </a:solidFill>
+                <a:effectLst/>
+                <a:latin typeface="JetBrains Mono"/>
+              </a:rPr>
+            </a:br>
+            <a:r>
+              <a:rPr kumimoji="0" lang="en-US" altLang="en-US" sz="1400" b="0" i="0" u="none" strike="noStrike" cap="none" normalizeH="0" baseline="0">
+                <a:ln>
+                  <a:noFill/>
+                </a:ln>
+                <a:solidFill>
+                  <a:srgbClr val="CC7832"/>
+                </a:solidFill>
+                <a:effectLst/>
+                <a:latin typeface="JetBrains Mono"/>
+              </a:rPr>
+              <a:t>    </a:t>
+            </a:r>
+            <a:r>
+              <a:rPr kumimoji="0" lang="en-US" altLang="en-US" sz="1400" b="0" i="0" u="none" strike="noStrike" cap="none" normalizeH="0" baseline="0">
+                <a:ln>
+                  <a:noFill/>
+                </a:ln>
+                <a:solidFill>
+                  <a:srgbClr val="A9B7C6"/>
+                </a:solidFill>
+                <a:effectLst/>
+                <a:latin typeface="JetBrains Mono"/>
+              </a:rPr>
+              <a:t>}</a:t>
+            </a:r>
+            <a:br>
+              <a:rPr kumimoji="0" lang="en-US" altLang="en-US" sz="1400" b="0" i="0" u="none" strike="noStrike" cap="none" normalizeH="0" baseline="0">
+                <a:ln>
+                  <a:noFill/>
+                </a:ln>
+                <a:solidFill>
+                  <a:srgbClr val="A9B7C6"/>
+                </a:solidFill>
+                <a:effectLst/>
+                <a:latin typeface="JetBrains Mono"/>
+              </a:rPr>
+            </a:br>
+            <a:r>
+              <a:rPr kumimoji="0" lang="en-US" altLang="en-US" sz="1400" b="0" i="0" u="none" strike="noStrike" cap="none" normalizeH="0" baseline="0">
+                <a:ln>
+                  <a:noFill/>
+                </a:ln>
+                <a:solidFill>
+                  <a:srgbClr val="A9B7C6"/>
+                </a:solidFill>
+                <a:effectLst/>
+                <a:latin typeface="JetBrains Mono"/>
+              </a:rPr>
+              <a:t>}</a:t>
+            </a:r>
+            <a:endParaRPr kumimoji="0" lang="en-US" altLang="en-US" sz="3600" b="0" i="0" u="none" strike="noStrike" cap="none" normalizeH="0" baseline="0">
+              <a:ln>
+                <a:noFill/>
+              </a:ln>
+              <a:solidFill>
+                <a:schemeClr val="tx1"/>
+              </a:solidFill>
+              <a:effectLst/>
+              <a:latin typeface="Arial" panose="020B0604020202020204" pitchFamily="34" charset="0"/>
+            </a:endParaRPr>
           </a:p>
         </p:txBody>
       </p:sp>
@@ -5056,12 +5443,14 @@
         </p:nvSpPr>
         <p:spPr>
           <a:xfrm>
-            <a:off x="822960" y="1845734"/>
-            <a:ext cx="3444240" cy="4023360"/>
+            <a:off x="822959" y="1845734"/>
+            <a:ext cx="5756949" cy="4023360"/>
           </a:xfrm>
         </p:spPr>
         <p:txBody>
-          <a:bodyPr/>
+          <a:bodyPr>
+            <a:normAutofit/>
+          </a:bodyPr>
           <a:lstStyle/>
           <a:p>
             <a:pPr>
@@ -5069,12 +5458,8 @@
               <a:buChar char="v"/>
             </a:pPr>
             <a:r>
-              <a:rPr lang="en-GB" dirty="0"/>
-              <a:t> </a:t>
-            </a:r>
-            <a:r>
-              <a:rPr lang="en-US" dirty="0"/>
-              <a:t>Types of Control Structure</a:t>
+              <a:rPr lang="en-GB" sz="2400" dirty="0"/>
+              <a:t>This is a single expression that is equivalent to a biconditional-if statement</a:t>
             </a:r>
           </a:p>
           <a:p>
@@ -5083,456 +5468,12 @@
               <a:buChar char="v"/>
             </a:pPr>
             <a:r>
-              <a:rPr lang="en-US" dirty="0"/>
-              <a:t> Sequential Control</a:t>
-            </a:r>
-          </a:p>
-          <a:p>
-            <a:pPr>
-              <a:buFont typeface="Wingdings" panose="05000000000000000000" pitchFamily="2" charset="2"/>
-              <a:buChar char="v"/>
-            </a:pPr>
-            <a:r>
-              <a:rPr lang="en-US" dirty="0"/>
-              <a:t> Expression types</a:t>
-            </a:r>
-          </a:p>
-          <a:p>
-            <a:pPr>
-              <a:buFont typeface="Wingdings" panose="05000000000000000000" pitchFamily="2" charset="2"/>
-              <a:buChar char="v"/>
-            </a:pPr>
-            <a:r>
-              <a:rPr lang="en-US" dirty="0"/>
-              <a:t> Selection Control</a:t>
-            </a:r>
-          </a:p>
-          <a:p>
-            <a:pPr>
-              <a:buFont typeface="Wingdings" panose="05000000000000000000" pitchFamily="2" charset="2"/>
-              <a:buChar char="v"/>
-            </a:pPr>
-            <a:r>
-              <a:rPr lang="en-US" dirty="0"/>
-              <a:t> Unconditional-if</a:t>
-            </a:r>
-          </a:p>
-          <a:p>
-            <a:pPr>
-              <a:buFont typeface="Wingdings" panose="05000000000000000000" pitchFamily="2" charset="2"/>
-              <a:buChar char="v"/>
-            </a:pPr>
-            <a:r>
-              <a:rPr lang="en-US" dirty="0"/>
-              <a:t> Conditional-if</a:t>
-            </a:r>
-          </a:p>
-          <a:p>
-            <a:pPr>
-              <a:buFont typeface="Wingdings" panose="05000000000000000000" pitchFamily="2" charset="2"/>
-              <a:buChar char="v"/>
-            </a:pPr>
-            <a:r>
-              <a:rPr lang="en-US" dirty="0"/>
-              <a:t> Bi-conditional if</a:t>
-            </a:r>
-          </a:p>
-          <a:p>
-            <a:pPr>
-              <a:buFont typeface="Wingdings" panose="05000000000000000000" pitchFamily="2" charset="2"/>
-              <a:buChar char="v"/>
-            </a:pPr>
-            <a:r>
-              <a:rPr lang="en-US" dirty="0"/>
-              <a:t> Cascaded-if</a:t>
-            </a:r>
-          </a:p>
-          <a:p>
-            <a:pPr>
-              <a:buFont typeface="Wingdings" panose="05000000000000000000" pitchFamily="2" charset="2"/>
-              <a:buChar char="v"/>
-            </a:pPr>
-            <a:r>
-              <a:rPr lang="en-US" dirty="0"/>
-              <a:t> Nested-if</a:t>
-            </a:r>
-            <a:endParaRPr lang="en-GB" dirty="0"/>
-          </a:p>
-          <a:p>
-            <a:endParaRPr lang="en-GB" dirty="0"/>
-          </a:p>
-        </p:txBody>
-      </p:sp>
-      <p:sp>
-        <p:nvSpPr>
-          <p:cNvPr id="4" name="Content Placeholder 2">
-            <a:extLst>
-              <a:ext uri="{FF2B5EF4-FFF2-40B4-BE49-F238E27FC236}">
-                <a16:creationId xmlns:a16="http://schemas.microsoft.com/office/drawing/2014/main" id="{3AB586B9-467B-4F63-B336-2E9D19321584}"/>
-              </a:ext>
-            </a:extLst>
-          </p:cNvPr>
-          <p:cNvSpPr txBox="1">
-            <a:spLocks/>
-          </p:cNvSpPr>
-          <p:nvPr/>
-        </p:nvSpPr>
-        <p:spPr>
-          <a:xfrm>
-            <a:off x="4922520" y="1845734"/>
-            <a:ext cx="3444240" cy="4023360"/>
-          </a:xfrm>
-          <a:prstGeom prst="rect">
-            <a:avLst/>
-          </a:prstGeom>
-        </p:spPr>
-        <p:txBody>
-          <a:bodyPr vert="horz" lIns="0" tIns="45720" rIns="0" bIns="45720" rtlCol="0">
-            <a:normAutofit/>
-          </a:bodyPr>
-          <a:lstStyle>
-            <a:lvl1pPr marL="91440" indent="-91440" algn="l" defTabSz="914400" rtl="0" eaLnBrk="1" latinLnBrk="0" hangingPunct="1">
-              <a:lnSpc>
-                <a:spcPct val="90000"/>
-              </a:lnSpc>
-              <a:spcBef>
-                <a:spcPts val="1200"/>
-              </a:spcBef>
-              <a:spcAft>
-                <a:spcPts val="200"/>
-              </a:spcAft>
-              <a:buClr>
-                <a:schemeClr val="accent1"/>
-              </a:buClr>
-              <a:buSzPct val="100000"/>
-              <a:buFont typeface="Calibri" panose="020F0502020204030204" pitchFamily="34" charset="0"/>
-              <a:buChar char=" "/>
-              <a:defRPr sz="2000" kern="1200">
-                <a:solidFill>
-                  <a:schemeClr val="tx1">
-                    <a:lumMod val="75000"/>
-                    <a:lumOff val="25000"/>
-                  </a:schemeClr>
-                </a:solidFill>
-                <a:latin typeface="+mn-lt"/>
-                <a:ea typeface="+mn-ea"/>
-                <a:cs typeface="+mn-cs"/>
-              </a:defRPr>
-            </a:lvl1pPr>
-            <a:lvl2pPr marL="384048" indent="-182880" algn="l" defTabSz="914400" rtl="0" eaLnBrk="1" latinLnBrk="0" hangingPunct="1">
-              <a:lnSpc>
-                <a:spcPct val="90000"/>
-              </a:lnSpc>
-              <a:spcBef>
-                <a:spcPts val="200"/>
-              </a:spcBef>
-              <a:spcAft>
-                <a:spcPts val="400"/>
-              </a:spcAft>
-              <a:buClr>
-                <a:schemeClr val="accent1"/>
-              </a:buClr>
-              <a:buFont typeface="Calibri" pitchFamily="34" charset="0"/>
-              <a:buChar char="◦"/>
-              <a:defRPr sz="1800" kern="1200">
-                <a:solidFill>
-                  <a:schemeClr val="tx1">
-                    <a:lumMod val="75000"/>
-                    <a:lumOff val="25000"/>
-                  </a:schemeClr>
-                </a:solidFill>
-                <a:latin typeface="+mn-lt"/>
-                <a:ea typeface="+mn-ea"/>
-                <a:cs typeface="+mn-cs"/>
-              </a:defRPr>
-            </a:lvl2pPr>
-            <a:lvl3pPr marL="566928" indent="-182880" algn="l" defTabSz="914400" rtl="0" eaLnBrk="1" latinLnBrk="0" hangingPunct="1">
-              <a:lnSpc>
-                <a:spcPct val="90000"/>
-              </a:lnSpc>
-              <a:spcBef>
-                <a:spcPts val="200"/>
-              </a:spcBef>
-              <a:spcAft>
-                <a:spcPts val="400"/>
-              </a:spcAft>
-              <a:buClr>
-                <a:schemeClr val="accent1"/>
-              </a:buClr>
-              <a:buFont typeface="Calibri" pitchFamily="34" charset="0"/>
-              <a:buChar char="◦"/>
-              <a:defRPr sz="1400" kern="1200">
-                <a:solidFill>
-                  <a:schemeClr val="tx1">
-                    <a:lumMod val="75000"/>
-                    <a:lumOff val="25000"/>
-                  </a:schemeClr>
-                </a:solidFill>
-                <a:latin typeface="+mn-lt"/>
-                <a:ea typeface="+mn-ea"/>
-                <a:cs typeface="+mn-cs"/>
-              </a:defRPr>
-            </a:lvl3pPr>
-            <a:lvl4pPr marL="749808" indent="-182880" algn="l" defTabSz="914400" rtl="0" eaLnBrk="1" latinLnBrk="0" hangingPunct="1">
-              <a:lnSpc>
-                <a:spcPct val="90000"/>
-              </a:lnSpc>
-              <a:spcBef>
-                <a:spcPts val="200"/>
-              </a:spcBef>
-              <a:spcAft>
-                <a:spcPts val="400"/>
-              </a:spcAft>
-              <a:buClr>
-                <a:schemeClr val="accent1"/>
-              </a:buClr>
-              <a:buFont typeface="Calibri" pitchFamily="34" charset="0"/>
-              <a:buChar char="◦"/>
-              <a:defRPr sz="1400" kern="1200">
-                <a:solidFill>
-                  <a:schemeClr val="tx1">
-                    <a:lumMod val="75000"/>
-                    <a:lumOff val="25000"/>
-                  </a:schemeClr>
-                </a:solidFill>
-                <a:latin typeface="+mn-lt"/>
-                <a:ea typeface="+mn-ea"/>
-                <a:cs typeface="+mn-cs"/>
-              </a:defRPr>
-            </a:lvl4pPr>
-            <a:lvl5pPr marL="932688" indent="-182880" algn="l" defTabSz="914400" rtl="0" eaLnBrk="1" latinLnBrk="0" hangingPunct="1">
-              <a:lnSpc>
-                <a:spcPct val="90000"/>
-              </a:lnSpc>
-              <a:spcBef>
-                <a:spcPts val="200"/>
-              </a:spcBef>
-              <a:spcAft>
-                <a:spcPts val="400"/>
-              </a:spcAft>
-              <a:buClr>
-                <a:schemeClr val="accent1"/>
-              </a:buClr>
-              <a:buFont typeface="Calibri" pitchFamily="34" charset="0"/>
-              <a:buChar char="◦"/>
-              <a:defRPr sz="1400" kern="1200">
-                <a:solidFill>
-                  <a:schemeClr val="tx1">
-                    <a:lumMod val="75000"/>
-                    <a:lumOff val="25000"/>
-                  </a:schemeClr>
-                </a:solidFill>
-                <a:latin typeface="+mn-lt"/>
-                <a:ea typeface="+mn-ea"/>
-                <a:cs typeface="+mn-cs"/>
-              </a:defRPr>
-            </a:lvl5pPr>
-            <a:lvl6pPr marL="1100000" indent="-228600" algn="l" defTabSz="914400" rtl="0" eaLnBrk="1" latinLnBrk="0" hangingPunct="1">
-              <a:lnSpc>
-                <a:spcPct val="90000"/>
-              </a:lnSpc>
-              <a:spcBef>
-                <a:spcPts val="200"/>
-              </a:spcBef>
-              <a:spcAft>
-                <a:spcPts val="400"/>
-              </a:spcAft>
-              <a:buClr>
-                <a:schemeClr val="accent1"/>
-              </a:buClr>
-              <a:buFont typeface="Calibri" pitchFamily="34" charset="0"/>
-              <a:buChar char="◦"/>
-              <a:defRPr sz="1400" kern="1200">
-                <a:solidFill>
-                  <a:schemeClr val="tx1">
-                    <a:lumMod val="75000"/>
-                    <a:lumOff val="25000"/>
-                  </a:schemeClr>
-                </a:solidFill>
-                <a:latin typeface="+mn-lt"/>
-                <a:ea typeface="+mn-ea"/>
-                <a:cs typeface="+mn-cs"/>
-              </a:defRPr>
-            </a:lvl6pPr>
-            <a:lvl7pPr marL="1300000" indent="-228600" algn="l" defTabSz="914400" rtl="0" eaLnBrk="1" latinLnBrk="0" hangingPunct="1">
-              <a:lnSpc>
-                <a:spcPct val="90000"/>
-              </a:lnSpc>
-              <a:spcBef>
-                <a:spcPts val="200"/>
-              </a:spcBef>
-              <a:spcAft>
-                <a:spcPts val="400"/>
-              </a:spcAft>
-              <a:buClr>
-                <a:schemeClr val="accent1"/>
-              </a:buClr>
-              <a:buFont typeface="Calibri" pitchFamily="34" charset="0"/>
-              <a:buChar char="◦"/>
-              <a:defRPr sz="1400" kern="1200">
-                <a:solidFill>
-                  <a:schemeClr val="tx1">
-                    <a:lumMod val="75000"/>
-                    <a:lumOff val="25000"/>
-                  </a:schemeClr>
-                </a:solidFill>
-                <a:latin typeface="+mn-lt"/>
-                <a:ea typeface="+mn-ea"/>
-                <a:cs typeface="+mn-cs"/>
-              </a:defRPr>
-            </a:lvl7pPr>
-            <a:lvl8pPr marL="1500000" indent="-228600" algn="l" defTabSz="914400" rtl="0" eaLnBrk="1" latinLnBrk="0" hangingPunct="1">
-              <a:lnSpc>
-                <a:spcPct val="90000"/>
-              </a:lnSpc>
-              <a:spcBef>
-                <a:spcPts val="200"/>
-              </a:spcBef>
-              <a:spcAft>
-                <a:spcPts val="400"/>
-              </a:spcAft>
-              <a:buClr>
-                <a:schemeClr val="accent1"/>
-              </a:buClr>
-              <a:buFont typeface="Calibri" pitchFamily="34" charset="0"/>
-              <a:buChar char="◦"/>
-              <a:defRPr sz="1400" kern="1200">
-                <a:solidFill>
-                  <a:schemeClr val="tx1">
-                    <a:lumMod val="75000"/>
-                    <a:lumOff val="25000"/>
-                  </a:schemeClr>
-                </a:solidFill>
-                <a:latin typeface="+mn-lt"/>
-                <a:ea typeface="+mn-ea"/>
-                <a:cs typeface="+mn-cs"/>
-              </a:defRPr>
-            </a:lvl8pPr>
-            <a:lvl9pPr marL="1700000" indent="-228600" algn="l" defTabSz="914400" rtl="0" eaLnBrk="1" latinLnBrk="0" hangingPunct="1">
-              <a:lnSpc>
-                <a:spcPct val="90000"/>
-              </a:lnSpc>
-              <a:spcBef>
-                <a:spcPts val="200"/>
-              </a:spcBef>
-              <a:spcAft>
-                <a:spcPts val="400"/>
-              </a:spcAft>
-              <a:buClr>
-                <a:schemeClr val="accent1"/>
-              </a:buClr>
-              <a:buFont typeface="Calibri" pitchFamily="34" charset="0"/>
-              <a:buChar char="◦"/>
-              <a:defRPr sz="1400" kern="1200">
-                <a:solidFill>
-                  <a:schemeClr val="tx1">
-                    <a:lumMod val="75000"/>
-                    <a:lumOff val="25000"/>
-                  </a:schemeClr>
-                </a:solidFill>
-                <a:latin typeface="+mn-lt"/>
-                <a:ea typeface="+mn-ea"/>
-                <a:cs typeface="+mn-cs"/>
-              </a:defRPr>
-            </a:lvl9pPr>
-          </a:lstStyle>
-          <a:p>
-            <a:pPr>
-              <a:buFont typeface="Wingdings" panose="05000000000000000000" pitchFamily="2" charset="2"/>
-              <a:buChar char="v"/>
-            </a:pPr>
-            <a:r>
-              <a:rPr lang="en-GB" dirty="0"/>
-              <a:t> </a:t>
-            </a:r>
-            <a:r>
-              <a:rPr lang="en-US" dirty="0"/>
-              <a:t>Switch-statements</a:t>
-            </a:r>
-          </a:p>
-          <a:p>
-            <a:pPr>
-              <a:buFont typeface="Wingdings" panose="05000000000000000000" pitchFamily="2" charset="2"/>
-              <a:buChar char="v"/>
-            </a:pPr>
-            <a:r>
-              <a:rPr lang="en-US" dirty="0"/>
-              <a:t> Iteration Control</a:t>
-            </a:r>
-          </a:p>
-          <a:p>
-            <a:pPr>
-              <a:buFont typeface="Wingdings" panose="05000000000000000000" pitchFamily="2" charset="2"/>
-              <a:buChar char="v"/>
-            </a:pPr>
-            <a:r>
-              <a:rPr lang="en-US" dirty="0"/>
-              <a:t> Types of loops</a:t>
-            </a:r>
-          </a:p>
-          <a:p>
-            <a:pPr>
-              <a:buFont typeface="Wingdings" panose="05000000000000000000" pitchFamily="2" charset="2"/>
-              <a:buChar char="v"/>
-            </a:pPr>
-            <a:r>
-              <a:rPr lang="en-US" dirty="0"/>
-              <a:t> While</a:t>
-            </a:r>
-          </a:p>
-          <a:p>
-            <a:pPr>
-              <a:buFont typeface="Wingdings" panose="05000000000000000000" pitchFamily="2" charset="2"/>
-              <a:buChar char="v"/>
-            </a:pPr>
-            <a:r>
-              <a:rPr lang="en-US" dirty="0"/>
-              <a:t> do-while</a:t>
-            </a:r>
-          </a:p>
-          <a:p>
-            <a:pPr>
-              <a:buFont typeface="Wingdings" panose="05000000000000000000" pitchFamily="2" charset="2"/>
-              <a:buChar char="v"/>
-            </a:pPr>
-            <a:r>
-              <a:rPr lang="en-US" dirty="0"/>
-              <a:t> for-loop</a:t>
-            </a:r>
-          </a:p>
-          <a:p>
-            <a:pPr>
-              <a:buFont typeface="Wingdings" panose="05000000000000000000" pitchFamily="2" charset="2"/>
-              <a:buChar char="v"/>
-            </a:pPr>
-            <a:r>
-              <a:rPr lang="en-US" dirty="0"/>
-              <a:t> Nested-Loops</a:t>
-            </a:r>
-          </a:p>
-          <a:p>
-            <a:pPr>
-              <a:buFont typeface="Wingdings" panose="05000000000000000000" pitchFamily="2" charset="2"/>
-              <a:buChar char="v"/>
-            </a:pPr>
-            <a:r>
-              <a:rPr lang="en-US" dirty="0"/>
-              <a:t> Arrays</a:t>
-            </a:r>
-          </a:p>
-          <a:p>
-            <a:pPr>
-              <a:buFont typeface="Wingdings" panose="05000000000000000000" pitchFamily="2" charset="2"/>
-              <a:buChar char="v"/>
-            </a:pPr>
-            <a:r>
-              <a:rPr lang="en-US"/>
-              <a:t> Exercises</a:t>
-            </a:r>
-            <a:endParaRPr lang="en-GB" dirty="0"/>
-          </a:p>
-          <a:p>
-            <a:endParaRPr lang="en-GB" dirty="0"/>
+              <a:rPr lang="en-GB" sz="2400" dirty="0"/>
+              <a:t> string a = age&gt;21?”adult”:”under-age”;</a:t>
+            </a:r>
+          </a:p>
+          <a:p>
+            <a:endParaRPr lang="en-GB" sz="2400" dirty="0"/>
           </a:p>
         </p:txBody>
       </p:sp>
@@ -8716,7 +8657,7 @@
         </p:nvSpPr>
         <p:spPr>
           <a:xfrm>
-            <a:off x="822960" y="286605"/>
+            <a:off x="822960" y="543274"/>
             <a:ext cx="7543800" cy="283468"/>
           </a:xfrm>
         </p:spPr>
@@ -9118,21 +9059,14 @@
             <p:ph type="title"/>
           </p:nvPr>
         </p:nvSpPr>
-        <p:spPr>
-          <a:xfrm>
-            <a:off x="822960" y="286605"/>
-            <a:ext cx="7543800" cy="283468"/>
-          </a:xfrm>
-        </p:spPr>
-        <p:txBody>
-          <a:bodyPr>
-            <a:normAutofit fontScale="90000"/>
-          </a:bodyPr>
+        <p:spPr/>
+        <p:txBody>
+          <a:bodyPr/>
           <a:lstStyle/>
           <a:p>
             <a:r>
               <a:rPr lang="en-GB" dirty="0"/>
-              <a:t>Array Methods</a:t>
+              <a:t>Exercises</a:t>
             </a:r>
           </a:p>
         </p:txBody>
@@ -9153,309 +9087,63 @@
             <p:ph idx="1"/>
           </p:nvPr>
         </p:nvSpPr>
-        <p:spPr>
-          <a:xfrm>
-            <a:off x="822959" y="1055802"/>
-            <a:ext cx="7543801" cy="3629320"/>
-          </a:xfrm>
-        </p:spPr>
-        <p:txBody>
-          <a:bodyPr>
-            <a:normAutofit/>
-          </a:bodyPr>
+        <p:spPr/>
+        <p:txBody>
+          <a:bodyPr/>
           <a:lstStyle/>
           <a:p>
-            <a:pPr marL="0" indent="0">
-              <a:spcBef>
-                <a:spcPts val="0"/>
-              </a:spcBef>
-              <a:buNone/>
+            <a:pPr marL="457200" indent="-457200">
+              <a:buFont typeface="+mj-lt"/>
+              <a:buAutoNum type="arabicPeriod"/>
             </a:pPr>
             <a:r>
               <a:rPr lang="en-GB" dirty="0"/>
-              <a:t>//Store 3 Numbers using an integer variable; </a:t>
-            </a:r>
-          </a:p>
-          <a:p>
-            <a:pPr marL="0" indent="0">
-              <a:spcBef>
-                <a:spcPts val="0"/>
-              </a:spcBef>
+              <a:t>A) Write a program to determine whether the value of an integer variable initialised with the name temp is sub-zero, above zero degrees, exactly zero degrees.  If above zero it should display “Above Zero”.  If exactly zero it should display “Freezing” and if under zero should display “Sub zero”.</a:t>
+            </a:r>
+          </a:p>
+          <a:p>
+            <a:pPr marL="292608" lvl="1" indent="0">
               <a:buNone/>
             </a:pPr>
             <a:r>
               <a:rPr lang="en-GB" dirty="0"/>
-              <a:t>int </a:t>
-            </a:r>
-            <a:r>
-              <a:rPr lang="en-GB" dirty="0" err="1"/>
-              <a:t>i</a:t>
-            </a:r>
-            <a:r>
-              <a:rPr lang="en-GB" dirty="0"/>
-              <a:t>=5;</a:t>
-            </a:r>
-          </a:p>
-          <a:p>
-            <a:pPr marL="0" indent="0">
-              <a:spcBef>
-                <a:spcPts val="0"/>
-              </a:spcBef>
-              <a:buNone/>
-            </a:pPr>
-            <a:r>
-              <a:rPr lang="en-GB" dirty="0" err="1"/>
-              <a:t>i</a:t>
-            </a:r>
-            <a:r>
-              <a:rPr lang="en-GB" dirty="0"/>
-              <a:t>=6;</a:t>
-            </a:r>
-          </a:p>
-          <a:p>
-            <a:pPr marL="0" indent="0">
-              <a:spcBef>
-                <a:spcPts val="0"/>
-              </a:spcBef>
-              <a:buNone/>
-            </a:pPr>
-            <a:r>
-              <a:rPr lang="en-GB" dirty="0" err="1"/>
-              <a:t>i</a:t>
-            </a:r>
-            <a:r>
-              <a:rPr lang="en-GB" dirty="0"/>
-              <a:t>=7;</a:t>
-            </a:r>
-          </a:p>
-          <a:p>
-            <a:pPr marL="0" indent="0">
-              <a:spcBef>
-                <a:spcPts val="0"/>
-              </a:spcBef>
-              <a:buNone/>
-            </a:pPr>
-            <a:r>
-              <a:rPr lang="en-GB" dirty="0" err="1"/>
-              <a:t>System.out.println</a:t>
-            </a:r>
-            <a:r>
-              <a:rPr lang="en-GB" dirty="0"/>
-              <a:t>(“”+</a:t>
-            </a:r>
-            <a:r>
-              <a:rPr lang="en-GB" dirty="0" err="1"/>
-              <a:t>i</a:t>
-            </a:r>
-            <a:r>
-              <a:rPr lang="en-GB" dirty="0"/>
-              <a:t>); //only stores the most recent value</a:t>
-            </a:r>
-          </a:p>
-          <a:p>
-            <a:pPr marL="0" indent="0">
-              <a:spcBef>
-                <a:spcPts val="0"/>
-              </a:spcBef>
-              <a:buNone/>
-            </a:pPr>
-            <a:r>
-              <a:rPr lang="en-GB" dirty="0"/>
-              <a:t>int i1=5,i2=6,i3=7;</a:t>
-            </a:r>
-          </a:p>
-          <a:p>
-            <a:pPr marL="0" indent="0">
-              <a:spcBef>
-                <a:spcPts val="0"/>
-              </a:spcBef>
-              <a:buNone/>
-            </a:pPr>
-            <a:r>
-              <a:rPr lang="en-GB" dirty="0" err="1"/>
-              <a:t>System.out.println</a:t>
-            </a:r>
-            <a:r>
-              <a:rPr lang="en-GB" dirty="0"/>
-              <a:t>(“”+i1+” “+i2+” “+i3); //works but will be difficult for storing large number of values</a:t>
-            </a:r>
-          </a:p>
-          <a:p>
-            <a:pPr marL="0" indent="0">
-              <a:spcBef>
-                <a:spcPts val="0"/>
-              </a:spcBef>
-              <a:buNone/>
-            </a:pPr>
-            <a:r>
-              <a:rPr lang="en-GB" dirty="0"/>
-              <a:t>int [] </a:t>
-            </a:r>
-            <a:r>
-              <a:rPr lang="en-GB" dirty="0" err="1"/>
-              <a:t>arr</a:t>
-            </a:r>
-            <a:r>
-              <a:rPr lang="en-GB" dirty="0"/>
-              <a:t>=new int[3]; //declare array</a:t>
-            </a:r>
-          </a:p>
-          <a:p>
-            <a:pPr marL="0" indent="0">
-              <a:spcBef>
-                <a:spcPts val="0"/>
-              </a:spcBef>
-              <a:buNone/>
-            </a:pPr>
-            <a:r>
-              <a:rPr lang="en-GB" dirty="0" err="1"/>
-              <a:t>arr</a:t>
-            </a:r>
-            <a:r>
-              <a:rPr lang="en-GB" dirty="0"/>
-              <a:t>[0]=5; </a:t>
-            </a:r>
-            <a:r>
-              <a:rPr lang="en-GB" dirty="0" err="1"/>
-              <a:t>arr</a:t>
-            </a:r>
-            <a:r>
-              <a:rPr lang="en-GB" dirty="0"/>
-              <a:t>[1]=6; </a:t>
-            </a:r>
-            <a:r>
-              <a:rPr lang="en-GB" dirty="0" err="1"/>
-              <a:t>arr</a:t>
-            </a:r>
-            <a:r>
-              <a:rPr lang="en-GB" dirty="0"/>
-              <a:t>[2]=7;//array assignment starting from zero.</a:t>
-            </a:r>
-          </a:p>
-          <a:p>
-            <a:pPr marL="0" indent="0">
-              <a:spcBef>
-                <a:spcPts val="0"/>
-              </a:spcBef>
-              <a:buNone/>
-            </a:pPr>
-            <a:r>
-              <a:rPr lang="en-GB" dirty="0"/>
-              <a:t>for(</a:t>
-            </a:r>
-            <a:r>
-              <a:rPr lang="en-GB" dirty="0" err="1"/>
-              <a:t>i</a:t>
-            </a:r>
-            <a:r>
-              <a:rPr lang="en-GB" dirty="0"/>
-              <a:t>=0;i&lt;</a:t>
-            </a:r>
-            <a:r>
-              <a:rPr lang="en-GB" dirty="0" err="1"/>
-              <a:t>arr.length</a:t>
-            </a:r>
-            <a:r>
-              <a:rPr lang="en-GB" dirty="0"/>
-              <a:t>;</a:t>
-            </a:r>
-          </a:p>
-        </p:txBody>
-      </p:sp>
-      <p:pic>
-        <p:nvPicPr>
-          <p:cNvPr id="3076" name="Picture 4" descr="illustration of an array of 5 ints">
-            <a:extLst>
-              <a:ext uri="{FF2B5EF4-FFF2-40B4-BE49-F238E27FC236}">
-                <a16:creationId xmlns:a16="http://schemas.microsoft.com/office/drawing/2014/main" id="{3FAEC01F-9301-4382-A7FC-DF45977C8FB0}"/>
-              </a:ext>
-            </a:extLst>
-          </p:cNvPr>
-          <p:cNvPicPr>
-            <a:picLocks noChangeAspect="1" noChangeArrowheads="1"/>
-          </p:cNvPicPr>
-          <p:nvPr/>
-        </p:nvPicPr>
-        <p:blipFill>
-          <a:blip r:embed="rId2">
-            <a:extLst>
-              <a:ext uri="{28A0092B-C50C-407E-A947-70E740481C1C}">
-                <a14:useLocalDpi xmlns:a14="http://schemas.microsoft.com/office/drawing/2010/main" val="0"/>
-              </a:ext>
-            </a:extLst>
-          </a:blip>
-          <a:srcRect/>
-          <a:stretch>
-            <a:fillRect/>
-          </a:stretch>
-        </p:blipFill>
-        <p:spPr bwMode="auto">
-          <a:xfrm>
-            <a:off x="2719780" y="4868703"/>
-            <a:ext cx="5457825" cy="1419225"/>
-          </a:xfrm>
-          <a:prstGeom prst="rect">
-            <a:avLst/>
-          </a:prstGeom>
-          <a:noFill/>
-          <a:extLst>
-            <a:ext uri="{909E8E84-426E-40DD-AFC4-6F175D3DCCD1}">
-              <a14:hiddenFill xmlns:a14="http://schemas.microsoft.com/office/drawing/2010/main">
-                <a:solidFill>
-                  <a:srgbClr val="FFFFFF"/>
-                </a:solidFill>
-              </a14:hiddenFill>
-            </a:ext>
-          </a:extLst>
-        </p:spPr>
-      </p:pic>
-      <p:sp>
-        <p:nvSpPr>
-          <p:cNvPr id="3" name="TextBox 2">
-            <a:extLst>
-              <a:ext uri="{FF2B5EF4-FFF2-40B4-BE49-F238E27FC236}">
-                <a16:creationId xmlns:a16="http://schemas.microsoft.com/office/drawing/2014/main" id="{9A5C252D-194D-43CD-A343-98B1FD5A3FD5}"/>
-              </a:ext>
-            </a:extLst>
-          </p:cNvPr>
-          <p:cNvSpPr txBox="1"/>
-          <p:nvPr/>
-        </p:nvSpPr>
-        <p:spPr>
-          <a:xfrm>
-            <a:off x="3651854" y="6386730"/>
-            <a:ext cx="3593676" cy="369332"/>
-          </a:xfrm>
-          <a:prstGeom prst="rect">
-            <a:avLst/>
-          </a:prstGeom>
-          <a:noFill/>
-        </p:spPr>
-        <p:txBody>
-          <a:bodyPr wrap="none" rtlCol="0">
-            <a:spAutoFit/>
-          </a:bodyPr>
-          <a:lstStyle/>
-          <a:p>
-            <a:r>
-              <a:rPr lang="en-GB" dirty="0"/>
-              <a:t>math.hws.edu/</a:t>
-            </a:r>
-            <a:r>
-              <a:rPr lang="en-GB" dirty="0" err="1"/>
-              <a:t>javanotes</a:t>
-            </a:r>
-            <a:r>
-              <a:rPr lang="en-GB" dirty="0"/>
-              <a:t>/c3/s8.html</a:t>
-            </a:r>
+              <a:t>B) What type of branch control structure is this program?</a:t>
+            </a:r>
+          </a:p>
+          <a:p>
+            <a:pPr marL="457200" indent="-457200">
+              <a:buFont typeface="+mj-lt"/>
+              <a:buAutoNum type="arabicPeriod"/>
+            </a:pPr>
+            <a:r>
+              <a:rPr lang="en-US" dirty="0"/>
+              <a:t>Write a Java program that will output the grade of an integer score entered into the program.  70-100 is a </a:t>
+            </a:r>
+            <a:r>
+              <a:rPr lang="en-US" dirty="0" err="1"/>
+              <a:t>A</a:t>
+            </a:r>
+            <a:r>
+              <a:rPr lang="en-US" dirty="0"/>
+              <a:t>, 60-69 is a B, 50-59 is a C, 45-49 is a D, 40-44 is an E, and 0-39 is a R.  The program should only exit when a value outside these ranges is entered.</a:t>
+            </a:r>
+          </a:p>
+          <a:p>
+            <a:pPr marL="292608" lvl="1" indent="0">
+              <a:buNone/>
+            </a:pPr>
+            <a:r>
+              <a:rPr lang="en-US" dirty="0"/>
+              <a:t>B) What type of loop control structure is this program?</a:t>
+            </a:r>
+            <a:endParaRPr lang="en-GB" dirty="0"/>
           </a:p>
         </p:txBody>
       </p:sp>
     </p:spTree>
     <p:extLst>
       <p:ext uri="{BB962C8B-B14F-4D97-AF65-F5344CB8AC3E}">
-        <p14:creationId xmlns:p14="http://schemas.microsoft.com/office/powerpoint/2010/main" val="3255979285"/>
+        <p14:creationId xmlns:p14="http://schemas.microsoft.com/office/powerpoint/2010/main" val="843286765"/>
       </p:ext>
     </p:extLst>
   </p:cSld>
@@ -9505,7 +9193,7 @@
           <a:p>
             <a:r>
               <a:rPr lang="en-GB" dirty="0"/>
-              <a:t>Exercises</a:t>
+              <a:t>Take-home exercise</a:t>
             </a:r>
           </a:p>
         </p:txBody>
@@ -9533,179 +9221,63 @@
           <a:p>
             <a:pPr marL="457200" indent="-457200">
               <a:buFont typeface="+mj-lt"/>
-              <a:buAutoNum type="arabicPeriod"/>
+              <a:buAutoNum type="arabicPeriod" startAt="3"/>
             </a:pPr>
             <a:r>
               <a:rPr lang="en-GB" dirty="0"/>
-              <a:t>A) Write a program to determine whether the value of an integer variable initialised with the name temp is sub-zero, above zero degrees, exactly zero degrees.  If above zero it should display “Above Zero”.  If exactly zero it should display “Freezing” and if under zero should display “Sub zero”.</a:t>
-            </a:r>
-          </a:p>
-          <a:p>
-            <a:pPr marL="292608" lvl="1" indent="0">
-              <a:buNone/>
-            </a:pPr>
-            <a:r>
-              <a:rPr lang="en-GB" dirty="0"/>
-              <a:t>B) What type of branch control structure is this program?</a:t>
-            </a:r>
-          </a:p>
-          <a:p>
-            <a:pPr marL="457200" indent="-457200">
-              <a:buFont typeface="+mj-lt"/>
-              <a:buAutoNum type="arabicPeriod"/>
-            </a:pPr>
-            <a:r>
-              <a:rPr lang="en-US" dirty="0"/>
-              <a:t>Write a Java program that will output the grade of an integer score entered into the program.  70-100 is a </a:t>
-            </a:r>
-            <a:r>
-              <a:rPr lang="en-US" dirty="0" err="1"/>
-              <a:t>A</a:t>
-            </a:r>
-            <a:r>
-              <a:rPr lang="en-US" dirty="0"/>
-              <a:t>, 60-69 is a B, 50-59 is a C, 45-49 is a D, 40-44 is an E, and 0-39 is a R.  The program should only exit when a value outside these ranges is entered.</a:t>
-            </a:r>
-          </a:p>
-          <a:p>
-            <a:pPr marL="292608" lvl="1" indent="0">
-              <a:buNone/>
-            </a:pPr>
-            <a:r>
-              <a:rPr lang="en-US" dirty="0"/>
-              <a:t>B) What type of loop control structure is this program?</a:t>
-            </a:r>
-            <a:endParaRPr lang="en-GB" dirty="0"/>
-          </a:p>
-        </p:txBody>
-      </p:sp>
-    </p:spTree>
-    <p:extLst>
-      <p:ext uri="{BB962C8B-B14F-4D97-AF65-F5344CB8AC3E}">
-        <p14:creationId xmlns:p14="http://schemas.microsoft.com/office/powerpoint/2010/main" val="843286765"/>
-      </p:ext>
-    </p:extLst>
-  </p:cSld>
-  <p:clrMapOvr>
-    <a:masterClrMapping/>
-  </p:clrMapOvr>
-</p:sld>
-</file>
-
-<file path=ppt/slides/slide26.xml><?xml version="1.0" encoding="utf-8"?>
-<p:sld xmlns:a="http://schemas.openxmlformats.org/drawingml/2006/main" xmlns:r="http://schemas.openxmlformats.org/officeDocument/2006/relationships" xmlns:p="http://schemas.openxmlformats.org/presentationml/2006/main">
-  <p:cSld>
-    <p:spTree>
-      <p:nvGrpSpPr>
-        <p:cNvPr id="1" name=""/>
-        <p:cNvGrpSpPr/>
-        <p:nvPr/>
-      </p:nvGrpSpPr>
-      <p:grpSpPr>
-        <a:xfrm>
-          <a:off x="0" y="0"/>
-          <a:ext cx="0" cy="0"/>
-          <a:chOff x="0" y="0"/>
-          <a:chExt cx="0" cy="0"/>
-        </a:xfrm>
-      </p:grpSpPr>
-      <p:sp>
-        <p:nvSpPr>
-          <p:cNvPr id="2" name="Title 1">
+              <a:t>Write a Java class to implement the guessing game given by the following algorithm (ctrl-click image to enlarge)</a:t>
+            </a:r>
+          </a:p>
+        </p:txBody>
+      </p:sp>
+      <p:pic>
+        <p:nvPicPr>
+          <p:cNvPr id="1026" name="Picture 2" descr="guessing algorithm">
+            <a:hlinkClick r:id="rId2"/>
             <a:extLst>
               <a:ext uri="{FF2B5EF4-FFF2-40B4-BE49-F238E27FC236}">
-                <a16:creationId xmlns:a16="http://schemas.microsoft.com/office/drawing/2014/main" id="{7304BBA7-9D5E-4B9A-95AF-2E54F4B41C0E}"/>
+                <a16:creationId xmlns:a16="http://schemas.microsoft.com/office/drawing/2014/main" id="{A448FDE6-0A35-49F6-905B-C46B7001B08C}"/>
               </a:ext>
             </a:extLst>
           </p:cNvPr>
-          <p:cNvSpPr>
-            <a:spLocks noGrp="1"/>
-          </p:cNvSpPr>
-          <p:nvPr>
-            <p:ph type="title"/>
-          </p:nvPr>
-        </p:nvSpPr>
-        <p:spPr/>
-        <p:txBody>
-          <a:bodyPr/>
-          <a:lstStyle/>
-          <a:p>
-            <a:r>
-              <a:rPr lang="en-GB" dirty="0"/>
-              <a:t>Exercises</a:t>
-            </a:r>
-          </a:p>
-        </p:txBody>
-      </p:sp>
-      <p:sp>
-        <p:nvSpPr>
-          <p:cNvPr id="6" name="Content Placeholder 5">
+          <p:cNvPicPr>
+            <a:picLocks noChangeAspect="1" noChangeArrowheads="1"/>
+          </p:cNvPicPr>
+          <p:nvPr/>
+        </p:nvPicPr>
+        <p:blipFill>
+          <a:blip r:embed="rId3">
             <a:extLst>
-              <a:ext uri="{FF2B5EF4-FFF2-40B4-BE49-F238E27FC236}">
-                <a16:creationId xmlns:a16="http://schemas.microsoft.com/office/drawing/2014/main" id="{986286F5-7094-4136-8F8B-BF5DD43A24AC}"/>
+              <a:ext uri="{28A0092B-C50C-407E-A947-70E740481C1C}">
+                <a14:useLocalDpi xmlns:a14="http://schemas.microsoft.com/office/drawing/2010/main" val="0"/>
               </a:ext>
             </a:extLst>
-          </p:cNvPr>
-          <p:cNvSpPr>
-            <a:spLocks noGrp="1"/>
-          </p:cNvSpPr>
-          <p:nvPr>
-            <p:ph idx="1"/>
-          </p:nvPr>
-        </p:nvSpPr>
-        <p:spPr/>
-        <p:txBody>
-          <a:bodyPr/>
-          <a:lstStyle/>
-          <a:p>
-            <a:pPr marL="457200" indent="-457200">
-              <a:buFont typeface="+mj-lt"/>
-              <a:buAutoNum type="arabicPeriod"/>
-            </a:pPr>
-            <a:r>
-              <a:rPr lang="en-GB" dirty="0"/>
-              <a:t>A) Write a program to determine whether the value of an integer variable initialised with the name temp is sub-zero, above zero degrees, exactly zero degrees.  If above zero it should display “Above Zero”.  If exactly zero it should display “Freezing” and if under zero should display “Sub zero”.</a:t>
-            </a:r>
-          </a:p>
-          <a:p>
-            <a:pPr marL="292608" lvl="1" indent="0">
-              <a:buNone/>
-            </a:pPr>
-            <a:r>
-              <a:rPr lang="en-GB" dirty="0"/>
-              <a:t>B) What type of branch control structure is this program?</a:t>
-            </a:r>
-          </a:p>
-          <a:p>
-            <a:pPr marL="457200" indent="-457200">
-              <a:buFont typeface="+mj-lt"/>
-              <a:buAutoNum type="arabicPeriod"/>
-            </a:pPr>
-            <a:r>
-              <a:rPr lang="en-US" dirty="0"/>
-              <a:t>Write a Java program that will output the grade of an integer score entered into the program.  70-100 is a </a:t>
-            </a:r>
-            <a:r>
-              <a:rPr lang="en-US" dirty="0" err="1"/>
-              <a:t>A</a:t>
-            </a:r>
-            <a:r>
-              <a:rPr lang="en-US" dirty="0"/>
-              <a:t>, 60-69 is a B, 50-59 is a C, 45-49 is a D, 40-44 is an E, and 0-39 is a R.  The program should only exit when a value outside these ranges is entered.</a:t>
-            </a:r>
-          </a:p>
-          <a:p>
-            <a:pPr marL="292608" lvl="1" indent="0">
-              <a:buNone/>
-            </a:pPr>
-            <a:r>
-              <a:rPr lang="en-US" dirty="0"/>
-              <a:t>B) What type of loop control structure is this program?</a:t>
-            </a:r>
-            <a:endParaRPr lang="en-GB" dirty="0"/>
-          </a:p>
-        </p:txBody>
-      </p:sp>
+          </a:blip>
+          <a:srcRect/>
+          <a:stretch>
+            <a:fillRect/>
+          </a:stretch>
+        </p:blipFill>
+        <p:spPr bwMode="auto">
+          <a:xfrm>
+            <a:off x="5781324" y="2413262"/>
+            <a:ext cx="2125473" cy="3813141"/>
+          </a:xfrm>
+          <a:prstGeom prst="rect">
+            <a:avLst/>
+          </a:prstGeom>
+          <a:noFill/>
+          <a:extLst>
+            <a:ext uri="{909E8E84-426E-40DD-AFC4-6F175D3DCCD1}">
+              <a14:hiddenFill xmlns:a14="http://schemas.microsoft.com/office/drawing/2010/main">
+                <a:solidFill>
+                  <a:srgbClr val="FFFFFF"/>
+                </a:solidFill>
+              </a14:hiddenFill>
+            </a:ext>
+          </a:extLst>
+        </p:spPr>
+      </p:pic>
     </p:spTree>
     <p:extLst>
       <p:ext uri="{BB962C8B-B14F-4D97-AF65-F5344CB8AC3E}">
@@ -10410,89 +9982,179 @@
             <a:spLocks noGrp="1"/>
           </p:cNvSpPr>
           <p:nvPr>
-            <p:ph idx="1"/>
+            <p:ph sz="half" idx="1"/>
           </p:nvPr>
         </p:nvSpPr>
         <p:spPr/>
         <p:txBody>
-          <a:bodyPr/>
+          <a:bodyPr>
+            <a:normAutofit/>
+          </a:bodyPr>
           <a:lstStyle/>
           <a:p>
-            <a:pPr marL="457200" indent="-457200">
-              <a:buFont typeface="+mj-lt"/>
-              <a:buAutoNum type="arabicPeriod"/>
-            </a:pPr>
-            <a:r>
-              <a:rPr lang="en-US" b="1" dirty="0"/>
-              <a:t>Unconditional if</a:t>
-            </a:r>
-          </a:p>
-          <a:p>
-            <a:pPr marL="457200" indent="-457200">
-              <a:buFont typeface="+mj-lt"/>
-              <a:buAutoNum type="arabicPeriod"/>
-            </a:pPr>
-            <a:r>
-              <a:rPr lang="en-US" b="1" dirty="0"/>
-              <a:t>Conditional-if</a:t>
-            </a:r>
-          </a:p>
-          <a:p>
-            <a:pPr marL="457200" indent="-457200">
-              <a:buFont typeface="+mj-lt"/>
-              <a:buAutoNum type="arabicPeriod"/>
-            </a:pPr>
-            <a:r>
-              <a:rPr lang="en-US" b="1" dirty="0"/>
-              <a:t>Bi-conditional if</a:t>
-            </a:r>
-          </a:p>
-          <a:p>
-            <a:pPr marL="457200" indent="-457200">
-              <a:buFont typeface="+mj-lt"/>
-              <a:buAutoNum type="arabicPeriod"/>
-            </a:pPr>
-            <a:r>
-              <a:rPr lang="en-US" b="1" dirty="0"/>
-              <a:t>Cascaded-if</a:t>
-            </a:r>
-          </a:p>
-          <a:p>
-            <a:pPr marL="457200" indent="-457200">
-              <a:buFont typeface="+mj-lt"/>
-              <a:buAutoNum type="arabicPeriod"/>
-            </a:pPr>
-            <a:r>
-              <a:rPr lang="en-US" b="1" dirty="0"/>
-              <a:t>Nested-if</a:t>
-            </a:r>
-          </a:p>
-          <a:p>
-            <a:pPr marL="457200" indent="-457200">
-              <a:buFont typeface="+mj-lt"/>
-              <a:buAutoNum type="arabicPeriod"/>
-            </a:pPr>
-            <a:r>
-              <a:rPr lang="en-US" b="1" dirty="0"/>
-              <a:t>Switch statement</a:t>
-            </a:r>
-            <a:endParaRPr lang="en-GB" dirty="0"/>
-          </a:p>
-          <a:p>
             <a:pPr marL="0" indent="0">
               <a:buNone/>
             </a:pPr>
-            <a:endParaRPr lang="en-GB" dirty="0"/>
+            <a:r>
+              <a:rPr lang="en-US" sz="3200" b="1" dirty="0"/>
+              <a:t>Has</a:t>
+            </a:r>
           </a:p>
           <a:p>
             <a:pPr>
               <a:buFont typeface="Wingdings" panose="05000000000000000000" pitchFamily="2" charset="2"/>
               <a:buChar char="v"/>
             </a:pPr>
-            <a:endParaRPr lang="en-GB" dirty="0"/>
-          </a:p>
-        </p:txBody>
-      </p:sp>
+            <a:r>
+              <a:rPr lang="en-US" sz="3200" b="1" dirty="0"/>
+              <a:t>1 Condition</a:t>
+            </a:r>
+          </a:p>
+          <a:p>
+            <a:pPr>
+              <a:buFont typeface="Wingdings" panose="05000000000000000000" pitchFamily="2" charset="2"/>
+              <a:buChar char="v"/>
+            </a:pPr>
+            <a:r>
+              <a:rPr lang="en-US" sz="3200" b="1" dirty="0"/>
+              <a:t>1 Branch</a:t>
+            </a:r>
+          </a:p>
+          <a:p>
+            <a:pPr>
+              <a:buFont typeface="Wingdings" panose="05000000000000000000" pitchFamily="2" charset="2"/>
+              <a:buChar char="v"/>
+            </a:pPr>
+            <a:r>
+              <a:rPr lang="en-US" sz="3200" b="1" dirty="0"/>
+              <a:t>0 cascades</a:t>
+            </a:r>
+            <a:endParaRPr lang="en-GB" sz="3200" dirty="0"/>
+          </a:p>
+          <a:p>
+            <a:pPr>
+              <a:buFont typeface="Wingdings" panose="05000000000000000000" pitchFamily="2" charset="2"/>
+              <a:buChar char="v"/>
+            </a:pPr>
+            <a:endParaRPr lang="en-GB" sz="3200" dirty="0"/>
+          </a:p>
+        </p:txBody>
+      </p:sp>
+      <p:pic>
+        <p:nvPicPr>
+          <p:cNvPr id="6" name="Content Placeholder 5" descr="Icon&#10;&#10;Description automatically generated">
+            <a:extLst>
+              <a:ext uri="{FF2B5EF4-FFF2-40B4-BE49-F238E27FC236}">
+                <a16:creationId xmlns:a16="http://schemas.microsoft.com/office/drawing/2014/main" id="{31F95A2F-6915-4743-BD74-35E0E3C16365}"/>
+              </a:ext>
+            </a:extLst>
+          </p:cNvPr>
+          <p:cNvPicPr>
+            <a:picLocks noGrp="1" noChangeAspect="1"/>
+          </p:cNvPicPr>
+          <p:nvPr>
+            <p:ph sz="half" idx="2"/>
+          </p:nvPr>
+        </p:nvPicPr>
+        <p:blipFill>
+          <a:blip r:embed="rId2">
+            <a:extLst>
+              <a:ext uri="{28A0092B-C50C-407E-A947-70E740481C1C}">
+                <a14:useLocalDpi xmlns:a14="http://schemas.microsoft.com/office/drawing/2010/main" val="0"/>
+              </a:ext>
+            </a:extLst>
+          </a:blip>
+          <a:stretch>
+            <a:fillRect/>
+          </a:stretch>
+        </p:blipFill>
+        <p:spPr>
+          <a:xfrm>
+            <a:off x="5301142" y="2172290"/>
+            <a:ext cx="2427916" cy="3370672"/>
+          </a:xfrm>
+        </p:spPr>
+      </p:pic>
+      <p:cxnSp>
+        <p:nvCxnSpPr>
+          <p:cNvPr id="8" name="Straight Arrow Connector 7">
+            <a:extLst>
+              <a:ext uri="{FF2B5EF4-FFF2-40B4-BE49-F238E27FC236}">
+                <a16:creationId xmlns:a16="http://schemas.microsoft.com/office/drawing/2014/main" id="{3C5CD9F2-A19B-48B9-B5CA-99B513785913}"/>
+              </a:ext>
+            </a:extLst>
+          </p:cNvPr>
+          <p:cNvCxnSpPr/>
+          <p:nvPr/>
+        </p:nvCxnSpPr>
+        <p:spPr>
+          <a:xfrm>
+            <a:off x="3355942" y="2724346"/>
+            <a:ext cx="2950590" cy="320512"/>
+          </a:xfrm>
+          <a:prstGeom prst="straightConnector1">
+            <a:avLst/>
+          </a:prstGeom>
+          <a:ln>
+            <a:tailEnd type="triangle"/>
+          </a:ln>
+        </p:spPr>
+        <p:style>
+          <a:lnRef idx="1">
+            <a:schemeClr val="accent1"/>
+          </a:lnRef>
+          <a:fillRef idx="0">
+            <a:schemeClr val="accent1"/>
+          </a:fillRef>
+          <a:effectRef idx="0">
+            <a:schemeClr val="accent1"/>
+          </a:effectRef>
+          <a:fontRef idx="minor">
+            <a:schemeClr val="tx1"/>
+          </a:fontRef>
+        </p:style>
+      </p:cxnSp>
+      <p:cxnSp>
+        <p:nvCxnSpPr>
+          <p:cNvPr id="9" name="Straight Arrow Connector 8">
+            <a:extLst>
+              <a:ext uri="{FF2B5EF4-FFF2-40B4-BE49-F238E27FC236}">
+                <a16:creationId xmlns:a16="http://schemas.microsoft.com/office/drawing/2014/main" id="{A534CD7A-4A52-45E9-B76C-B1FB404A0E3C}"/>
+              </a:ext>
+            </a:extLst>
+          </p:cNvPr>
+          <p:cNvCxnSpPr>
+            <a:cxnSpLocks/>
+          </p:cNvCxnSpPr>
+          <p:nvPr/>
+        </p:nvCxnSpPr>
+        <p:spPr>
+          <a:xfrm>
+            <a:off x="3142427" y="3436658"/>
+            <a:ext cx="2937862" cy="486812"/>
+          </a:xfrm>
+          <a:prstGeom prst="straightConnector1">
+            <a:avLst/>
+          </a:prstGeom>
+          <a:ln>
+            <a:tailEnd type="triangle"/>
+          </a:ln>
+        </p:spPr>
+        <p:style>
+          <a:lnRef idx="1">
+            <a:schemeClr val="accent1"/>
+          </a:lnRef>
+          <a:fillRef idx="0">
+            <a:schemeClr val="accent1"/>
+          </a:fillRef>
+          <a:effectRef idx="0">
+            <a:schemeClr val="accent1"/>
+          </a:effectRef>
+          <a:fontRef idx="minor">
+            <a:schemeClr val="tx1"/>
+          </a:fontRef>
+        </p:style>
+      </p:cxnSp>
     </p:spTree>
     <p:extLst>
       <p:ext uri="{BB962C8B-B14F-4D97-AF65-F5344CB8AC3E}">
@@ -10564,89 +10226,105 @@
             <a:spLocks noGrp="1"/>
           </p:cNvSpPr>
           <p:nvPr>
-            <p:ph idx="1"/>
+            <p:ph sz="half" idx="1"/>
           </p:nvPr>
         </p:nvSpPr>
         <p:spPr/>
         <p:txBody>
-          <a:bodyPr/>
+          <a:bodyPr>
+            <a:normAutofit/>
+          </a:bodyPr>
           <a:lstStyle/>
           <a:p>
-            <a:pPr marL="457200" indent="-457200">
-              <a:buFont typeface="+mj-lt"/>
-              <a:buAutoNum type="arabicPeriod"/>
-            </a:pPr>
-            <a:r>
-              <a:rPr lang="en-US" b="1" dirty="0"/>
-              <a:t>Unconditional if</a:t>
-            </a:r>
-          </a:p>
-          <a:p>
-            <a:pPr marL="457200" indent="-457200">
-              <a:buFont typeface="+mj-lt"/>
-              <a:buAutoNum type="arabicPeriod"/>
-            </a:pPr>
-            <a:r>
-              <a:rPr lang="en-US" b="1" dirty="0"/>
-              <a:t>Conditional-if</a:t>
-            </a:r>
-          </a:p>
-          <a:p>
-            <a:pPr marL="457200" indent="-457200">
-              <a:buFont typeface="+mj-lt"/>
-              <a:buAutoNum type="arabicPeriod"/>
-            </a:pPr>
-            <a:r>
-              <a:rPr lang="en-US" b="1" dirty="0"/>
-              <a:t>Bi-conditional if</a:t>
-            </a:r>
-          </a:p>
-          <a:p>
-            <a:pPr marL="457200" indent="-457200">
-              <a:buFont typeface="+mj-lt"/>
-              <a:buAutoNum type="arabicPeriod"/>
-            </a:pPr>
-            <a:r>
-              <a:rPr lang="en-US" b="1" dirty="0"/>
-              <a:t>Cascaded-if</a:t>
-            </a:r>
-          </a:p>
-          <a:p>
-            <a:pPr marL="457200" indent="-457200">
-              <a:buFont typeface="+mj-lt"/>
-              <a:buAutoNum type="arabicPeriod"/>
-            </a:pPr>
-            <a:r>
-              <a:rPr lang="en-US" b="1" dirty="0"/>
-              <a:t>Nested-if</a:t>
-            </a:r>
-          </a:p>
-          <a:p>
-            <a:pPr marL="457200" indent="-457200">
-              <a:buFont typeface="+mj-lt"/>
-              <a:buAutoNum type="arabicPeriod"/>
-            </a:pPr>
-            <a:r>
-              <a:rPr lang="en-US" b="1" dirty="0"/>
-              <a:t>Switch statement</a:t>
-            </a:r>
-            <a:endParaRPr lang="en-GB" dirty="0"/>
-          </a:p>
-          <a:p>
             <a:pPr marL="0" indent="0">
               <a:buNone/>
             </a:pPr>
-            <a:endParaRPr lang="en-GB" dirty="0"/>
+            <a:r>
+              <a:rPr lang="en-US" sz="3200" b="1" dirty="0"/>
+              <a:t>Has</a:t>
+            </a:r>
           </a:p>
           <a:p>
             <a:pPr>
               <a:buFont typeface="Wingdings" panose="05000000000000000000" pitchFamily="2" charset="2"/>
               <a:buChar char="v"/>
             </a:pPr>
-            <a:endParaRPr lang="en-GB" dirty="0"/>
-          </a:p>
-        </p:txBody>
-      </p:sp>
+            <a:r>
+              <a:rPr lang="en-US" sz="3200" b="1" dirty="0"/>
+              <a:t>1 Condition</a:t>
+            </a:r>
+          </a:p>
+          <a:p>
+            <a:pPr>
+              <a:buFont typeface="Wingdings" panose="05000000000000000000" pitchFamily="2" charset="2"/>
+              <a:buChar char="v"/>
+            </a:pPr>
+            <a:r>
+              <a:rPr lang="en-US" sz="3200" b="1" dirty="0"/>
+              <a:t>2 Branches</a:t>
+            </a:r>
+          </a:p>
+          <a:p>
+            <a:pPr>
+              <a:buFont typeface="Wingdings" panose="05000000000000000000" pitchFamily="2" charset="2"/>
+              <a:buChar char="v"/>
+            </a:pPr>
+            <a:r>
+              <a:rPr lang="en-US" sz="3200" b="1" dirty="0"/>
+              <a:t>0 cascades</a:t>
+            </a:r>
+            <a:endParaRPr lang="en-GB" sz="3200" dirty="0"/>
+          </a:p>
+          <a:p>
+            <a:pPr marL="0" indent="0">
+              <a:buNone/>
+            </a:pPr>
+            <a:endParaRPr lang="en-GB" sz="3200" dirty="0"/>
+          </a:p>
+          <a:p>
+            <a:pPr>
+              <a:buFont typeface="Wingdings" panose="05000000000000000000" pitchFamily="2" charset="2"/>
+              <a:buChar char="v"/>
+            </a:pPr>
+            <a:endParaRPr lang="en-GB" sz="3200" dirty="0"/>
+          </a:p>
+        </p:txBody>
+      </p:sp>
+      <p:pic>
+        <p:nvPicPr>
+          <p:cNvPr id="6" name="Content Placeholder 5" descr="Diagram&#10;&#10;Description automatically generated">
+            <a:extLst>
+              <a:ext uri="{FF2B5EF4-FFF2-40B4-BE49-F238E27FC236}">
+                <a16:creationId xmlns:a16="http://schemas.microsoft.com/office/drawing/2014/main" id="{7116AB35-7A5A-45B9-A312-1D5D957E7511}"/>
+              </a:ext>
+            </a:extLst>
+          </p:cNvPr>
+          <p:cNvPicPr>
+            <a:picLocks noGrp="1" noChangeAspect="1"/>
+          </p:cNvPicPr>
+          <p:nvPr>
+            <p:ph sz="half" idx="2"/>
+          </p:nvPr>
+        </p:nvPicPr>
+        <p:blipFill>
+          <a:blip r:embed="rId2">
+            <a:extLst>
+              <a:ext uri="{28A0092B-C50C-407E-A947-70E740481C1C}">
+                <a14:useLocalDpi xmlns:a14="http://schemas.microsoft.com/office/drawing/2010/main" val="0"/>
+              </a:ext>
+            </a:extLst>
+          </a:blip>
+          <a:stretch>
+            <a:fillRect/>
+          </a:stretch>
+        </p:blipFill>
+        <p:spPr>
+          <a:xfrm>
+            <a:off x="4526280" y="2146831"/>
+            <a:ext cx="3566138" cy="2564337"/>
+          </a:xfrm>
+        </p:spPr>
+      </p:pic>
     </p:spTree>
     <p:extLst>
       <p:ext uri="{BB962C8B-B14F-4D97-AF65-F5344CB8AC3E}">
@@ -10944,18 +10622,18 @@
 </file>
 
 <file path=customXml/item1.xml><?xml version="1.0" encoding="utf-8"?>
-<p:properties xmlns:p="http://schemas.microsoft.com/office/2006/metadata/properties" xmlns:xsi="http://www.w3.org/2001/XMLSchema-instance" xmlns:pc="http://schemas.microsoft.com/office/infopath/2007/PartnerControls">
-  <documentManagement/>
-</p:properties>
-</file>
-
-<file path=customXml/item2.xml><?xml version="1.0" encoding="utf-8"?>
 <?mso-contentType ?>
 <FormTemplates xmlns="http://schemas.microsoft.com/sharepoint/v3/contenttype/forms">
   <Display>DocumentLibraryForm</Display>
   <Edit>DocumentLibraryForm</Edit>
   <New>DocumentLibraryForm</New>
 </FormTemplates>
+</file>
+
+<file path=customXml/item2.xml><?xml version="1.0" encoding="utf-8"?>
+<p:properties xmlns:p="http://schemas.microsoft.com/office/2006/metadata/properties" xmlns:xsi="http://www.w3.org/2001/XMLSchema-instance" xmlns:pc="http://schemas.microsoft.com/office/infopath/2007/PartnerControls">
+  <documentManagement/>
+</p:properties>
 </file>
 
 <file path=customXml/item3.xml><?xml version="1.0" encoding="utf-8"?>
@@ -11182,6 +10860,14 @@
 </file>
 
 <file path=customXml/itemProps1.xml><?xml version="1.0" encoding="utf-8"?>
+<ds:datastoreItem xmlns:ds="http://schemas.openxmlformats.org/officeDocument/2006/customXml" ds:itemID="{07A05CC1-FF68-453F-AE9C-352B80151440}">
+  <ds:schemaRefs>
+    <ds:schemaRef ds:uri="http://schemas.microsoft.com/sharepoint/v3/contenttype/forms"/>
+  </ds:schemaRefs>
+</ds:datastoreItem>
+</file>
+
+<file path=customXml/itemProps2.xml><?xml version="1.0" encoding="utf-8"?>
 <ds:datastoreItem xmlns:ds="http://schemas.openxmlformats.org/officeDocument/2006/customXml" ds:itemID="{1B174DBE-1AD7-495B-B168-212A7EE723A6}">
   <ds:schemaRefs>
     <ds:schemaRef ds:uri="http://schemas.microsoft.com/office/2006/documentManagement/types"/>
@@ -11194,14 +10880,6 @@
     <ds:schemaRef ds:uri="http://schemas.openxmlformats.org/package/2006/metadata/core-properties"/>
     <ds:schemaRef ds:uri="http://www.w3.org/XML/1998/namespace"/>
     <ds:schemaRef ds:uri="http://purl.org/dc/dcmitype/"/>
-  </ds:schemaRefs>
-</ds:datastoreItem>
-</file>
-
-<file path=customXml/itemProps2.xml><?xml version="1.0" encoding="utf-8"?>
-<ds:datastoreItem xmlns:ds="http://schemas.openxmlformats.org/officeDocument/2006/customXml" ds:itemID="{07A05CC1-FF68-453F-AE9C-352B80151440}">
-  <ds:schemaRefs>
-    <ds:schemaRef ds:uri="http://schemas.microsoft.com/sharepoint/v3/contenttype/forms"/>
   </ds:schemaRefs>
 </ds:datastoreItem>
 </file>

--- a/thesis/ukapp2/wqu_isc/sofware_design/Lesson 2 - Java.pptx
+++ b/thesis/ukapp2/wqu_isc/sofware_design/Lesson 2 - Java.pptx
@@ -1,6 +1,6 @@
 
 <file path=ppt/presentation.xml><?xml version="1.0" encoding="utf-8"?>
-<p:presentation xmlns:a="http://schemas.openxmlformats.org/drawingml/2006/main" xmlns:r="http://schemas.openxmlformats.org/officeDocument/2006/relationships" xmlns:p="http://schemas.openxmlformats.org/presentationml/2006/main" saveSubsetFonts="1">
+<p:presentation xmlns:a="http://schemas.openxmlformats.org/drawingml/2006/main" xmlns:r="http://schemas.openxmlformats.org/officeDocument/2006/relationships" xmlns:p="http://schemas.openxmlformats.org/presentationml/2006/main" embedTrueTypeFonts="1" saveSubsetFonts="1">
   <p:sldMasterIdLst>
     <p:sldMasterId id="2147483672" r:id="rId4"/>
   </p:sldMasterIdLst>
@@ -36,6 +36,27 @@
   </p:sldIdLst>
   <p:sldSz cx="9144000" cy="6858000" type="screen4x3"/>
   <p:notesSz cx="6858000" cy="9144000"/>
+  <p:embeddedFontLst>
+    <p:embeddedFont>
+      <p:font typeface="Calibri" panose="020F0502020204030204" pitchFamily="34" charset="0"/>
+      <p:regular r:id="rId33"/>
+      <p:bold r:id="rId34"/>
+      <p:italic r:id="rId35"/>
+      <p:boldItalic r:id="rId36"/>
+    </p:embeddedFont>
+    <p:embeddedFont>
+      <p:font typeface="Calibri Light" panose="020F0302020204030204" pitchFamily="34" charset="0"/>
+      <p:regular r:id="rId37"/>
+      <p:italic r:id="rId38"/>
+    </p:embeddedFont>
+    <p:embeddedFont>
+      <p:font typeface="Consolas" panose="020B0609020204030204" pitchFamily="49" charset="0"/>
+      <p:regular r:id="rId39"/>
+      <p:bold r:id="rId40"/>
+      <p:italic r:id="rId41"/>
+      <p:boldItalic r:id="rId42"/>
+    </p:embeddedFont>
+  </p:embeddedFontLst>
   <p:defaultTextStyle>
     <a:defPPr>
       <a:defRPr lang="en-US"/>
@@ -365,7 +386,7 @@
           <a:p>
             <a:fld id="{CD13FC2D-BEDB-45BE-AF82-649A39BEFF71}" type="datetimeFigureOut">
               <a:rPr lang="en-GB" smtClean="0"/>
-              <a:t>19/10/2020</a:t>
+              <a:t>20/10/2020</a:t>
             </a:fld>
             <a:endParaRPr lang="en-GB"/>
           </a:p>
@@ -576,7 +597,7 @@
           <a:p>
             <a:fld id="{CD13FC2D-BEDB-45BE-AF82-649A39BEFF71}" type="datetimeFigureOut">
               <a:rPr lang="en-GB" smtClean="0"/>
-              <a:t>19/10/2020</a:t>
+              <a:t>20/10/2020</a:t>
             </a:fld>
             <a:endParaRPr lang="en-GB"/>
           </a:p>
@@ -835,7 +856,7 @@
           <a:p>
             <a:fld id="{CD13FC2D-BEDB-45BE-AF82-649A39BEFF71}" type="datetimeFigureOut">
               <a:rPr lang="en-GB" smtClean="0"/>
-              <a:t>19/10/2020</a:t>
+              <a:t>20/10/2020</a:t>
             </a:fld>
             <a:endParaRPr lang="en-GB"/>
           </a:p>
@@ -1008,7 +1029,7 @@
           <a:p>
             <a:fld id="{CD13FC2D-BEDB-45BE-AF82-649A39BEFF71}" type="datetimeFigureOut">
               <a:rPr lang="en-GB" smtClean="0"/>
-              <a:t>19/10/2020</a:t>
+              <a:t>20/10/2020</a:t>
             </a:fld>
             <a:endParaRPr lang="en-GB"/>
           </a:p>
@@ -1354,7 +1375,7 @@
           <a:p>
             <a:fld id="{CD13FC2D-BEDB-45BE-AF82-649A39BEFF71}" type="datetimeFigureOut">
               <a:rPr lang="en-GB" smtClean="0"/>
-              <a:t>19/10/2020</a:t>
+              <a:t>20/10/2020</a:t>
             </a:fld>
             <a:endParaRPr lang="en-GB"/>
           </a:p>
@@ -1632,7 +1653,7 @@
           <a:p>
             <a:fld id="{CD13FC2D-BEDB-45BE-AF82-649A39BEFF71}" type="datetimeFigureOut">
               <a:rPr lang="en-GB" smtClean="0"/>
-              <a:t>19/10/2020</a:t>
+              <a:t>20/10/2020</a:t>
             </a:fld>
             <a:endParaRPr lang="en-GB"/>
           </a:p>
@@ -2014,7 +2035,7 @@
           <a:p>
             <a:fld id="{CD13FC2D-BEDB-45BE-AF82-649A39BEFF71}" type="datetimeFigureOut">
               <a:rPr lang="en-GB" smtClean="0"/>
-              <a:t>19/10/2020</a:t>
+              <a:t>20/10/2020</a:t>
             </a:fld>
             <a:endParaRPr lang="en-GB"/>
           </a:p>
@@ -2135,7 +2156,7 @@
           <a:p>
             <a:fld id="{CD13FC2D-BEDB-45BE-AF82-649A39BEFF71}" type="datetimeFigureOut">
               <a:rPr lang="en-GB" smtClean="0"/>
-              <a:t>19/10/2020</a:t>
+              <a:t>20/10/2020</a:t>
             </a:fld>
             <a:endParaRPr lang="en-GB"/>
           </a:p>
@@ -2309,7 +2330,7 @@
           <a:p>
             <a:fld id="{CD13FC2D-BEDB-45BE-AF82-649A39BEFF71}" type="datetimeFigureOut">
               <a:rPr lang="en-GB" smtClean="0"/>
-              <a:t>19/10/2020</a:t>
+              <a:t>20/10/2020</a:t>
             </a:fld>
             <a:endParaRPr lang="en-GB"/>
           </a:p>
@@ -2666,7 +2687,7 @@
           <a:p>
             <a:fld id="{CD13FC2D-BEDB-45BE-AF82-649A39BEFF71}" type="datetimeFigureOut">
               <a:rPr lang="en-GB" smtClean="0"/>
-              <a:t>19/10/2020</a:t>
+              <a:t>20/10/2020</a:t>
             </a:fld>
             <a:endParaRPr lang="en-GB"/>
           </a:p>
@@ -3051,7 +3072,7 @@
           <a:p>
             <a:fld id="{CD13FC2D-BEDB-45BE-AF82-649A39BEFF71}" type="datetimeFigureOut">
               <a:rPr lang="en-GB" smtClean="0"/>
-              <a:t>19/10/2020</a:t>
+              <a:t>20/10/2020</a:t>
             </a:fld>
             <a:endParaRPr lang="en-GB"/>
           </a:p>
@@ -3341,7 +3362,7 @@
           <a:p>
             <a:fld id="{CD13FC2D-BEDB-45BE-AF82-649A39BEFF71}" type="datetimeFigureOut">
               <a:rPr lang="en-GB" smtClean="0"/>
-              <a:t>19/10/2020</a:t>
+              <a:t>20/10/2020</a:t>
             </a:fld>
             <a:endParaRPr lang="en-GB"/>
           </a:p>
@@ -4306,10 +4327,10 @@
       </p:sp>
       <p:pic>
         <p:nvPicPr>
-          <p:cNvPr id="6" name="Content Placeholder 5" descr="Diagram&#10;&#10;Description automatically generated">
+          <p:cNvPr id="8" name="Content Placeholder 7" descr="Diagram&#10;&#10;Description automatically generated">
             <a:extLst>
               <a:ext uri="{FF2B5EF4-FFF2-40B4-BE49-F238E27FC236}">
-                <a16:creationId xmlns:a16="http://schemas.microsoft.com/office/drawing/2014/main" id="{0C841DF8-E2D3-4046-A63C-B3E27AF24F64}"/>
+                <a16:creationId xmlns:a16="http://schemas.microsoft.com/office/drawing/2014/main" id="{0F26566C-C29A-4278-954B-55F5BFF69AB7}"/>
               </a:ext>
             </a:extLst>
           </p:cNvPr>
@@ -4334,8 +4355,8 @@
         </p:blipFill>
         <p:spPr>
           <a:xfrm>
-            <a:off x="4617722" y="895813"/>
-            <a:ext cx="3026165" cy="5392262"/>
+            <a:off x="4600281" y="1210314"/>
+            <a:ext cx="3629320" cy="4944644"/>
           </a:xfrm>
         </p:spPr>
       </p:pic>
@@ -4373,7 +4394,7 @@
                             </p:stCondLst>
                             <p:childTnLst>
                               <p:par>
-                                <p:cTn id="5" presetID="2" presetClass="entr" presetSubtype="4" fill="hold" nodeType="clickEffect">
+                                <p:cTn id="5" presetID="2" presetClass="entr" presetSubtype="4" fill="hold" grpId="0" nodeType="clickEffect">
                                   <p:stCondLst>
                                     <p:cond delay="0"/>
                                   </p:stCondLst>
@@ -4381,97 +4402,6 @@
                                     <p:set>
                                       <p:cBhvr>
                                         <p:cTn id="6" dur="1" fill="hold">
-                                          <p:stCondLst>
-                                            <p:cond delay="0"/>
-                                          </p:stCondLst>
-                                        </p:cTn>
-                                        <p:tgtEl>
-                                          <p:spTgt spid="6"/>
-                                        </p:tgtEl>
-                                        <p:attrNameLst>
-                                          <p:attrName>style.visibility</p:attrName>
-                                        </p:attrNameLst>
-                                      </p:cBhvr>
-                                      <p:to>
-                                        <p:strVal val="visible"/>
-                                      </p:to>
-                                    </p:set>
-                                    <p:anim calcmode="lin" valueType="num">
-                                      <p:cBhvr additive="base">
-                                        <p:cTn id="7" dur="500" fill="hold"/>
-                                        <p:tgtEl>
-                                          <p:spTgt spid="6"/>
-                                        </p:tgtEl>
-                                        <p:attrNameLst>
-                                          <p:attrName>ppt_x</p:attrName>
-                                        </p:attrNameLst>
-                                      </p:cBhvr>
-                                      <p:tavLst>
-                                        <p:tav tm="0">
-                                          <p:val>
-                                            <p:strVal val="#ppt_x"/>
-                                          </p:val>
-                                        </p:tav>
-                                        <p:tav tm="100000">
-                                          <p:val>
-                                            <p:strVal val="#ppt_x"/>
-                                          </p:val>
-                                        </p:tav>
-                                      </p:tavLst>
-                                    </p:anim>
-                                    <p:anim calcmode="lin" valueType="num">
-                                      <p:cBhvr additive="base">
-                                        <p:cTn id="8" dur="500" fill="hold"/>
-                                        <p:tgtEl>
-                                          <p:spTgt spid="6"/>
-                                        </p:tgtEl>
-                                        <p:attrNameLst>
-                                          <p:attrName>ppt_y</p:attrName>
-                                        </p:attrNameLst>
-                                      </p:cBhvr>
-                                      <p:tavLst>
-                                        <p:tav tm="0">
-                                          <p:val>
-                                            <p:strVal val="1+#ppt_h/2"/>
-                                          </p:val>
-                                        </p:tav>
-                                        <p:tav tm="100000">
-                                          <p:val>
-                                            <p:strVal val="#ppt_y"/>
-                                          </p:val>
-                                        </p:tav>
-                                      </p:tavLst>
-                                    </p:anim>
-                                  </p:childTnLst>
-                                </p:cTn>
-                              </p:par>
-                            </p:childTnLst>
-                          </p:cTn>
-                        </p:par>
-                      </p:childTnLst>
-                    </p:cTn>
-                  </p:par>
-                  <p:par>
-                    <p:cTn id="9" fill="hold">
-                      <p:stCondLst>
-                        <p:cond delay="indefinite"/>
-                      </p:stCondLst>
-                      <p:childTnLst>
-                        <p:par>
-                          <p:cTn id="10" fill="hold">
-                            <p:stCondLst>
-                              <p:cond delay="0"/>
-                            </p:stCondLst>
-                            <p:childTnLst>
-                              <p:par>
-                                <p:cTn id="11" presetID="2" presetClass="entr" presetSubtype="4" fill="hold" grpId="0" nodeType="clickEffect">
-                                  <p:stCondLst>
-                                    <p:cond delay="0"/>
-                                  </p:stCondLst>
-                                  <p:childTnLst>
-                                    <p:set>
-                                      <p:cBhvr>
-                                        <p:cTn id="12" dur="1" fill="hold">
                                           <p:stCondLst>
                                             <p:cond delay="0"/>
                                           </p:stCondLst>
@@ -4489,7 +4419,7 @@
                                     </p:set>
                                     <p:anim calcmode="lin" valueType="num">
                                       <p:cBhvr additive="base">
-                                        <p:cTn id="13" dur="500" fill="hold"/>
+                                        <p:cTn id="7" dur="500" fill="hold"/>
                                         <p:tgtEl>
                                           <p:spTgt spid="3"/>
                                         </p:tgtEl>
@@ -4512,7 +4442,7 @@
                                     </p:anim>
                                     <p:anim calcmode="lin" valueType="num">
                                       <p:cBhvr additive="base">
-                                        <p:cTn id="14" dur="500" fill="hold"/>
+                                        <p:cTn id="8" dur="500" fill="hold"/>
                                         <p:tgtEl>
                                           <p:spTgt spid="3"/>
                                         </p:tgtEl>
@@ -8106,7 +8036,7 @@
             </a:pPr>
             <a:r>
               <a:rPr lang="en-US" sz="2800" dirty="0"/>
-              <a:t> However, if any path returns back to a previously executed statement those set of statements are in a loop control.</a:t>
+              <a:t> However, if any path does return back to a previously executed statement those set of statements are in a loop control.</a:t>
             </a:r>
             <a:endParaRPr lang="en-GB" sz="2800" dirty="0"/>
           </a:p>
@@ -8941,7 +8871,7 @@
             <p:ph idx="1"/>
             <p:extLst>
               <p:ext uri="{D42A27DB-BD31-4B8C-83A1-F6EECF244321}">
-                <p14:modId xmlns:p14="http://schemas.microsoft.com/office/powerpoint/2010/main" val="2814667886"/>
+                <p14:modId xmlns:p14="http://schemas.microsoft.com/office/powerpoint/2010/main" val="2669976427"/>
               </p:ext>
             </p:extLst>
           </p:nvPr>
@@ -9812,12 +9742,28 @@
                     <a:bodyPr/>
                     <a:lstStyle/>
                     <a:p>
-                      <a:pPr algn="ctr"/>
+                      <a:pPr marL="0" marR="0" lvl="0" indent="0" algn="ctr" defTabSz="914400" rtl="0" eaLnBrk="1" fontAlgn="auto" latinLnBrk="0" hangingPunct="1">
+                        <a:lnSpc>
+                          <a:spcPct val="100000"/>
+                        </a:lnSpc>
+                        <a:spcBef>
+                          <a:spcPts val="0"/>
+                        </a:spcBef>
+                        <a:spcAft>
+                          <a:spcPts val="0"/>
+                        </a:spcAft>
+                        <a:buClrTx/>
+                        <a:buSzTx/>
+                        <a:buFontTx/>
+                        <a:buNone/>
+                        <a:tabLst/>
+                        <a:defRPr/>
+                      </a:pPr>
                       <a:r>
                         <a:rPr lang="en-GB" dirty="0">
                           <a:sym typeface="Wingdings" panose="05000000000000000000" pitchFamily="2" charset="2"/>
                         </a:rPr>
-                        <a:t></a:t>
+                        <a:t></a:t>
                       </a:r>
                       <a:endParaRPr lang="en-GB" dirty="0"/>
                     </a:p>
@@ -9829,12 +9775,28 @@
                     <a:bodyPr/>
                     <a:lstStyle/>
                     <a:p>
-                      <a:pPr algn="ctr"/>
+                      <a:pPr marL="0" marR="0" lvl="0" indent="0" algn="ctr" defTabSz="914400" rtl="0" eaLnBrk="1" fontAlgn="auto" latinLnBrk="0" hangingPunct="1">
+                        <a:lnSpc>
+                          <a:spcPct val="100000"/>
+                        </a:lnSpc>
+                        <a:spcBef>
+                          <a:spcPts val="0"/>
+                        </a:spcBef>
+                        <a:spcAft>
+                          <a:spcPts val="0"/>
+                        </a:spcAft>
+                        <a:buClrTx/>
+                        <a:buSzTx/>
+                        <a:buFontTx/>
+                        <a:buNone/>
+                        <a:tabLst/>
+                        <a:defRPr/>
+                      </a:pPr>
                       <a:r>
                         <a:rPr lang="en-GB" dirty="0">
                           <a:sym typeface="Wingdings" panose="05000000000000000000" pitchFamily="2" charset="2"/>
                         </a:rPr>
-                        <a:t></a:t>
+                        <a:t></a:t>
                       </a:r>
                       <a:endParaRPr lang="en-GB" dirty="0"/>
                     </a:p>
@@ -17076,18 +17038,18 @@
 </file>
 
 <file path=customXml/item1.xml><?xml version="1.0" encoding="utf-8"?>
-<p:properties xmlns:p="http://schemas.microsoft.com/office/2006/metadata/properties" xmlns:xsi="http://www.w3.org/2001/XMLSchema-instance" xmlns:pc="http://schemas.microsoft.com/office/infopath/2007/PartnerControls">
-  <documentManagement/>
-</p:properties>
-</file>
-
-<file path=customXml/item2.xml><?xml version="1.0" encoding="utf-8"?>
 <?mso-contentType ?>
 <FormTemplates xmlns="http://schemas.microsoft.com/sharepoint/v3/contenttype/forms">
   <Display>DocumentLibraryForm</Display>
   <Edit>DocumentLibraryForm</Edit>
   <New>DocumentLibraryForm</New>
 </FormTemplates>
+</file>
+
+<file path=customXml/item2.xml><?xml version="1.0" encoding="utf-8"?>
+<p:properties xmlns:p="http://schemas.microsoft.com/office/2006/metadata/properties" xmlns:xsi="http://www.w3.org/2001/XMLSchema-instance" xmlns:pc="http://schemas.microsoft.com/office/infopath/2007/PartnerControls">
+  <documentManagement/>
+</p:properties>
 </file>
 
 <file path=customXml/item3.xml><?xml version="1.0" encoding="utf-8"?>
@@ -17314,6 +17276,14 @@
 </file>
 
 <file path=customXml/itemProps1.xml><?xml version="1.0" encoding="utf-8"?>
+<ds:datastoreItem xmlns:ds="http://schemas.openxmlformats.org/officeDocument/2006/customXml" ds:itemID="{07A05CC1-FF68-453F-AE9C-352B80151440}">
+  <ds:schemaRefs>
+    <ds:schemaRef ds:uri="http://schemas.microsoft.com/sharepoint/v3/contenttype/forms"/>
+  </ds:schemaRefs>
+</ds:datastoreItem>
+</file>
+
+<file path=customXml/itemProps2.xml><?xml version="1.0" encoding="utf-8"?>
 <ds:datastoreItem xmlns:ds="http://schemas.openxmlformats.org/officeDocument/2006/customXml" ds:itemID="{1B174DBE-1AD7-495B-B168-212A7EE723A6}">
   <ds:schemaRefs>
     <ds:schemaRef ds:uri="http://schemas.microsoft.com/office/2006/documentManagement/types"/>
@@ -17326,14 +17296,6 @@
     <ds:schemaRef ds:uri="http://schemas.openxmlformats.org/package/2006/metadata/core-properties"/>
     <ds:schemaRef ds:uri="http://www.w3.org/XML/1998/namespace"/>
     <ds:schemaRef ds:uri="http://purl.org/dc/dcmitype/"/>
-  </ds:schemaRefs>
-</ds:datastoreItem>
-</file>
-
-<file path=customXml/itemProps2.xml><?xml version="1.0" encoding="utf-8"?>
-<ds:datastoreItem xmlns:ds="http://schemas.openxmlformats.org/officeDocument/2006/customXml" ds:itemID="{07A05CC1-FF68-453F-AE9C-352B80151440}">
-  <ds:schemaRefs>
-    <ds:schemaRef ds:uri="http://schemas.microsoft.com/sharepoint/v3/contenttype/forms"/>
   </ds:schemaRefs>
 </ds:datastoreItem>
 </file>
